--- a/slides/Lecture1.pptx
+++ b/slides/Lecture1.pptx
@@ -7,23 +7,30 @@
   <p:sldIdLst>
     <p:sldId id="256" r:id="rId2"/>
     <p:sldId id="257" r:id="rId3"/>
-    <p:sldId id="258" r:id="rId4"/>
-    <p:sldId id="260" r:id="rId5"/>
-    <p:sldId id="259" r:id="rId6"/>
-    <p:sldId id="262" r:id="rId7"/>
-    <p:sldId id="263" r:id="rId8"/>
-    <p:sldId id="264" r:id="rId9"/>
-    <p:sldId id="266" r:id="rId10"/>
-    <p:sldId id="267" r:id="rId11"/>
-    <p:sldId id="268" r:id="rId12"/>
-    <p:sldId id="269" r:id="rId13"/>
-    <p:sldId id="270" r:id="rId14"/>
-    <p:sldId id="271" r:id="rId15"/>
-    <p:sldId id="272" r:id="rId16"/>
-    <p:sldId id="273" r:id="rId17"/>
-    <p:sldId id="274" r:id="rId18"/>
-    <p:sldId id="275" r:id="rId19"/>
-    <p:sldId id="276" r:id="rId20"/>
+    <p:sldId id="277" r:id="rId4"/>
+    <p:sldId id="258" r:id="rId5"/>
+    <p:sldId id="260" r:id="rId6"/>
+    <p:sldId id="259" r:id="rId7"/>
+    <p:sldId id="262" r:id="rId8"/>
+    <p:sldId id="263" r:id="rId9"/>
+    <p:sldId id="278" r:id="rId10"/>
+    <p:sldId id="264" r:id="rId11"/>
+    <p:sldId id="266" r:id="rId12"/>
+    <p:sldId id="267" r:id="rId13"/>
+    <p:sldId id="279" r:id="rId14"/>
+    <p:sldId id="280" r:id="rId15"/>
+    <p:sldId id="281" r:id="rId16"/>
+    <p:sldId id="282" r:id="rId17"/>
+    <p:sldId id="271" r:id="rId18"/>
+    <p:sldId id="272" r:id="rId19"/>
+    <p:sldId id="273" r:id="rId20"/>
+    <p:sldId id="274" r:id="rId21"/>
+    <p:sldId id="275" r:id="rId22"/>
+    <p:sldId id="276" r:id="rId23"/>
+    <p:sldId id="269" r:id="rId24"/>
+    <p:sldId id="270" r:id="rId25"/>
+    <p:sldId id="283" r:id="rId26"/>
+    <p:sldId id="284" r:id="rId27"/>
   </p:sldIdLst>
   <p:sldSz cx="12192000" cy="6858000"/>
   <p:notesSz cx="6858000" cy="9144000"/>
@@ -122,6 +129,11 @@
       </a:defRPr>
     </a:lvl9pPr>
   </p:defaultTextStyle>
+  <p:extLst>
+    <p:ext uri="{EFAFB233-063F-42B5-8137-9DF3F51BA10A}">
+      <p15:sldGuideLst xmlns:p15="http://schemas.microsoft.com/office/powerpoint/2012/main"/>
+    </p:ext>
+  </p:extLst>
 </p:presentation>
 </file>
 
@@ -3364,15 +3376,9 @@
           <a:p>
             <a:r>
               <a:rPr lang="en-US" dirty="0"/>
-              <a:t>Software Engineering</a:t>
-            </a:r>
-            <a:br>
-              <a:rPr lang="en-US" dirty="0"/>
-            </a:br>
-            <a:r>
-              <a:rPr lang="en-US" sz="4800" dirty="0"/>
-              <a:t>Lecture 1 Introduction</a:t>
-            </a:r>
+              <a:t>Introduction to Software Engineering</a:t>
+            </a:r>
+            <a:endParaRPr lang="en-US" sz="2700" dirty="0"/>
           </a:p>
         </p:txBody>
       </p:sp>
@@ -3404,6 +3410,12 @@
           <a:p>
             <a:r>
               <a:rPr lang="en-US" dirty="0"/>
+              <a:t>CS 6100 — Fall 2025</a:t>
+            </a:r>
+          </a:p>
+          <a:p>
+            <a:r>
+              <a:rPr lang="en-US" dirty="0"/>
               <a:t>Tong Zhou</a:t>
             </a:r>
           </a:p>
@@ -3415,6 +3427,126 @@
           </a:p>
         </p:txBody>
       </p:sp>
+      <p:pic>
+        <p:nvPicPr>
+          <p:cNvPr id="5" name="Picture 4">
+            <a:extLst>
+              <a:ext uri="{FF2B5EF4-FFF2-40B4-BE49-F238E27FC236}">
+                <a16:creationId xmlns:a16="http://schemas.microsoft.com/office/drawing/2014/main" id="{7728300D-2CF8-D7CA-2A10-6C95ED402AFB}"/>
+              </a:ext>
+            </a:extLst>
+          </p:cNvPr>
+          <p:cNvPicPr>
+            <a:picLocks noChangeAspect="1"/>
+          </p:cNvPicPr>
+          <p:nvPr/>
+        </p:nvPicPr>
+        <p:blipFill>
+          <a:blip r:embed="rId2">
+            <a:extLst>
+              <a:ext uri="{837473B0-CC2E-450A-ABE3-18F120FF3D39}">
+                <a1611:picAttrSrcUrl xmlns:a1611="http://schemas.microsoft.com/office/drawing/2016/11/main" r:id="rId3"/>
+              </a:ext>
+            </a:extLst>
+          </a:blip>
+          <a:stretch>
+            <a:fillRect/>
+          </a:stretch>
+        </p:blipFill>
+        <p:spPr>
+          <a:xfrm>
+            <a:off x="1524000" y="4700898"/>
+            <a:ext cx="1986351" cy="1474865"/>
+          </a:xfrm>
+          <a:prstGeom prst="rect">
+            <a:avLst/>
+          </a:prstGeom>
+        </p:spPr>
+      </p:pic>
+      <p:sp>
+        <p:nvSpPr>
+          <p:cNvPr id="6" name="TextBox 5">
+            <a:extLst>
+              <a:ext uri="{FF2B5EF4-FFF2-40B4-BE49-F238E27FC236}">
+                <a16:creationId xmlns:a16="http://schemas.microsoft.com/office/drawing/2014/main" id="{2ECDBFDA-11A7-9D38-8D21-EE88A6BF56C2}"/>
+              </a:ext>
+            </a:extLst>
+          </p:cNvPr>
+          <p:cNvSpPr txBox="1"/>
+          <p:nvPr/>
+        </p:nvSpPr>
+        <p:spPr>
+          <a:xfrm>
+            <a:off x="1524000" y="6330105"/>
+            <a:ext cx="1986351" cy="369332"/>
+          </a:xfrm>
+          <a:prstGeom prst="rect">
+            <a:avLst/>
+          </a:prstGeom>
+          <a:noFill/>
+        </p:spPr>
+        <p:txBody>
+          <a:bodyPr wrap="square" rtlCol="0">
+            <a:spAutoFit/>
+          </a:bodyPr>
+          <a:lstStyle/>
+          <a:p>
+            <a:r>
+              <a:rPr lang="en-US" sz="900" dirty="0">
+                <a:hlinkClick r:id="rId3" tooltip="https://blog.spiral.co.nz/2015/"/>
+              </a:rPr>
+              <a:t>This Photo</a:t>
+            </a:r>
+            <a:r>
+              <a:rPr lang="en-US" sz="900" dirty="0"/>
+              <a:t> by Unknown Author is licensed under </a:t>
+            </a:r>
+            <a:r>
+              <a:rPr lang="en-US" sz="900" dirty="0">
+                <a:hlinkClick r:id="rId4" tooltip="https://creativecommons.org/licenses/by/3.0/"/>
+              </a:rPr>
+              <a:t>CC BY</a:t>
+            </a:r>
+            <a:endParaRPr lang="en-US" sz="900" dirty="0"/>
+          </a:p>
+        </p:txBody>
+      </p:sp>
+      <p:pic>
+        <p:nvPicPr>
+          <p:cNvPr id="8" name="Picture 7">
+            <a:extLst>
+              <a:ext uri="{FF2B5EF4-FFF2-40B4-BE49-F238E27FC236}">
+                <a16:creationId xmlns:a16="http://schemas.microsoft.com/office/drawing/2014/main" id="{38F6D49C-E62F-841E-4BAC-588ADB90B7C3}"/>
+              </a:ext>
+            </a:extLst>
+          </p:cNvPr>
+          <p:cNvPicPr>
+            <a:picLocks noChangeAspect="1"/>
+          </p:cNvPicPr>
+          <p:nvPr/>
+        </p:nvPicPr>
+        <p:blipFill>
+          <a:blip r:embed="rId5">
+            <a:extLst>
+              <a:ext uri="{837473B0-CC2E-450A-ABE3-18F120FF3D39}">
+                <a1611:picAttrSrcUrl xmlns:a1611="http://schemas.microsoft.com/office/drawing/2016/11/main" r:id="rId6"/>
+              </a:ext>
+            </a:extLst>
+          </a:blip>
+          <a:stretch>
+            <a:fillRect/>
+          </a:stretch>
+        </p:blipFill>
+        <p:spPr>
+          <a:xfrm>
+            <a:off x="8786452" y="4700898"/>
+            <a:ext cx="1881548" cy="1655762"/>
+          </a:xfrm>
+          <a:prstGeom prst="rect">
+            <a:avLst/>
+          </a:prstGeom>
+        </p:spPr>
+      </p:pic>
     </p:spTree>
     <p:extLst>
       <p:ext uri="{BB962C8B-B14F-4D97-AF65-F5344CB8AC3E}">
@@ -3429,2992 +3561,6 @@
 </file>
 
 <file path=ppt/slides/slide10.xml><?xml version="1.0" encoding="utf-8"?>
-<p:sld xmlns:a="http://schemas.openxmlformats.org/drawingml/2006/main" xmlns:r="http://schemas.openxmlformats.org/officeDocument/2006/relationships" xmlns:p="http://schemas.openxmlformats.org/presentationml/2006/main">
-  <p:cSld>
-    <p:spTree>
-      <p:nvGrpSpPr>
-        <p:cNvPr id="1" name=""/>
-        <p:cNvGrpSpPr/>
-        <p:nvPr/>
-      </p:nvGrpSpPr>
-      <p:grpSpPr>
-        <a:xfrm>
-          <a:off x="0" y="0"/>
-          <a:ext cx="0" cy="0"/>
-          <a:chOff x="0" y="0"/>
-          <a:chExt cx="0" cy="0"/>
-        </a:xfrm>
-      </p:grpSpPr>
-      <p:sp>
-        <p:nvSpPr>
-          <p:cNvPr id="2" name="Title 1">
-            <a:extLst>
-              <a:ext uri="{FF2B5EF4-FFF2-40B4-BE49-F238E27FC236}">
-                <a16:creationId xmlns:a16="http://schemas.microsoft.com/office/drawing/2014/main" id="{AFC72341-0174-D0A6-E5BA-D42BCBEA9275}"/>
-              </a:ext>
-            </a:extLst>
-          </p:cNvPr>
-          <p:cNvSpPr>
-            <a:spLocks noGrp="1"/>
-          </p:cNvSpPr>
-          <p:nvPr>
-            <p:ph type="title"/>
-          </p:nvPr>
-        </p:nvSpPr>
-        <p:spPr/>
-        <p:txBody>
-          <a:bodyPr/>
-          <a:lstStyle/>
-          <a:p>
-            <a:r>
-              <a:rPr lang="en-US" dirty="0"/>
-              <a:t>Famous software failure</a:t>
-            </a:r>
-          </a:p>
-        </p:txBody>
-      </p:sp>
-      <p:sp>
-        <p:nvSpPr>
-          <p:cNvPr id="3" name="Content Placeholder 2">
-            <a:extLst>
-              <a:ext uri="{FF2B5EF4-FFF2-40B4-BE49-F238E27FC236}">
-                <a16:creationId xmlns:a16="http://schemas.microsoft.com/office/drawing/2014/main" id="{0295DF1A-B2C5-7B52-CB7C-8EF3E55D02C4}"/>
-              </a:ext>
-            </a:extLst>
-          </p:cNvPr>
-          <p:cNvSpPr>
-            <a:spLocks noGrp="1"/>
-          </p:cNvSpPr>
-          <p:nvPr>
-            <p:ph idx="1"/>
-          </p:nvPr>
-        </p:nvSpPr>
-        <p:spPr/>
-        <p:txBody>
-          <a:bodyPr/>
-          <a:lstStyle/>
-          <a:p>
-            <a:endParaRPr lang="en-US" dirty="0"/>
-          </a:p>
-        </p:txBody>
-      </p:sp>
-    </p:spTree>
-    <p:extLst>
-      <p:ext uri="{BB962C8B-B14F-4D97-AF65-F5344CB8AC3E}">
-        <p14:creationId xmlns:p14="http://schemas.microsoft.com/office/powerpoint/2010/main" val="1826846615"/>
-      </p:ext>
-    </p:extLst>
-  </p:cSld>
-  <p:clrMapOvr>
-    <a:masterClrMapping/>
-  </p:clrMapOvr>
-</p:sld>
-</file>
-
-<file path=ppt/slides/slide11.xml><?xml version="1.0" encoding="utf-8"?>
-<p:sld xmlns:a="http://schemas.openxmlformats.org/drawingml/2006/main" xmlns:r="http://schemas.openxmlformats.org/officeDocument/2006/relationships" xmlns:p="http://schemas.openxmlformats.org/presentationml/2006/main">
-  <p:cSld>
-    <p:spTree>
-      <p:nvGrpSpPr>
-        <p:cNvPr id="1" name="">
-          <a:extLst>
-            <a:ext uri="{FF2B5EF4-FFF2-40B4-BE49-F238E27FC236}">
-              <a16:creationId xmlns:a16="http://schemas.microsoft.com/office/drawing/2014/main" id="{DCF04E43-C46C-4840-6A69-92948812B105}"/>
-            </a:ext>
-          </a:extLst>
-        </p:cNvPr>
-        <p:cNvGrpSpPr/>
-        <p:nvPr/>
-      </p:nvGrpSpPr>
-      <p:grpSpPr>
-        <a:xfrm>
-          <a:off x="0" y="0"/>
-          <a:ext cx="0" cy="0"/>
-          <a:chOff x="0" y="0"/>
-          <a:chExt cx="0" cy="0"/>
-        </a:xfrm>
-      </p:grpSpPr>
-      <p:sp>
-        <p:nvSpPr>
-          <p:cNvPr id="2" name="Title 1">
-            <a:extLst>
-              <a:ext uri="{FF2B5EF4-FFF2-40B4-BE49-F238E27FC236}">
-                <a16:creationId xmlns:a16="http://schemas.microsoft.com/office/drawing/2014/main" id="{8FD1F2E1-F9E8-8AB7-91DF-19A42BA65B1B}"/>
-              </a:ext>
-            </a:extLst>
-          </p:cNvPr>
-          <p:cNvSpPr>
-            <a:spLocks noGrp="1"/>
-          </p:cNvSpPr>
-          <p:nvPr>
-            <p:ph type="title"/>
-          </p:nvPr>
-        </p:nvSpPr>
-        <p:spPr/>
-        <p:txBody>
-          <a:bodyPr/>
-          <a:lstStyle/>
-          <a:p>
-            <a:r>
-              <a:rPr lang="en-US" dirty="0"/>
-              <a:t>Course logistics – Grading </a:t>
-            </a:r>
-          </a:p>
-        </p:txBody>
-      </p:sp>
-      <p:sp>
-        <p:nvSpPr>
-          <p:cNvPr id="3" name="Content Placeholder 2">
-            <a:extLst>
-              <a:ext uri="{FF2B5EF4-FFF2-40B4-BE49-F238E27FC236}">
-                <a16:creationId xmlns:a16="http://schemas.microsoft.com/office/drawing/2014/main" id="{CC5BA300-5116-1D20-0512-2AE3CE64F2F7}"/>
-              </a:ext>
-            </a:extLst>
-          </p:cNvPr>
-          <p:cNvSpPr>
-            <a:spLocks noGrp="1"/>
-          </p:cNvSpPr>
-          <p:nvPr>
-            <p:ph idx="1"/>
-          </p:nvPr>
-        </p:nvSpPr>
-        <p:spPr/>
-        <p:txBody>
-          <a:bodyPr/>
-          <a:lstStyle/>
-          <a:p>
-            <a:r>
-              <a:rPr lang="en-US" dirty="0"/>
-              <a:t>Final grade</a:t>
-            </a:r>
-          </a:p>
-          <a:p>
-            <a:pPr lvl="1"/>
-            <a:r>
-              <a:rPr lang="en-US" dirty="0"/>
-              <a:t>20% homework assignments</a:t>
-            </a:r>
-          </a:p>
-          <a:p>
-            <a:pPr lvl="1"/>
-            <a:r>
-              <a:rPr lang="en-US" dirty="0"/>
-              <a:t>20% midterm exam</a:t>
-            </a:r>
-          </a:p>
-          <a:p>
-            <a:pPr lvl="1"/>
-            <a:r>
-              <a:rPr lang="en-US" dirty="0"/>
-              <a:t>60% software engineering project</a:t>
-            </a:r>
-          </a:p>
-          <a:p>
-            <a:pPr lvl="1"/>
-            <a:endParaRPr lang="en-US" dirty="0"/>
-          </a:p>
-          <a:p>
-            <a:endParaRPr lang="en-US" dirty="0"/>
-          </a:p>
-          <a:p>
-            <a:pPr lvl="1"/>
-            <a:endParaRPr lang="en-US" dirty="0"/>
-          </a:p>
-        </p:txBody>
-      </p:sp>
-    </p:spTree>
-    <p:extLst>
-      <p:ext uri="{BB962C8B-B14F-4D97-AF65-F5344CB8AC3E}">
-        <p14:creationId xmlns:p14="http://schemas.microsoft.com/office/powerpoint/2010/main" val="3113755909"/>
-      </p:ext>
-    </p:extLst>
-  </p:cSld>
-  <p:clrMapOvr>
-    <a:masterClrMapping/>
-  </p:clrMapOvr>
-</p:sld>
-</file>
-
-<file path=ppt/slides/slide12.xml><?xml version="1.0" encoding="utf-8"?>
-<p:sld xmlns:a="http://schemas.openxmlformats.org/drawingml/2006/main" xmlns:r="http://schemas.openxmlformats.org/officeDocument/2006/relationships" xmlns:p="http://schemas.openxmlformats.org/presentationml/2006/main">
-  <p:cSld>
-    <p:spTree>
-      <p:nvGrpSpPr>
-        <p:cNvPr id="1" name="">
-          <a:extLst>
-            <a:ext uri="{FF2B5EF4-FFF2-40B4-BE49-F238E27FC236}">
-              <a16:creationId xmlns:a16="http://schemas.microsoft.com/office/drawing/2014/main" id="{F71B5652-0A0C-D84D-A68C-2537E6823D9E}"/>
-            </a:ext>
-          </a:extLst>
-        </p:cNvPr>
-        <p:cNvGrpSpPr/>
-        <p:nvPr/>
-      </p:nvGrpSpPr>
-      <p:grpSpPr>
-        <a:xfrm>
-          <a:off x="0" y="0"/>
-          <a:ext cx="0" cy="0"/>
-          <a:chOff x="0" y="0"/>
-          <a:chExt cx="0" cy="0"/>
-        </a:xfrm>
-      </p:grpSpPr>
-      <p:sp>
-        <p:nvSpPr>
-          <p:cNvPr id="2" name="Title 1">
-            <a:extLst>
-              <a:ext uri="{FF2B5EF4-FFF2-40B4-BE49-F238E27FC236}">
-                <a16:creationId xmlns:a16="http://schemas.microsoft.com/office/drawing/2014/main" id="{3438CADF-BE77-DE6C-63FE-E997C80592D2}"/>
-              </a:ext>
-            </a:extLst>
-          </p:cNvPr>
-          <p:cNvSpPr>
-            <a:spLocks noGrp="1"/>
-          </p:cNvSpPr>
-          <p:nvPr>
-            <p:ph type="title"/>
-          </p:nvPr>
-        </p:nvSpPr>
-        <p:spPr/>
-        <p:txBody>
-          <a:bodyPr/>
-          <a:lstStyle/>
-          <a:p>
-            <a:r>
-              <a:rPr lang="en-US" dirty="0"/>
-              <a:t>Course logistics</a:t>
-            </a:r>
-          </a:p>
-        </p:txBody>
-      </p:sp>
-      <p:sp>
-        <p:nvSpPr>
-          <p:cNvPr id="3" name="Content Placeholder 2">
-            <a:extLst>
-              <a:ext uri="{FF2B5EF4-FFF2-40B4-BE49-F238E27FC236}">
-                <a16:creationId xmlns:a16="http://schemas.microsoft.com/office/drawing/2014/main" id="{765C16D0-F01F-DC8F-D5F1-DFF527015B44}"/>
-              </a:ext>
-            </a:extLst>
-          </p:cNvPr>
-          <p:cNvSpPr>
-            <a:spLocks noGrp="1"/>
-          </p:cNvSpPr>
-          <p:nvPr>
-            <p:ph idx="1"/>
-          </p:nvPr>
-        </p:nvSpPr>
-        <p:spPr/>
-        <p:txBody>
-          <a:bodyPr/>
-          <a:lstStyle/>
-          <a:p>
-            <a:r>
-              <a:rPr lang="en-US" dirty="0"/>
-              <a:t>Textbook (reference)</a:t>
-            </a:r>
-          </a:p>
-          <a:p>
-            <a:pPr lvl="1"/>
-            <a:r>
-              <a:rPr lang="en-US" dirty="0"/>
-              <a:t>Software Engineering …</a:t>
-            </a:r>
-          </a:p>
-          <a:p>
-            <a:pPr lvl="1"/>
-            <a:r>
-              <a:rPr lang="en-US" dirty="0"/>
-              <a:t>…</a:t>
-            </a:r>
-          </a:p>
-          <a:p>
-            <a:pPr lvl="1"/>
-            <a:endParaRPr lang="en-US" dirty="0"/>
-          </a:p>
-          <a:p>
-            <a:pPr lvl="1"/>
-            <a:endParaRPr lang="en-US" dirty="0"/>
-          </a:p>
-          <a:p>
-            <a:r>
-              <a:rPr lang="en-US" dirty="0"/>
-              <a:t>Prerequisites</a:t>
-            </a:r>
-          </a:p>
-          <a:p>
-            <a:pPr lvl="1"/>
-            <a:r>
-              <a:rPr lang="en-US" dirty="0"/>
-              <a:t>Basic programming skills</a:t>
-            </a:r>
-          </a:p>
-          <a:p>
-            <a:pPr lvl="1"/>
-            <a:endParaRPr lang="en-US" dirty="0"/>
-          </a:p>
-        </p:txBody>
-      </p:sp>
-    </p:spTree>
-    <p:extLst>
-      <p:ext uri="{BB962C8B-B14F-4D97-AF65-F5344CB8AC3E}">
-        <p14:creationId xmlns:p14="http://schemas.microsoft.com/office/powerpoint/2010/main" val="1525870370"/>
-      </p:ext>
-    </p:extLst>
-  </p:cSld>
-  <p:clrMapOvr>
-    <a:masterClrMapping/>
-  </p:clrMapOvr>
-</p:sld>
-</file>
-
-<file path=ppt/slides/slide13.xml><?xml version="1.0" encoding="utf-8"?>
-<p:sld xmlns:a="http://schemas.openxmlformats.org/drawingml/2006/main" xmlns:r="http://schemas.openxmlformats.org/officeDocument/2006/relationships" xmlns:p="http://schemas.openxmlformats.org/presentationml/2006/main">
-  <p:cSld>
-    <p:spTree>
-      <p:nvGrpSpPr>
-        <p:cNvPr id="1" name=""/>
-        <p:cNvGrpSpPr/>
-        <p:nvPr/>
-      </p:nvGrpSpPr>
-      <p:grpSpPr>
-        <a:xfrm>
-          <a:off x="0" y="0"/>
-          <a:ext cx="0" cy="0"/>
-          <a:chOff x="0" y="0"/>
-          <a:chExt cx="0" cy="0"/>
-        </a:xfrm>
-      </p:grpSpPr>
-      <p:sp>
-        <p:nvSpPr>
-          <p:cNvPr id="2" name="Title 1">
-            <a:extLst>
-              <a:ext uri="{FF2B5EF4-FFF2-40B4-BE49-F238E27FC236}">
-                <a16:creationId xmlns:a16="http://schemas.microsoft.com/office/drawing/2014/main" id="{9C7CF2B7-80AC-CA7B-C097-F09CCBE35A9D}"/>
-              </a:ext>
-            </a:extLst>
-          </p:cNvPr>
-          <p:cNvSpPr>
-            <a:spLocks noGrp="1"/>
-          </p:cNvSpPr>
-          <p:nvPr>
-            <p:ph type="title"/>
-          </p:nvPr>
-        </p:nvSpPr>
-        <p:spPr/>
-        <p:txBody>
-          <a:bodyPr/>
-          <a:lstStyle/>
-          <a:p>
-            <a:r>
-              <a:rPr lang="en-US" dirty="0"/>
-              <a:t>Semester project – </a:t>
-            </a:r>
-            <a:r>
-              <a:rPr lang="en-US" dirty="0" err="1"/>
-              <a:t>Gomoku</a:t>
-            </a:r>
-            <a:r>
-              <a:rPr lang="en-US" dirty="0"/>
-              <a:t> game</a:t>
-            </a:r>
-          </a:p>
-        </p:txBody>
-      </p:sp>
-      <p:sp>
-        <p:nvSpPr>
-          <p:cNvPr id="3" name="Content Placeholder 2">
-            <a:extLst>
-              <a:ext uri="{FF2B5EF4-FFF2-40B4-BE49-F238E27FC236}">
-                <a16:creationId xmlns:a16="http://schemas.microsoft.com/office/drawing/2014/main" id="{F2C2992F-979A-8B66-CB05-BCA520B1A094}"/>
-              </a:ext>
-            </a:extLst>
-          </p:cNvPr>
-          <p:cNvSpPr>
-            <a:spLocks noGrp="1"/>
-          </p:cNvSpPr>
-          <p:nvPr>
-            <p:ph idx="1"/>
-          </p:nvPr>
-        </p:nvSpPr>
-        <p:spPr/>
-        <p:txBody>
-          <a:bodyPr/>
-          <a:lstStyle/>
-          <a:p>
-            <a:endParaRPr lang="en-US" dirty="0"/>
-          </a:p>
-        </p:txBody>
-      </p:sp>
-    </p:spTree>
-    <p:extLst>
-      <p:ext uri="{BB962C8B-B14F-4D97-AF65-F5344CB8AC3E}">
-        <p14:creationId xmlns:p14="http://schemas.microsoft.com/office/powerpoint/2010/main" val="2516142745"/>
-      </p:ext>
-    </p:extLst>
-  </p:cSld>
-  <p:clrMapOvr>
-    <a:masterClrMapping/>
-  </p:clrMapOvr>
-</p:sld>
-</file>
-
-<file path=ppt/slides/slide14.xml><?xml version="1.0" encoding="utf-8"?>
-<p:sld xmlns:a="http://schemas.openxmlformats.org/drawingml/2006/main" xmlns:r="http://schemas.openxmlformats.org/officeDocument/2006/relationships" xmlns:p="http://schemas.openxmlformats.org/presentationml/2006/main">
-  <p:cSld>
-    <p:spTree>
-      <p:nvGrpSpPr>
-        <p:cNvPr id="1" name=""/>
-        <p:cNvGrpSpPr/>
-        <p:nvPr/>
-      </p:nvGrpSpPr>
-      <p:grpSpPr>
-        <a:xfrm>
-          <a:off x="0" y="0"/>
-          <a:ext cx="0" cy="0"/>
-          <a:chOff x="0" y="0"/>
-          <a:chExt cx="0" cy="0"/>
-        </a:xfrm>
-      </p:grpSpPr>
-      <p:sp>
-        <p:nvSpPr>
-          <p:cNvPr id="2" name="Title 1">
-            <a:extLst>
-              <a:ext uri="{FF2B5EF4-FFF2-40B4-BE49-F238E27FC236}">
-                <a16:creationId xmlns:a16="http://schemas.microsoft.com/office/drawing/2014/main" id="{12F2C704-08E8-7DE8-9EA6-4D8CA2E10937}"/>
-              </a:ext>
-            </a:extLst>
-          </p:cNvPr>
-          <p:cNvSpPr>
-            <a:spLocks noGrp="1"/>
-          </p:cNvSpPr>
-          <p:nvPr>
-            <p:ph type="title"/>
-          </p:nvPr>
-        </p:nvSpPr>
-        <p:spPr/>
-        <p:txBody>
-          <a:bodyPr/>
-          <a:lstStyle/>
-          <a:p>
-            <a:r>
-              <a:rPr lang="en-US" dirty="0"/>
-              <a:t>Main course topics</a:t>
-            </a:r>
-          </a:p>
-        </p:txBody>
-      </p:sp>
-      <p:sp>
-        <p:nvSpPr>
-          <p:cNvPr id="3" name="Content Placeholder 2">
-            <a:extLst>
-              <a:ext uri="{FF2B5EF4-FFF2-40B4-BE49-F238E27FC236}">
-                <a16:creationId xmlns:a16="http://schemas.microsoft.com/office/drawing/2014/main" id="{3B815FE5-78DD-ED18-7743-B67F38B9E81C}"/>
-              </a:ext>
-            </a:extLst>
-          </p:cNvPr>
-          <p:cNvSpPr>
-            <a:spLocks noGrp="1"/>
-          </p:cNvSpPr>
-          <p:nvPr>
-            <p:ph idx="1"/>
-          </p:nvPr>
-        </p:nvSpPr>
-        <p:spPr/>
-        <p:txBody>
-          <a:bodyPr/>
-          <a:lstStyle/>
-          <a:p>
-            <a:r>
-              <a:rPr lang="en-US" dirty="0"/>
-              <a:t>How to write </a:t>
-            </a:r>
-            <a:r>
-              <a:rPr lang="en-US" u="sng" dirty="0"/>
-              <a:t>quality</a:t>
-            </a:r>
-            <a:r>
-              <a:rPr lang="en-US" dirty="0"/>
-              <a:t> code?</a:t>
-            </a:r>
-          </a:p>
-          <a:p>
-            <a:endParaRPr lang="en-US" dirty="0"/>
-          </a:p>
-          <a:p>
-            <a:endParaRPr lang="en-US" dirty="0"/>
-          </a:p>
-        </p:txBody>
-      </p:sp>
-    </p:spTree>
-    <p:extLst>
-      <p:ext uri="{BB962C8B-B14F-4D97-AF65-F5344CB8AC3E}">
-        <p14:creationId xmlns:p14="http://schemas.microsoft.com/office/powerpoint/2010/main" val="2263586992"/>
-      </p:ext>
-    </p:extLst>
-  </p:cSld>
-  <p:clrMapOvr>
-    <a:masterClrMapping/>
-  </p:clrMapOvr>
-</p:sld>
-</file>
-
-<file path=ppt/slides/slide15.xml><?xml version="1.0" encoding="utf-8"?>
-<p:sld xmlns:a="http://schemas.openxmlformats.org/drawingml/2006/main" xmlns:r="http://schemas.openxmlformats.org/officeDocument/2006/relationships" xmlns:p="http://schemas.openxmlformats.org/presentationml/2006/main">
-  <p:cSld>
-    <p:spTree>
-      <p:nvGrpSpPr>
-        <p:cNvPr id="1" name="">
-          <a:extLst>
-            <a:ext uri="{FF2B5EF4-FFF2-40B4-BE49-F238E27FC236}">
-              <a16:creationId xmlns:a16="http://schemas.microsoft.com/office/drawing/2014/main" id="{A52F73ED-EFBA-F3DF-4D3E-88108C3D1A52}"/>
-            </a:ext>
-          </a:extLst>
-        </p:cNvPr>
-        <p:cNvGrpSpPr/>
-        <p:nvPr/>
-      </p:nvGrpSpPr>
-      <p:grpSpPr>
-        <a:xfrm>
-          <a:off x="0" y="0"/>
-          <a:ext cx="0" cy="0"/>
-          <a:chOff x="0" y="0"/>
-          <a:chExt cx="0" cy="0"/>
-        </a:xfrm>
-      </p:grpSpPr>
-      <p:sp>
-        <p:nvSpPr>
-          <p:cNvPr id="2" name="Title 1">
-            <a:extLst>
-              <a:ext uri="{FF2B5EF4-FFF2-40B4-BE49-F238E27FC236}">
-                <a16:creationId xmlns:a16="http://schemas.microsoft.com/office/drawing/2014/main" id="{6FCD59A0-294B-0A15-110B-4F03E294377F}"/>
-              </a:ext>
-            </a:extLst>
-          </p:cNvPr>
-          <p:cNvSpPr>
-            <a:spLocks noGrp="1"/>
-          </p:cNvSpPr>
-          <p:nvPr>
-            <p:ph type="title"/>
-          </p:nvPr>
-        </p:nvSpPr>
-        <p:spPr/>
-        <p:txBody>
-          <a:bodyPr/>
-          <a:lstStyle/>
-          <a:p>
-            <a:r>
-              <a:rPr lang="en-US" dirty="0"/>
-              <a:t>Main course topics</a:t>
-            </a:r>
-          </a:p>
-        </p:txBody>
-      </p:sp>
-      <p:sp>
-        <p:nvSpPr>
-          <p:cNvPr id="3" name="Content Placeholder 2">
-            <a:extLst>
-              <a:ext uri="{FF2B5EF4-FFF2-40B4-BE49-F238E27FC236}">
-                <a16:creationId xmlns:a16="http://schemas.microsoft.com/office/drawing/2014/main" id="{44070496-D261-9FCC-8B1F-5DF810745D54}"/>
-              </a:ext>
-            </a:extLst>
-          </p:cNvPr>
-          <p:cNvSpPr>
-            <a:spLocks noGrp="1"/>
-          </p:cNvSpPr>
-          <p:nvPr>
-            <p:ph idx="1"/>
-          </p:nvPr>
-        </p:nvSpPr>
-        <p:spPr/>
-        <p:txBody>
-          <a:bodyPr/>
-          <a:lstStyle/>
-          <a:p>
-            <a:r>
-              <a:rPr lang="en-US" dirty="0"/>
-              <a:t>How to write </a:t>
-            </a:r>
-            <a:r>
-              <a:rPr lang="en-US" u="sng" dirty="0"/>
-              <a:t>quality</a:t>
-            </a:r>
-            <a:r>
-              <a:rPr lang="en-US" dirty="0"/>
-              <a:t> code?</a:t>
-            </a:r>
-          </a:p>
-          <a:p>
-            <a:pPr lvl="1"/>
-            <a:r>
-              <a:rPr lang="en-US" dirty="0"/>
-              <a:t>Less error-prone</a:t>
-            </a:r>
-          </a:p>
-          <a:p>
-            <a:pPr lvl="1"/>
-            <a:r>
-              <a:rPr lang="en-US" dirty="0"/>
-              <a:t>More readable</a:t>
-            </a:r>
-          </a:p>
-          <a:p>
-            <a:pPr lvl="1"/>
-            <a:r>
-              <a:rPr lang="en-US" dirty="0"/>
-              <a:t>Easier to maintain</a:t>
-            </a:r>
-          </a:p>
-          <a:p>
-            <a:pPr lvl="1"/>
-            <a:r>
-              <a:rPr lang="en-US" dirty="0"/>
-              <a:t>Reusable</a:t>
-            </a:r>
-          </a:p>
-          <a:p>
-            <a:pPr lvl="1"/>
-            <a:r>
-              <a:rPr lang="en-US" dirty="0"/>
-              <a:t>…</a:t>
-            </a:r>
-          </a:p>
-          <a:p>
-            <a:endParaRPr lang="en-US" dirty="0"/>
-          </a:p>
-          <a:p>
-            <a:pPr lvl="1"/>
-            <a:endParaRPr lang="en-US" dirty="0"/>
-          </a:p>
-          <a:p>
-            <a:endParaRPr lang="en-US" dirty="0"/>
-          </a:p>
-          <a:p>
-            <a:endParaRPr lang="en-US" dirty="0"/>
-          </a:p>
-        </p:txBody>
-      </p:sp>
-    </p:spTree>
-    <p:extLst>
-      <p:ext uri="{BB962C8B-B14F-4D97-AF65-F5344CB8AC3E}">
-        <p14:creationId xmlns:p14="http://schemas.microsoft.com/office/powerpoint/2010/main" val="722511854"/>
-      </p:ext>
-    </p:extLst>
-  </p:cSld>
-  <p:clrMapOvr>
-    <a:masterClrMapping/>
-  </p:clrMapOvr>
-</p:sld>
-</file>
-
-<file path=ppt/slides/slide16.xml><?xml version="1.0" encoding="utf-8"?>
-<p:sld xmlns:a="http://schemas.openxmlformats.org/drawingml/2006/main" xmlns:r="http://schemas.openxmlformats.org/officeDocument/2006/relationships" xmlns:p="http://schemas.openxmlformats.org/presentationml/2006/main">
-  <p:cSld>
-    <p:spTree>
-      <p:nvGrpSpPr>
-        <p:cNvPr id="1" name="">
-          <a:extLst>
-            <a:ext uri="{FF2B5EF4-FFF2-40B4-BE49-F238E27FC236}">
-              <a16:creationId xmlns:a16="http://schemas.microsoft.com/office/drawing/2014/main" id="{BA7C86BA-5877-CC53-4DEA-AE7B11D695B3}"/>
-            </a:ext>
-          </a:extLst>
-        </p:cNvPr>
-        <p:cNvGrpSpPr/>
-        <p:nvPr/>
-      </p:nvGrpSpPr>
-      <p:grpSpPr>
-        <a:xfrm>
-          <a:off x="0" y="0"/>
-          <a:ext cx="0" cy="0"/>
-          <a:chOff x="0" y="0"/>
-          <a:chExt cx="0" cy="0"/>
-        </a:xfrm>
-      </p:grpSpPr>
-      <p:sp>
-        <p:nvSpPr>
-          <p:cNvPr id="2" name="Title 1">
-            <a:extLst>
-              <a:ext uri="{FF2B5EF4-FFF2-40B4-BE49-F238E27FC236}">
-                <a16:creationId xmlns:a16="http://schemas.microsoft.com/office/drawing/2014/main" id="{FA7855FC-A2E8-8DBE-CA4A-68FDAA8A4332}"/>
-              </a:ext>
-            </a:extLst>
-          </p:cNvPr>
-          <p:cNvSpPr>
-            <a:spLocks noGrp="1"/>
-          </p:cNvSpPr>
-          <p:nvPr>
-            <p:ph type="title"/>
-          </p:nvPr>
-        </p:nvSpPr>
-        <p:spPr/>
-        <p:txBody>
-          <a:bodyPr/>
-          <a:lstStyle/>
-          <a:p>
-            <a:r>
-              <a:rPr lang="en-US" dirty="0"/>
-              <a:t>Main course topics</a:t>
-            </a:r>
-          </a:p>
-        </p:txBody>
-      </p:sp>
-      <p:sp>
-        <p:nvSpPr>
-          <p:cNvPr id="3" name="Content Placeholder 2">
-            <a:extLst>
-              <a:ext uri="{FF2B5EF4-FFF2-40B4-BE49-F238E27FC236}">
-                <a16:creationId xmlns:a16="http://schemas.microsoft.com/office/drawing/2014/main" id="{E21D6EEC-074C-6F97-56D2-DCA3DB28292F}"/>
-              </a:ext>
-            </a:extLst>
-          </p:cNvPr>
-          <p:cNvSpPr>
-            <a:spLocks noGrp="1"/>
-          </p:cNvSpPr>
-          <p:nvPr>
-            <p:ph idx="1"/>
-          </p:nvPr>
-        </p:nvSpPr>
-        <p:spPr/>
-        <p:txBody>
-          <a:bodyPr/>
-          <a:lstStyle/>
-          <a:p>
-            <a:r>
-              <a:rPr lang="en-US" dirty="0"/>
-              <a:t>How to write </a:t>
-            </a:r>
-            <a:r>
-              <a:rPr lang="en-US" u="sng" dirty="0"/>
-              <a:t>quality</a:t>
-            </a:r>
-            <a:r>
-              <a:rPr lang="en-US" dirty="0"/>
-              <a:t> code?</a:t>
-            </a:r>
-          </a:p>
-          <a:p>
-            <a:pPr lvl="1"/>
-            <a:r>
-              <a:rPr lang="en-US" dirty="0"/>
-              <a:t>Less error-prone</a:t>
-            </a:r>
-          </a:p>
-          <a:p>
-            <a:pPr lvl="1"/>
-            <a:r>
-              <a:rPr lang="en-US" dirty="0"/>
-              <a:t>More readable</a:t>
-            </a:r>
-          </a:p>
-          <a:p>
-            <a:pPr lvl="1"/>
-            <a:r>
-              <a:rPr lang="en-US" dirty="0"/>
-              <a:t>Easier to maintain</a:t>
-            </a:r>
-          </a:p>
-          <a:p>
-            <a:pPr lvl="1"/>
-            <a:r>
-              <a:rPr lang="en-US" dirty="0"/>
-              <a:t>Reusable</a:t>
-            </a:r>
-          </a:p>
-          <a:p>
-            <a:pPr lvl="1"/>
-            <a:r>
-              <a:rPr lang="en-US" dirty="0"/>
-              <a:t>…</a:t>
-            </a:r>
-          </a:p>
-          <a:p>
-            <a:r>
-              <a:rPr lang="en-US" dirty="0"/>
-              <a:t>How to </a:t>
-            </a:r>
-            <a:r>
-              <a:rPr lang="en-US" u="sng" dirty="0"/>
-              <a:t>manage</a:t>
-            </a:r>
-            <a:r>
-              <a:rPr lang="en-US" dirty="0"/>
-              <a:t> a software project effectively?</a:t>
-            </a:r>
-          </a:p>
-          <a:p>
-            <a:endParaRPr lang="en-US" dirty="0"/>
-          </a:p>
-          <a:p>
-            <a:pPr lvl="1"/>
-            <a:endParaRPr lang="en-US" dirty="0"/>
-          </a:p>
-          <a:p>
-            <a:endParaRPr lang="en-US" dirty="0"/>
-          </a:p>
-          <a:p>
-            <a:endParaRPr lang="en-US" dirty="0"/>
-          </a:p>
-        </p:txBody>
-      </p:sp>
-    </p:spTree>
-    <p:extLst>
-      <p:ext uri="{BB962C8B-B14F-4D97-AF65-F5344CB8AC3E}">
-        <p14:creationId xmlns:p14="http://schemas.microsoft.com/office/powerpoint/2010/main" val="4138005654"/>
-      </p:ext>
-    </p:extLst>
-  </p:cSld>
-  <p:clrMapOvr>
-    <a:masterClrMapping/>
-  </p:clrMapOvr>
-</p:sld>
-</file>
-
-<file path=ppt/slides/slide17.xml><?xml version="1.0" encoding="utf-8"?>
-<p:sld xmlns:a="http://schemas.openxmlformats.org/drawingml/2006/main" xmlns:r="http://schemas.openxmlformats.org/officeDocument/2006/relationships" xmlns:p="http://schemas.openxmlformats.org/presentationml/2006/main">
-  <p:cSld>
-    <p:spTree>
-      <p:nvGrpSpPr>
-        <p:cNvPr id="1" name="">
-          <a:extLst>
-            <a:ext uri="{FF2B5EF4-FFF2-40B4-BE49-F238E27FC236}">
-              <a16:creationId xmlns:a16="http://schemas.microsoft.com/office/drawing/2014/main" id="{EFC2373B-C16D-DA25-3264-93A826BFA945}"/>
-            </a:ext>
-          </a:extLst>
-        </p:cNvPr>
-        <p:cNvGrpSpPr/>
-        <p:nvPr/>
-      </p:nvGrpSpPr>
-      <p:grpSpPr>
-        <a:xfrm>
-          <a:off x="0" y="0"/>
-          <a:ext cx="0" cy="0"/>
-          <a:chOff x="0" y="0"/>
-          <a:chExt cx="0" cy="0"/>
-        </a:xfrm>
-      </p:grpSpPr>
-      <p:sp>
-        <p:nvSpPr>
-          <p:cNvPr id="2" name="Title 1">
-            <a:extLst>
-              <a:ext uri="{FF2B5EF4-FFF2-40B4-BE49-F238E27FC236}">
-                <a16:creationId xmlns:a16="http://schemas.microsoft.com/office/drawing/2014/main" id="{044E33EA-0C32-D87F-938C-0299354C5A7E}"/>
-              </a:ext>
-            </a:extLst>
-          </p:cNvPr>
-          <p:cNvSpPr>
-            <a:spLocks noGrp="1"/>
-          </p:cNvSpPr>
-          <p:nvPr>
-            <p:ph type="title"/>
-          </p:nvPr>
-        </p:nvSpPr>
-        <p:spPr/>
-        <p:txBody>
-          <a:bodyPr/>
-          <a:lstStyle/>
-          <a:p>
-            <a:r>
-              <a:rPr lang="en-US" dirty="0"/>
-              <a:t>Main course topics</a:t>
-            </a:r>
-          </a:p>
-        </p:txBody>
-      </p:sp>
-      <p:sp>
-        <p:nvSpPr>
-          <p:cNvPr id="3" name="Content Placeholder 2">
-            <a:extLst>
-              <a:ext uri="{FF2B5EF4-FFF2-40B4-BE49-F238E27FC236}">
-                <a16:creationId xmlns:a16="http://schemas.microsoft.com/office/drawing/2014/main" id="{1D5BB1B1-A45B-9016-E837-9E2473C61555}"/>
-              </a:ext>
-            </a:extLst>
-          </p:cNvPr>
-          <p:cNvSpPr>
-            <a:spLocks noGrp="1"/>
-          </p:cNvSpPr>
-          <p:nvPr>
-            <p:ph idx="1"/>
-          </p:nvPr>
-        </p:nvSpPr>
-        <p:spPr/>
-        <p:txBody>
-          <a:bodyPr/>
-          <a:lstStyle/>
-          <a:p>
-            <a:r>
-              <a:rPr lang="en-US" dirty="0"/>
-              <a:t>How to write </a:t>
-            </a:r>
-            <a:r>
-              <a:rPr lang="en-US" u="sng" dirty="0"/>
-              <a:t>quality</a:t>
-            </a:r>
-            <a:r>
-              <a:rPr lang="en-US" dirty="0"/>
-              <a:t> code?</a:t>
-            </a:r>
-          </a:p>
-          <a:p>
-            <a:pPr lvl="1"/>
-            <a:r>
-              <a:rPr lang="en-US" dirty="0"/>
-              <a:t>Less error-prone</a:t>
-            </a:r>
-          </a:p>
-          <a:p>
-            <a:pPr lvl="1"/>
-            <a:r>
-              <a:rPr lang="en-US" dirty="0"/>
-              <a:t>More readable</a:t>
-            </a:r>
-          </a:p>
-          <a:p>
-            <a:pPr lvl="1"/>
-            <a:r>
-              <a:rPr lang="en-US" dirty="0"/>
-              <a:t>Easier to maintain</a:t>
-            </a:r>
-          </a:p>
-          <a:p>
-            <a:pPr lvl="1"/>
-            <a:r>
-              <a:rPr lang="en-US" dirty="0"/>
-              <a:t>Reusable</a:t>
-            </a:r>
-          </a:p>
-          <a:p>
-            <a:pPr lvl="1"/>
-            <a:r>
-              <a:rPr lang="en-US" dirty="0"/>
-              <a:t>…</a:t>
-            </a:r>
-          </a:p>
-          <a:p>
-            <a:r>
-              <a:rPr lang="en-US" dirty="0"/>
-              <a:t>How to </a:t>
-            </a:r>
-            <a:r>
-              <a:rPr lang="en-US" u="sng" dirty="0"/>
-              <a:t>manage</a:t>
-            </a:r>
-            <a:r>
-              <a:rPr lang="en-US" dirty="0"/>
-              <a:t> a software project effectively?</a:t>
-            </a:r>
-          </a:p>
-          <a:p>
-            <a:pPr lvl="1"/>
-            <a:r>
-              <a:rPr lang="en-US" dirty="0"/>
-              <a:t>Meet the user requirements</a:t>
-            </a:r>
-          </a:p>
-          <a:p>
-            <a:pPr lvl="1"/>
-            <a:r>
-              <a:rPr lang="en-US" dirty="0"/>
-              <a:t>Delivered in a timely manner</a:t>
-            </a:r>
-          </a:p>
-          <a:p>
-            <a:pPr lvl="1"/>
-            <a:r>
-              <a:rPr lang="en-US" dirty="0"/>
-              <a:t>…</a:t>
-            </a:r>
-          </a:p>
-          <a:p>
-            <a:pPr lvl="1"/>
-            <a:endParaRPr lang="en-US" dirty="0"/>
-          </a:p>
-          <a:p>
-            <a:endParaRPr lang="en-US" dirty="0"/>
-          </a:p>
-          <a:p>
-            <a:pPr lvl="1"/>
-            <a:endParaRPr lang="en-US" dirty="0"/>
-          </a:p>
-          <a:p>
-            <a:endParaRPr lang="en-US" dirty="0"/>
-          </a:p>
-          <a:p>
-            <a:endParaRPr lang="en-US" dirty="0"/>
-          </a:p>
-        </p:txBody>
-      </p:sp>
-    </p:spTree>
-    <p:extLst>
-      <p:ext uri="{BB962C8B-B14F-4D97-AF65-F5344CB8AC3E}">
-        <p14:creationId xmlns:p14="http://schemas.microsoft.com/office/powerpoint/2010/main" val="3206083544"/>
-      </p:ext>
-    </p:extLst>
-  </p:cSld>
-  <p:clrMapOvr>
-    <a:masterClrMapping/>
-  </p:clrMapOvr>
-</p:sld>
-</file>
-
-<file path=ppt/slides/slide18.xml><?xml version="1.0" encoding="utf-8"?>
-<p:sld xmlns:a="http://schemas.openxmlformats.org/drawingml/2006/main" xmlns:r="http://schemas.openxmlformats.org/officeDocument/2006/relationships" xmlns:p="http://schemas.openxmlformats.org/presentationml/2006/main">
-  <p:cSld>
-    <p:spTree>
-      <p:nvGrpSpPr>
-        <p:cNvPr id="1" name="">
-          <a:extLst>
-            <a:ext uri="{FF2B5EF4-FFF2-40B4-BE49-F238E27FC236}">
-              <a16:creationId xmlns:a16="http://schemas.microsoft.com/office/drawing/2014/main" id="{D81AD3E2-BF33-088D-715F-464CAD86788A}"/>
-            </a:ext>
-          </a:extLst>
-        </p:cNvPr>
-        <p:cNvGrpSpPr/>
-        <p:nvPr/>
-      </p:nvGrpSpPr>
-      <p:grpSpPr>
-        <a:xfrm>
-          <a:off x="0" y="0"/>
-          <a:ext cx="0" cy="0"/>
-          <a:chOff x="0" y="0"/>
-          <a:chExt cx="0" cy="0"/>
-        </a:xfrm>
-      </p:grpSpPr>
-      <p:sp>
-        <p:nvSpPr>
-          <p:cNvPr id="2" name="Title 1">
-            <a:extLst>
-              <a:ext uri="{FF2B5EF4-FFF2-40B4-BE49-F238E27FC236}">
-                <a16:creationId xmlns:a16="http://schemas.microsoft.com/office/drawing/2014/main" id="{48120236-E6B8-799F-DADF-0B7C18CA4E61}"/>
-              </a:ext>
-            </a:extLst>
-          </p:cNvPr>
-          <p:cNvSpPr>
-            <a:spLocks noGrp="1"/>
-          </p:cNvSpPr>
-          <p:nvPr>
-            <p:ph type="title"/>
-          </p:nvPr>
-        </p:nvSpPr>
-        <p:spPr/>
-        <p:txBody>
-          <a:bodyPr/>
-          <a:lstStyle/>
-          <a:p>
-            <a:r>
-              <a:rPr lang="en-US" dirty="0"/>
-              <a:t>Main course topics</a:t>
-            </a:r>
-          </a:p>
-        </p:txBody>
-      </p:sp>
-      <p:sp>
-        <p:nvSpPr>
-          <p:cNvPr id="3" name="Content Placeholder 2">
-            <a:extLst>
-              <a:ext uri="{FF2B5EF4-FFF2-40B4-BE49-F238E27FC236}">
-                <a16:creationId xmlns:a16="http://schemas.microsoft.com/office/drawing/2014/main" id="{2588108C-5632-E34D-A449-D6D2180C9129}"/>
-              </a:ext>
-            </a:extLst>
-          </p:cNvPr>
-          <p:cNvSpPr>
-            <a:spLocks noGrp="1"/>
-          </p:cNvSpPr>
-          <p:nvPr>
-            <p:ph idx="1"/>
-          </p:nvPr>
-        </p:nvSpPr>
-        <p:spPr/>
-        <p:txBody>
-          <a:bodyPr>
-            <a:normAutofit/>
-          </a:bodyPr>
-          <a:lstStyle/>
-          <a:p>
-            <a:r>
-              <a:rPr lang="en-US" dirty="0"/>
-              <a:t>How to write </a:t>
-            </a:r>
-            <a:r>
-              <a:rPr lang="en-US" u="sng" dirty="0"/>
-              <a:t>quality</a:t>
-            </a:r>
-            <a:r>
-              <a:rPr lang="en-US" dirty="0"/>
-              <a:t> code?</a:t>
-            </a:r>
-          </a:p>
-          <a:p>
-            <a:pPr lvl="1"/>
-            <a:r>
-              <a:rPr lang="en-US" dirty="0"/>
-              <a:t>Object oriented programming</a:t>
-            </a:r>
-          </a:p>
-          <a:p>
-            <a:pPr lvl="1"/>
-            <a:r>
-              <a:rPr lang="en-US" dirty="0"/>
-              <a:t>UML and Design pattern</a:t>
-            </a:r>
-          </a:p>
-          <a:p>
-            <a:pPr lvl="1"/>
-            <a:r>
-              <a:rPr lang="en-US" dirty="0"/>
-              <a:t>Testing</a:t>
-            </a:r>
-          </a:p>
-          <a:p>
-            <a:pPr lvl="1"/>
-            <a:r>
-              <a:rPr lang="en-US" dirty="0"/>
-              <a:t>Code quality</a:t>
-            </a:r>
-          </a:p>
-          <a:p>
-            <a:pPr lvl="1"/>
-            <a:r>
-              <a:rPr lang="en-US" dirty="0"/>
-              <a:t>Language and algorithm selection</a:t>
-            </a:r>
-          </a:p>
-          <a:p>
-            <a:r>
-              <a:rPr lang="en-US" dirty="0"/>
-              <a:t>How to </a:t>
-            </a:r>
-            <a:r>
-              <a:rPr lang="en-US" u="sng" dirty="0"/>
-              <a:t>manage</a:t>
-            </a:r>
-            <a:r>
-              <a:rPr lang="en-US" dirty="0"/>
-              <a:t> a software project effectively?</a:t>
-            </a:r>
-          </a:p>
-          <a:p>
-            <a:pPr lvl="1"/>
-            <a:r>
-              <a:rPr lang="en-US" dirty="0"/>
-              <a:t>Requirements engineering</a:t>
-            </a:r>
-          </a:p>
-          <a:p>
-            <a:pPr lvl="1"/>
-            <a:r>
-              <a:rPr lang="en-US" dirty="0"/>
-              <a:t>Software development process</a:t>
-            </a:r>
-          </a:p>
-          <a:p>
-            <a:pPr lvl="1"/>
-            <a:endParaRPr lang="en-US" dirty="0"/>
-          </a:p>
-          <a:p>
-            <a:endParaRPr lang="en-US" dirty="0"/>
-          </a:p>
-          <a:p>
-            <a:pPr lvl="1"/>
-            <a:endParaRPr lang="en-US" dirty="0"/>
-          </a:p>
-          <a:p>
-            <a:endParaRPr lang="en-US" dirty="0"/>
-          </a:p>
-          <a:p>
-            <a:endParaRPr lang="en-US" dirty="0"/>
-          </a:p>
-        </p:txBody>
-      </p:sp>
-    </p:spTree>
-    <p:extLst>
-      <p:ext uri="{BB962C8B-B14F-4D97-AF65-F5344CB8AC3E}">
-        <p14:creationId xmlns:p14="http://schemas.microsoft.com/office/powerpoint/2010/main" val="1882083686"/>
-      </p:ext>
-    </p:extLst>
-  </p:cSld>
-  <p:clrMapOvr>
-    <a:masterClrMapping/>
-  </p:clrMapOvr>
-</p:sld>
-</file>
-
-<file path=ppt/slides/slide19.xml><?xml version="1.0" encoding="utf-8"?>
-<p:sld xmlns:a="http://schemas.openxmlformats.org/drawingml/2006/main" xmlns:r="http://schemas.openxmlformats.org/officeDocument/2006/relationships" xmlns:p="http://schemas.openxmlformats.org/presentationml/2006/main">
-  <p:cSld>
-    <p:spTree>
-      <p:nvGrpSpPr>
-        <p:cNvPr id="1" name="">
-          <a:extLst>
-            <a:ext uri="{FF2B5EF4-FFF2-40B4-BE49-F238E27FC236}">
-              <a16:creationId xmlns:a16="http://schemas.microsoft.com/office/drawing/2014/main" id="{05985D17-D04E-6D4A-9021-22B5B1568635}"/>
-            </a:ext>
-          </a:extLst>
-        </p:cNvPr>
-        <p:cNvGrpSpPr/>
-        <p:nvPr/>
-      </p:nvGrpSpPr>
-      <p:grpSpPr>
-        <a:xfrm>
-          <a:off x="0" y="0"/>
-          <a:ext cx="0" cy="0"/>
-          <a:chOff x="0" y="0"/>
-          <a:chExt cx="0" cy="0"/>
-        </a:xfrm>
-      </p:grpSpPr>
-      <p:sp>
-        <p:nvSpPr>
-          <p:cNvPr id="2" name="Title 1">
-            <a:extLst>
-              <a:ext uri="{FF2B5EF4-FFF2-40B4-BE49-F238E27FC236}">
-                <a16:creationId xmlns:a16="http://schemas.microsoft.com/office/drawing/2014/main" id="{B0F61C79-879C-DA17-5F9B-331166354790}"/>
-              </a:ext>
-            </a:extLst>
-          </p:cNvPr>
-          <p:cNvSpPr>
-            <a:spLocks noGrp="1"/>
-          </p:cNvSpPr>
-          <p:nvPr>
-            <p:ph type="title"/>
-          </p:nvPr>
-        </p:nvSpPr>
-        <p:spPr/>
-        <p:txBody>
-          <a:bodyPr/>
-          <a:lstStyle/>
-          <a:p>
-            <a:r>
-              <a:rPr lang="en-US" dirty="0"/>
-              <a:t>Miscellaneous course topics</a:t>
-            </a:r>
-          </a:p>
-        </p:txBody>
-      </p:sp>
-      <p:sp>
-        <p:nvSpPr>
-          <p:cNvPr id="3" name="Content Placeholder 2">
-            <a:extLst>
-              <a:ext uri="{FF2B5EF4-FFF2-40B4-BE49-F238E27FC236}">
-                <a16:creationId xmlns:a16="http://schemas.microsoft.com/office/drawing/2014/main" id="{C0874FC8-DAF4-AE7C-EC99-0F77DDFE0D9B}"/>
-              </a:ext>
-            </a:extLst>
-          </p:cNvPr>
-          <p:cNvSpPr>
-            <a:spLocks noGrp="1"/>
-          </p:cNvSpPr>
-          <p:nvPr>
-            <p:ph idx="1"/>
-          </p:nvPr>
-        </p:nvSpPr>
-        <p:spPr/>
-        <p:txBody>
-          <a:bodyPr>
-            <a:normAutofit/>
-          </a:bodyPr>
-          <a:lstStyle/>
-          <a:p>
-            <a:r>
-              <a:rPr lang="en-US" dirty="0"/>
-              <a:t>Web development</a:t>
-            </a:r>
-          </a:p>
-          <a:p>
-            <a:pPr lvl="1"/>
-            <a:r>
-              <a:rPr lang="en-US" dirty="0"/>
-              <a:t>Front end/back end interaction</a:t>
-            </a:r>
-          </a:p>
-          <a:p>
-            <a:endParaRPr lang="en-US" dirty="0"/>
-          </a:p>
-          <a:p>
-            <a:pPr lvl="1"/>
-            <a:endParaRPr lang="en-US" dirty="0"/>
-          </a:p>
-          <a:p>
-            <a:endParaRPr lang="en-US" dirty="0"/>
-          </a:p>
-          <a:p>
-            <a:pPr lvl="1"/>
-            <a:endParaRPr lang="en-US" dirty="0"/>
-          </a:p>
-          <a:p>
-            <a:endParaRPr lang="en-US" dirty="0"/>
-          </a:p>
-          <a:p>
-            <a:endParaRPr lang="en-US" dirty="0"/>
-          </a:p>
-        </p:txBody>
-      </p:sp>
-    </p:spTree>
-    <p:extLst>
-      <p:ext uri="{BB962C8B-B14F-4D97-AF65-F5344CB8AC3E}">
-        <p14:creationId xmlns:p14="http://schemas.microsoft.com/office/powerpoint/2010/main" val="1408737481"/>
-      </p:ext>
-    </p:extLst>
-  </p:cSld>
-  <p:clrMapOvr>
-    <a:masterClrMapping/>
-  </p:clrMapOvr>
-</p:sld>
-</file>
-
-<file path=ppt/slides/slide2.xml><?xml version="1.0" encoding="utf-8"?>
-<p:sld xmlns:a="http://schemas.openxmlformats.org/drawingml/2006/main" xmlns:r="http://schemas.openxmlformats.org/officeDocument/2006/relationships" xmlns:p="http://schemas.openxmlformats.org/presentationml/2006/main">
-  <p:cSld>
-    <p:spTree>
-      <p:nvGrpSpPr>
-        <p:cNvPr id="1" name=""/>
-        <p:cNvGrpSpPr/>
-        <p:nvPr/>
-      </p:nvGrpSpPr>
-      <p:grpSpPr>
-        <a:xfrm>
-          <a:off x="0" y="0"/>
-          <a:ext cx="0" cy="0"/>
-          <a:chOff x="0" y="0"/>
-          <a:chExt cx="0" cy="0"/>
-        </a:xfrm>
-      </p:grpSpPr>
-      <p:sp>
-        <p:nvSpPr>
-          <p:cNvPr id="2" name="Title 1">
-            <a:extLst>
-              <a:ext uri="{FF2B5EF4-FFF2-40B4-BE49-F238E27FC236}">
-                <a16:creationId xmlns:a16="http://schemas.microsoft.com/office/drawing/2014/main" id="{FE8F3CD7-EA0C-AD19-D5A7-29F331EDF0E4}"/>
-              </a:ext>
-            </a:extLst>
-          </p:cNvPr>
-          <p:cNvSpPr>
-            <a:spLocks noGrp="1"/>
-          </p:cNvSpPr>
-          <p:nvPr>
-            <p:ph type="title"/>
-          </p:nvPr>
-        </p:nvSpPr>
-        <p:spPr/>
-        <p:txBody>
-          <a:bodyPr/>
-          <a:lstStyle/>
-          <a:p>
-            <a:r>
-              <a:rPr lang="en-US" dirty="0"/>
-              <a:t>What is software engineering?</a:t>
-            </a:r>
-          </a:p>
-        </p:txBody>
-      </p:sp>
-      <p:sp>
-        <p:nvSpPr>
-          <p:cNvPr id="3" name="Content Placeholder 2">
-            <a:extLst>
-              <a:ext uri="{FF2B5EF4-FFF2-40B4-BE49-F238E27FC236}">
-                <a16:creationId xmlns:a16="http://schemas.microsoft.com/office/drawing/2014/main" id="{9FA35313-4FD7-39D7-7953-F970AB9D9702}"/>
-              </a:ext>
-            </a:extLst>
-          </p:cNvPr>
-          <p:cNvSpPr>
-            <a:spLocks noGrp="1"/>
-          </p:cNvSpPr>
-          <p:nvPr>
-            <p:ph idx="1"/>
-          </p:nvPr>
-        </p:nvSpPr>
-        <p:spPr/>
-        <p:txBody>
-          <a:bodyPr/>
-          <a:lstStyle/>
-          <a:p>
-            <a:pPr marL="0" indent="0">
-              <a:buNone/>
-            </a:pPr>
-            <a:r>
-              <a:rPr lang="en-US" dirty="0"/>
-              <a:t>“The application of a systematic, disciplined, quantifiable approach to the development, operation, and maintenance of software; that is, the application of engineering to software.”</a:t>
-            </a:r>
-          </a:p>
-          <a:p>
-            <a:pPr marL="0" indent="0">
-              <a:buNone/>
-            </a:pPr>
-            <a:endParaRPr lang="en-US" dirty="0"/>
-          </a:p>
-          <a:p>
-            <a:pPr marL="0" indent="0">
-              <a:buNone/>
-            </a:pPr>
-            <a:r>
-              <a:rPr lang="en-US" dirty="0"/>
-              <a:t>---- defined by IEEE</a:t>
-            </a:r>
-          </a:p>
-          <a:p>
-            <a:endParaRPr lang="en-US" dirty="0"/>
-          </a:p>
-        </p:txBody>
-      </p:sp>
-    </p:spTree>
-    <p:extLst>
-      <p:ext uri="{BB962C8B-B14F-4D97-AF65-F5344CB8AC3E}">
-        <p14:creationId xmlns:p14="http://schemas.microsoft.com/office/powerpoint/2010/main" val="3903684650"/>
-      </p:ext>
-    </p:extLst>
-  </p:cSld>
-  <p:clrMapOvr>
-    <a:masterClrMapping/>
-  </p:clrMapOvr>
-</p:sld>
-</file>
-
-<file path=ppt/slides/slide3.xml><?xml version="1.0" encoding="utf-8"?>
-<p:sld xmlns:a="http://schemas.openxmlformats.org/drawingml/2006/main" xmlns:r="http://schemas.openxmlformats.org/officeDocument/2006/relationships" xmlns:p="http://schemas.openxmlformats.org/presentationml/2006/main">
-  <p:cSld>
-    <p:spTree>
-      <p:nvGrpSpPr>
-        <p:cNvPr id="1" name=""/>
-        <p:cNvGrpSpPr/>
-        <p:nvPr/>
-      </p:nvGrpSpPr>
-      <p:grpSpPr>
-        <a:xfrm>
-          <a:off x="0" y="0"/>
-          <a:ext cx="0" cy="0"/>
-          <a:chOff x="0" y="0"/>
-          <a:chExt cx="0" cy="0"/>
-        </a:xfrm>
-      </p:grpSpPr>
-      <p:sp>
-        <p:nvSpPr>
-          <p:cNvPr id="2" name="Title 1">
-            <a:extLst>
-              <a:ext uri="{FF2B5EF4-FFF2-40B4-BE49-F238E27FC236}">
-                <a16:creationId xmlns:a16="http://schemas.microsoft.com/office/drawing/2014/main" id="{E3237246-E57C-B3DB-804A-521653FAA002}"/>
-              </a:ext>
-            </a:extLst>
-          </p:cNvPr>
-          <p:cNvSpPr>
-            <a:spLocks noGrp="1"/>
-          </p:cNvSpPr>
-          <p:nvPr>
-            <p:ph type="title"/>
-          </p:nvPr>
-        </p:nvSpPr>
-        <p:spPr/>
-        <p:txBody>
-          <a:bodyPr/>
-          <a:lstStyle/>
-          <a:p>
-            <a:r>
-              <a:rPr lang="en-US" dirty="0"/>
-              <a:t>Why Software Engineering?</a:t>
-            </a:r>
-          </a:p>
-        </p:txBody>
-      </p:sp>
-      <p:sp>
-        <p:nvSpPr>
-          <p:cNvPr id="3" name="Content Placeholder 2">
-            <a:extLst>
-              <a:ext uri="{FF2B5EF4-FFF2-40B4-BE49-F238E27FC236}">
-                <a16:creationId xmlns:a16="http://schemas.microsoft.com/office/drawing/2014/main" id="{76D2A2BC-549B-F33D-6B50-AA5EE30D3FFE}"/>
-              </a:ext>
-            </a:extLst>
-          </p:cNvPr>
-          <p:cNvSpPr>
-            <a:spLocks noGrp="1"/>
-          </p:cNvSpPr>
-          <p:nvPr>
-            <p:ph idx="1"/>
-          </p:nvPr>
-        </p:nvSpPr>
-        <p:spPr/>
-        <p:txBody>
-          <a:bodyPr/>
-          <a:lstStyle/>
-          <a:p>
-            <a:r>
-              <a:rPr lang="en-US" dirty="0"/>
-              <a:t>Software is Everywhere</a:t>
-            </a:r>
-          </a:p>
-          <a:p>
-            <a:pPr lvl="1"/>
-            <a:r>
-              <a:rPr lang="en-US" b="1" dirty="0"/>
-              <a:t>Example</a:t>
-            </a:r>
-            <a:r>
-              <a:rPr lang="en-US" dirty="0"/>
-              <a:t>: An MRI scanner, an airplane autopilot system, and your ride-share app — all run on complex software</a:t>
-            </a:r>
-          </a:p>
-          <a:p>
-            <a:pPr lvl="1"/>
-            <a:r>
-              <a:rPr lang="en-US" b="1" dirty="0"/>
-              <a:t>Point</a:t>
-            </a:r>
-            <a:r>
-              <a:rPr lang="en-US" dirty="0"/>
-              <a:t>: These systems must be </a:t>
-            </a:r>
-            <a:r>
-              <a:rPr lang="en-US" i="1" dirty="0"/>
-              <a:t>safe</a:t>
-            </a:r>
-            <a:r>
-              <a:rPr lang="en-US" dirty="0"/>
-              <a:t>, </a:t>
-            </a:r>
-            <a:r>
-              <a:rPr lang="en-US" i="1" dirty="0"/>
-              <a:t>reliable</a:t>
-            </a:r>
-            <a:r>
-              <a:rPr lang="en-US" dirty="0"/>
-              <a:t>, and </a:t>
-            </a:r>
-            <a:r>
-              <a:rPr lang="en-US" i="1" dirty="0"/>
-              <a:t>maintainable</a:t>
-            </a:r>
-            <a:endParaRPr lang="en-US" dirty="0"/>
-          </a:p>
-          <a:p>
-            <a:endParaRPr lang="en-US" i="1" dirty="0"/>
-          </a:p>
-          <a:p>
-            <a:endParaRPr lang="en-US" dirty="0"/>
-          </a:p>
-          <a:p>
-            <a:pPr lvl="1"/>
-            <a:endParaRPr lang="en-US" dirty="0"/>
-          </a:p>
-        </p:txBody>
-      </p:sp>
-      <p:pic>
-        <p:nvPicPr>
-          <p:cNvPr id="5" name="Picture 4">
-            <a:extLst>
-              <a:ext uri="{FF2B5EF4-FFF2-40B4-BE49-F238E27FC236}">
-                <a16:creationId xmlns:a16="http://schemas.microsoft.com/office/drawing/2014/main" id="{0FDB7CED-2B7A-FDD0-EC67-833AF9C18262}"/>
-              </a:ext>
-            </a:extLst>
-          </p:cNvPr>
-          <p:cNvPicPr>
-            <a:picLocks noChangeAspect="1"/>
-          </p:cNvPicPr>
-          <p:nvPr/>
-        </p:nvPicPr>
-        <p:blipFill>
-          <a:blip r:embed="rId2">
-            <a:extLst>
-              <a:ext uri="{837473B0-CC2E-450A-ABE3-18F120FF3D39}">
-                <a1611:picAttrSrcUrl xmlns:a1611="http://schemas.microsoft.com/office/drawing/2016/11/main" r:id="rId3"/>
-              </a:ext>
-            </a:extLst>
-          </a:blip>
-          <a:stretch>
-            <a:fillRect/>
-          </a:stretch>
-        </p:blipFill>
-        <p:spPr>
-          <a:xfrm>
-            <a:off x="923598" y="4001294"/>
-            <a:ext cx="3138270" cy="1775084"/>
-          </a:xfrm>
-          <a:prstGeom prst="rect">
-            <a:avLst/>
-          </a:prstGeom>
-        </p:spPr>
-      </p:pic>
-      <p:pic>
-        <p:nvPicPr>
-          <p:cNvPr id="7" name="Picture 6">
-            <a:extLst>
-              <a:ext uri="{FF2B5EF4-FFF2-40B4-BE49-F238E27FC236}">
-                <a16:creationId xmlns:a16="http://schemas.microsoft.com/office/drawing/2014/main" id="{C61A7C65-CB4B-5992-FFA2-404D3E10AD03}"/>
-              </a:ext>
-            </a:extLst>
-          </p:cNvPr>
-          <p:cNvPicPr>
-            <a:picLocks noChangeAspect="1"/>
-          </p:cNvPicPr>
-          <p:nvPr/>
-        </p:nvPicPr>
-        <p:blipFill>
-          <a:blip r:embed="rId4">
-            <a:extLst>
-              <a:ext uri="{837473B0-CC2E-450A-ABE3-18F120FF3D39}">
-                <a1611:picAttrSrcUrl xmlns:a1611="http://schemas.microsoft.com/office/drawing/2016/11/main" r:id="rId5"/>
-              </a:ext>
-            </a:extLst>
-          </a:blip>
-          <a:stretch>
-            <a:fillRect/>
-          </a:stretch>
-        </p:blipFill>
-        <p:spPr>
-          <a:xfrm>
-            <a:off x="5079514" y="4001294"/>
-            <a:ext cx="2115879" cy="2115879"/>
-          </a:xfrm>
-          <a:prstGeom prst="rect">
-            <a:avLst/>
-          </a:prstGeom>
-        </p:spPr>
-      </p:pic>
-      <p:pic>
-        <p:nvPicPr>
-          <p:cNvPr id="9" name="Picture 8">
-            <a:extLst>
-              <a:ext uri="{FF2B5EF4-FFF2-40B4-BE49-F238E27FC236}">
-                <a16:creationId xmlns:a16="http://schemas.microsoft.com/office/drawing/2014/main" id="{822680DD-D55D-8156-492D-77B8AAB81989}"/>
-              </a:ext>
-            </a:extLst>
-          </p:cNvPr>
-          <p:cNvPicPr>
-            <a:picLocks noChangeAspect="1"/>
-          </p:cNvPicPr>
-          <p:nvPr/>
-        </p:nvPicPr>
-        <p:blipFill>
-          <a:blip r:embed="rId6">
-            <a:extLst>
-              <a:ext uri="{837473B0-CC2E-450A-ABE3-18F120FF3D39}">
-                <a1611:picAttrSrcUrl xmlns:a1611="http://schemas.microsoft.com/office/drawing/2016/11/main" r:id="rId7"/>
-              </a:ext>
-            </a:extLst>
-          </a:blip>
-          <a:stretch>
-            <a:fillRect/>
-          </a:stretch>
-        </p:blipFill>
-        <p:spPr>
-          <a:xfrm>
-            <a:off x="8213039" y="4001294"/>
-            <a:ext cx="3019268" cy="1988691"/>
-          </a:xfrm>
-          <a:prstGeom prst="rect">
-            <a:avLst/>
-          </a:prstGeom>
-        </p:spPr>
-      </p:pic>
-      <p:sp>
-        <p:nvSpPr>
-          <p:cNvPr id="10" name="TextBox 9">
-            <a:extLst>
-              <a:ext uri="{FF2B5EF4-FFF2-40B4-BE49-F238E27FC236}">
-                <a16:creationId xmlns:a16="http://schemas.microsoft.com/office/drawing/2014/main" id="{43CFF53A-0C59-7B28-C184-C0BD5C29C4E0}"/>
-              </a:ext>
-            </a:extLst>
-          </p:cNvPr>
-          <p:cNvSpPr txBox="1"/>
-          <p:nvPr/>
-        </p:nvSpPr>
-        <p:spPr>
-          <a:xfrm>
-            <a:off x="191595" y="6385153"/>
-            <a:ext cx="5945858" cy="215444"/>
-          </a:xfrm>
-          <a:prstGeom prst="rect">
-            <a:avLst/>
-          </a:prstGeom>
-          <a:noFill/>
-        </p:spPr>
-        <p:txBody>
-          <a:bodyPr wrap="none" rtlCol="0">
-            <a:spAutoFit/>
-          </a:bodyPr>
-          <a:lstStyle/>
-          <a:p>
-            <a:r>
-              <a:rPr lang="en-US" sz="800" dirty="0"/>
-              <a:t>https://</a:t>
-            </a:r>
-            <a:r>
-              <a:rPr lang="en-US" sz="800" dirty="0" err="1"/>
-              <a:t>img.freepik.com</a:t>
-            </a:r>
-            <a:r>
-              <a:rPr lang="en-US" sz="800" dirty="0"/>
-              <a:t>/premium-vector/airplane-flying-sky-jet-plane-fly-clouds-airplanes-travel-vacation-aircraft_722324-1.jpg?w=2000</a:t>
-            </a:r>
-          </a:p>
-        </p:txBody>
-      </p:sp>
-    </p:spTree>
-    <p:extLst>
-      <p:ext uri="{BB962C8B-B14F-4D97-AF65-F5344CB8AC3E}">
-        <p14:creationId xmlns:p14="http://schemas.microsoft.com/office/powerpoint/2010/main" val="1336265694"/>
-      </p:ext>
-    </p:extLst>
-  </p:cSld>
-  <p:clrMapOvr>
-    <a:masterClrMapping/>
-  </p:clrMapOvr>
-</p:sld>
-</file>
-
-<file path=ppt/slides/slide4.xml><?xml version="1.0" encoding="utf-8"?>
-<p:sld xmlns:a="http://schemas.openxmlformats.org/drawingml/2006/main" xmlns:r="http://schemas.openxmlformats.org/officeDocument/2006/relationships" xmlns:p="http://schemas.openxmlformats.org/presentationml/2006/main">
-  <p:cSld>
-    <p:spTree>
-      <p:nvGrpSpPr>
-        <p:cNvPr id="1" name="">
-          <a:extLst>
-            <a:ext uri="{FF2B5EF4-FFF2-40B4-BE49-F238E27FC236}">
-              <a16:creationId xmlns:a16="http://schemas.microsoft.com/office/drawing/2014/main" id="{B680852A-5BA1-A70E-8011-E813F2906E79}"/>
-            </a:ext>
-          </a:extLst>
-        </p:cNvPr>
-        <p:cNvGrpSpPr/>
-        <p:nvPr/>
-      </p:nvGrpSpPr>
-      <p:grpSpPr>
-        <a:xfrm>
-          <a:off x="0" y="0"/>
-          <a:ext cx="0" cy="0"/>
-          <a:chOff x="0" y="0"/>
-          <a:chExt cx="0" cy="0"/>
-        </a:xfrm>
-      </p:grpSpPr>
-      <p:sp>
-        <p:nvSpPr>
-          <p:cNvPr id="2" name="Title 1">
-            <a:extLst>
-              <a:ext uri="{FF2B5EF4-FFF2-40B4-BE49-F238E27FC236}">
-                <a16:creationId xmlns:a16="http://schemas.microsoft.com/office/drawing/2014/main" id="{42E76335-E3D7-FD83-5AFA-B8EFB9A75336}"/>
-              </a:ext>
-            </a:extLst>
-          </p:cNvPr>
-          <p:cNvSpPr>
-            <a:spLocks noGrp="1"/>
-          </p:cNvSpPr>
-          <p:nvPr>
-            <p:ph type="title"/>
-          </p:nvPr>
-        </p:nvSpPr>
-        <p:spPr/>
-        <p:txBody>
-          <a:bodyPr/>
-          <a:lstStyle/>
-          <a:p>
-            <a:r>
-              <a:rPr lang="en-US" dirty="0"/>
-              <a:t>Why Software Engineering?</a:t>
-            </a:r>
-          </a:p>
-        </p:txBody>
-      </p:sp>
-      <p:sp>
-        <p:nvSpPr>
-          <p:cNvPr id="3" name="Content Placeholder 2">
-            <a:extLst>
-              <a:ext uri="{FF2B5EF4-FFF2-40B4-BE49-F238E27FC236}">
-                <a16:creationId xmlns:a16="http://schemas.microsoft.com/office/drawing/2014/main" id="{FE54DAE4-36AC-372D-1519-0ACED7268099}"/>
-              </a:ext>
-            </a:extLst>
-          </p:cNvPr>
-          <p:cNvSpPr>
-            <a:spLocks noGrp="1"/>
-          </p:cNvSpPr>
-          <p:nvPr>
-            <p:ph idx="1"/>
-          </p:nvPr>
-        </p:nvSpPr>
-        <p:spPr/>
-        <p:txBody>
-          <a:bodyPr/>
-          <a:lstStyle/>
-          <a:p>
-            <a:r>
-              <a:rPr lang="en-US" dirty="0"/>
-              <a:t>Software is Everywhere</a:t>
-            </a:r>
-          </a:p>
-          <a:p>
-            <a:pPr lvl="1"/>
-            <a:r>
-              <a:rPr lang="en-US" b="1" dirty="0"/>
-              <a:t>Example</a:t>
-            </a:r>
-            <a:r>
-              <a:rPr lang="en-US" dirty="0"/>
-              <a:t>: An MRI scanner, an airplane autopilot system, and your ride-share app — all run on complex software</a:t>
-            </a:r>
-          </a:p>
-          <a:p>
-            <a:pPr lvl="1"/>
-            <a:r>
-              <a:rPr lang="en-US" b="1" dirty="0"/>
-              <a:t>Point</a:t>
-            </a:r>
-            <a:r>
-              <a:rPr lang="en-US" dirty="0"/>
-              <a:t>: These systems must be </a:t>
-            </a:r>
-            <a:r>
-              <a:rPr lang="en-US" i="1" dirty="0"/>
-              <a:t>safe</a:t>
-            </a:r>
-            <a:r>
-              <a:rPr lang="en-US" dirty="0"/>
-              <a:t>, </a:t>
-            </a:r>
-            <a:r>
-              <a:rPr lang="en-US" i="1" dirty="0"/>
-              <a:t>reliable</a:t>
-            </a:r>
-            <a:r>
-              <a:rPr lang="en-US" dirty="0"/>
-              <a:t>, and </a:t>
-            </a:r>
-            <a:r>
-              <a:rPr lang="en-US" i="1" dirty="0"/>
-              <a:t>maintainable</a:t>
-            </a:r>
-            <a:endParaRPr lang="en-US" dirty="0"/>
-          </a:p>
-          <a:p>
-            <a:endParaRPr lang="en-US" i="1" dirty="0"/>
-          </a:p>
-          <a:p>
-            <a:endParaRPr lang="en-US" dirty="0"/>
-          </a:p>
-          <a:p>
-            <a:pPr lvl="1"/>
-            <a:endParaRPr lang="en-US" dirty="0"/>
-          </a:p>
-        </p:txBody>
-      </p:sp>
-      <p:pic>
-        <p:nvPicPr>
-          <p:cNvPr id="5" name="Picture 4">
-            <a:extLst>
-              <a:ext uri="{FF2B5EF4-FFF2-40B4-BE49-F238E27FC236}">
-                <a16:creationId xmlns:a16="http://schemas.microsoft.com/office/drawing/2014/main" id="{0AEFADB3-FD2E-DA0D-07E7-B93C0A90DBA0}"/>
-              </a:ext>
-            </a:extLst>
-          </p:cNvPr>
-          <p:cNvPicPr>
-            <a:picLocks noChangeAspect="1"/>
-          </p:cNvPicPr>
-          <p:nvPr/>
-        </p:nvPicPr>
-        <p:blipFill>
-          <a:blip r:embed="rId2">
-            <a:extLst>
-              <a:ext uri="{837473B0-CC2E-450A-ABE3-18F120FF3D39}">
-                <a1611:picAttrSrcUrl xmlns:a1611="http://schemas.microsoft.com/office/drawing/2016/11/main" r:id="rId3"/>
-              </a:ext>
-            </a:extLst>
-          </a:blip>
-          <a:stretch>
-            <a:fillRect/>
-          </a:stretch>
-        </p:blipFill>
-        <p:spPr>
-          <a:xfrm>
-            <a:off x="923598" y="4001294"/>
-            <a:ext cx="3138270" cy="1775084"/>
-          </a:xfrm>
-          <a:prstGeom prst="rect">
-            <a:avLst/>
-          </a:prstGeom>
-        </p:spPr>
-      </p:pic>
-      <p:pic>
-        <p:nvPicPr>
-          <p:cNvPr id="7" name="Picture 6">
-            <a:extLst>
-              <a:ext uri="{FF2B5EF4-FFF2-40B4-BE49-F238E27FC236}">
-                <a16:creationId xmlns:a16="http://schemas.microsoft.com/office/drawing/2014/main" id="{EF888D39-84F4-BC1C-88CA-B1A8CCB39610}"/>
-              </a:ext>
-            </a:extLst>
-          </p:cNvPr>
-          <p:cNvPicPr>
-            <a:picLocks noChangeAspect="1"/>
-          </p:cNvPicPr>
-          <p:nvPr/>
-        </p:nvPicPr>
-        <p:blipFill>
-          <a:blip r:embed="rId4">
-            <a:extLst>
-              <a:ext uri="{837473B0-CC2E-450A-ABE3-18F120FF3D39}">
-                <a1611:picAttrSrcUrl xmlns:a1611="http://schemas.microsoft.com/office/drawing/2016/11/main" r:id="rId5"/>
-              </a:ext>
-            </a:extLst>
-          </a:blip>
-          <a:stretch>
-            <a:fillRect/>
-          </a:stretch>
-        </p:blipFill>
-        <p:spPr>
-          <a:xfrm>
-            <a:off x="5079514" y="4001294"/>
-            <a:ext cx="2115879" cy="2115879"/>
-          </a:xfrm>
-          <a:prstGeom prst="rect">
-            <a:avLst/>
-          </a:prstGeom>
-        </p:spPr>
-      </p:pic>
-      <p:pic>
-        <p:nvPicPr>
-          <p:cNvPr id="9" name="Picture 8">
-            <a:extLst>
-              <a:ext uri="{FF2B5EF4-FFF2-40B4-BE49-F238E27FC236}">
-                <a16:creationId xmlns:a16="http://schemas.microsoft.com/office/drawing/2014/main" id="{6416F2C6-A27E-0FD2-AB8C-131CBEA7F6AA}"/>
-              </a:ext>
-            </a:extLst>
-          </p:cNvPr>
-          <p:cNvPicPr>
-            <a:picLocks noChangeAspect="1"/>
-          </p:cNvPicPr>
-          <p:nvPr/>
-        </p:nvPicPr>
-        <p:blipFill>
-          <a:blip r:embed="rId6">
-            <a:extLst>
-              <a:ext uri="{837473B0-CC2E-450A-ABE3-18F120FF3D39}">
-                <a1611:picAttrSrcUrl xmlns:a1611="http://schemas.microsoft.com/office/drawing/2016/11/main" r:id="rId7"/>
-              </a:ext>
-            </a:extLst>
-          </a:blip>
-          <a:stretch>
-            <a:fillRect/>
-          </a:stretch>
-        </p:blipFill>
-        <p:spPr>
-          <a:xfrm>
-            <a:off x="8213039" y="4001294"/>
-            <a:ext cx="3019268" cy="1988691"/>
-          </a:xfrm>
-          <a:prstGeom prst="rect">
-            <a:avLst/>
-          </a:prstGeom>
-        </p:spPr>
-      </p:pic>
-      <p:pic>
-        <p:nvPicPr>
-          <p:cNvPr id="6" name="Picture 5">
-            <a:extLst>
-              <a:ext uri="{FF2B5EF4-FFF2-40B4-BE49-F238E27FC236}">
-                <a16:creationId xmlns:a16="http://schemas.microsoft.com/office/drawing/2014/main" id="{8BC2666D-74A3-BEC6-B41D-5D9650AA93D8}"/>
-              </a:ext>
-            </a:extLst>
-          </p:cNvPr>
-          <p:cNvPicPr>
-            <a:picLocks noChangeAspect="1"/>
-          </p:cNvPicPr>
-          <p:nvPr/>
-        </p:nvPicPr>
-        <p:blipFill>
-          <a:blip r:embed="rId8">
-            <a:extLst>
-              <a:ext uri="{837473B0-CC2E-450A-ABE3-18F120FF3D39}">
-                <a1611:picAttrSrcUrl xmlns:a1611="http://schemas.microsoft.com/office/drawing/2016/11/main" r:id="rId9"/>
-              </a:ext>
-            </a:extLst>
-          </a:blip>
-          <a:stretch>
-            <a:fillRect/>
-          </a:stretch>
-        </p:blipFill>
-        <p:spPr>
-          <a:xfrm>
-            <a:off x="1207994" y="5504707"/>
-            <a:ext cx="1837029" cy="1224931"/>
-          </a:xfrm>
-          <a:prstGeom prst="rect">
-            <a:avLst/>
-          </a:prstGeom>
-        </p:spPr>
-      </p:pic>
-      <p:pic>
-        <p:nvPicPr>
-          <p:cNvPr id="10" name="Picture 9">
-            <a:extLst>
-              <a:ext uri="{FF2B5EF4-FFF2-40B4-BE49-F238E27FC236}">
-                <a16:creationId xmlns:a16="http://schemas.microsoft.com/office/drawing/2014/main" id="{C13D62AE-2F75-9204-0693-98C4ADBC8FB0}"/>
-              </a:ext>
-            </a:extLst>
-          </p:cNvPr>
-          <p:cNvPicPr>
-            <a:picLocks noChangeAspect="1"/>
-          </p:cNvPicPr>
-          <p:nvPr/>
-        </p:nvPicPr>
-        <p:blipFill>
-          <a:blip r:embed="rId10">
-            <a:extLst>
-              <a:ext uri="{837473B0-CC2E-450A-ABE3-18F120FF3D39}">
-                <a1611:picAttrSrcUrl xmlns:a1611="http://schemas.microsoft.com/office/drawing/2016/11/main" r:id="rId11"/>
-              </a:ext>
-            </a:extLst>
-          </a:blip>
-          <a:stretch>
-            <a:fillRect/>
-          </a:stretch>
-        </p:blipFill>
-        <p:spPr>
-          <a:xfrm>
-            <a:off x="6574364" y="5590568"/>
-            <a:ext cx="1675531" cy="942486"/>
-          </a:xfrm>
-          <a:prstGeom prst="rect">
-            <a:avLst/>
-          </a:prstGeom>
-        </p:spPr>
-      </p:pic>
-      <p:pic>
-        <p:nvPicPr>
-          <p:cNvPr id="12" name="Picture 11">
-            <a:extLst>
-              <a:ext uri="{FF2B5EF4-FFF2-40B4-BE49-F238E27FC236}">
-                <a16:creationId xmlns:a16="http://schemas.microsoft.com/office/drawing/2014/main" id="{81BD4918-FE84-38F8-117D-B4979584AB2B}"/>
-              </a:ext>
-            </a:extLst>
-          </p:cNvPr>
-          <p:cNvPicPr>
-            <a:picLocks noChangeAspect="1"/>
-          </p:cNvPicPr>
-          <p:nvPr/>
-        </p:nvPicPr>
-        <p:blipFill>
-          <a:blip r:embed="rId12">
-            <a:extLst>
-              <a:ext uri="{837473B0-CC2E-450A-ABE3-18F120FF3D39}">
-                <a1611:picAttrSrcUrl xmlns:a1611="http://schemas.microsoft.com/office/drawing/2016/11/main" r:id="rId13"/>
-              </a:ext>
-            </a:extLst>
-          </a:blip>
-          <a:stretch>
-            <a:fillRect/>
-          </a:stretch>
-        </p:blipFill>
-        <p:spPr>
-          <a:xfrm>
-            <a:off x="3380953" y="5504707"/>
-            <a:ext cx="1114208" cy="1114208"/>
-          </a:xfrm>
-          <a:prstGeom prst="rect">
-            <a:avLst/>
-          </a:prstGeom>
-        </p:spPr>
-      </p:pic>
-      <p:pic>
-        <p:nvPicPr>
-          <p:cNvPr id="14" name="Picture 13">
-            <a:extLst>
-              <a:ext uri="{FF2B5EF4-FFF2-40B4-BE49-F238E27FC236}">
-                <a16:creationId xmlns:a16="http://schemas.microsoft.com/office/drawing/2014/main" id="{6F37C7C3-0379-19D0-342F-52F379687AB1}"/>
-              </a:ext>
-            </a:extLst>
-          </p:cNvPr>
-          <p:cNvPicPr>
-            <a:picLocks noChangeAspect="1"/>
-          </p:cNvPicPr>
-          <p:nvPr/>
-        </p:nvPicPr>
-        <p:blipFill>
-          <a:blip r:embed="rId14">
-            <a:extLst>
-              <a:ext uri="{837473B0-CC2E-450A-ABE3-18F120FF3D39}">
-                <a1611:picAttrSrcUrl xmlns:a1611="http://schemas.microsoft.com/office/drawing/2016/11/main" r:id="rId15"/>
-              </a:ext>
-            </a:extLst>
-          </a:blip>
-          <a:stretch>
-            <a:fillRect/>
-          </a:stretch>
-        </p:blipFill>
-        <p:spPr>
-          <a:xfrm>
-            <a:off x="4888406" y="5544524"/>
-            <a:ext cx="1685958" cy="948351"/>
-          </a:xfrm>
-          <a:prstGeom prst="rect">
-            <a:avLst/>
-          </a:prstGeom>
-        </p:spPr>
-      </p:pic>
-      <p:pic>
-        <p:nvPicPr>
-          <p:cNvPr id="16" name="Picture 15">
-            <a:extLst>
-              <a:ext uri="{FF2B5EF4-FFF2-40B4-BE49-F238E27FC236}">
-                <a16:creationId xmlns:a16="http://schemas.microsoft.com/office/drawing/2014/main" id="{1A6EA1C6-A7A3-0C9C-4CCA-D1B311865E18}"/>
-              </a:ext>
-            </a:extLst>
-          </p:cNvPr>
-          <p:cNvPicPr>
-            <a:picLocks noChangeAspect="1"/>
-          </p:cNvPicPr>
-          <p:nvPr/>
-        </p:nvPicPr>
-        <p:blipFill>
-          <a:blip r:embed="rId16">
-            <a:extLst>
-              <a:ext uri="{837473B0-CC2E-450A-ABE3-18F120FF3D39}">
-                <a1611:picAttrSrcUrl xmlns:a1611="http://schemas.microsoft.com/office/drawing/2016/11/main" r:id="rId17"/>
-              </a:ext>
-            </a:extLst>
-          </a:blip>
-          <a:stretch>
-            <a:fillRect/>
-          </a:stretch>
-        </p:blipFill>
-        <p:spPr>
-          <a:xfrm>
-            <a:off x="8551539" y="5590565"/>
-            <a:ext cx="1384314" cy="942487"/>
-          </a:xfrm>
-          <a:prstGeom prst="rect">
-            <a:avLst/>
-          </a:prstGeom>
-        </p:spPr>
-      </p:pic>
-    </p:spTree>
-    <p:extLst>
-      <p:ext uri="{BB962C8B-B14F-4D97-AF65-F5344CB8AC3E}">
-        <p14:creationId xmlns:p14="http://schemas.microsoft.com/office/powerpoint/2010/main" val="4009262812"/>
-      </p:ext>
-    </p:extLst>
-  </p:cSld>
-  <p:clrMapOvr>
-    <a:masterClrMapping/>
-  </p:clrMapOvr>
-</p:sld>
-</file>
-
-<file path=ppt/slides/slide5.xml><?xml version="1.0" encoding="utf-8"?>
-<p:sld xmlns:a="http://schemas.openxmlformats.org/drawingml/2006/main" xmlns:r="http://schemas.openxmlformats.org/officeDocument/2006/relationships" xmlns:p="http://schemas.openxmlformats.org/presentationml/2006/main">
-  <p:cSld>
-    <p:spTree>
-      <p:nvGrpSpPr>
-        <p:cNvPr id="1" name="">
-          <a:extLst>
-            <a:ext uri="{FF2B5EF4-FFF2-40B4-BE49-F238E27FC236}">
-              <a16:creationId xmlns:a16="http://schemas.microsoft.com/office/drawing/2014/main" id="{1D04566C-ECBF-FE39-CEA5-7288EE9A8867}"/>
-            </a:ext>
-          </a:extLst>
-        </p:cNvPr>
-        <p:cNvGrpSpPr/>
-        <p:nvPr/>
-      </p:nvGrpSpPr>
-      <p:grpSpPr>
-        <a:xfrm>
-          <a:off x="0" y="0"/>
-          <a:ext cx="0" cy="0"/>
-          <a:chOff x="0" y="0"/>
-          <a:chExt cx="0" cy="0"/>
-        </a:xfrm>
-      </p:grpSpPr>
-      <p:sp>
-        <p:nvSpPr>
-          <p:cNvPr id="2" name="Title 1">
-            <a:extLst>
-              <a:ext uri="{FF2B5EF4-FFF2-40B4-BE49-F238E27FC236}">
-                <a16:creationId xmlns:a16="http://schemas.microsoft.com/office/drawing/2014/main" id="{70846A92-E38B-66D8-9DFA-83E06E6CA10F}"/>
-              </a:ext>
-            </a:extLst>
-          </p:cNvPr>
-          <p:cNvSpPr>
-            <a:spLocks noGrp="1"/>
-          </p:cNvSpPr>
-          <p:nvPr>
-            <p:ph type="title"/>
-          </p:nvPr>
-        </p:nvSpPr>
-        <p:spPr/>
-        <p:txBody>
-          <a:bodyPr/>
-          <a:lstStyle/>
-          <a:p>
-            <a:r>
-              <a:rPr lang="en-US" dirty="0"/>
-              <a:t>Why Software Engineering?</a:t>
-            </a:r>
-          </a:p>
-        </p:txBody>
-      </p:sp>
-      <p:sp>
-        <p:nvSpPr>
-          <p:cNvPr id="3" name="Content Placeholder 2">
-            <a:extLst>
-              <a:ext uri="{FF2B5EF4-FFF2-40B4-BE49-F238E27FC236}">
-                <a16:creationId xmlns:a16="http://schemas.microsoft.com/office/drawing/2014/main" id="{9C07F718-0128-035D-D2A1-4EDA3B714BCB}"/>
-              </a:ext>
-            </a:extLst>
-          </p:cNvPr>
-          <p:cNvSpPr>
-            <a:spLocks noGrp="1"/>
-          </p:cNvSpPr>
-          <p:nvPr>
-            <p:ph idx="1"/>
-          </p:nvPr>
-        </p:nvSpPr>
-        <p:spPr/>
-        <p:txBody>
-          <a:bodyPr/>
-          <a:lstStyle/>
-          <a:p>
-            <a:r>
-              <a:rPr lang="en-US" dirty="0"/>
-              <a:t>Code Is Easy to Write, Hard to Manage</a:t>
-            </a:r>
-          </a:p>
-          <a:p>
-            <a:pPr lvl="1"/>
-            <a:r>
-              <a:rPr lang="en-US" b="1" dirty="0"/>
-              <a:t>Example</a:t>
-            </a:r>
-            <a:r>
-              <a:rPr lang="en-US" dirty="0"/>
-              <a:t>: A prototype written in a hackathon might work once, but will break with real users, multiple developers, or scaling needs</a:t>
-            </a:r>
-          </a:p>
-          <a:p>
-            <a:pPr lvl="1"/>
-            <a:r>
-              <a:rPr lang="en-US" b="1" dirty="0"/>
-              <a:t>Point</a:t>
-            </a:r>
-            <a:r>
-              <a:rPr lang="en-US" dirty="0"/>
-              <a:t>: SE helps manage complexity, especially in large teams and long-term projects</a:t>
-            </a:r>
-          </a:p>
-          <a:p>
-            <a:pPr lvl="1"/>
-            <a:endParaRPr lang="en-US" dirty="0"/>
-          </a:p>
-          <a:p>
-            <a:endParaRPr lang="en-US" i="1" dirty="0"/>
-          </a:p>
-          <a:p>
-            <a:endParaRPr lang="en-US" dirty="0"/>
-          </a:p>
-          <a:p>
-            <a:pPr lvl="1"/>
-            <a:endParaRPr lang="en-US" dirty="0"/>
-          </a:p>
-        </p:txBody>
-      </p:sp>
-    </p:spTree>
-    <p:extLst>
-      <p:ext uri="{BB962C8B-B14F-4D97-AF65-F5344CB8AC3E}">
-        <p14:creationId xmlns:p14="http://schemas.microsoft.com/office/powerpoint/2010/main" val="2925980444"/>
-      </p:ext>
-    </p:extLst>
-  </p:cSld>
-  <p:clrMapOvr>
-    <a:masterClrMapping/>
-  </p:clrMapOvr>
-</p:sld>
-</file>
-
-<file path=ppt/slides/slide6.xml><?xml version="1.0" encoding="utf-8"?>
-<p:sld xmlns:a="http://schemas.openxmlformats.org/drawingml/2006/main" xmlns:r="http://schemas.openxmlformats.org/officeDocument/2006/relationships" xmlns:p="http://schemas.openxmlformats.org/presentationml/2006/main">
-  <p:cSld>
-    <p:spTree>
-      <p:nvGrpSpPr>
-        <p:cNvPr id="1" name="">
-          <a:extLst>
-            <a:ext uri="{FF2B5EF4-FFF2-40B4-BE49-F238E27FC236}">
-              <a16:creationId xmlns:a16="http://schemas.microsoft.com/office/drawing/2014/main" id="{B11CB9B5-69DB-5E69-A8A2-F90C7630F551}"/>
-            </a:ext>
-          </a:extLst>
-        </p:cNvPr>
-        <p:cNvGrpSpPr/>
-        <p:nvPr/>
-      </p:nvGrpSpPr>
-      <p:grpSpPr>
-        <a:xfrm>
-          <a:off x="0" y="0"/>
-          <a:ext cx="0" cy="0"/>
-          <a:chOff x="0" y="0"/>
-          <a:chExt cx="0" cy="0"/>
-        </a:xfrm>
-      </p:grpSpPr>
-      <p:sp>
-        <p:nvSpPr>
-          <p:cNvPr id="2" name="Title 1">
-            <a:extLst>
-              <a:ext uri="{FF2B5EF4-FFF2-40B4-BE49-F238E27FC236}">
-                <a16:creationId xmlns:a16="http://schemas.microsoft.com/office/drawing/2014/main" id="{CD531331-2411-03A1-69C6-BCA8B370FA16}"/>
-              </a:ext>
-            </a:extLst>
-          </p:cNvPr>
-          <p:cNvSpPr>
-            <a:spLocks noGrp="1"/>
-          </p:cNvSpPr>
-          <p:nvPr>
-            <p:ph type="title"/>
-          </p:nvPr>
-        </p:nvSpPr>
-        <p:spPr/>
-        <p:txBody>
-          <a:bodyPr/>
-          <a:lstStyle/>
-          <a:p>
-            <a:r>
-              <a:rPr lang="en-US" dirty="0"/>
-              <a:t>Why Software Engineering?</a:t>
-            </a:r>
-          </a:p>
-        </p:txBody>
-      </p:sp>
-      <p:sp>
-        <p:nvSpPr>
-          <p:cNvPr id="3" name="Content Placeholder 2">
-            <a:extLst>
-              <a:ext uri="{FF2B5EF4-FFF2-40B4-BE49-F238E27FC236}">
-                <a16:creationId xmlns:a16="http://schemas.microsoft.com/office/drawing/2014/main" id="{3322D7C8-D045-BA1F-8CEE-DDC6EB7F3D07}"/>
-              </a:ext>
-            </a:extLst>
-          </p:cNvPr>
-          <p:cNvSpPr>
-            <a:spLocks noGrp="1"/>
-          </p:cNvSpPr>
-          <p:nvPr>
-            <p:ph idx="1"/>
-          </p:nvPr>
-        </p:nvSpPr>
-        <p:spPr>
-          <a:xfrm>
-            <a:off x="838200" y="1825625"/>
-            <a:ext cx="10515600" cy="2156440"/>
-          </a:xfrm>
-        </p:spPr>
-        <p:txBody>
-          <a:bodyPr/>
-          <a:lstStyle/>
-          <a:p>
-            <a:r>
-              <a:rPr lang="en-US" dirty="0"/>
-              <a:t>Code Is Easy to Write, Hard to Manage</a:t>
-            </a:r>
-          </a:p>
-          <a:p>
-            <a:pPr lvl="1"/>
-            <a:r>
-              <a:rPr lang="en-US" b="1" dirty="0"/>
-              <a:t>Example</a:t>
-            </a:r>
-            <a:r>
-              <a:rPr lang="en-US" dirty="0"/>
-              <a:t>: A prototype written in a hackathon might work once, but will break with real users, multiple developers, or scaling needs</a:t>
-            </a:r>
-          </a:p>
-          <a:p>
-            <a:pPr lvl="1"/>
-            <a:r>
-              <a:rPr lang="en-US" b="1" dirty="0"/>
-              <a:t>Point</a:t>
-            </a:r>
-            <a:r>
-              <a:rPr lang="en-US" dirty="0"/>
-              <a:t>: SE helps manage complexity, especially in large teams and long-term projects</a:t>
-            </a:r>
-          </a:p>
-          <a:p>
-            <a:pPr lvl="1"/>
-            <a:endParaRPr lang="en-US" dirty="0"/>
-          </a:p>
-          <a:p>
-            <a:endParaRPr lang="en-US" i="1" dirty="0"/>
-          </a:p>
-          <a:p>
-            <a:endParaRPr lang="en-US" dirty="0"/>
-          </a:p>
-          <a:p>
-            <a:pPr lvl="1"/>
-            <a:endParaRPr lang="en-US" dirty="0"/>
-          </a:p>
-        </p:txBody>
-      </p:sp>
-      <p:pic>
-        <p:nvPicPr>
-          <p:cNvPr id="1028" name="Picture 4" descr="Python Quicksort, algoritmo di ordinamento Python">
-            <a:extLst>
-              <a:ext uri="{FF2B5EF4-FFF2-40B4-BE49-F238E27FC236}">
-                <a16:creationId xmlns:a16="http://schemas.microsoft.com/office/drawing/2014/main" id="{D36129DD-2668-7C37-05DB-A36D35CD99B2}"/>
-              </a:ext>
-            </a:extLst>
-          </p:cNvPr>
-          <p:cNvPicPr>
-            <a:picLocks noChangeAspect="1" noChangeArrowheads="1"/>
-          </p:cNvPicPr>
-          <p:nvPr/>
-        </p:nvPicPr>
-        <p:blipFill>
-          <a:blip r:embed="rId2">
-            <a:extLst>
-              <a:ext uri="{28A0092B-C50C-407E-A947-70E740481C1C}">
-                <a14:useLocalDpi xmlns:a14="http://schemas.microsoft.com/office/drawing/2010/main" val="0"/>
-              </a:ext>
-            </a:extLst>
-          </a:blip>
-          <a:srcRect/>
-          <a:stretch>
-            <a:fillRect/>
-          </a:stretch>
-        </p:blipFill>
-        <p:spPr bwMode="auto">
-          <a:xfrm>
-            <a:off x="1278552" y="4217733"/>
-            <a:ext cx="3786699" cy="1924559"/>
-          </a:xfrm>
-          <a:prstGeom prst="rect">
-            <a:avLst/>
-          </a:prstGeom>
-          <a:noFill/>
-          <a:extLst>
-            <a:ext uri="{909E8E84-426E-40DD-AFC4-6F175D3DCCD1}">
-              <a14:hiddenFill xmlns:a14="http://schemas.microsoft.com/office/drawing/2010/main">
-                <a:solidFill>
-                  <a:srgbClr val="FFFFFF"/>
-                </a:solidFill>
-              </a14:hiddenFill>
-            </a:ext>
-          </a:extLst>
-        </p:spPr>
-      </p:pic>
-      <p:sp>
-        <p:nvSpPr>
-          <p:cNvPr id="5" name="TextBox 4">
-            <a:extLst>
-              <a:ext uri="{FF2B5EF4-FFF2-40B4-BE49-F238E27FC236}">
-                <a16:creationId xmlns:a16="http://schemas.microsoft.com/office/drawing/2014/main" id="{CAD32E25-64D2-3FB2-287E-67EBC3A5FD78}"/>
-              </a:ext>
-            </a:extLst>
-          </p:cNvPr>
-          <p:cNvSpPr txBox="1"/>
-          <p:nvPr/>
-        </p:nvSpPr>
-        <p:spPr>
-          <a:xfrm>
-            <a:off x="2045631" y="6534834"/>
-            <a:ext cx="2252540" cy="215444"/>
-          </a:xfrm>
-          <a:prstGeom prst="rect">
-            <a:avLst/>
-          </a:prstGeom>
-          <a:noFill/>
-        </p:spPr>
-        <p:txBody>
-          <a:bodyPr wrap="none" rtlCol="0">
-            <a:spAutoFit/>
-          </a:bodyPr>
-          <a:lstStyle/>
-          <a:p>
-            <a:r>
-              <a:rPr lang="en-US" sz="800" dirty="0"/>
-              <a:t>https://</a:t>
-            </a:r>
-            <a:r>
-              <a:rPr lang="en-US" sz="800" dirty="0" err="1"/>
-              <a:t>www.codingcreativo.it</a:t>
-            </a:r>
-            <a:r>
-              <a:rPr lang="en-US" sz="800" dirty="0"/>
-              <a:t>/python-quicksort/</a:t>
-            </a:r>
-          </a:p>
-        </p:txBody>
-      </p:sp>
-      <p:sp>
-        <p:nvSpPr>
-          <p:cNvPr id="7" name="TextBox 6">
-            <a:extLst>
-              <a:ext uri="{FF2B5EF4-FFF2-40B4-BE49-F238E27FC236}">
-                <a16:creationId xmlns:a16="http://schemas.microsoft.com/office/drawing/2014/main" id="{B67E8613-6A7E-DC78-1620-6FEC5F1730EA}"/>
-              </a:ext>
-            </a:extLst>
-          </p:cNvPr>
-          <p:cNvSpPr txBox="1"/>
-          <p:nvPr/>
-        </p:nvSpPr>
-        <p:spPr>
-          <a:xfrm>
-            <a:off x="1956440" y="3886134"/>
-            <a:ext cx="2341731" cy="369332"/>
-          </a:xfrm>
-          <a:prstGeom prst="rect">
-            <a:avLst/>
-          </a:prstGeom>
-          <a:noFill/>
-        </p:spPr>
-        <p:txBody>
-          <a:bodyPr wrap="none" rtlCol="0">
-            <a:spAutoFit/>
-          </a:bodyPr>
-          <a:lstStyle/>
-          <a:p>
-            <a:r>
-              <a:rPr lang="en-US" dirty="0">
-                <a:solidFill>
-                  <a:srgbClr val="FF0000"/>
-                </a:solidFill>
-              </a:rPr>
-              <a:t>Homework assignment</a:t>
-            </a:r>
-          </a:p>
-        </p:txBody>
-      </p:sp>
-    </p:spTree>
-    <p:extLst>
-      <p:ext uri="{BB962C8B-B14F-4D97-AF65-F5344CB8AC3E}">
-        <p14:creationId xmlns:p14="http://schemas.microsoft.com/office/powerpoint/2010/main" val="2315488624"/>
-      </p:ext>
-    </p:extLst>
-  </p:cSld>
-  <p:clrMapOvr>
-    <a:masterClrMapping/>
-  </p:clrMapOvr>
-</p:sld>
-</file>
-
-<file path=ppt/slides/slide7.xml><?xml version="1.0" encoding="utf-8"?>
-<p:sld xmlns:a="http://schemas.openxmlformats.org/drawingml/2006/main" xmlns:r="http://schemas.openxmlformats.org/officeDocument/2006/relationships" xmlns:p="http://schemas.openxmlformats.org/presentationml/2006/main">
-  <p:cSld>
-    <p:spTree>
-      <p:nvGrpSpPr>
-        <p:cNvPr id="1" name="">
-          <a:extLst>
-            <a:ext uri="{FF2B5EF4-FFF2-40B4-BE49-F238E27FC236}">
-              <a16:creationId xmlns:a16="http://schemas.microsoft.com/office/drawing/2014/main" id="{8214A9B4-E3B3-5855-CB27-02E8AF13F6AB}"/>
-            </a:ext>
-          </a:extLst>
-        </p:cNvPr>
-        <p:cNvGrpSpPr/>
-        <p:nvPr/>
-      </p:nvGrpSpPr>
-      <p:grpSpPr>
-        <a:xfrm>
-          <a:off x="0" y="0"/>
-          <a:ext cx="0" cy="0"/>
-          <a:chOff x="0" y="0"/>
-          <a:chExt cx="0" cy="0"/>
-        </a:xfrm>
-      </p:grpSpPr>
-      <p:sp>
-        <p:nvSpPr>
-          <p:cNvPr id="2" name="Title 1">
-            <a:extLst>
-              <a:ext uri="{FF2B5EF4-FFF2-40B4-BE49-F238E27FC236}">
-                <a16:creationId xmlns:a16="http://schemas.microsoft.com/office/drawing/2014/main" id="{EF0F5F1F-633E-9CDE-749A-C1345C464E68}"/>
-              </a:ext>
-            </a:extLst>
-          </p:cNvPr>
-          <p:cNvSpPr>
-            <a:spLocks noGrp="1"/>
-          </p:cNvSpPr>
-          <p:nvPr>
-            <p:ph type="title"/>
-          </p:nvPr>
-        </p:nvSpPr>
-        <p:spPr/>
-        <p:txBody>
-          <a:bodyPr/>
-          <a:lstStyle/>
-          <a:p>
-            <a:r>
-              <a:rPr lang="en-US" dirty="0"/>
-              <a:t>Why Software Engineering?</a:t>
-            </a:r>
-          </a:p>
-        </p:txBody>
-      </p:sp>
-      <p:sp>
-        <p:nvSpPr>
-          <p:cNvPr id="3" name="Content Placeholder 2">
-            <a:extLst>
-              <a:ext uri="{FF2B5EF4-FFF2-40B4-BE49-F238E27FC236}">
-                <a16:creationId xmlns:a16="http://schemas.microsoft.com/office/drawing/2014/main" id="{89B4FF0F-B660-8B26-5963-EB5ACD1620C5}"/>
-              </a:ext>
-            </a:extLst>
-          </p:cNvPr>
-          <p:cNvSpPr>
-            <a:spLocks noGrp="1"/>
-          </p:cNvSpPr>
-          <p:nvPr>
-            <p:ph idx="1"/>
-          </p:nvPr>
-        </p:nvSpPr>
-        <p:spPr>
-          <a:xfrm>
-            <a:off x="838200" y="1825625"/>
-            <a:ext cx="10515600" cy="2156440"/>
-          </a:xfrm>
-        </p:spPr>
-        <p:txBody>
-          <a:bodyPr/>
-          <a:lstStyle/>
-          <a:p>
-            <a:r>
-              <a:rPr lang="en-US" dirty="0"/>
-              <a:t>Code Is Easy to Write, Hard to Manage</a:t>
-            </a:r>
-          </a:p>
-          <a:p>
-            <a:pPr lvl="1"/>
-            <a:r>
-              <a:rPr lang="en-US" b="1" dirty="0"/>
-              <a:t>Example</a:t>
-            </a:r>
-            <a:r>
-              <a:rPr lang="en-US" dirty="0"/>
-              <a:t>: A prototype written in a hackathon might work once, but will break with real users, multiple developers, or scaling needs</a:t>
-            </a:r>
-          </a:p>
-          <a:p>
-            <a:pPr lvl="1"/>
-            <a:r>
-              <a:rPr lang="en-US" b="1" dirty="0"/>
-              <a:t>Point</a:t>
-            </a:r>
-            <a:r>
-              <a:rPr lang="en-US" dirty="0"/>
-              <a:t>: SE helps manage complexity, especially in large teams and long-term projects</a:t>
-            </a:r>
-          </a:p>
-          <a:p>
-            <a:pPr lvl="1"/>
-            <a:endParaRPr lang="en-US" dirty="0"/>
-          </a:p>
-          <a:p>
-            <a:endParaRPr lang="en-US" i="1" dirty="0"/>
-          </a:p>
-          <a:p>
-            <a:endParaRPr lang="en-US" dirty="0"/>
-          </a:p>
-          <a:p>
-            <a:pPr lvl="1"/>
-            <a:endParaRPr lang="en-US" dirty="0"/>
-          </a:p>
-        </p:txBody>
-      </p:sp>
-      <p:pic>
-        <p:nvPicPr>
-          <p:cNvPr id="1026" name="Picture 2" descr="A map  of the Linux Kernel source code.">
-            <a:extLst>
-              <a:ext uri="{FF2B5EF4-FFF2-40B4-BE49-F238E27FC236}">
-                <a16:creationId xmlns:a16="http://schemas.microsoft.com/office/drawing/2014/main" id="{8E9CAD67-DB96-3738-E0F4-7C1E6C979971}"/>
-              </a:ext>
-            </a:extLst>
-          </p:cNvPr>
-          <p:cNvPicPr>
-            <a:picLocks noChangeAspect="1" noChangeArrowheads="1"/>
-          </p:cNvPicPr>
-          <p:nvPr/>
-        </p:nvPicPr>
-        <p:blipFill>
-          <a:blip r:embed="rId2">
-            <a:extLst>
-              <a:ext uri="{28A0092B-C50C-407E-A947-70E740481C1C}">
-                <a14:useLocalDpi xmlns:a14="http://schemas.microsoft.com/office/drawing/2010/main" val="0"/>
-              </a:ext>
-            </a:extLst>
-          </a:blip>
-          <a:srcRect/>
-          <a:stretch>
-            <a:fillRect/>
-          </a:stretch>
-        </p:blipFill>
-        <p:spPr bwMode="auto">
-          <a:xfrm>
-            <a:off x="6556837" y="3836405"/>
-            <a:ext cx="3786699" cy="2656470"/>
-          </a:xfrm>
-          <a:prstGeom prst="rect">
-            <a:avLst/>
-          </a:prstGeom>
-          <a:noFill/>
-          <a:extLst>
-            <a:ext uri="{909E8E84-426E-40DD-AFC4-6F175D3DCCD1}">
-              <a14:hiddenFill xmlns:a14="http://schemas.microsoft.com/office/drawing/2010/main">
-                <a:solidFill>
-                  <a:srgbClr val="FFFFFF"/>
-                </a:solidFill>
-              </a14:hiddenFill>
-            </a:ext>
-          </a:extLst>
-        </p:spPr>
-      </p:pic>
-      <p:sp>
-        <p:nvSpPr>
-          <p:cNvPr id="4" name="TextBox 3">
-            <a:extLst>
-              <a:ext uri="{FF2B5EF4-FFF2-40B4-BE49-F238E27FC236}">
-                <a16:creationId xmlns:a16="http://schemas.microsoft.com/office/drawing/2014/main" id="{CFB86935-6CBB-9434-0001-356A127E2BAB}"/>
-              </a:ext>
-            </a:extLst>
-          </p:cNvPr>
-          <p:cNvSpPr txBox="1"/>
-          <p:nvPr/>
-        </p:nvSpPr>
-        <p:spPr>
-          <a:xfrm>
-            <a:off x="6063956" y="6642556"/>
-            <a:ext cx="4772460" cy="215444"/>
-          </a:xfrm>
-          <a:prstGeom prst="rect">
-            <a:avLst/>
-          </a:prstGeom>
-          <a:noFill/>
-        </p:spPr>
-        <p:txBody>
-          <a:bodyPr wrap="none" rtlCol="0">
-            <a:spAutoFit/>
-          </a:bodyPr>
-          <a:lstStyle/>
-          <a:p>
-            <a:r>
-              <a:rPr lang="en-US" sz="800" dirty="0"/>
-              <a:t>https://</a:t>
-            </a:r>
-            <a:r>
-              <a:rPr lang="en-US" sz="800" dirty="0" err="1"/>
-              <a:t>medium.freecodecamp.org</a:t>
-            </a:r>
-            <a:r>
-              <a:rPr lang="en-US" sz="800" dirty="0"/>
-              <a:t>/building-and-installing-the-latest-linux-kernel-from-source-6d8df5345980</a:t>
-            </a:r>
-          </a:p>
-        </p:txBody>
-      </p:sp>
-      <p:pic>
-        <p:nvPicPr>
-          <p:cNvPr id="1028" name="Picture 4" descr="Python Quicksort, algoritmo di ordinamento Python">
-            <a:extLst>
-              <a:ext uri="{FF2B5EF4-FFF2-40B4-BE49-F238E27FC236}">
-                <a16:creationId xmlns:a16="http://schemas.microsoft.com/office/drawing/2014/main" id="{92714EF3-AC68-64D8-8D91-9BEF8B7FCA42}"/>
-              </a:ext>
-            </a:extLst>
-          </p:cNvPr>
-          <p:cNvPicPr>
-            <a:picLocks noChangeAspect="1" noChangeArrowheads="1"/>
-          </p:cNvPicPr>
-          <p:nvPr/>
-        </p:nvPicPr>
-        <p:blipFill>
-          <a:blip r:embed="rId3">
-            <a:extLst>
-              <a:ext uri="{28A0092B-C50C-407E-A947-70E740481C1C}">
-                <a14:useLocalDpi xmlns:a14="http://schemas.microsoft.com/office/drawing/2010/main" val="0"/>
-              </a:ext>
-            </a:extLst>
-          </a:blip>
-          <a:srcRect/>
-          <a:stretch>
-            <a:fillRect/>
-          </a:stretch>
-        </p:blipFill>
-        <p:spPr bwMode="auto">
-          <a:xfrm>
-            <a:off x="1278552" y="4217733"/>
-            <a:ext cx="3786699" cy="1924559"/>
-          </a:xfrm>
-          <a:prstGeom prst="rect">
-            <a:avLst/>
-          </a:prstGeom>
-          <a:noFill/>
-          <a:extLst>
-            <a:ext uri="{909E8E84-426E-40DD-AFC4-6F175D3DCCD1}">
-              <a14:hiddenFill xmlns:a14="http://schemas.microsoft.com/office/drawing/2010/main">
-                <a:solidFill>
-                  <a:srgbClr val="FFFFFF"/>
-                </a:solidFill>
-              </a14:hiddenFill>
-            </a:ext>
-          </a:extLst>
-        </p:spPr>
-      </p:pic>
-      <p:sp>
-        <p:nvSpPr>
-          <p:cNvPr id="5" name="TextBox 4">
-            <a:extLst>
-              <a:ext uri="{FF2B5EF4-FFF2-40B4-BE49-F238E27FC236}">
-                <a16:creationId xmlns:a16="http://schemas.microsoft.com/office/drawing/2014/main" id="{D8CD4512-50B6-1886-5D11-490DA93C8426}"/>
-              </a:ext>
-            </a:extLst>
-          </p:cNvPr>
-          <p:cNvSpPr txBox="1"/>
-          <p:nvPr/>
-        </p:nvSpPr>
-        <p:spPr>
-          <a:xfrm>
-            <a:off x="2045631" y="6534834"/>
-            <a:ext cx="2252540" cy="215444"/>
-          </a:xfrm>
-          <a:prstGeom prst="rect">
-            <a:avLst/>
-          </a:prstGeom>
-          <a:noFill/>
-        </p:spPr>
-        <p:txBody>
-          <a:bodyPr wrap="none" rtlCol="0">
-            <a:spAutoFit/>
-          </a:bodyPr>
-          <a:lstStyle/>
-          <a:p>
-            <a:r>
-              <a:rPr lang="en-US" sz="800" dirty="0"/>
-              <a:t>https://</a:t>
-            </a:r>
-            <a:r>
-              <a:rPr lang="en-US" sz="800" dirty="0" err="1"/>
-              <a:t>www.codingcreativo.it</a:t>
-            </a:r>
-            <a:r>
-              <a:rPr lang="en-US" sz="800" dirty="0"/>
-              <a:t>/python-quicksort/</a:t>
-            </a:r>
-          </a:p>
-        </p:txBody>
-      </p:sp>
-      <p:sp>
-        <p:nvSpPr>
-          <p:cNvPr id="6" name="Right Arrow 5">
-            <a:extLst>
-              <a:ext uri="{FF2B5EF4-FFF2-40B4-BE49-F238E27FC236}">
-                <a16:creationId xmlns:a16="http://schemas.microsoft.com/office/drawing/2014/main" id="{DC7A71A4-A9D1-C948-E5E4-2078F09E1C52}"/>
-              </a:ext>
-            </a:extLst>
-          </p:cNvPr>
-          <p:cNvSpPr/>
-          <p:nvPr/>
-        </p:nvSpPr>
-        <p:spPr>
-          <a:xfrm>
-            <a:off x="5270090" y="4906297"/>
-            <a:ext cx="1042220" cy="383458"/>
-          </a:xfrm>
-          <a:prstGeom prst="rightArrow">
-            <a:avLst/>
-          </a:prstGeom>
-        </p:spPr>
-        <p:style>
-          <a:lnRef idx="2">
-            <a:schemeClr val="accent1">
-              <a:shade val="15000"/>
-            </a:schemeClr>
-          </a:lnRef>
-          <a:fillRef idx="1">
-            <a:schemeClr val="accent1"/>
-          </a:fillRef>
-          <a:effectRef idx="0">
-            <a:schemeClr val="accent1"/>
-          </a:effectRef>
-          <a:fontRef idx="minor">
-            <a:schemeClr val="lt1"/>
-          </a:fontRef>
-        </p:style>
-        <p:txBody>
-          <a:bodyPr rtlCol="0" anchor="ctr"/>
-          <a:lstStyle/>
-          <a:p>
-            <a:pPr algn="ctr"/>
-            <a:endParaRPr lang="en-US"/>
-          </a:p>
-        </p:txBody>
-      </p:sp>
-      <p:sp>
-        <p:nvSpPr>
-          <p:cNvPr id="7" name="TextBox 6">
-            <a:extLst>
-              <a:ext uri="{FF2B5EF4-FFF2-40B4-BE49-F238E27FC236}">
-                <a16:creationId xmlns:a16="http://schemas.microsoft.com/office/drawing/2014/main" id="{7BB6EF55-6D41-C6E2-EEE2-7C5E400367D9}"/>
-              </a:ext>
-            </a:extLst>
-          </p:cNvPr>
-          <p:cNvSpPr txBox="1"/>
-          <p:nvPr/>
-        </p:nvSpPr>
-        <p:spPr>
-          <a:xfrm>
-            <a:off x="1956440" y="3886134"/>
-            <a:ext cx="2341731" cy="369332"/>
-          </a:xfrm>
-          <a:prstGeom prst="rect">
-            <a:avLst/>
-          </a:prstGeom>
-          <a:noFill/>
-        </p:spPr>
-        <p:txBody>
-          <a:bodyPr wrap="none" rtlCol="0">
-            <a:spAutoFit/>
-          </a:bodyPr>
-          <a:lstStyle/>
-          <a:p>
-            <a:r>
-              <a:rPr lang="en-US" dirty="0">
-                <a:solidFill>
-                  <a:srgbClr val="FF0000"/>
-                </a:solidFill>
-              </a:rPr>
-              <a:t>Homework assignment</a:t>
-            </a:r>
-          </a:p>
-        </p:txBody>
-      </p:sp>
-      <p:sp>
-        <p:nvSpPr>
-          <p:cNvPr id="8" name="TextBox 7">
-            <a:extLst>
-              <a:ext uri="{FF2B5EF4-FFF2-40B4-BE49-F238E27FC236}">
-                <a16:creationId xmlns:a16="http://schemas.microsoft.com/office/drawing/2014/main" id="{C265D3F7-6E79-5AFA-09BE-36E07A51A1D8}"/>
-              </a:ext>
-            </a:extLst>
-          </p:cNvPr>
-          <p:cNvSpPr txBox="1"/>
-          <p:nvPr/>
-        </p:nvSpPr>
-        <p:spPr>
-          <a:xfrm>
-            <a:off x="6723985" y="3516802"/>
-            <a:ext cx="3230884" cy="369332"/>
-          </a:xfrm>
-          <a:prstGeom prst="rect">
-            <a:avLst/>
-          </a:prstGeom>
-          <a:noFill/>
-        </p:spPr>
-        <p:txBody>
-          <a:bodyPr wrap="none" rtlCol="0">
-            <a:spAutoFit/>
-          </a:bodyPr>
-          <a:lstStyle/>
-          <a:p>
-            <a:r>
-              <a:rPr lang="en-US" dirty="0">
-                <a:solidFill>
-                  <a:srgbClr val="FF0000"/>
-                </a:solidFill>
-              </a:rPr>
-              <a:t>Real large-scale software project</a:t>
-            </a:r>
-          </a:p>
-        </p:txBody>
-      </p:sp>
-    </p:spTree>
-    <p:extLst>
-      <p:ext uri="{BB962C8B-B14F-4D97-AF65-F5344CB8AC3E}">
-        <p14:creationId xmlns:p14="http://schemas.microsoft.com/office/powerpoint/2010/main" val="3603642745"/>
-      </p:ext>
-    </p:extLst>
-  </p:cSld>
-  <p:clrMapOvr>
-    <a:masterClrMapping/>
-  </p:clrMapOvr>
-</p:sld>
-</file>
-
-<file path=ppt/slides/slide8.xml><?xml version="1.0" encoding="utf-8"?>
 <p:sld xmlns:a="http://schemas.openxmlformats.org/drawingml/2006/main" xmlns:r="http://schemas.openxmlformats.org/officeDocument/2006/relationships" xmlns:p="http://schemas.openxmlformats.org/presentationml/2006/main">
   <p:cSld>
     <p:spTree>
@@ -6570,7 +3716,7 @@
 </p:sld>
 </file>
 
-<file path=ppt/slides/slide9.xml><?xml version="1.0" encoding="utf-8"?>
+<file path=ppt/slides/slide11.xml><?xml version="1.0" encoding="utf-8"?>
 <p:sld xmlns:a="http://schemas.openxmlformats.org/drawingml/2006/main" xmlns:r="http://schemas.openxmlformats.org/officeDocument/2006/relationships" xmlns:p="http://schemas.openxmlformats.org/presentationml/2006/main">
   <p:cSld>
     <p:spTree>
@@ -6694,6 +3840,4388 @@
     <p:extLst>
       <p:ext uri="{BB962C8B-B14F-4D97-AF65-F5344CB8AC3E}">
         <p14:creationId xmlns:p14="http://schemas.microsoft.com/office/powerpoint/2010/main" val="4259111437"/>
+      </p:ext>
+    </p:extLst>
+  </p:cSld>
+  <p:clrMapOvr>
+    <a:masterClrMapping/>
+  </p:clrMapOvr>
+</p:sld>
+</file>
+
+<file path=ppt/slides/slide12.xml><?xml version="1.0" encoding="utf-8"?>
+<p:sld xmlns:a="http://schemas.openxmlformats.org/drawingml/2006/main" xmlns:r="http://schemas.openxmlformats.org/officeDocument/2006/relationships" xmlns:p="http://schemas.openxmlformats.org/presentationml/2006/main">
+  <p:cSld>
+    <p:spTree>
+      <p:nvGrpSpPr>
+        <p:cNvPr id="1" name=""/>
+        <p:cNvGrpSpPr/>
+        <p:nvPr/>
+      </p:nvGrpSpPr>
+      <p:grpSpPr>
+        <a:xfrm>
+          <a:off x="0" y="0"/>
+          <a:ext cx="0" cy="0"/>
+          <a:chOff x="0" y="0"/>
+          <a:chExt cx="0" cy="0"/>
+        </a:xfrm>
+      </p:grpSpPr>
+      <p:sp>
+        <p:nvSpPr>
+          <p:cNvPr id="2" name="Title 1">
+            <a:extLst>
+              <a:ext uri="{FF2B5EF4-FFF2-40B4-BE49-F238E27FC236}">
+                <a16:creationId xmlns:a16="http://schemas.microsoft.com/office/drawing/2014/main" id="{AFC72341-0174-D0A6-E5BA-D42BCBEA9275}"/>
+              </a:ext>
+            </a:extLst>
+          </p:cNvPr>
+          <p:cNvSpPr>
+            <a:spLocks noGrp="1"/>
+          </p:cNvSpPr>
+          <p:nvPr>
+            <p:ph type="title"/>
+          </p:nvPr>
+        </p:nvSpPr>
+        <p:spPr/>
+        <p:txBody>
+          <a:bodyPr/>
+          <a:lstStyle/>
+          <a:p>
+            <a:r>
+              <a:rPr lang="en-US" dirty="0"/>
+              <a:t>Famous software failure</a:t>
+            </a:r>
+            <a:r>
+              <a:rPr lang="en-US" altLang="zh-CN" dirty="0"/>
+              <a:t>:</a:t>
+            </a:r>
+            <a:r>
+              <a:rPr lang="zh-CN" altLang="en-US" dirty="0"/>
+              <a:t> </a:t>
+            </a:r>
+            <a:r>
+              <a:rPr lang="en-US" dirty="0"/>
+              <a:t>Therac-25</a:t>
+            </a:r>
+          </a:p>
+        </p:txBody>
+      </p:sp>
+      <p:sp>
+        <p:nvSpPr>
+          <p:cNvPr id="3" name="Content Placeholder 2">
+            <a:extLst>
+              <a:ext uri="{FF2B5EF4-FFF2-40B4-BE49-F238E27FC236}">
+                <a16:creationId xmlns:a16="http://schemas.microsoft.com/office/drawing/2014/main" id="{0295DF1A-B2C5-7B52-CB7C-8EF3E55D02C4}"/>
+              </a:ext>
+            </a:extLst>
+          </p:cNvPr>
+          <p:cNvSpPr>
+            <a:spLocks noGrp="1"/>
+          </p:cNvSpPr>
+          <p:nvPr>
+            <p:ph idx="1"/>
+          </p:nvPr>
+        </p:nvSpPr>
+        <p:spPr/>
+        <p:txBody>
+          <a:bodyPr/>
+          <a:lstStyle/>
+          <a:p>
+            <a:r>
+              <a:rPr lang="en-US" dirty="0"/>
+              <a:t>(1985–87): Radiation overdoses → patient deaths.</a:t>
+            </a:r>
+          </a:p>
+        </p:txBody>
+      </p:sp>
+    </p:spTree>
+    <p:extLst>
+      <p:ext uri="{BB962C8B-B14F-4D97-AF65-F5344CB8AC3E}">
+        <p14:creationId xmlns:p14="http://schemas.microsoft.com/office/powerpoint/2010/main" val="1826846615"/>
+      </p:ext>
+    </p:extLst>
+  </p:cSld>
+  <p:clrMapOvr>
+    <a:masterClrMapping/>
+  </p:clrMapOvr>
+</p:sld>
+</file>
+
+<file path=ppt/slides/slide13.xml><?xml version="1.0" encoding="utf-8"?>
+<p:sld xmlns:a="http://schemas.openxmlformats.org/drawingml/2006/main" xmlns:r="http://schemas.openxmlformats.org/officeDocument/2006/relationships" xmlns:p="http://schemas.openxmlformats.org/presentationml/2006/main">
+  <p:cSld>
+    <p:spTree>
+      <p:nvGrpSpPr>
+        <p:cNvPr id="1" name=""/>
+        <p:cNvGrpSpPr/>
+        <p:nvPr/>
+      </p:nvGrpSpPr>
+      <p:grpSpPr>
+        <a:xfrm>
+          <a:off x="0" y="0"/>
+          <a:ext cx="0" cy="0"/>
+          <a:chOff x="0" y="0"/>
+          <a:chExt cx="0" cy="0"/>
+        </a:xfrm>
+      </p:grpSpPr>
+      <p:sp>
+        <p:nvSpPr>
+          <p:cNvPr id="2" name="Title 1">
+            <a:extLst>
+              <a:ext uri="{FF2B5EF4-FFF2-40B4-BE49-F238E27FC236}">
+                <a16:creationId xmlns:a16="http://schemas.microsoft.com/office/drawing/2014/main" id="{1D46770A-5929-A153-7F2D-C698AF57E59D}"/>
+              </a:ext>
+            </a:extLst>
+          </p:cNvPr>
+          <p:cNvSpPr>
+            <a:spLocks noGrp="1"/>
+          </p:cNvSpPr>
+          <p:nvPr>
+            <p:ph type="title"/>
+          </p:nvPr>
+        </p:nvSpPr>
+        <p:spPr/>
+        <p:txBody>
+          <a:bodyPr/>
+          <a:lstStyle/>
+          <a:p>
+            <a:r>
+              <a:rPr lang="en-US" dirty="0"/>
+              <a:t>Famous software failure</a:t>
+            </a:r>
+            <a:r>
+              <a:rPr lang="en-US" altLang="zh-CN" dirty="0"/>
+              <a:t>:</a:t>
+            </a:r>
+            <a:r>
+              <a:rPr lang="zh-CN" altLang="en-US" dirty="0"/>
+              <a:t> </a:t>
+            </a:r>
+            <a:r>
+              <a:rPr lang="en-US" b="1" dirty="0"/>
+              <a:t>Knight Capital</a:t>
+            </a:r>
+            <a:endParaRPr lang="en-US" dirty="0"/>
+          </a:p>
+        </p:txBody>
+      </p:sp>
+      <p:sp>
+        <p:nvSpPr>
+          <p:cNvPr id="3" name="Content Placeholder 2">
+            <a:extLst>
+              <a:ext uri="{FF2B5EF4-FFF2-40B4-BE49-F238E27FC236}">
+                <a16:creationId xmlns:a16="http://schemas.microsoft.com/office/drawing/2014/main" id="{B1220A7C-5D0D-F641-0189-DF32B5F529BC}"/>
+              </a:ext>
+            </a:extLst>
+          </p:cNvPr>
+          <p:cNvSpPr>
+            <a:spLocks noGrp="1"/>
+          </p:cNvSpPr>
+          <p:nvPr>
+            <p:ph idx="1"/>
+          </p:nvPr>
+        </p:nvSpPr>
+        <p:spPr/>
+        <p:txBody>
+          <a:bodyPr/>
+          <a:lstStyle/>
+          <a:p>
+            <a:r>
+              <a:rPr lang="en-US" altLang="zh-CN" dirty="0"/>
+              <a:t>2012</a:t>
+            </a:r>
+          </a:p>
+          <a:p>
+            <a:r>
+              <a:rPr lang="en-US" dirty="0"/>
+              <a:t>Deployment bug → $440M loss in 45 minutes.</a:t>
+            </a:r>
+          </a:p>
+        </p:txBody>
+      </p:sp>
+    </p:spTree>
+    <p:extLst>
+      <p:ext uri="{BB962C8B-B14F-4D97-AF65-F5344CB8AC3E}">
+        <p14:creationId xmlns:p14="http://schemas.microsoft.com/office/powerpoint/2010/main" val="2623905592"/>
+      </p:ext>
+    </p:extLst>
+  </p:cSld>
+  <p:clrMapOvr>
+    <a:masterClrMapping/>
+  </p:clrMapOvr>
+</p:sld>
+</file>
+
+<file path=ppt/slides/slide14.xml><?xml version="1.0" encoding="utf-8"?>
+<p:sld xmlns:a="http://schemas.openxmlformats.org/drawingml/2006/main" xmlns:r="http://schemas.openxmlformats.org/officeDocument/2006/relationships" xmlns:p="http://schemas.openxmlformats.org/presentationml/2006/main">
+  <p:cSld>
+    <p:spTree>
+      <p:nvGrpSpPr>
+        <p:cNvPr id="1" name=""/>
+        <p:cNvGrpSpPr/>
+        <p:nvPr/>
+      </p:nvGrpSpPr>
+      <p:grpSpPr>
+        <a:xfrm>
+          <a:off x="0" y="0"/>
+          <a:ext cx="0" cy="0"/>
+          <a:chOff x="0" y="0"/>
+          <a:chExt cx="0" cy="0"/>
+        </a:xfrm>
+      </p:grpSpPr>
+      <p:sp>
+        <p:nvSpPr>
+          <p:cNvPr id="2" name="Title 1">
+            <a:extLst>
+              <a:ext uri="{FF2B5EF4-FFF2-40B4-BE49-F238E27FC236}">
+                <a16:creationId xmlns:a16="http://schemas.microsoft.com/office/drawing/2014/main" id="{05DDC706-6DF4-4784-1288-A2C738F2B611}"/>
+              </a:ext>
+            </a:extLst>
+          </p:cNvPr>
+          <p:cNvSpPr>
+            <a:spLocks noGrp="1"/>
+          </p:cNvSpPr>
+          <p:nvPr>
+            <p:ph type="title"/>
+          </p:nvPr>
+        </p:nvSpPr>
+        <p:spPr/>
+        <p:txBody>
+          <a:bodyPr/>
+          <a:lstStyle/>
+          <a:p>
+            <a:r>
+              <a:rPr lang="en-US" dirty="0"/>
+              <a:t>The Challenges</a:t>
+            </a:r>
+          </a:p>
+        </p:txBody>
+      </p:sp>
+      <p:sp>
+        <p:nvSpPr>
+          <p:cNvPr id="3" name="Content Placeholder 2">
+            <a:extLst>
+              <a:ext uri="{FF2B5EF4-FFF2-40B4-BE49-F238E27FC236}">
+                <a16:creationId xmlns:a16="http://schemas.microsoft.com/office/drawing/2014/main" id="{7277B5F0-E3D4-5EA8-25B2-827B32483875}"/>
+              </a:ext>
+            </a:extLst>
+          </p:cNvPr>
+          <p:cNvSpPr>
+            <a:spLocks noGrp="1"/>
+          </p:cNvSpPr>
+          <p:nvPr>
+            <p:ph idx="1"/>
+          </p:nvPr>
+        </p:nvSpPr>
+        <p:spPr/>
+        <p:txBody>
+          <a:bodyPr/>
+          <a:lstStyle/>
+          <a:p>
+            <a:r>
+              <a:rPr lang="en-US" dirty="0"/>
+              <a:t>Growing complexity</a:t>
+            </a:r>
+          </a:p>
+          <a:p>
+            <a:r>
+              <a:rPr lang="en-US" dirty="0"/>
+              <a:t>Changing requirements</a:t>
+            </a:r>
+          </a:p>
+          <a:p>
+            <a:r>
+              <a:rPr lang="en-US" dirty="0"/>
+              <a:t>Large teams &amp; coordination</a:t>
+            </a:r>
+          </a:p>
+          <a:p>
+            <a:r>
+              <a:rPr lang="en-US" dirty="0"/>
+              <a:t>Testing &amp; quality assurance</a:t>
+            </a:r>
+          </a:p>
+          <a:p>
+            <a:r>
+              <a:rPr lang="en-US" dirty="0"/>
+              <a:t>Performance &amp; scalability</a:t>
+            </a:r>
+          </a:p>
+          <a:p>
+            <a:endParaRPr lang="en-US" dirty="0"/>
+          </a:p>
+        </p:txBody>
+      </p:sp>
+    </p:spTree>
+    <p:extLst>
+      <p:ext uri="{BB962C8B-B14F-4D97-AF65-F5344CB8AC3E}">
+        <p14:creationId xmlns:p14="http://schemas.microsoft.com/office/powerpoint/2010/main" val="1153346199"/>
+      </p:ext>
+    </p:extLst>
+  </p:cSld>
+  <p:clrMapOvr>
+    <a:masterClrMapping/>
+  </p:clrMapOvr>
+</p:sld>
+</file>
+
+<file path=ppt/slides/slide15.xml><?xml version="1.0" encoding="utf-8"?>
+<p:sld xmlns:a="http://schemas.openxmlformats.org/drawingml/2006/main" xmlns:r="http://schemas.openxmlformats.org/officeDocument/2006/relationships" xmlns:p="http://schemas.openxmlformats.org/presentationml/2006/main">
+  <p:cSld>
+    <p:spTree>
+      <p:nvGrpSpPr>
+        <p:cNvPr id="1" name=""/>
+        <p:cNvGrpSpPr/>
+        <p:nvPr/>
+      </p:nvGrpSpPr>
+      <p:grpSpPr>
+        <a:xfrm>
+          <a:off x="0" y="0"/>
+          <a:ext cx="0" cy="0"/>
+          <a:chOff x="0" y="0"/>
+          <a:chExt cx="0" cy="0"/>
+        </a:xfrm>
+      </p:grpSpPr>
+      <p:sp>
+        <p:nvSpPr>
+          <p:cNvPr id="2" name="Title 1">
+            <a:extLst>
+              <a:ext uri="{FF2B5EF4-FFF2-40B4-BE49-F238E27FC236}">
+                <a16:creationId xmlns:a16="http://schemas.microsoft.com/office/drawing/2014/main" id="{D090F1D7-C446-79BB-32A4-7B1FFD18A071}"/>
+              </a:ext>
+            </a:extLst>
+          </p:cNvPr>
+          <p:cNvSpPr>
+            <a:spLocks noGrp="1"/>
+          </p:cNvSpPr>
+          <p:nvPr>
+            <p:ph type="title"/>
+          </p:nvPr>
+        </p:nvSpPr>
+        <p:spPr/>
+        <p:txBody>
+          <a:bodyPr/>
+          <a:lstStyle/>
+          <a:p>
+            <a:r>
+              <a:rPr lang="en-US" dirty="0"/>
+              <a:t>Core Principles to Tame Complexity</a:t>
+            </a:r>
+          </a:p>
+        </p:txBody>
+      </p:sp>
+      <p:sp>
+        <p:nvSpPr>
+          <p:cNvPr id="3" name="Content Placeholder 2">
+            <a:extLst>
+              <a:ext uri="{FF2B5EF4-FFF2-40B4-BE49-F238E27FC236}">
+                <a16:creationId xmlns:a16="http://schemas.microsoft.com/office/drawing/2014/main" id="{A917E400-BF70-0C73-AD90-B4C1D48FBFA9}"/>
+              </a:ext>
+            </a:extLst>
+          </p:cNvPr>
+          <p:cNvSpPr>
+            <a:spLocks noGrp="1"/>
+          </p:cNvSpPr>
+          <p:nvPr>
+            <p:ph idx="1"/>
+          </p:nvPr>
+        </p:nvSpPr>
+        <p:spPr/>
+        <p:txBody>
+          <a:bodyPr/>
+          <a:lstStyle/>
+          <a:p>
+            <a:r>
+              <a:rPr lang="en-US" b="1" dirty="0"/>
+              <a:t>Abstraction</a:t>
+            </a:r>
+            <a:r>
+              <a:rPr lang="en-US" dirty="0"/>
+              <a:t> — focus on the “what” not the “how”</a:t>
+            </a:r>
+          </a:p>
+          <a:p>
+            <a:r>
+              <a:rPr lang="en-US" b="1" dirty="0"/>
+              <a:t>Modularity</a:t>
+            </a:r>
+            <a:r>
+              <a:rPr lang="en-US" dirty="0"/>
+              <a:t> — divide and conquer</a:t>
+            </a:r>
+          </a:p>
+          <a:p>
+            <a:r>
+              <a:rPr lang="en-US" b="1" dirty="0"/>
+              <a:t>Encapsulation</a:t>
+            </a:r>
+            <a:r>
+              <a:rPr lang="en-US" dirty="0"/>
+              <a:t> — control access to internal details</a:t>
+            </a:r>
+          </a:p>
+          <a:p>
+            <a:r>
+              <a:rPr lang="en-US" b="1" dirty="0"/>
+              <a:t>Separation of Concerns</a:t>
+            </a:r>
+            <a:r>
+              <a:rPr lang="en-US" dirty="0"/>
+              <a:t> — each part handles one responsibility</a:t>
+            </a:r>
+          </a:p>
+          <a:p>
+            <a:r>
+              <a:rPr lang="en-US" b="1" dirty="0"/>
+              <a:t>Iterative Development</a:t>
+            </a:r>
+            <a:r>
+              <a:rPr lang="en-US" dirty="0"/>
+              <a:t> — build, test, refine</a:t>
+            </a:r>
+          </a:p>
+        </p:txBody>
+      </p:sp>
+    </p:spTree>
+    <p:extLst>
+      <p:ext uri="{BB962C8B-B14F-4D97-AF65-F5344CB8AC3E}">
+        <p14:creationId xmlns:p14="http://schemas.microsoft.com/office/powerpoint/2010/main" val="1790656071"/>
+      </p:ext>
+    </p:extLst>
+  </p:cSld>
+  <p:clrMapOvr>
+    <a:masterClrMapping/>
+  </p:clrMapOvr>
+</p:sld>
+</file>
+
+<file path=ppt/slides/slide16.xml><?xml version="1.0" encoding="utf-8"?>
+<p:sld xmlns:a="http://schemas.openxmlformats.org/drawingml/2006/main" xmlns:r="http://schemas.openxmlformats.org/officeDocument/2006/relationships" xmlns:p="http://schemas.openxmlformats.org/presentationml/2006/main">
+  <p:cSld>
+    <p:spTree>
+      <p:nvGrpSpPr>
+        <p:cNvPr id="1" name=""/>
+        <p:cNvGrpSpPr/>
+        <p:nvPr/>
+      </p:nvGrpSpPr>
+      <p:grpSpPr>
+        <a:xfrm>
+          <a:off x="0" y="0"/>
+          <a:ext cx="0" cy="0"/>
+          <a:chOff x="0" y="0"/>
+          <a:chExt cx="0" cy="0"/>
+        </a:xfrm>
+      </p:grpSpPr>
+      <p:sp>
+        <p:nvSpPr>
+          <p:cNvPr id="2" name="Title 1">
+            <a:extLst>
+              <a:ext uri="{FF2B5EF4-FFF2-40B4-BE49-F238E27FC236}">
+                <a16:creationId xmlns:a16="http://schemas.microsoft.com/office/drawing/2014/main" id="{0DBAE1B0-5701-1C38-20FE-7B30D773EC76}"/>
+              </a:ext>
+            </a:extLst>
+          </p:cNvPr>
+          <p:cNvSpPr>
+            <a:spLocks noGrp="1"/>
+          </p:cNvSpPr>
+          <p:nvPr>
+            <p:ph type="title"/>
+          </p:nvPr>
+        </p:nvSpPr>
+        <p:spPr/>
+        <p:txBody>
+          <a:bodyPr/>
+          <a:lstStyle/>
+          <a:p>
+            <a:r>
+              <a:rPr lang="en-US" dirty="0"/>
+              <a:t>Software Engineering in the Real World</a:t>
+            </a:r>
+          </a:p>
+        </p:txBody>
+      </p:sp>
+      <p:sp>
+        <p:nvSpPr>
+          <p:cNvPr id="3" name="Content Placeholder 2">
+            <a:extLst>
+              <a:ext uri="{FF2B5EF4-FFF2-40B4-BE49-F238E27FC236}">
+                <a16:creationId xmlns:a16="http://schemas.microsoft.com/office/drawing/2014/main" id="{D071ECC9-6F7A-2A7C-0B88-CEE2F1723705}"/>
+              </a:ext>
+            </a:extLst>
+          </p:cNvPr>
+          <p:cNvSpPr>
+            <a:spLocks noGrp="1"/>
+          </p:cNvSpPr>
+          <p:nvPr>
+            <p:ph idx="1"/>
+          </p:nvPr>
+        </p:nvSpPr>
+        <p:spPr/>
+        <p:txBody>
+          <a:bodyPr/>
+          <a:lstStyle/>
+          <a:p>
+            <a:r>
+              <a:rPr lang="en-US" b="1" dirty="0"/>
+              <a:t>70%</a:t>
+            </a:r>
+            <a:r>
+              <a:rPr lang="en-US" dirty="0"/>
+              <a:t> of cost = maintenance</a:t>
+            </a:r>
+          </a:p>
+          <a:p>
+            <a:r>
+              <a:rPr lang="en-US" dirty="0"/>
+              <a:t>Good SE → reliability, scalability, maintainability</a:t>
+            </a:r>
+          </a:p>
+          <a:p>
+            <a:r>
+              <a:rPr lang="en-US" dirty="0"/>
+              <a:t>Examples: Linux kernel, SpaceX flight software</a:t>
+            </a:r>
+          </a:p>
+          <a:p>
+            <a:endParaRPr lang="en-US" dirty="0"/>
+          </a:p>
+          <a:p>
+            <a:r>
+              <a:rPr lang="en-US" b="1" dirty="0"/>
+              <a:t>Visual idea:</a:t>
+            </a:r>
+            <a:r>
+              <a:rPr lang="en-US" dirty="0"/>
+              <a:t> pie chart showing maintenance vs initial development.</a:t>
+            </a:r>
+          </a:p>
+        </p:txBody>
+      </p:sp>
+    </p:spTree>
+    <p:extLst>
+      <p:ext uri="{BB962C8B-B14F-4D97-AF65-F5344CB8AC3E}">
+        <p14:creationId xmlns:p14="http://schemas.microsoft.com/office/powerpoint/2010/main" val="4034858000"/>
+      </p:ext>
+    </p:extLst>
+  </p:cSld>
+  <p:clrMapOvr>
+    <a:masterClrMapping/>
+  </p:clrMapOvr>
+</p:sld>
+</file>
+
+<file path=ppt/slides/slide17.xml><?xml version="1.0" encoding="utf-8"?>
+<p:sld xmlns:a="http://schemas.openxmlformats.org/drawingml/2006/main" xmlns:r="http://schemas.openxmlformats.org/officeDocument/2006/relationships" xmlns:p="http://schemas.openxmlformats.org/presentationml/2006/main">
+  <p:cSld>
+    <p:spTree>
+      <p:nvGrpSpPr>
+        <p:cNvPr id="1" name=""/>
+        <p:cNvGrpSpPr/>
+        <p:nvPr/>
+      </p:nvGrpSpPr>
+      <p:grpSpPr>
+        <a:xfrm>
+          <a:off x="0" y="0"/>
+          <a:ext cx="0" cy="0"/>
+          <a:chOff x="0" y="0"/>
+          <a:chExt cx="0" cy="0"/>
+        </a:xfrm>
+      </p:grpSpPr>
+      <p:sp>
+        <p:nvSpPr>
+          <p:cNvPr id="2" name="Title 1">
+            <a:extLst>
+              <a:ext uri="{FF2B5EF4-FFF2-40B4-BE49-F238E27FC236}">
+                <a16:creationId xmlns:a16="http://schemas.microsoft.com/office/drawing/2014/main" id="{12F2C704-08E8-7DE8-9EA6-4D8CA2E10937}"/>
+              </a:ext>
+            </a:extLst>
+          </p:cNvPr>
+          <p:cNvSpPr>
+            <a:spLocks noGrp="1"/>
+          </p:cNvSpPr>
+          <p:nvPr>
+            <p:ph type="title"/>
+          </p:nvPr>
+        </p:nvSpPr>
+        <p:spPr/>
+        <p:txBody>
+          <a:bodyPr/>
+          <a:lstStyle/>
+          <a:p>
+            <a:r>
+              <a:rPr lang="en-US" dirty="0"/>
+              <a:t>Main course topics</a:t>
+            </a:r>
+          </a:p>
+        </p:txBody>
+      </p:sp>
+      <p:sp>
+        <p:nvSpPr>
+          <p:cNvPr id="3" name="Content Placeholder 2">
+            <a:extLst>
+              <a:ext uri="{FF2B5EF4-FFF2-40B4-BE49-F238E27FC236}">
+                <a16:creationId xmlns:a16="http://schemas.microsoft.com/office/drawing/2014/main" id="{3B815FE5-78DD-ED18-7743-B67F38B9E81C}"/>
+              </a:ext>
+            </a:extLst>
+          </p:cNvPr>
+          <p:cNvSpPr>
+            <a:spLocks noGrp="1"/>
+          </p:cNvSpPr>
+          <p:nvPr>
+            <p:ph idx="1"/>
+          </p:nvPr>
+        </p:nvSpPr>
+        <p:spPr/>
+        <p:txBody>
+          <a:bodyPr/>
+          <a:lstStyle/>
+          <a:p>
+            <a:r>
+              <a:rPr lang="en-US" dirty="0"/>
+              <a:t>How to write </a:t>
+            </a:r>
+            <a:r>
+              <a:rPr lang="en-US" u="sng" dirty="0"/>
+              <a:t>quality</a:t>
+            </a:r>
+            <a:r>
+              <a:rPr lang="en-US" dirty="0"/>
+              <a:t> code?</a:t>
+            </a:r>
+          </a:p>
+          <a:p>
+            <a:endParaRPr lang="en-US" dirty="0"/>
+          </a:p>
+          <a:p>
+            <a:endParaRPr lang="en-US" dirty="0"/>
+          </a:p>
+        </p:txBody>
+      </p:sp>
+    </p:spTree>
+    <p:extLst>
+      <p:ext uri="{BB962C8B-B14F-4D97-AF65-F5344CB8AC3E}">
+        <p14:creationId xmlns:p14="http://schemas.microsoft.com/office/powerpoint/2010/main" val="3193801101"/>
+      </p:ext>
+    </p:extLst>
+  </p:cSld>
+  <p:clrMapOvr>
+    <a:masterClrMapping/>
+  </p:clrMapOvr>
+</p:sld>
+</file>
+
+<file path=ppt/slides/slide18.xml><?xml version="1.0" encoding="utf-8"?>
+<p:sld xmlns:a="http://schemas.openxmlformats.org/drawingml/2006/main" xmlns:r="http://schemas.openxmlformats.org/officeDocument/2006/relationships" xmlns:p="http://schemas.openxmlformats.org/presentationml/2006/main">
+  <p:cSld>
+    <p:spTree>
+      <p:nvGrpSpPr>
+        <p:cNvPr id="1" name="">
+          <a:extLst>
+            <a:ext uri="{FF2B5EF4-FFF2-40B4-BE49-F238E27FC236}">
+              <a16:creationId xmlns:a16="http://schemas.microsoft.com/office/drawing/2014/main" id="{A52F73ED-EFBA-F3DF-4D3E-88108C3D1A52}"/>
+            </a:ext>
+          </a:extLst>
+        </p:cNvPr>
+        <p:cNvGrpSpPr/>
+        <p:nvPr/>
+      </p:nvGrpSpPr>
+      <p:grpSpPr>
+        <a:xfrm>
+          <a:off x="0" y="0"/>
+          <a:ext cx="0" cy="0"/>
+          <a:chOff x="0" y="0"/>
+          <a:chExt cx="0" cy="0"/>
+        </a:xfrm>
+      </p:grpSpPr>
+      <p:sp>
+        <p:nvSpPr>
+          <p:cNvPr id="2" name="Title 1">
+            <a:extLst>
+              <a:ext uri="{FF2B5EF4-FFF2-40B4-BE49-F238E27FC236}">
+                <a16:creationId xmlns:a16="http://schemas.microsoft.com/office/drawing/2014/main" id="{6FCD59A0-294B-0A15-110B-4F03E294377F}"/>
+              </a:ext>
+            </a:extLst>
+          </p:cNvPr>
+          <p:cNvSpPr>
+            <a:spLocks noGrp="1"/>
+          </p:cNvSpPr>
+          <p:nvPr>
+            <p:ph type="title"/>
+          </p:nvPr>
+        </p:nvSpPr>
+        <p:spPr/>
+        <p:txBody>
+          <a:bodyPr/>
+          <a:lstStyle/>
+          <a:p>
+            <a:r>
+              <a:rPr lang="en-US" dirty="0"/>
+              <a:t>Main course topics</a:t>
+            </a:r>
+          </a:p>
+        </p:txBody>
+      </p:sp>
+      <p:sp>
+        <p:nvSpPr>
+          <p:cNvPr id="3" name="Content Placeholder 2">
+            <a:extLst>
+              <a:ext uri="{FF2B5EF4-FFF2-40B4-BE49-F238E27FC236}">
+                <a16:creationId xmlns:a16="http://schemas.microsoft.com/office/drawing/2014/main" id="{44070496-D261-9FCC-8B1F-5DF810745D54}"/>
+              </a:ext>
+            </a:extLst>
+          </p:cNvPr>
+          <p:cNvSpPr>
+            <a:spLocks noGrp="1"/>
+          </p:cNvSpPr>
+          <p:nvPr>
+            <p:ph idx="1"/>
+          </p:nvPr>
+        </p:nvSpPr>
+        <p:spPr/>
+        <p:txBody>
+          <a:bodyPr/>
+          <a:lstStyle/>
+          <a:p>
+            <a:r>
+              <a:rPr lang="en-US" dirty="0"/>
+              <a:t>How to write </a:t>
+            </a:r>
+            <a:r>
+              <a:rPr lang="en-US" u="sng" dirty="0"/>
+              <a:t>quality</a:t>
+            </a:r>
+            <a:r>
+              <a:rPr lang="en-US" dirty="0"/>
+              <a:t> code?</a:t>
+            </a:r>
+          </a:p>
+          <a:p>
+            <a:pPr lvl="1"/>
+            <a:r>
+              <a:rPr lang="en-US" altLang="zh-CN" dirty="0"/>
+              <a:t>Usable</a:t>
+            </a:r>
+            <a:endParaRPr lang="en-US" dirty="0"/>
+          </a:p>
+          <a:p>
+            <a:pPr lvl="1"/>
+            <a:r>
+              <a:rPr lang="en-US" dirty="0"/>
+              <a:t>Less error-prone</a:t>
+            </a:r>
+          </a:p>
+          <a:p>
+            <a:pPr lvl="1"/>
+            <a:r>
+              <a:rPr lang="en-US" dirty="0"/>
+              <a:t>Easier to maintain</a:t>
+            </a:r>
+          </a:p>
+          <a:p>
+            <a:pPr lvl="1"/>
+            <a:r>
+              <a:rPr lang="en-US" dirty="0"/>
+              <a:t>Reusable</a:t>
+            </a:r>
+          </a:p>
+          <a:p>
+            <a:pPr lvl="1"/>
+            <a:r>
+              <a:rPr lang="en-US" dirty="0"/>
+              <a:t>…</a:t>
+            </a:r>
+          </a:p>
+          <a:p>
+            <a:endParaRPr lang="en-US" dirty="0"/>
+          </a:p>
+          <a:p>
+            <a:pPr lvl="1"/>
+            <a:endParaRPr lang="en-US" dirty="0"/>
+          </a:p>
+          <a:p>
+            <a:endParaRPr lang="en-US" dirty="0"/>
+          </a:p>
+          <a:p>
+            <a:endParaRPr lang="en-US" dirty="0"/>
+          </a:p>
+        </p:txBody>
+      </p:sp>
+    </p:spTree>
+    <p:extLst>
+      <p:ext uri="{BB962C8B-B14F-4D97-AF65-F5344CB8AC3E}">
+        <p14:creationId xmlns:p14="http://schemas.microsoft.com/office/powerpoint/2010/main" val="1136592023"/>
+      </p:ext>
+    </p:extLst>
+  </p:cSld>
+  <p:clrMapOvr>
+    <a:masterClrMapping/>
+  </p:clrMapOvr>
+</p:sld>
+</file>
+
+<file path=ppt/slides/slide19.xml><?xml version="1.0" encoding="utf-8"?>
+<p:sld xmlns:a="http://schemas.openxmlformats.org/drawingml/2006/main" xmlns:r="http://schemas.openxmlformats.org/officeDocument/2006/relationships" xmlns:p="http://schemas.openxmlformats.org/presentationml/2006/main">
+  <p:cSld>
+    <p:spTree>
+      <p:nvGrpSpPr>
+        <p:cNvPr id="1" name="">
+          <a:extLst>
+            <a:ext uri="{FF2B5EF4-FFF2-40B4-BE49-F238E27FC236}">
+              <a16:creationId xmlns:a16="http://schemas.microsoft.com/office/drawing/2014/main" id="{BA7C86BA-5877-CC53-4DEA-AE7B11D695B3}"/>
+            </a:ext>
+          </a:extLst>
+        </p:cNvPr>
+        <p:cNvGrpSpPr/>
+        <p:nvPr/>
+      </p:nvGrpSpPr>
+      <p:grpSpPr>
+        <a:xfrm>
+          <a:off x="0" y="0"/>
+          <a:ext cx="0" cy="0"/>
+          <a:chOff x="0" y="0"/>
+          <a:chExt cx="0" cy="0"/>
+        </a:xfrm>
+      </p:grpSpPr>
+      <p:sp>
+        <p:nvSpPr>
+          <p:cNvPr id="2" name="Title 1">
+            <a:extLst>
+              <a:ext uri="{FF2B5EF4-FFF2-40B4-BE49-F238E27FC236}">
+                <a16:creationId xmlns:a16="http://schemas.microsoft.com/office/drawing/2014/main" id="{FA7855FC-A2E8-8DBE-CA4A-68FDAA8A4332}"/>
+              </a:ext>
+            </a:extLst>
+          </p:cNvPr>
+          <p:cNvSpPr>
+            <a:spLocks noGrp="1"/>
+          </p:cNvSpPr>
+          <p:nvPr>
+            <p:ph type="title"/>
+          </p:nvPr>
+        </p:nvSpPr>
+        <p:spPr/>
+        <p:txBody>
+          <a:bodyPr/>
+          <a:lstStyle/>
+          <a:p>
+            <a:r>
+              <a:rPr lang="en-US" dirty="0"/>
+              <a:t>Main course topics</a:t>
+            </a:r>
+          </a:p>
+        </p:txBody>
+      </p:sp>
+      <p:sp>
+        <p:nvSpPr>
+          <p:cNvPr id="3" name="Content Placeholder 2">
+            <a:extLst>
+              <a:ext uri="{FF2B5EF4-FFF2-40B4-BE49-F238E27FC236}">
+                <a16:creationId xmlns:a16="http://schemas.microsoft.com/office/drawing/2014/main" id="{E21D6EEC-074C-6F97-56D2-DCA3DB28292F}"/>
+              </a:ext>
+            </a:extLst>
+          </p:cNvPr>
+          <p:cNvSpPr>
+            <a:spLocks noGrp="1"/>
+          </p:cNvSpPr>
+          <p:nvPr>
+            <p:ph idx="1"/>
+          </p:nvPr>
+        </p:nvSpPr>
+        <p:spPr/>
+        <p:txBody>
+          <a:bodyPr/>
+          <a:lstStyle/>
+          <a:p>
+            <a:r>
+              <a:rPr lang="en-US" dirty="0"/>
+              <a:t>How to write </a:t>
+            </a:r>
+            <a:r>
+              <a:rPr lang="en-US" u="sng" dirty="0"/>
+              <a:t>quality</a:t>
+            </a:r>
+            <a:r>
+              <a:rPr lang="en-US" dirty="0"/>
+              <a:t> code?</a:t>
+            </a:r>
+          </a:p>
+          <a:p>
+            <a:pPr lvl="1"/>
+            <a:r>
+              <a:rPr lang="en-US" altLang="zh-CN" dirty="0"/>
+              <a:t>Usable</a:t>
+            </a:r>
+            <a:endParaRPr lang="en-US" dirty="0"/>
+          </a:p>
+          <a:p>
+            <a:pPr lvl="1"/>
+            <a:r>
+              <a:rPr lang="en-US" dirty="0"/>
+              <a:t>Less error-prone</a:t>
+            </a:r>
+          </a:p>
+          <a:p>
+            <a:pPr lvl="1"/>
+            <a:r>
+              <a:rPr lang="en-US" dirty="0"/>
+              <a:t>Easier to maintain</a:t>
+            </a:r>
+          </a:p>
+          <a:p>
+            <a:pPr lvl="1"/>
+            <a:r>
+              <a:rPr lang="en-US" dirty="0"/>
+              <a:t>Reusable</a:t>
+            </a:r>
+          </a:p>
+          <a:p>
+            <a:pPr lvl="1"/>
+            <a:r>
+              <a:rPr lang="en-US" dirty="0"/>
+              <a:t>…</a:t>
+            </a:r>
+          </a:p>
+          <a:p>
+            <a:r>
+              <a:rPr lang="en-US" dirty="0"/>
+              <a:t>How to </a:t>
+            </a:r>
+            <a:r>
+              <a:rPr lang="en-US" u="sng" dirty="0"/>
+              <a:t>manage</a:t>
+            </a:r>
+            <a:r>
+              <a:rPr lang="en-US" dirty="0"/>
+              <a:t> a software project effectively?</a:t>
+            </a:r>
+          </a:p>
+          <a:p>
+            <a:endParaRPr lang="en-US" dirty="0"/>
+          </a:p>
+          <a:p>
+            <a:pPr lvl="1"/>
+            <a:endParaRPr lang="en-US" dirty="0"/>
+          </a:p>
+          <a:p>
+            <a:endParaRPr lang="en-US" dirty="0"/>
+          </a:p>
+          <a:p>
+            <a:endParaRPr lang="en-US" dirty="0"/>
+          </a:p>
+        </p:txBody>
+      </p:sp>
+    </p:spTree>
+    <p:extLst>
+      <p:ext uri="{BB962C8B-B14F-4D97-AF65-F5344CB8AC3E}">
+        <p14:creationId xmlns:p14="http://schemas.microsoft.com/office/powerpoint/2010/main" val="3083828696"/>
+      </p:ext>
+    </p:extLst>
+  </p:cSld>
+  <p:clrMapOvr>
+    <a:masterClrMapping/>
+  </p:clrMapOvr>
+</p:sld>
+</file>
+
+<file path=ppt/slides/slide2.xml><?xml version="1.0" encoding="utf-8"?>
+<p:sld xmlns:a="http://schemas.openxmlformats.org/drawingml/2006/main" xmlns:r="http://schemas.openxmlformats.org/officeDocument/2006/relationships" xmlns:p="http://schemas.openxmlformats.org/presentationml/2006/main">
+  <p:cSld>
+    <p:spTree>
+      <p:nvGrpSpPr>
+        <p:cNvPr id="1" name=""/>
+        <p:cNvGrpSpPr/>
+        <p:nvPr/>
+      </p:nvGrpSpPr>
+      <p:grpSpPr>
+        <a:xfrm>
+          <a:off x="0" y="0"/>
+          <a:ext cx="0" cy="0"/>
+          <a:chOff x="0" y="0"/>
+          <a:chExt cx="0" cy="0"/>
+        </a:xfrm>
+      </p:grpSpPr>
+      <p:sp>
+        <p:nvSpPr>
+          <p:cNvPr id="2" name="Title 1">
+            <a:extLst>
+              <a:ext uri="{FF2B5EF4-FFF2-40B4-BE49-F238E27FC236}">
+                <a16:creationId xmlns:a16="http://schemas.microsoft.com/office/drawing/2014/main" id="{FE8F3CD7-EA0C-AD19-D5A7-29F331EDF0E4}"/>
+              </a:ext>
+            </a:extLst>
+          </p:cNvPr>
+          <p:cNvSpPr>
+            <a:spLocks noGrp="1"/>
+          </p:cNvSpPr>
+          <p:nvPr>
+            <p:ph type="title"/>
+          </p:nvPr>
+        </p:nvSpPr>
+        <p:spPr/>
+        <p:txBody>
+          <a:bodyPr/>
+          <a:lstStyle/>
+          <a:p>
+            <a:r>
+              <a:rPr lang="en-US" dirty="0"/>
+              <a:t>What is Software Engineering?</a:t>
+            </a:r>
+          </a:p>
+        </p:txBody>
+      </p:sp>
+      <p:sp>
+        <p:nvSpPr>
+          <p:cNvPr id="3" name="Content Placeholder 2">
+            <a:extLst>
+              <a:ext uri="{FF2B5EF4-FFF2-40B4-BE49-F238E27FC236}">
+                <a16:creationId xmlns:a16="http://schemas.microsoft.com/office/drawing/2014/main" id="{9FA35313-4FD7-39D7-7953-F970AB9D9702}"/>
+              </a:ext>
+            </a:extLst>
+          </p:cNvPr>
+          <p:cNvSpPr>
+            <a:spLocks noGrp="1"/>
+          </p:cNvSpPr>
+          <p:nvPr>
+            <p:ph idx="1"/>
+          </p:nvPr>
+        </p:nvSpPr>
+        <p:spPr/>
+        <p:txBody>
+          <a:bodyPr/>
+          <a:lstStyle/>
+          <a:p>
+            <a:pPr marL="0" indent="0">
+              <a:buNone/>
+            </a:pPr>
+            <a:r>
+              <a:rPr lang="en-US" dirty="0"/>
+              <a:t>“The application of a systematic, disciplined, quantifiable approach to the development, operation, and maintenance of software; that is, the application of engineering to software.”</a:t>
+            </a:r>
+          </a:p>
+          <a:p>
+            <a:pPr marL="0" indent="0">
+              <a:buNone/>
+            </a:pPr>
+            <a:endParaRPr lang="en-US" dirty="0"/>
+          </a:p>
+          <a:p>
+            <a:pPr marL="0" indent="0">
+              <a:buNone/>
+            </a:pPr>
+            <a:r>
+              <a:rPr lang="en-US" dirty="0"/>
+              <a:t>---- defined by IEEE</a:t>
+            </a:r>
+          </a:p>
+          <a:p>
+            <a:pPr marL="0" indent="0">
+              <a:buNone/>
+            </a:pPr>
+            <a:endParaRPr lang="en-US" dirty="0"/>
+          </a:p>
+          <a:p>
+            <a:pPr marL="0" indent="0">
+              <a:buNone/>
+            </a:pPr>
+            <a:r>
+              <a:rPr lang="en-US" dirty="0"/>
+              <a:t>More than coding — involves people, processes, and tools</a:t>
+            </a:r>
+            <a:r>
+              <a:rPr lang="en-US" altLang="zh-CN" dirty="0"/>
+              <a:t>.</a:t>
+            </a:r>
+            <a:endParaRPr lang="en-US" dirty="0"/>
+          </a:p>
+          <a:p>
+            <a:endParaRPr lang="en-US" dirty="0"/>
+          </a:p>
+        </p:txBody>
+      </p:sp>
+    </p:spTree>
+    <p:extLst>
+      <p:ext uri="{BB962C8B-B14F-4D97-AF65-F5344CB8AC3E}">
+        <p14:creationId xmlns:p14="http://schemas.microsoft.com/office/powerpoint/2010/main" val="3903684650"/>
+      </p:ext>
+    </p:extLst>
+  </p:cSld>
+  <p:clrMapOvr>
+    <a:masterClrMapping/>
+  </p:clrMapOvr>
+</p:sld>
+</file>
+
+<file path=ppt/slides/slide20.xml><?xml version="1.0" encoding="utf-8"?>
+<p:sld xmlns:a="http://schemas.openxmlformats.org/drawingml/2006/main" xmlns:r="http://schemas.openxmlformats.org/officeDocument/2006/relationships" xmlns:p="http://schemas.openxmlformats.org/presentationml/2006/main">
+  <p:cSld>
+    <p:spTree>
+      <p:nvGrpSpPr>
+        <p:cNvPr id="1" name="">
+          <a:extLst>
+            <a:ext uri="{FF2B5EF4-FFF2-40B4-BE49-F238E27FC236}">
+              <a16:creationId xmlns:a16="http://schemas.microsoft.com/office/drawing/2014/main" id="{EFC2373B-C16D-DA25-3264-93A826BFA945}"/>
+            </a:ext>
+          </a:extLst>
+        </p:cNvPr>
+        <p:cNvGrpSpPr/>
+        <p:nvPr/>
+      </p:nvGrpSpPr>
+      <p:grpSpPr>
+        <a:xfrm>
+          <a:off x="0" y="0"/>
+          <a:ext cx="0" cy="0"/>
+          <a:chOff x="0" y="0"/>
+          <a:chExt cx="0" cy="0"/>
+        </a:xfrm>
+      </p:grpSpPr>
+      <p:sp>
+        <p:nvSpPr>
+          <p:cNvPr id="2" name="Title 1">
+            <a:extLst>
+              <a:ext uri="{FF2B5EF4-FFF2-40B4-BE49-F238E27FC236}">
+                <a16:creationId xmlns:a16="http://schemas.microsoft.com/office/drawing/2014/main" id="{044E33EA-0C32-D87F-938C-0299354C5A7E}"/>
+              </a:ext>
+            </a:extLst>
+          </p:cNvPr>
+          <p:cNvSpPr>
+            <a:spLocks noGrp="1"/>
+          </p:cNvSpPr>
+          <p:nvPr>
+            <p:ph type="title"/>
+          </p:nvPr>
+        </p:nvSpPr>
+        <p:spPr/>
+        <p:txBody>
+          <a:bodyPr/>
+          <a:lstStyle/>
+          <a:p>
+            <a:r>
+              <a:rPr lang="en-US" dirty="0"/>
+              <a:t>Main course topics</a:t>
+            </a:r>
+          </a:p>
+        </p:txBody>
+      </p:sp>
+      <p:sp>
+        <p:nvSpPr>
+          <p:cNvPr id="3" name="Content Placeholder 2">
+            <a:extLst>
+              <a:ext uri="{FF2B5EF4-FFF2-40B4-BE49-F238E27FC236}">
+                <a16:creationId xmlns:a16="http://schemas.microsoft.com/office/drawing/2014/main" id="{1D5BB1B1-A45B-9016-E837-9E2473C61555}"/>
+              </a:ext>
+            </a:extLst>
+          </p:cNvPr>
+          <p:cNvSpPr>
+            <a:spLocks noGrp="1"/>
+          </p:cNvSpPr>
+          <p:nvPr>
+            <p:ph idx="1"/>
+          </p:nvPr>
+        </p:nvSpPr>
+        <p:spPr/>
+        <p:txBody>
+          <a:bodyPr/>
+          <a:lstStyle/>
+          <a:p>
+            <a:r>
+              <a:rPr lang="en-US" dirty="0"/>
+              <a:t>How to write </a:t>
+            </a:r>
+            <a:r>
+              <a:rPr lang="en-US" u="sng" dirty="0"/>
+              <a:t>quality</a:t>
+            </a:r>
+            <a:r>
+              <a:rPr lang="en-US" dirty="0"/>
+              <a:t> code?</a:t>
+            </a:r>
+          </a:p>
+          <a:p>
+            <a:pPr lvl="1"/>
+            <a:r>
+              <a:rPr lang="en-US" altLang="zh-CN" dirty="0"/>
+              <a:t>Usable</a:t>
+            </a:r>
+            <a:endParaRPr lang="en-US" dirty="0"/>
+          </a:p>
+          <a:p>
+            <a:pPr lvl="1"/>
+            <a:r>
+              <a:rPr lang="en-US" dirty="0"/>
+              <a:t>Less error-prone</a:t>
+            </a:r>
+          </a:p>
+          <a:p>
+            <a:pPr lvl="1"/>
+            <a:r>
+              <a:rPr lang="en-US" dirty="0"/>
+              <a:t>Easier to maintain</a:t>
+            </a:r>
+          </a:p>
+          <a:p>
+            <a:pPr lvl="1"/>
+            <a:r>
+              <a:rPr lang="en-US" dirty="0"/>
+              <a:t>Reusable</a:t>
+            </a:r>
+          </a:p>
+          <a:p>
+            <a:pPr lvl="1"/>
+            <a:r>
+              <a:rPr lang="en-US" dirty="0"/>
+              <a:t>…</a:t>
+            </a:r>
+          </a:p>
+          <a:p>
+            <a:r>
+              <a:rPr lang="en-US" dirty="0"/>
+              <a:t>How to </a:t>
+            </a:r>
+            <a:r>
+              <a:rPr lang="en-US" u="sng" dirty="0"/>
+              <a:t>manage</a:t>
+            </a:r>
+            <a:r>
+              <a:rPr lang="en-US" dirty="0"/>
+              <a:t> a software project effectively?</a:t>
+            </a:r>
+          </a:p>
+          <a:p>
+            <a:pPr lvl="1"/>
+            <a:r>
+              <a:rPr lang="en-US" dirty="0"/>
+              <a:t>Meet the user requirements</a:t>
+            </a:r>
+          </a:p>
+          <a:p>
+            <a:pPr lvl="1"/>
+            <a:r>
+              <a:rPr lang="en-US" dirty="0"/>
+              <a:t>Delivered in a timely manner</a:t>
+            </a:r>
+          </a:p>
+          <a:p>
+            <a:pPr lvl="1"/>
+            <a:r>
+              <a:rPr lang="en-US" dirty="0"/>
+              <a:t>…</a:t>
+            </a:r>
+          </a:p>
+          <a:p>
+            <a:pPr lvl="1"/>
+            <a:endParaRPr lang="en-US" dirty="0"/>
+          </a:p>
+          <a:p>
+            <a:endParaRPr lang="en-US" dirty="0"/>
+          </a:p>
+          <a:p>
+            <a:pPr lvl="1"/>
+            <a:endParaRPr lang="en-US" dirty="0"/>
+          </a:p>
+          <a:p>
+            <a:endParaRPr lang="en-US" dirty="0"/>
+          </a:p>
+          <a:p>
+            <a:endParaRPr lang="en-US" dirty="0"/>
+          </a:p>
+        </p:txBody>
+      </p:sp>
+    </p:spTree>
+    <p:extLst>
+      <p:ext uri="{BB962C8B-B14F-4D97-AF65-F5344CB8AC3E}">
+        <p14:creationId xmlns:p14="http://schemas.microsoft.com/office/powerpoint/2010/main" val="2724384055"/>
+      </p:ext>
+    </p:extLst>
+  </p:cSld>
+  <p:clrMapOvr>
+    <a:masterClrMapping/>
+  </p:clrMapOvr>
+</p:sld>
+</file>
+
+<file path=ppt/slides/slide21.xml><?xml version="1.0" encoding="utf-8"?>
+<p:sld xmlns:a="http://schemas.openxmlformats.org/drawingml/2006/main" xmlns:r="http://schemas.openxmlformats.org/officeDocument/2006/relationships" xmlns:p="http://schemas.openxmlformats.org/presentationml/2006/main">
+  <p:cSld>
+    <p:spTree>
+      <p:nvGrpSpPr>
+        <p:cNvPr id="1" name="">
+          <a:extLst>
+            <a:ext uri="{FF2B5EF4-FFF2-40B4-BE49-F238E27FC236}">
+              <a16:creationId xmlns:a16="http://schemas.microsoft.com/office/drawing/2014/main" id="{D81AD3E2-BF33-088D-715F-464CAD86788A}"/>
+            </a:ext>
+          </a:extLst>
+        </p:cNvPr>
+        <p:cNvGrpSpPr/>
+        <p:nvPr/>
+      </p:nvGrpSpPr>
+      <p:grpSpPr>
+        <a:xfrm>
+          <a:off x="0" y="0"/>
+          <a:ext cx="0" cy="0"/>
+          <a:chOff x="0" y="0"/>
+          <a:chExt cx="0" cy="0"/>
+        </a:xfrm>
+      </p:grpSpPr>
+      <p:sp>
+        <p:nvSpPr>
+          <p:cNvPr id="2" name="Title 1">
+            <a:extLst>
+              <a:ext uri="{FF2B5EF4-FFF2-40B4-BE49-F238E27FC236}">
+                <a16:creationId xmlns:a16="http://schemas.microsoft.com/office/drawing/2014/main" id="{48120236-E6B8-799F-DADF-0B7C18CA4E61}"/>
+              </a:ext>
+            </a:extLst>
+          </p:cNvPr>
+          <p:cNvSpPr>
+            <a:spLocks noGrp="1"/>
+          </p:cNvSpPr>
+          <p:nvPr>
+            <p:ph type="title"/>
+          </p:nvPr>
+        </p:nvSpPr>
+        <p:spPr/>
+        <p:txBody>
+          <a:bodyPr/>
+          <a:lstStyle/>
+          <a:p>
+            <a:r>
+              <a:rPr lang="en-US" dirty="0"/>
+              <a:t>Main course topics</a:t>
+            </a:r>
+          </a:p>
+        </p:txBody>
+      </p:sp>
+      <p:sp>
+        <p:nvSpPr>
+          <p:cNvPr id="3" name="Content Placeholder 2">
+            <a:extLst>
+              <a:ext uri="{FF2B5EF4-FFF2-40B4-BE49-F238E27FC236}">
+                <a16:creationId xmlns:a16="http://schemas.microsoft.com/office/drawing/2014/main" id="{2588108C-5632-E34D-A449-D6D2180C9129}"/>
+              </a:ext>
+            </a:extLst>
+          </p:cNvPr>
+          <p:cNvSpPr>
+            <a:spLocks noGrp="1"/>
+          </p:cNvSpPr>
+          <p:nvPr>
+            <p:ph idx="1"/>
+          </p:nvPr>
+        </p:nvSpPr>
+        <p:spPr/>
+        <p:txBody>
+          <a:bodyPr>
+            <a:normAutofit/>
+          </a:bodyPr>
+          <a:lstStyle/>
+          <a:p>
+            <a:r>
+              <a:rPr lang="en-US" dirty="0"/>
+              <a:t>How to write </a:t>
+            </a:r>
+            <a:r>
+              <a:rPr lang="en-US" u="sng" dirty="0"/>
+              <a:t>quality</a:t>
+            </a:r>
+            <a:r>
+              <a:rPr lang="en-US" dirty="0"/>
+              <a:t> code?</a:t>
+            </a:r>
+          </a:p>
+          <a:p>
+            <a:pPr lvl="1"/>
+            <a:r>
+              <a:rPr lang="en-US" dirty="0"/>
+              <a:t>Object oriented programming</a:t>
+            </a:r>
+          </a:p>
+          <a:p>
+            <a:pPr lvl="1"/>
+            <a:r>
+              <a:rPr lang="en-US" dirty="0"/>
+              <a:t>UML and </a:t>
+            </a:r>
+            <a:r>
+              <a:rPr lang="en-US" altLang="zh-CN" dirty="0"/>
+              <a:t>d</a:t>
+            </a:r>
+            <a:r>
+              <a:rPr lang="en-US" dirty="0"/>
+              <a:t>esign pattern</a:t>
+            </a:r>
+            <a:r>
+              <a:rPr lang="en-US" altLang="zh-CN" dirty="0"/>
+              <a:t>s</a:t>
+            </a:r>
+            <a:endParaRPr lang="en-US" dirty="0"/>
+          </a:p>
+          <a:p>
+            <a:pPr lvl="1"/>
+            <a:r>
+              <a:rPr lang="en-US" dirty="0"/>
+              <a:t>Testing</a:t>
+            </a:r>
+          </a:p>
+          <a:p>
+            <a:pPr lvl="1"/>
+            <a:r>
+              <a:rPr lang="en-US" dirty="0"/>
+              <a:t>Code quality</a:t>
+            </a:r>
+          </a:p>
+          <a:p>
+            <a:r>
+              <a:rPr lang="en-US" dirty="0"/>
+              <a:t>How to </a:t>
+            </a:r>
+            <a:r>
+              <a:rPr lang="en-US" u="sng" dirty="0"/>
+              <a:t>manage</a:t>
+            </a:r>
+            <a:r>
+              <a:rPr lang="en-US" dirty="0"/>
+              <a:t> a software project effectively?</a:t>
+            </a:r>
+          </a:p>
+          <a:p>
+            <a:pPr lvl="1"/>
+            <a:r>
+              <a:rPr lang="en-US" dirty="0"/>
+              <a:t>Requirements engineering</a:t>
+            </a:r>
+          </a:p>
+          <a:p>
+            <a:pPr lvl="1"/>
+            <a:r>
+              <a:rPr lang="en-US" dirty="0"/>
+              <a:t>Software development process</a:t>
+            </a:r>
+          </a:p>
+          <a:p>
+            <a:pPr lvl="1"/>
+            <a:r>
+              <a:rPr lang="en-US" altLang="zh-CN" dirty="0"/>
+              <a:t>Tools:</a:t>
+            </a:r>
+            <a:r>
+              <a:rPr lang="zh-CN" altLang="en-US" dirty="0"/>
+              <a:t> </a:t>
+            </a:r>
+            <a:r>
+              <a:rPr lang="en-US" dirty="0"/>
+              <a:t>Git, CI/CD</a:t>
+            </a:r>
+          </a:p>
+          <a:p>
+            <a:pPr lvl="1"/>
+            <a:endParaRPr lang="en-US" dirty="0"/>
+          </a:p>
+          <a:p>
+            <a:endParaRPr lang="en-US" dirty="0"/>
+          </a:p>
+          <a:p>
+            <a:pPr lvl="1"/>
+            <a:endParaRPr lang="en-US" dirty="0"/>
+          </a:p>
+          <a:p>
+            <a:endParaRPr lang="en-US" dirty="0"/>
+          </a:p>
+          <a:p>
+            <a:endParaRPr lang="en-US" dirty="0"/>
+          </a:p>
+        </p:txBody>
+      </p:sp>
+    </p:spTree>
+    <p:extLst>
+      <p:ext uri="{BB962C8B-B14F-4D97-AF65-F5344CB8AC3E}">
+        <p14:creationId xmlns:p14="http://schemas.microsoft.com/office/powerpoint/2010/main" val="1407635277"/>
+      </p:ext>
+    </p:extLst>
+  </p:cSld>
+  <p:clrMapOvr>
+    <a:masterClrMapping/>
+  </p:clrMapOvr>
+</p:sld>
+</file>
+
+<file path=ppt/slides/slide22.xml><?xml version="1.0" encoding="utf-8"?>
+<p:sld xmlns:a="http://schemas.openxmlformats.org/drawingml/2006/main" xmlns:r="http://schemas.openxmlformats.org/officeDocument/2006/relationships" xmlns:p="http://schemas.openxmlformats.org/presentationml/2006/main">
+  <p:cSld>
+    <p:spTree>
+      <p:nvGrpSpPr>
+        <p:cNvPr id="1" name="">
+          <a:extLst>
+            <a:ext uri="{FF2B5EF4-FFF2-40B4-BE49-F238E27FC236}">
+              <a16:creationId xmlns:a16="http://schemas.microsoft.com/office/drawing/2014/main" id="{05985D17-D04E-6D4A-9021-22B5B1568635}"/>
+            </a:ext>
+          </a:extLst>
+        </p:cNvPr>
+        <p:cNvGrpSpPr/>
+        <p:nvPr/>
+      </p:nvGrpSpPr>
+      <p:grpSpPr>
+        <a:xfrm>
+          <a:off x="0" y="0"/>
+          <a:ext cx="0" cy="0"/>
+          <a:chOff x="0" y="0"/>
+          <a:chExt cx="0" cy="0"/>
+        </a:xfrm>
+      </p:grpSpPr>
+      <p:sp>
+        <p:nvSpPr>
+          <p:cNvPr id="2" name="Title 1">
+            <a:extLst>
+              <a:ext uri="{FF2B5EF4-FFF2-40B4-BE49-F238E27FC236}">
+                <a16:creationId xmlns:a16="http://schemas.microsoft.com/office/drawing/2014/main" id="{B0F61C79-879C-DA17-5F9B-331166354790}"/>
+              </a:ext>
+            </a:extLst>
+          </p:cNvPr>
+          <p:cNvSpPr>
+            <a:spLocks noGrp="1"/>
+          </p:cNvSpPr>
+          <p:nvPr>
+            <p:ph type="title"/>
+          </p:nvPr>
+        </p:nvSpPr>
+        <p:spPr/>
+        <p:txBody>
+          <a:bodyPr/>
+          <a:lstStyle/>
+          <a:p>
+            <a:r>
+              <a:rPr lang="en-US" dirty="0"/>
+              <a:t>Miscellaneous course topics</a:t>
+            </a:r>
+          </a:p>
+        </p:txBody>
+      </p:sp>
+      <p:sp>
+        <p:nvSpPr>
+          <p:cNvPr id="3" name="Content Placeholder 2">
+            <a:extLst>
+              <a:ext uri="{FF2B5EF4-FFF2-40B4-BE49-F238E27FC236}">
+                <a16:creationId xmlns:a16="http://schemas.microsoft.com/office/drawing/2014/main" id="{C0874FC8-DAF4-AE7C-EC99-0F77DDFE0D9B}"/>
+              </a:ext>
+            </a:extLst>
+          </p:cNvPr>
+          <p:cNvSpPr>
+            <a:spLocks noGrp="1"/>
+          </p:cNvSpPr>
+          <p:nvPr>
+            <p:ph idx="1"/>
+          </p:nvPr>
+        </p:nvSpPr>
+        <p:spPr/>
+        <p:txBody>
+          <a:bodyPr>
+            <a:normAutofit/>
+          </a:bodyPr>
+          <a:lstStyle/>
+          <a:p>
+            <a:r>
+              <a:rPr lang="en-US" dirty="0"/>
+              <a:t>Web development</a:t>
+            </a:r>
+            <a:r>
+              <a:rPr lang="zh-CN" altLang="en-US" dirty="0"/>
+              <a:t> </a:t>
+            </a:r>
+            <a:r>
+              <a:rPr lang="en-US" altLang="zh-CN" dirty="0"/>
+              <a:t>basics</a:t>
+            </a:r>
+            <a:endParaRPr lang="en-US" dirty="0"/>
+          </a:p>
+          <a:p>
+            <a:pPr lvl="1"/>
+            <a:r>
+              <a:rPr lang="en-US" dirty="0"/>
+              <a:t>Front end/back end interaction</a:t>
+            </a:r>
+          </a:p>
+          <a:p>
+            <a:r>
+              <a:rPr lang="en-US" altLang="zh-CN" dirty="0"/>
+              <a:t>Concurrency</a:t>
+            </a:r>
+          </a:p>
+          <a:p>
+            <a:pPr lvl="1"/>
+            <a:r>
+              <a:rPr lang="en-US" altLang="zh-CN" dirty="0"/>
+              <a:t>Improve</a:t>
+            </a:r>
+            <a:r>
+              <a:rPr lang="zh-CN" altLang="en-US" dirty="0"/>
+              <a:t> </a:t>
+            </a:r>
+            <a:r>
+              <a:rPr lang="en-US" altLang="zh-CN" dirty="0"/>
+              <a:t>scalability</a:t>
+            </a:r>
+            <a:endParaRPr lang="en-US" dirty="0"/>
+          </a:p>
+          <a:p>
+            <a:endParaRPr lang="en-US" dirty="0"/>
+          </a:p>
+          <a:p>
+            <a:pPr lvl="1"/>
+            <a:endParaRPr lang="en-US" dirty="0"/>
+          </a:p>
+          <a:p>
+            <a:endParaRPr lang="en-US" dirty="0"/>
+          </a:p>
+          <a:p>
+            <a:pPr lvl="1"/>
+            <a:endParaRPr lang="en-US" dirty="0"/>
+          </a:p>
+          <a:p>
+            <a:endParaRPr lang="en-US" dirty="0"/>
+          </a:p>
+          <a:p>
+            <a:endParaRPr lang="en-US" dirty="0"/>
+          </a:p>
+        </p:txBody>
+      </p:sp>
+    </p:spTree>
+    <p:extLst>
+      <p:ext uri="{BB962C8B-B14F-4D97-AF65-F5344CB8AC3E}">
+        <p14:creationId xmlns:p14="http://schemas.microsoft.com/office/powerpoint/2010/main" val="1408737481"/>
+      </p:ext>
+    </p:extLst>
+  </p:cSld>
+  <p:clrMapOvr>
+    <a:masterClrMapping/>
+  </p:clrMapOvr>
+</p:sld>
+</file>
+
+<file path=ppt/slides/slide23.xml><?xml version="1.0" encoding="utf-8"?>
+<p:sld xmlns:a="http://schemas.openxmlformats.org/drawingml/2006/main" xmlns:r="http://schemas.openxmlformats.org/officeDocument/2006/relationships" xmlns:p="http://schemas.openxmlformats.org/presentationml/2006/main">
+  <p:cSld>
+    <p:spTree>
+      <p:nvGrpSpPr>
+        <p:cNvPr id="1" name="">
+          <a:extLst>
+            <a:ext uri="{FF2B5EF4-FFF2-40B4-BE49-F238E27FC236}">
+              <a16:creationId xmlns:a16="http://schemas.microsoft.com/office/drawing/2014/main" id="{F71B5652-0A0C-D84D-A68C-2537E6823D9E}"/>
+            </a:ext>
+          </a:extLst>
+        </p:cNvPr>
+        <p:cNvGrpSpPr/>
+        <p:nvPr/>
+      </p:nvGrpSpPr>
+      <p:grpSpPr>
+        <a:xfrm>
+          <a:off x="0" y="0"/>
+          <a:ext cx="0" cy="0"/>
+          <a:chOff x="0" y="0"/>
+          <a:chExt cx="0" cy="0"/>
+        </a:xfrm>
+      </p:grpSpPr>
+      <p:sp>
+        <p:nvSpPr>
+          <p:cNvPr id="2" name="Title 1">
+            <a:extLst>
+              <a:ext uri="{FF2B5EF4-FFF2-40B4-BE49-F238E27FC236}">
+                <a16:creationId xmlns:a16="http://schemas.microsoft.com/office/drawing/2014/main" id="{3438CADF-BE77-DE6C-63FE-E997C80592D2}"/>
+              </a:ext>
+            </a:extLst>
+          </p:cNvPr>
+          <p:cNvSpPr>
+            <a:spLocks noGrp="1"/>
+          </p:cNvSpPr>
+          <p:nvPr>
+            <p:ph type="title"/>
+          </p:nvPr>
+        </p:nvSpPr>
+        <p:spPr/>
+        <p:txBody>
+          <a:bodyPr/>
+          <a:lstStyle/>
+          <a:p>
+            <a:r>
+              <a:rPr lang="en-US" dirty="0"/>
+              <a:t>Course logistics</a:t>
+            </a:r>
+          </a:p>
+        </p:txBody>
+      </p:sp>
+      <p:sp>
+        <p:nvSpPr>
+          <p:cNvPr id="3" name="Content Placeholder 2">
+            <a:extLst>
+              <a:ext uri="{FF2B5EF4-FFF2-40B4-BE49-F238E27FC236}">
+                <a16:creationId xmlns:a16="http://schemas.microsoft.com/office/drawing/2014/main" id="{765C16D0-F01F-DC8F-D5F1-DFF527015B44}"/>
+              </a:ext>
+            </a:extLst>
+          </p:cNvPr>
+          <p:cNvSpPr>
+            <a:spLocks noGrp="1"/>
+          </p:cNvSpPr>
+          <p:nvPr>
+            <p:ph idx="1"/>
+          </p:nvPr>
+        </p:nvSpPr>
+        <p:spPr/>
+        <p:txBody>
+          <a:bodyPr>
+            <a:normAutofit/>
+          </a:bodyPr>
+          <a:lstStyle/>
+          <a:p>
+            <a:r>
+              <a:rPr lang="en-US" dirty="0"/>
+              <a:t>Textbook (reference)</a:t>
+            </a:r>
+          </a:p>
+          <a:p>
+            <a:pPr lvl="1"/>
+            <a:r>
+              <a:rPr lang="en-US" dirty="0"/>
+              <a:t>Software Engineering</a:t>
+            </a:r>
+            <a:r>
+              <a:rPr lang="zh-CN" altLang="en-US" dirty="0"/>
+              <a:t> </a:t>
+            </a:r>
+            <a:r>
+              <a:rPr lang="en-US" altLang="zh-CN" dirty="0"/>
+              <a:t>10th</a:t>
+            </a:r>
+            <a:r>
+              <a:rPr lang="zh-CN" altLang="en-US" dirty="0"/>
+              <a:t> </a:t>
+            </a:r>
+            <a:r>
+              <a:rPr lang="en-US" altLang="zh-CN" dirty="0"/>
+              <a:t>edition,</a:t>
+            </a:r>
+            <a:r>
+              <a:rPr lang="zh-CN" altLang="en-US" dirty="0"/>
+              <a:t> </a:t>
+            </a:r>
+            <a:r>
+              <a:rPr lang="en-US" altLang="zh-CN" dirty="0"/>
+              <a:t>by</a:t>
+            </a:r>
+            <a:r>
+              <a:rPr lang="en-US" dirty="0"/>
+              <a:t> Ian Sommerville</a:t>
+            </a:r>
+          </a:p>
+          <a:p>
+            <a:r>
+              <a:rPr lang="en-US" dirty="0"/>
+              <a:t>Prerequisites</a:t>
+            </a:r>
+          </a:p>
+          <a:p>
+            <a:pPr lvl="1"/>
+            <a:r>
+              <a:rPr lang="en-US" dirty="0"/>
+              <a:t>Basic programming skills</a:t>
+            </a:r>
+          </a:p>
+          <a:p>
+            <a:r>
+              <a:rPr lang="en-US" dirty="0"/>
+              <a:t>Final grade</a:t>
+            </a:r>
+          </a:p>
+          <a:p>
+            <a:pPr lvl="1"/>
+            <a:r>
+              <a:rPr lang="en-US" dirty="0"/>
+              <a:t>20% homework assignments</a:t>
+            </a:r>
+          </a:p>
+          <a:p>
+            <a:pPr lvl="1"/>
+            <a:r>
+              <a:rPr lang="en-US" dirty="0"/>
+              <a:t>20% midterm exam</a:t>
+            </a:r>
+          </a:p>
+          <a:p>
+            <a:pPr lvl="1"/>
+            <a:r>
+              <a:rPr lang="en-US" dirty="0"/>
+              <a:t>60% software engineering project</a:t>
+            </a:r>
+          </a:p>
+          <a:p>
+            <a:endParaRPr lang="en-US" dirty="0"/>
+          </a:p>
+          <a:p>
+            <a:pPr lvl="1"/>
+            <a:endParaRPr lang="en-US" dirty="0"/>
+          </a:p>
+        </p:txBody>
+      </p:sp>
+    </p:spTree>
+    <p:extLst>
+      <p:ext uri="{BB962C8B-B14F-4D97-AF65-F5344CB8AC3E}">
+        <p14:creationId xmlns:p14="http://schemas.microsoft.com/office/powerpoint/2010/main" val="1525870370"/>
+      </p:ext>
+    </p:extLst>
+  </p:cSld>
+  <p:clrMapOvr>
+    <a:masterClrMapping/>
+  </p:clrMapOvr>
+</p:sld>
+</file>
+
+<file path=ppt/slides/slide24.xml><?xml version="1.0" encoding="utf-8"?>
+<p:sld xmlns:a="http://schemas.openxmlformats.org/drawingml/2006/main" xmlns:r="http://schemas.openxmlformats.org/officeDocument/2006/relationships" xmlns:p="http://schemas.openxmlformats.org/presentationml/2006/main">
+  <p:cSld>
+    <p:spTree>
+      <p:nvGrpSpPr>
+        <p:cNvPr id="1" name=""/>
+        <p:cNvGrpSpPr/>
+        <p:nvPr/>
+      </p:nvGrpSpPr>
+      <p:grpSpPr>
+        <a:xfrm>
+          <a:off x="0" y="0"/>
+          <a:ext cx="0" cy="0"/>
+          <a:chOff x="0" y="0"/>
+          <a:chExt cx="0" cy="0"/>
+        </a:xfrm>
+      </p:grpSpPr>
+      <p:sp>
+        <p:nvSpPr>
+          <p:cNvPr id="2" name="Title 1">
+            <a:extLst>
+              <a:ext uri="{FF2B5EF4-FFF2-40B4-BE49-F238E27FC236}">
+                <a16:creationId xmlns:a16="http://schemas.microsoft.com/office/drawing/2014/main" id="{9C7CF2B7-80AC-CA7B-C097-F09CCBE35A9D}"/>
+              </a:ext>
+            </a:extLst>
+          </p:cNvPr>
+          <p:cNvSpPr>
+            <a:spLocks noGrp="1"/>
+          </p:cNvSpPr>
+          <p:nvPr>
+            <p:ph type="title"/>
+          </p:nvPr>
+        </p:nvSpPr>
+        <p:spPr/>
+        <p:txBody>
+          <a:bodyPr/>
+          <a:lstStyle/>
+          <a:p>
+            <a:r>
+              <a:rPr lang="en-US" dirty="0"/>
+              <a:t>Semester</a:t>
+            </a:r>
+            <a:r>
+              <a:rPr lang="en-US" altLang="zh-CN" dirty="0"/>
+              <a:t>-Long</a:t>
+            </a:r>
+            <a:r>
+              <a:rPr lang="en-US" dirty="0"/>
+              <a:t> </a:t>
+            </a:r>
+            <a:r>
+              <a:rPr lang="en-US" altLang="zh-CN" dirty="0"/>
+              <a:t>P</a:t>
+            </a:r>
+            <a:r>
+              <a:rPr lang="en-US" dirty="0"/>
+              <a:t>roject – </a:t>
+            </a:r>
+            <a:r>
+              <a:rPr lang="en-US" dirty="0" err="1"/>
+              <a:t>Gomoku</a:t>
+            </a:r>
+            <a:r>
+              <a:rPr lang="en-US" dirty="0"/>
+              <a:t> </a:t>
+            </a:r>
+            <a:r>
+              <a:rPr lang="en-US" altLang="zh-CN" dirty="0"/>
+              <a:t>G</a:t>
+            </a:r>
+            <a:r>
+              <a:rPr lang="en-US" dirty="0"/>
+              <a:t>ame</a:t>
+            </a:r>
+          </a:p>
+        </p:txBody>
+      </p:sp>
+      <p:sp>
+        <p:nvSpPr>
+          <p:cNvPr id="3" name="Content Placeholder 2">
+            <a:extLst>
+              <a:ext uri="{FF2B5EF4-FFF2-40B4-BE49-F238E27FC236}">
+                <a16:creationId xmlns:a16="http://schemas.microsoft.com/office/drawing/2014/main" id="{F2C2992F-979A-8B66-CB05-BCA520B1A094}"/>
+              </a:ext>
+            </a:extLst>
+          </p:cNvPr>
+          <p:cNvSpPr>
+            <a:spLocks noGrp="1"/>
+          </p:cNvSpPr>
+          <p:nvPr>
+            <p:ph idx="1"/>
+          </p:nvPr>
+        </p:nvSpPr>
+        <p:spPr/>
+        <p:txBody>
+          <a:bodyPr/>
+          <a:lstStyle/>
+          <a:p>
+            <a:r>
+              <a:rPr lang="en-US" altLang="zh-CN" dirty="0"/>
+              <a:t>A</a:t>
+            </a:r>
+            <a:r>
+              <a:rPr lang="zh-CN" altLang="en-US" dirty="0"/>
+              <a:t> </a:t>
+            </a:r>
+            <a:r>
+              <a:rPr lang="en-US" altLang="zh-CN" dirty="0"/>
+              <a:t>simple</a:t>
+            </a:r>
+            <a:r>
+              <a:rPr lang="zh-CN" altLang="en-US" dirty="0"/>
+              <a:t> </a:t>
+            </a:r>
+            <a:r>
+              <a:rPr lang="en-US" altLang="zh-CN" dirty="0"/>
+              <a:t>game</a:t>
+            </a:r>
+            <a:r>
+              <a:rPr lang="zh-CN" altLang="en-US" dirty="0"/>
+              <a:t> </a:t>
+            </a:r>
+            <a:r>
+              <a:rPr lang="en-US" altLang="zh-CN" dirty="0"/>
+              <a:t>with</a:t>
+            </a:r>
+            <a:r>
+              <a:rPr lang="zh-CN" altLang="en-US" dirty="0"/>
+              <a:t> </a:t>
+            </a:r>
+            <a:r>
+              <a:rPr lang="en-US" altLang="zh-CN" dirty="0"/>
+              <a:t>minimal</a:t>
+            </a:r>
+            <a:r>
+              <a:rPr lang="zh-CN" altLang="en-US" dirty="0"/>
+              <a:t> </a:t>
+            </a:r>
+            <a:r>
+              <a:rPr lang="en-US" altLang="zh-CN" dirty="0"/>
+              <a:t>domain</a:t>
+            </a:r>
+            <a:r>
+              <a:rPr lang="zh-CN" altLang="en-US" dirty="0"/>
+              <a:t> </a:t>
+            </a:r>
+            <a:r>
+              <a:rPr lang="en-US" altLang="zh-CN" dirty="0"/>
+              <a:t>knowledge</a:t>
+            </a:r>
+          </a:p>
+          <a:p>
+            <a:r>
+              <a:rPr lang="en-US" altLang="zh-CN" dirty="0"/>
+              <a:t>Some</a:t>
+            </a:r>
+            <a:r>
+              <a:rPr lang="zh-CN" altLang="en-US" dirty="0"/>
+              <a:t> </a:t>
+            </a:r>
+            <a:r>
+              <a:rPr lang="en-US" altLang="zh-CN" dirty="0"/>
+              <a:t>level</a:t>
+            </a:r>
+            <a:r>
+              <a:rPr lang="zh-CN" altLang="en-US" dirty="0"/>
+              <a:t> </a:t>
+            </a:r>
+            <a:r>
+              <a:rPr lang="en-US" altLang="zh-CN" dirty="0"/>
+              <a:t>of</a:t>
+            </a:r>
+            <a:r>
+              <a:rPr lang="zh-CN" altLang="en-US" dirty="0"/>
+              <a:t> </a:t>
+            </a:r>
+            <a:r>
+              <a:rPr lang="en-US" altLang="zh-CN" dirty="0"/>
+              <a:t>complexity</a:t>
+            </a:r>
+            <a:r>
+              <a:rPr lang="zh-CN" altLang="en-US" dirty="0"/>
+              <a:t> </a:t>
+            </a:r>
+            <a:r>
+              <a:rPr lang="en-US" altLang="zh-CN" dirty="0"/>
+              <a:t>will</a:t>
+            </a:r>
+            <a:r>
+              <a:rPr lang="zh-CN" altLang="en-US" dirty="0"/>
+              <a:t> </a:t>
+            </a:r>
+            <a:r>
+              <a:rPr lang="en-US" altLang="zh-CN" dirty="0"/>
+              <a:t>be</a:t>
+            </a:r>
+            <a:r>
+              <a:rPr lang="zh-CN" altLang="en-US" dirty="0"/>
+              <a:t> </a:t>
+            </a:r>
+            <a:r>
+              <a:rPr lang="en-US" altLang="zh-CN" dirty="0"/>
+              <a:t>incorporated</a:t>
+            </a:r>
+            <a:r>
+              <a:rPr lang="zh-CN" altLang="en-US" dirty="0"/>
+              <a:t> </a:t>
+            </a:r>
+            <a:r>
+              <a:rPr lang="en-US" altLang="zh-CN" dirty="0"/>
+              <a:t>into</a:t>
+            </a:r>
+            <a:r>
+              <a:rPr lang="zh-CN" altLang="en-US" dirty="0"/>
+              <a:t> </a:t>
+            </a:r>
+            <a:r>
+              <a:rPr lang="en-US" altLang="zh-CN" dirty="0"/>
+              <a:t>the</a:t>
+            </a:r>
+            <a:r>
+              <a:rPr lang="zh-CN" altLang="en-US" dirty="0"/>
+              <a:t> </a:t>
+            </a:r>
+            <a:r>
+              <a:rPr lang="en-US" altLang="zh-CN" dirty="0"/>
+              <a:t>software</a:t>
+            </a:r>
+            <a:endParaRPr lang="en-US" dirty="0"/>
+          </a:p>
+        </p:txBody>
+      </p:sp>
+    </p:spTree>
+    <p:extLst>
+      <p:ext uri="{BB962C8B-B14F-4D97-AF65-F5344CB8AC3E}">
+        <p14:creationId xmlns:p14="http://schemas.microsoft.com/office/powerpoint/2010/main" val="2516142745"/>
+      </p:ext>
+    </p:extLst>
+  </p:cSld>
+  <p:clrMapOvr>
+    <a:masterClrMapping/>
+  </p:clrMapOvr>
+</p:sld>
+</file>
+
+<file path=ppt/slides/slide25.xml><?xml version="1.0" encoding="utf-8"?>
+<p:sld xmlns:a="http://schemas.openxmlformats.org/drawingml/2006/main" xmlns:r="http://schemas.openxmlformats.org/officeDocument/2006/relationships" xmlns:p="http://schemas.openxmlformats.org/presentationml/2006/main">
+  <p:cSld>
+    <p:spTree>
+      <p:nvGrpSpPr>
+        <p:cNvPr id="1" name=""/>
+        <p:cNvGrpSpPr/>
+        <p:nvPr/>
+      </p:nvGrpSpPr>
+      <p:grpSpPr>
+        <a:xfrm>
+          <a:off x="0" y="0"/>
+          <a:ext cx="0" cy="0"/>
+          <a:chOff x="0" y="0"/>
+          <a:chExt cx="0" cy="0"/>
+        </a:xfrm>
+      </p:grpSpPr>
+      <p:sp>
+        <p:nvSpPr>
+          <p:cNvPr id="2" name="Title 1">
+            <a:extLst>
+              <a:ext uri="{FF2B5EF4-FFF2-40B4-BE49-F238E27FC236}">
+                <a16:creationId xmlns:a16="http://schemas.microsoft.com/office/drawing/2014/main" id="{9F727561-83A4-2119-D7B4-E7CFB862333E}"/>
+              </a:ext>
+            </a:extLst>
+          </p:cNvPr>
+          <p:cNvSpPr>
+            <a:spLocks noGrp="1"/>
+          </p:cNvSpPr>
+          <p:nvPr>
+            <p:ph type="title"/>
+          </p:nvPr>
+        </p:nvSpPr>
+        <p:spPr/>
+        <p:txBody>
+          <a:bodyPr/>
+          <a:lstStyle/>
+          <a:p>
+            <a:r>
+              <a:rPr lang="en-US" dirty="0" err="1"/>
+              <a:t>Gomoku</a:t>
+            </a:r>
+            <a:r>
+              <a:rPr lang="en-US" dirty="0"/>
+              <a:t> </a:t>
+            </a:r>
+            <a:r>
+              <a:rPr lang="en-US" altLang="zh-CN" dirty="0"/>
+              <a:t>G</a:t>
+            </a:r>
+            <a:r>
+              <a:rPr lang="en-US" dirty="0"/>
+              <a:t>ame</a:t>
+            </a:r>
+            <a:r>
+              <a:rPr lang="zh-CN" altLang="en-US" dirty="0"/>
+              <a:t> </a:t>
+            </a:r>
+            <a:r>
+              <a:rPr lang="en-US" altLang="zh-CN" dirty="0"/>
+              <a:t>Demo</a:t>
+            </a:r>
+            <a:endParaRPr lang="en-US" dirty="0"/>
+          </a:p>
+        </p:txBody>
+      </p:sp>
+      <p:sp>
+        <p:nvSpPr>
+          <p:cNvPr id="3" name="Content Placeholder 2">
+            <a:extLst>
+              <a:ext uri="{FF2B5EF4-FFF2-40B4-BE49-F238E27FC236}">
+                <a16:creationId xmlns:a16="http://schemas.microsoft.com/office/drawing/2014/main" id="{863617F4-5CFD-866D-AC78-DCF88BC77A72}"/>
+              </a:ext>
+            </a:extLst>
+          </p:cNvPr>
+          <p:cNvSpPr>
+            <a:spLocks noGrp="1"/>
+          </p:cNvSpPr>
+          <p:nvPr>
+            <p:ph idx="1"/>
+          </p:nvPr>
+        </p:nvSpPr>
+        <p:spPr/>
+        <p:txBody>
+          <a:bodyPr/>
+          <a:lstStyle/>
+          <a:p>
+            <a:endParaRPr lang="en-US"/>
+          </a:p>
+        </p:txBody>
+      </p:sp>
+    </p:spTree>
+    <p:extLst>
+      <p:ext uri="{BB962C8B-B14F-4D97-AF65-F5344CB8AC3E}">
+        <p14:creationId xmlns:p14="http://schemas.microsoft.com/office/powerpoint/2010/main" val="1014093297"/>
+      </p:ext>
+    </p:extLst>
+  </p:cSld>
+  <p:clrMapOvr>
+    <a:masterClrMapping/>
+  </p:clrMapOvr>
+</p:sld>
+</file>
+
+<file path=ppt/slides/slide26.xml><?xml version="1.0" encoding="utf-8"?>
+<p:sld xmlns:a="http://schemas.openxmlformats.org/drawingml/2006/main" xmlns:r="http://schemas.openxmlformats.org/officeDocument/2006/relationships" xmlns:p="http://schemas.openxmlformats.org/presentationml/2006/main">
+  <p:cSld>
+    <p:spTree>
+      <p:nvGrpSpPr>
+        <p:cNvPr id="1" name=""/>
+        <p:cNvGrpSpPr/>
+        <p:nvPr/>
+      </p:nvGrpSpPr>
+      <p:grpSpPr>
+        <a:xfrm>
+          <a:off x="0" y="0"/>
+          <a:ext cx="0" cy="0"/>
+          <a:chOff x="0" y="0"/>
+          <a:chExt cx="0" cy="0"/>
+        </a:xfrm>
+      </p:grpSpPr>
+      <p:sp>
+        <p:nvSpPr>
+          <p:cNvPr id="2" name="Title 1">
+            <a:extLst>
+              <a:ext uri="{FF2B5EF4-FFF2-40B4-BE49-F238E27FC236}">
+                <a16:creationId xmlns:a16="http://schemas.microsoft.com/office/drawing/2014/main" id="{923341A6-15AB-49BC-59E9-9FE750803B9B}"/>
+              </a:ext>
+            </a:extLst>
+          </p:cNvPr>
+          <p:cNvSpPr>
+            <a:spLocks noGrp="1"/>
+          </p:cNvSpPr>
+          <p:nvPr>
+            <p:ph type="title"/>
+          </p:nvPr>
+        </p:nvSpPr>
+        <p:spPr/>
+        <p:txBody>
+          <a:bodyPr/>
+          <a:lstStyle/>
+          <a:p>
+            <a:r>
+              <a:rPr lang="en-US" dirty="0"/>
+              <a:t>Final Thought</a:t>
+            </a:r>
+          </a:p>
+        </p:txBody>
+      </p:sp>
+      <p:sp>
+        <p:nvSpPr>
+          <p:cNvPr id="3" name="Content Placeholder 2">
+            <a:extLst>
+              <a:ext uri="{FF2B5EF4-FFF2-40B4-BE49-F238E27FC236}">
+                <a16:creationId xmlns:a16="http://schemas.microsoft.com/office/drawing/2014/main" id="{AC782434-84C2-3901-BDA3-4E7446DBA3AE}"/>
+              </a:ext>
+            </a:extLst>
+          </p:cNvPr>
+          <p:cNvSpPr>
+            <a:spLocks noGrp="1"/>
+          </p:cNvSpPr>
+          <p:nvPr>
+            <p:ph idx="1"/>
+          </p:nvPr>
+        </p:nvSpPr>
+        <p:spPr/>
+        <p:txBody>
+          <a:bodyPr/>
+          <a:lstStyle/>
+          <a:p>
+            <a:pPr marL="0" indent="0">
+              <a:buNone/>
+            </a:pPr>
+            <a:r>
+              <a:rPr lang="en-US" i="1" dirty="0"/>
+              <a:t>The</a:t>
+            </a:r>
+            <a:r>
+              <a:rPr lang="en-US" dirty="0"/>
+              <a:t> </a:t>
+            </a:r>
+            <a:r>
+              <a:rPr lang="en-US" i="1" dirty="0"/>
+              <a:t>computing scientist‘s main challenge</a:t>
+            </a:r>
+            <a:r>
+              <a:rPr lang="en-US" dirty="0"/>
+              <a:t> is </a:t>
+            </a:r>
+            <a:r>
+              <a:rPr lang="en-US" i="1" dirty="0"/>
+              <a:t>not</a:t>
+            </a:r>
+            <a:r>
+              <a:rPr lang="en-US" dirty="0"/>
+              <a:t> to </a:t>
+            </a:r>
+            <a:r>
+              <a:rPr lang="en-US" i="1" dirty="0"/>
+              <a:t>get confused</a:t>
+            </a:r>
+            <a:r>
+              <a:rPr lang="en-US" dirty="0"/>
+              <a:t> by the </a:t>
+            </a:r>
+            <a:r>
+              <a:rPr lang="en-US" i="1" dirty="0"/>
+              <a:t>complexities</a:t>
+            </a:r>
+            <a:r>
+              <a:rPr lang="en-US" dirty="0"/>
+              <a:t> of </a:t>
+            </a:r>
+            <a:r>
+              <a:rPr lang="en-US" i="1" dirty="0"/>
+              <a:t>his own making</a:t>
+            </a:r>
+            <a:r>
+              <a:rPr lang="zh-CN" altLang="en-US" i="1" dirty="0"/>
+              <a:t>        </a:t>
+            </a:r>
+            <a:r>
+              <a:rPr lang="en-US" altLang="zh-CN" i="1" dirty="0"/>
+              <a:t>-----</a:t>
+            </a:r>
+            <a:r>
+              <a:rPr lang="en-US" dirty="0"/>
+              <a:t> </a:t>
+            </a:r>
+            <a:r>
+              <a:rPr lang="en-US" dirty="0" err="1"/>
+              <a:t>Edsger</a:t>
+            </a:r>
+            <a:r>
+              <a:rPr lang="en-US" dirty="0"/>
+              <a:t> Dijkstra</a:t>
+            </a:r>
+            <a:endParaRPr lang="en-US" altLang="zh-CN" i="1" dirty="0"/>
+          </a:p>
+          <a:p>
+            <a:pPr marL="0" indent="0">
+              <a:buNone/>
+            </a:pPr>
+            <a:endParaRPr lang="en-US" i="1" dirty="0"/>
+          </a:p>
+        </p:txBody>
+      </p:sp>
+      <p:pic>
+        <p:nvPicPr>
+          <p:cNvPr id="1026" name="Picture 2" descr="Edsger W. Dijkstra">
+            <a:extLst>
+              <a:ext uri="{FF2B5EF4-FFF2-40B4-BE49-F238E27FC236}">
+                <a16:creationId xmlns:a16="http://schemas.microsoft.com/office/drawing/2014/main" id="{5A8E9FF2-4C6E-634C-1DB0-5496B72A4469}"/>
+              </a:ext>
+            </a:extLst>
+          </p:cNvPr>
+          <p:cNvPicPr>
+            <a:picLocks noChangeAspect="1" noChangeArrowheads="1"/>
+          </p:cNvPicPr>
+          <p:nvPr/>
+        </p:nvPicPr>
+        <p:blipFill>
+          <a:blip r:embed="rId2">
+            <a:extLst>
+              <a:ext uri="{28A0092B-C50C-407E-A947-70E740481C1C}">
+                <a14:useLocalDpi xmlns:a14="http://schemas.microsoft.com/office/drawing/2010/main" val="0"/>
+              </a:ext>
+            </a:extLst>
+          </a:blip>
+          <a:srcRect/>
+          <a:stretch>
+            <a:fillRect/>
+          </a:stretch>
+        </p:blipFill>
+        <p:spPr bwMode="auto">
+          <a:xfrm>
+            <a:off x="4508500" y="3136900"/>
+            <a:ext cx="3175000" cy="3175000"/>
+          </a:xfrm>
+          <a:prstGeom prst="rect">
+            <a:avLst/>
+          </a:prstGeom>
+          <a:noFill/>
+          <a:extLst>
+            <a:ext uri="{909E8E84-426E-40DD-AFC4-6F175D3DCCD1}">
+              <a14:hiddenFill xmlns:a14="http://schemas.microsoft.com/office/drawing/2010/main">
+                <a:solidFill>
+                  <a:srgbClr val="FFFFFF"/>
+                </a:solidFill>
+              </a14:hiddenFill>
+            </a:ext>
+          </a:extLst>
+        </p:spPr>
+      </p:pic>
+      <p:sp>
+        <p:nvSpPr>
+          <p:cNvPr id="4" name="TextBox 3">
+            <a:extLst>
+              <a:ext uri="{FF2B5EF4-FFF2-40B4-BE49-F238E27FC236}">
+                <a16:creationId xmlns:a16="http://schemas.microsoft.com/office/drawing/2014/main" id="{FB3E9975-F465-1798-8ED0-60D7CD94AD43}"/>
+              </a:ext>
+            </a:extLst>
+          </p:cNvPr>
+          <p:cNvSpPr txBox="1"/>
+          <p:nvPr/>
+        </p:nvSpPr>
+        <p:spPr>
+          <a:xfrm>
+            <a:off x="4627489" y="6480019"/>
+            <a:ext cx="2937022" cy="215444"/>
+          </a:xfrm>
+          <a:prstGeom prst="rect">
+            <a:avLst/>
+          </a:prstGeom>
+          <a:noFill/>
+        </p:spPr>
+        <p:txBody>
+          <a:bodyPr wrap="none" rtlCol="0">
+            <a:spAutoFit/>
+          </a:bodyPr>
+          <a:lstStyle/>
+          <a:p>
+            <a:r>
+              <a:rPr lang="en-US" sz="800" dirty="0"/>
+              <a:t>https://</a:t>
+            </a:r>
+            <a:r>
+              <a:rPr lang="en-US" sz="800" dirty="0" err="1"/>
+              <a:t>cacm.acm.org</a:t>
+            </a:r>
+            <a:r>
+              <a:rPr lang="en-US" sz="800" dirty="0"/>
+              <a:t>/news/an-interview-with-</a:t>
+            </a:r>
+            <a:r>
+              <a:rPr lang="en-US" sz="800" dirty="0" err="1"/>
+              <a:t>edsger</a:t>
+            </a:r>
+            <a:r>
+              <a:rPr lang="en-US" sz="800" dirty="0"/>
+              <a:t>-w-</a:t>
+            </a:r>
+            <a:r>
+              <a:rPr lang="en-US" sz="800" dirty="0" err="1"/>
+              <a:t>dijkstra</a:t>
+            </a:r>
+            <a:r>
+              <a:rPr lang="en-US" sz="800" dirty="0"/>
+              <a:t>/</a:t>
+            </a:r>
+          </a:p>
+        </p:txBody>
+      </p:sp>
+    </p:spTree>
+    <p:extLst>
+      <p:ext uri="{BB962C8B-B14F-4D97-AF65-F5344CB8AC3E}">
+        <p14:creationId xmlns:p14="http://schemas.microsoft.com/office/powerpoint/2010/main" val="1880166139"/>
+      </p:ext>
+    </p:extLst>
+  </p:cSld>
+  <p:clrMapOvr>
+    <a:masterClrMapping/>
+  </p:clrMapOvr>
+</p:sld>
+</file>
+
+<file path=ppt/slides/slide3.xml><?xml version="1.0" encoding="utf-8"?>
+<p:sld xmlns:a="http://schemas.openxmlformats.org/drawingml/2006/main" xmlns:r="http://schemas.openxmlformats.org/officeDocument/2006/relationships" xmlns:p="http://schemas.openxmlformats.org/presentationml/2006/main">
+  <p:cSld>
+    <p:spTree>
+      <p:nvGrpSpPr>
+        <p:cNvPr id="1" name=""/>
+        <p:cNvGrpSpPr/>
+        <p:nvPr/>
+      </p:nvGrpSpPr>
+      <p:grpSpPr>
+        <a:xfrm>
+          <a:off x="0" y="0"/>
+          <a:ext cx="0" cy="0"/>
+          <a:chOff x="0" y="0"/>
+          <a:chExt cx="0" cy="0"/>
+        </a:xfrm>
+      </p:grpSpPr>
+      <p:sp>
+        <p:nvSpPr>
+          <p:cNvPr id="2" name="Title 1">
+            <a:extLst>
+              <a:ext uri="{FF2B5EF4-FFF2-40B4-BE49-F238E27FC236}">
+                <a16:creationId xmlns:a16="http://schemas.microsoft.com/office/drawing/2014/main" id="{445EBD6C-44F7-0777-F1FB-7739794F9869}"/>
+              </a:ext>
+            </a:extLst>
+          </p:cNvPr>
+          <p:cNvSpPr>
+            <a:spLocks noGrp="1"/>
+          </p:cNvSpPr>
+          <p:nvPr>
+            <p:ph type="title"/>
+          </p:nvPr>
+        </p:nvSpPr>
+        <p:spPr/>
+        <p:txBody>
+          <a:bodyPr/>
+          <a:lstStyle/>
+          <a:p>
+            <a:r>
+              <a:rPr lang="en-US" dirty="0"/>
+              <a:t>Software vs. Program</a:t>
+            </a:r>
+          </a:p>
+        </p:txBody>
+      </p:sp>
+      <p:sp>
+        <p:nvSpPr>
+          <p:cNvPr id="3" name="Content Placeholder 2">
+            <a:extLst>
+              <a:ext uri="{FF2B5EF4-FFF2-40B4-BE49-F238E27FC236}">
+                <a16:creationId xmlns:a16="http://schemas.microsoft.com/office/drawing/2014/main" id="{5026420C-A963-FD47-5780-7562F2A5B7FF}"/>
+              </a:ext>
+            </a:extLst>
+          </p:cNvPr>
+          <p:cNvSpPr>
+            <a:spLocks noGrp="1"/>
+          </p:cNvSpPr>
+          <p:nvPr>
+            <p:ph idx="1"/>
+          </p:nvPr>
+        </p:nvSpPr>
+        <p:spPr/>
+        <p:txBody>
+          <a:bodyPr/>
+          <a:lstStyle/>
+          <a:p>
+            <a:r>
+              <a:rPr lang="en-US" b="1" dirty="0"/>
+              <a:t>Program:</a:t>
+            </a:r>
+            <a:r>
+              <a:rPr lang="en-US" dirty="0"/>
+              <a:t> a single, stand-alone piece of code that solves a specific problem.</a:t>
+            </a:r>
+          </a:p>
+          <a:p>
+            <a:r>
+              <a:rPr lang="en-US" b="1" dirty="0"/>
+              <a:t>Software:</a:t>
+            </a:r>
+            <a:r>
+              <a:rPr lang="en-US" dirty="0"/>
+              <a:t> a collection of programs + documentation + configuration + processes.</a:t>
+            </a:r>
+          </a:p>
+          <a:p>
+            <a:endParaRPr lang="en-US" dirty="0"/>
+          </a:p>
+          <a:p>
+            <a:pPr marL="0" indent="0">
+              <a:buNone/>
+            </a:pPr>
+            <a:r>
+              <a:rPr lang="en-US" altLang="zh-CN" dirty="0"/>
+              <a:t>Program</a:t>
+            </a:r>
+            <a:r>
+              <a:rPr lang="zh-CN" altLang="en-US" dirty="0"/>
+              <a:t> </a:t>
+            </a:r>
+            <a:r>
+              <a:rPr lang="en-US" altLang="zh-CN" dirty="0"/>
+              <a:t>(code)</a:t>
+            </a:r>
+            <a:r>
+              <a:rPr lang="zh-CN" altLang="en-US" dirty="0"/>
+              <a:t> </a:t>
+            </a:r>
+            <a:r>
+              <a:rPr lang="en-US" altLang="zh-CN" dirty="0"/>
+              <a:t>is</a:t>
+            </a:r>
+            <a:r>
+              <a:rPr lang="zh-CN" altLang="en-US" dirty="0"/>
+              <a:t> </a:t>
+            </a:r>
+            <a:r>
+              <a:rPr lang="en-US" altLang="zh-CN" dirty="0"/>
+              <a:t>part</a:t>
+            </a:r>
+            <a:r>
+              <a:rPr lang="zh-CN" altLang="en-US" dirty="0"/>
+              <a:t> </a:t>
+            </a:r>
+            <a:r>
+              <a:rPr lang="en-US" altLang="zh-CN" dirty="0"/>
+              <a:t>of</a:t>
+            </a:r>
+            <a:r>
+              <a:rPr lang="zh-CN" altLang="en-US" dirty="0"/>
+              <a:t> </a:t>
+            </a:r>
+            <a:r>
+              <a:rPr lang="en-US" altLang="zh-CN" dirty="0"/>
+              <a:t>a</a:t>
+            </a:r>
+            <a:r>
+              <a:rPr lang="zh-CN" altLang="en-US" dirty="0"/>
+              <a:t> </a:t>
+            </a:r>
+            <a:r>
+              <a:rPr lang="en-US" altLang="zh-CN" dirty="0"/>
+              <a:t>software</a:t>
+            </a:r>
+            <a:endParaRPr lang="en-US" dirty="0"/>
+          </a:p>
+        </p:txBody>
+      </p:sp>
+    </p:spTree>
+    <p:extLst>
+      <p:ext uri="{BB962C8B-B14F-4D97-AF65-F5344CB8AC3E}">
+        <p14:creationId xmlns:p14="http://schemas.microsoft.com/office/powerpoint/2010/main" val="396445632"/>
+      </p:ext>
+    </p:extLst>
+  </p:cSld>
+  <p:clrMapOvr>
+    <a:masterClrMapping/>
+  </p:clrMapOvr>
+</p:sld>
+</file>
+
+<file path=ppt/slides/slide4.xml><?xml version="1.0" encoding="utf-8"?>
+<p:sld xmlns:a="http://schemas.openxmlformats.org/drawingml/2006/main" xmlns:r="http://schemas.openxmlformats.org/officeDocument/2006/relationships" xmlns:p="http://schemas.openxmlformats.org/presentationml/2006/main">
+  <p:cSld>
+    <p:spTree>
+      <p:nvGrpSpPr>
+        <p:cNvPr id="1" name=""/>
+        <p:cNvGrpSpPr/>
+        <p:nvPr/>
+      </p:nvGrpSpPr>
+      <p:grpSpPr>
+        <a:xfrm>
+          <a:off x="0" y="0"/>
+          <a:ext cx="0" cy="0"/>
+          <a:chOff x="0" y="0"/>
+          <a:chExt cx="0" cy="0"/>
+        </a:xfrm>
+      </p:grpSpPr>
+      <p:sp>
+        <p:nvSpPr>
+          <p:cNvPr id="2" name="Title 1">
+            <a:extLst>
+              <a:ext uri="{FF2B5EF4-FFF2-40B4-BE49-F238E27FC236}">
+                <a16:creationId xmlns:a16="http://schemas.microsoft.com/office/drawing/2014/main" id="{E3237246-E57C-B3DB-804A-521653FAA002}"/>
+              </a:ext>
+            </a:extLst>
+          </p:cNvPr>
+          <p:cNvSpPr>
+            <a:spLocks noGrp="1"/>
+          </p:cNvSpPr>
+          <p:nvPr>
+            <p:ph type="title"/>
+          </p:nvPr>
+        </p:nvSpPr>
+        <p:spPr/>
+        <p:txBody>
+          <a:bodyPr/>
+          <a:lstStyle/>
+          <a:p>
+            <a:r>
+              <a:rPr lang="en-US" dirty="0"/>
+              <a:t>Why Software Engineering?</a:t>
+            </a:r>
+          </a:p>
+        </p:txBody>
+      </p:sp>
+      <p:sp>
+        <p:nvSpPr>
+          <p:cNvPr id="3" name="Content Placeholder 2">
+            <a:extLst>
+              <a:ext uri="{FF2B5EF4-FFF2-40B4-BE49-F238E27FC236}">
+                <a16:creationId xmlns:a16="http://schemas.microsoft.com/office/drawing/2014/main" id="{76D2A2BC-549B-F33D-6B50-AA5EE30D3FFE}"/>
+              </a:ext>
+            </a:extLst>
+          </p:cNvPr>
+          <p:cNvSpPr>
+            <a:spLocks noGrp="1"/>
+          </p:cNvSpPr>
+          <p:nvPr>
+            <p:ph idx="1"/>
+          </p:nvPr>
+        </p:nvSpPr>
+        <p:spPr/>
+        <p:txBody>
+          <a:bodyPr/>
+          <a:lstStyle/>
+          <a:p>
+            <a:r>
+              <a:rPr lang="en-US" dirty="0"/>
+              <a:t>Software is Everywhere</a:t>
+            </a:r>
+          </a:p>
+          <a:p>
+            <a:pPr lvl="1"/>
+            <a:r>
+              <a:rPr lang="en-US" b="1" dirty="0"/>
+              <a:t>Example</a:t>
+            </a:r>
+            <a:r>
+              <a:rPr lang="en-US" dirty="0"/>
+              <a:t>: An MRI scanner, an airplane autopilot system, and your ride-share app — all run on complex software</a:t>
+            </a:r>
+          </a:p>
+          <a:p>
+            <a:pPr lvl="1"/>
+            <a:r>
+              <a:rPr lang="en-US" b="1" dirty="0"/>
+              <a:t>Point</a:t>
+            </a:r>
+            <a:r>
+              <a:rPr lang="en-US" dirty="0"/>
+              <a:t>: These systems must be </a:t>
+            </a:r>
+            <a:r>
+              <a:rPr lang="en-US" i="1" dirty="0"/>
+              <a:t>safe</a:t>
+            </a:r>
+            <a:r>
+              <a:rPr lang="en-US" dirty="0"/>
+              <a:t>, </a:t>
+            </a:r>
+            <a:r>
+              <a:rPr lang="en-US" i="1" dirty="0"/>
+              <a:t>reliable</a:t>
+            </a:r>
+            <a:r>
+              <a:rPr lang="en-US" dirty="0"/>
+              <a:t>, and </a:t>
+            </a:r>
+            <a:r>
+              <a:rPr lang="en-US" i="1" dirty="0"/>
+              <a:t>maintainable</a:t>
+            </a:r>
+            <a:endParaRPr lang="en-US" dirty="0"/>
+          </a:p>
+          <a:p>
+            <a:endParaRPr lang="en-US" i="1" dirty="0"/>
+          </a:p>
+          <a:p>
+            <a:endParaRPr lang="en-US" dirty="0"/>
+          </a:p>
+          <a:p>
+            <a:pPr lvl="1"/>
+            <a:endParaRPr lang="en-US" dirty="0"/>
+          </a:p>
+        </p:txBody>
+      </p:sp>
+      <p:pic>
+        <p:nvPicPr>
+          <p:cNvPr id="5" name="Picture 4">
+            <a:extLst>
+              <a:ext uri="{FF2B5EF4-FFF2-40B4-BE49-F238E27FC236}">
+                <a16:creationId xmlns:a16="http://schemas.microsoft.com/office/drawing/2014/main" id="{0FDB7CED-2B7A-FDD0-EC67-833AF9C18262}"/>
+              </a:ext>
+            </a:extLst>
+          </p:cNvPr>
+          <p:cNvPicPr>
+            <a:picLocks noChangeAspect="1"/>
+          </p:cNvPicPr>
+          <p:nvPr/>
+        </p:nvPicPr>
+        <p:blipFill>
+          <a:blip r:embed="rId2">
+            <a:extLst>
+              <a:ext uri="{837473B0-CC2E-450A-ABE3-18F120FF3D39}">
+                <a1611:picAttrSrcUrl xmlns:a1611="http://schemas.microsoft.com/office/drawing/2016/11/main" r:id="rId3"/>
+              </a:ext>
+            </a:extLst>
+          </a:blip>
+          <a:stretch>
+            <a:fillRect/>
+          </a:stretch>
+        </p:blipFill>
+        <p:spPr>
+          <a:xfrm>
+            <a:off x="923598" y="4001294"/>
+            <a:ext cx="3138270" cy="1775084"/>
+          </a:xfrm>
+          <a:prstGeom prst="rect">
+            <a:avLst/>
+          </a:prstGeom>
+        </p:spPr>
+      </p:pic>
+      <p:pic>
+        <p:nvPicPr>
+          <p:cNvPr id="7" name="Picture 6">
+            <a:extLst>
+              <a:ext uri="{FF2B5EF4-FFF2-40B4-BE49-F238E27FC236}">
+                <a16:creationId xmlns:a16="http://schemas.microsoft.com/office/drawing/2014/main" id="{C61A7C65-CB4B-5992-FFA2-404D3E10AD03}"/>
+              </a:ext>
+            </a:extLst>
+          </p:cNvPr>
+          <p:cNvPicPr>
+            <a:picLocks noChangeAspect="1"/>
+          </p:cNvPicPr>
+          <p:nvPr/>
+        </p:nvPicPr>
+        <p:blipFill>
+          <a:blip r:embed="rId4">
+            <a:extLst>
+              <a:ext uri="{837473B0-CC2E-450A-ABE3-18F120FF3D39}">
+                <a1611:picAttrSrcUrl xmlns:a1611="http://schemas.microsoft.com/office/drawing/2016/11/main" r:id="rId5"/>
+              </a:ext>
+            </a:extLst>
+          </a:blip>
+          <a:stretch>
+            <a:fillRect/>
+          </a:stretch>
+        </p:blipFill>
+        <p:spPr>
+          <a:xfrm>
+            <a:off x="5079514" y="4001294"/>
+            <a:ext cx="2115879" cy="2115879"/>
+          </a:xfrm>
+          <a:prstGeom prst="rect">
+            <a:avLst/>
+          </a:prstGeom>
+        </p:spPr>
+      </p:pic>
+      <p:pic>
+        <p:nvPicPr>
+          <p:cNvPr id="9" name="Picture 8">
+            <a:extLst>
+              <a:ext uri="{FF2B5EF4-FFF2-40B4-BE49-F238E27FC236}">
+                <a16:creationId xmlns:a16="http://schemas.microsoft.com/office/drawing/2014/main" id="{822680DD-D55D-8156-492D-77B8AAB81989}"/>
+              </a:ext>
+            </a:extLst>
+          </p:cNvPr>
+          <p:cNvPicPr>
+            <a:picLocks noChangeAspect="1"/>
+          </p:cNvPicPr>
+          <p:nvPr/>
+        </p:nvPicPr>
+        <p:blipFill>
+          <a:blip r:embed="rId6">
+            <a:extLst>
+              <a:ext uri="{837473B0-CC2E-450A-ABE3-18F120FF3D39}">
+                <a1611:picAttrSrcUrl xmlns:a1611="http://schemas.microsoft.com/office/drawing/2016/11/main" r:id="rId7"/>
+              </a:ext>
+            </a:extLst>
+          </a:blip>
+          <a:stretch>
+            <a:fillRect/>
+          </a:stretch>
+        </p:blipFill>
+        <p:spPr>
+          <a:xfrm>
+            <a:off x="8213039" y="4001294"/>
+            <a:ext cx="3019268" cy="1988691"/>
+          </a:xfrm>
+          <a:prstGeom prst="rect">
+            <a:avLst/>
+          </a:prstGeom>
+        </p:spPr>
+      </p:pic>
+    </p:spTree>
+    <p:extLst>
+      <p:ext uri="{BB962C8B-B14F-4D97-AF65-F5344CB8AC3E}">
+        <p14:creationId xmlns:p14="http://schemas.microsoft.com/office/powerpoint/2010/main" val="1336265694"/>
+      </p:ext>
+    </p:extLst>
+  </p:cSld>
+  <p:clrMapOvr>
+    <a:masterClrMapping/>
+  </p:clrMapOvr>
+</p:sld>
+</file>
+
+<file path=ppt/slides/slide5.xml><?xml version="1.0" encoding="utf-8"?>
+<p:sld xmlns:a="http://schemas.openxmlformats.org/drawingml/2006/main" xmlns:r="http://schemas.openxmlformats.org/officeDocument/2006/relationships" xmlns:p="http://schemas.openxmlformats.org/presentationml/2006/main">
+  <p:cSld>
+    <p:spTree>
+      <p:nvGrpSpPr>
+        <p:cNvPr id="1" name="">
+          <a:extLst>
+            <a:ext uri="{FF2B5EF4-FFF2-40B4-BE49-F238E27FC236}">
+              <a16:creationId xmlns:a16="http://schemas.microsoft.com/office/drawing/2014/main" id="{B680852A-5BA1-A70E-8011-E813F2906E79}"/>
+            </a:ext>
+          </a:extLst>
+        </p:cNvPr>
+        <p:cNvGrpSpPr/>
+        <p:nvPr/>
+      </p:nvGrpSpPr>
+      <p:grpSpPr>
+        <a:xfrm>
+          <a:off x="0" y="0"/>
+          <a:ext cx="0" cy="0"/>
+          <a:chOff x="0" y="0"/>
+          <a:chExt cx="0" cy="0"/>
+        </a:xfrm>
+      </p:grpSpPr>
+      <p:sp>
+        <p:nvSpPr>
+          <p:cNvPr id="2" name="Title 1">
+            <a:extLst>
+              <a:ext uri="{FF2B5EF4-FFF2-40B4-BE49-F238E27FC236}">
+                <a16:creationId xmlns:a16="http://schemas.microsoft.com/office/drawing/2014/main" id="{42E76335-E3D7-FD83-5AFA-B8EFB9A75336}"/>
+              </a:ext>
+            </a:extLst>
+          </p:cNvPr>
+          <p:cNvSpPr>
+            <a:spLocks noGrp="1"/>
+          </p:cNvSpPr>
+          <p:nvPr>
+            <p:ph type="title"/>
+          </p:nvPr>
+        </p:nvSpPr>
+        <p:spPr/>
+        <p:txBody>
+          <a:bodyPr/>
+          <a:lstStyle/>
+          <a:p>
+            <a:r>
+              <a:rPr lang="en-US" dirty="0"/>
+              <a:t>Why Software Engineering?</a:t>
+            </a:r>
+          </a:p>
+        </p:txBody>
+      </p:sp>
+      <p:sp>
+        <p:nvSpPr>
+          <p:cNvPr id="3" name="Content Placeholder 2">
+            <a:extLst>
+              <a:ext uri="{FF2B5EF4-FFF2-40B4-BE49-F238E27FC236}">
+                <a16:creationId xmlns:a16="http://schemas.microsoft.com/office/drawing/2014/main" id="{FE54DAE4-36AC-372D-1519-0ACED7268099}"/>
+              </a:ext>
+            </a:extLst>
+          </p:cNvPr>
+          <p:cNvSpPr>
+            <a:spLocks noGrp="1"/>
+          </p:cNvSpPr>
+          <p:nvPr>
+            <p:ph idx="1"/>
+          </p:nvPr>
+        </p:nvSpPr>
+        <p:spPr/>
+        <p:txBody>
+          <a:bodyPr/>
+          <a:lstStyle/>
+          <a:p>
+            <a:r>
+              <a:rPr lang="en-US" dirty="0"/>
+              <a:t>Software is Everywhere</a:t>
+            </a:r>
+          </a:p>
+          <a:p>
+            <a:pPr lvl="1"/>
+            <a:r>
+              <a:rPr lang="en-US" b="1" dirty="0"/>
+              <a:t>Example</a:t>
+            </a:r>
+            <a:r>
+              <a:rPr lang="en-US" dirty="0"/>
+              <a:t>: An MRI scanner, an airplane autopilot system, and your ride-share app — all run on complex software</a:t>
+            </a:r>
+          </a:p>
+          <a:p>
+            <a:pPr lvl="1"/>
+            <a:r>
+              <a:rPr lang="en-US" b="1" dirty="0"/>
+              <a:t>Point</a:t>
+            </a:r>
+            <a:r>
+              <a:rPr lang="en-US" dirty="0"/>
+              <a:t>: These systems must be </a:t>
+            </a:r>
+            <a:r>
+              <a:rPr lang="en-US" i="1" dirty="0"/>
+              <a:t>safe</a:t>
+            </a:r>
+            <a:r>
+              <a:rPr lang="en-US" dirty="0"/>
+              <a:t>, </a:t>
+            </a:r>
+            <a:r>
+              <a:rPr lang="en-US" i="1" dirty="0"/>
+              <a:t>reliable</a:t>
+            </a:r>
+            <a:r>
+              <a:rPr lang="en-US" dirty="0"/>
+              <a:t>, and </a:t>
+            </a:r>
+            <a:r>
+              <a:rPr lang="en-US" i="1" dirty="0"/>
+              <a:t>maintainable</a:t>
+            </a:r>
+            <a:endParaRPr lang="en-US" dirty="0"/>
+          </a:p>
+          <a:p>
+            <a:endParaRPr lang="en-US" i="1" dirty="0"/>
+          </a:p>
+          <a:p>
+            <a:endParaRPr lang="en-US" dirty="0"/>
+          </a:p>
+          <a:p>
+            <a:pPr lvl="1"/>
+            <a:endParaRPr lang="en-US" dirty="0"/>
+          </a:p>
+        </p:txBody>
+      </p:sp>
+      <p:pic>
+        <p:nvPicPr>
+          <p:cNvPr id="5" name="Picture 4">
+            <a:extLst>
+              <a:ext uri="{FF2B5EF4-FFF2-40B4-BE49-F238E27FC236}">
+                <a16:creationId xmlns:a16="http://schemas.microsoft.com/office/drawing/2014/main" id="{0AEFADB3-FD2E-DA0D-07E7-B93C0A90DBA0}"/>
+              </a:ext>
+            </a:extLst>
+          </p:cNvPr>
+          <p:cNvPicPr>
+            <a:picLocks noChangeAspect="1"/>
+          </p:cNvPicPr>
+          <p:nvPr/>
+        </p:nvPicPr>
+        <p:blipFill>
+          <a:blip r:embed="rId2">
+            <a:extLst>
+              <a:ext uri="{837473B0-CC2E-450A-ABE3-18F120FF3D39}">
+                <a1611:picAttrSrcUrl xmlns:a1611="http://schemas.microsoft.com/office/drawing/2016/11/main" r:id="rId3"/>
+              </a:ext>
+            </a:extLst>
+          </a:blip>
+          <a:stretch>
+            <a:fillRect/>
+          </a:stretch>
+        </p:blipFill>
+        <p:spPr>
+          <a:xfrm>
+            <a:off x="923598" y="4001294"/>
+            <a:ext cx="3138270" cy="1775084"/>
+          </a:xfrm>
+          <a:prstGeom prst="rect">
+            <a:avLst/>
+          </a:prstGeom>
+        </p:spPr>
+      </p:pic>
+      <p:pic>
+        <p:nvPicPr>
+          <p:cNvPr id="7" name="Picture 6">
+            <a:extLst>
+              <a:ext uri="{FF2B5EF4-FFF2-40B4-BE49-F238E27FC236}">
+                <a16:creationId xmlns:a16="http://schemas.microsoft.com/office/drawing/2014/main" id="{EF888D39-84F4-BC1C-88CA-B1A8CCB39610}"/>
+              </a:ext>
+            </a:extLst>
+          </p:cNvPr>
+          <p:cNvPicPr>
+            <a:picLocks noChangeAspect="1"/>
+          </p:cNvPicPr>
+          <p:nvPr/>
+        </p:nvPicPr>
+        <p:blipFill>
+          <a:blip r:embed="rId4">
+            <a:extLst>
+              <a:ext uri="{837473B0-CC2E-450A-ABE3-18F120FF3D39}">
+                <a1611:picAttrSrcUrl xmlns:a1611="http://schemas.microsoft.com/office/drawing/2016/11/main" r:id="rId5"/>
+              </a:ext>
+            </a:extLst>
+          </a:blip>
+          <a:stretch>
+            <a:fillRect/>
+          </a:stretch>
+        </p:blipFill>
+        <p:spPr>
+          <a:xfrm>
+            <a:off x="5079514" y="4001294"/>
+            <a:ext cx="2115879" cy="2115879"/>
+          </a:xfrm>
+          <a:prstGeom prst="rect">
+            <a:avLst/>
+          </a:prstGeom>
+        </p:spPr>
+      </p:pic>
+      <p:pic>
+        <p:nvPicPr>
+          <p:cNvPr id="9" name="Picture 8">
+            <a:extLst>
+              <a:ext uri="{FF2B5EF4-FFF2-40B4-BE49-F238E27FC236}">
+                <a16:creationId xmlns:a16="http://schemas.microsoft.com/office/drawing/2014/main" id="{6416F2C6-A27E-0FD2-AB8C-131CBEA7F6AA}"/>
+              </a:ext>
+            </a:extLst>
+          </p:cNvPr>
+          <p:cNvPicPr>
+            <a:picLocks noChangeAspect="1"/>
+          </p:cNvPicPr>
+          <p:nvPr/>
+        </p:nvPicPr>
+        <p:blipFill>
+          <a:blip r:embed="rId6">
+            <a:extLst>
+              <a:ext uri="{837473B0-CC2E-450A-ABE3-18F120FF3D39}">
+                <a1611:picAttrSrcUrl xmlns:a1611="http://schemas.microsoft.com/office/drawing/2016/11/main" r:id="rId7"/>
+              </a:ext>
+            </a:extLst>
+          </a:blip>
+          <a:stretch>
+            <a:fillRect/>
+          </a:stretch>
+        </p:blipFill>
+        <p:spPr>
+          <a:xfrm>
+            <a:off x="8213039" y="4001294"/>
+            <a:ext cx="3019268" cy="1988691"/>
+          </a:xfrm>
+          <a:prstGeom prst="rect">
+            <a:avLst/>
+          </a:prstGeom>
+        </p:spPr>
+      </p:pic>
+      <p:pic>
+        <p:nvPicPr>
+          <p:cNvPr id="6" name="Picture 5">
+            <a:extLst>
+              <a:ext uri="{FF2B5EF4-FFF2-40B4-BE49-F238E27FC236}">
+                <a16:creationId xmlns:a16="http://schemas.microsoft.com/office/drawing/2014/main" id="{8BC2666D-74A3-BEC6-B41D-5D9650AA93D8}"/>
+              </a:ext>
+            </a:extLst>
+          </p:cNvPr>
+          <p:cNvPicPr>
+            <a:picLocks noChangeAspect="1"/>
+          </p:cNvPicPr>
+          <p:nvPr/>
+        </p:nvPicPr>
+        <p:blipFill>
+          <a:blip r:embed="rId8">
+            <a:extLst>
+              <a:ext uri="{837473B0-CC2E-450A-ABE3-18F120FF3D39}">
+                <a1611:picAttrSrcUrl xmlns:a1611="http://schemas.microsoft.com/office/drawing/2016/11/main" r:id="rId9"/>
+              </a:ext>
+            </a:extLst>
+          </a:blip>
+          <a:stretch>
+            <a:fillRect/>
+          </a:stretch>
+        </p:blipFill>
+        <p:spPr>
+          <a:xfrm>
+            <a:off x="1207994" y="5504707"/>
+            <a:ext cx="1837029" cy="1224931"/>
+          </a:xfrm>
+          <a:prstGeom prst="rect">
+            <a:avLst/>
+          </a:prstGeom>
+        </p:spPr>
+      </p:pic>
+      <p:pic>
+        <p:nvPicPr>
+          <p:cNvPr id="10" name="Picture 9">
+            <a:extLst>
+              <a:ext uri="{FF2B5EF4-FFF2-40B4-BE49-F238E27FC236}">
+                <a16:creationId xmlns:a16="http://schemas.microsoft.com/office/drawing/2014/main" id="{C13D62AE-2F75-9204-0693-98C4ADBC8FB0}"/>
+              </a:ext>
+            </a:extLst>
+          </p:cNvPr>
+          <p:cNvPicPr>
+            <a:picLocks noChangeAspect="1"/>
+          </p:cNvPicPr>
+          <p:nvPr/>
+        </p:nvPicPr>
+        <p:blipFill>
+          <a:blip r:embed="rId10">
+            <a:extLst>
+              <a:ext uri="{837473B0-CC2E-450A-ABE3-18F120FF3D39}">
+                <a1611:picAttrSrcUrl xmlns:a1611="http://schemas.microsoft.com/office/drawing/2016/11/main" r:id="rId11"/>
+              </a:ext>
+            </a:extLst>
+          </a:blip>
+          <a:stretch>
+            <a:fillRect/>
+          </a:stretch>
+        </p:blipFill>
+        <p:spPr>
+          <a:xfrm>
+            <a:off x="6574364" y="5590568"/>
+            <a:ext cx="1675531" cy="942486"/>
+          </a:xfrm>
+          <a:prstGeom prst="rect">
+            <a:avLst/>
+          </a:prstGeom>
+        </p:spPr>
+      </p:pic>
+      <p:pic>
+        <p:nvPicPr>
+          <p:cNvPr id="12" name="Picture 11">
+            <a:extLst>
+              <a:ext uri="{FF2B5EF4-FFF2-40B4-BE49-F238E27FC236}">
+                <a16:creationId xmlns:a16="http://schemas.microsoft.com/office/drawing/2014/main" id="{81BD4918-FE84-38F8-117D-B4979584AB2B}"/>
+              </a:ext>
+            </a:extLst>
+          </p:cNvPr>
+          <p:cNvPicPr>
+            <a:picLocks noChangeAspect="1"/>
+          </p:cNvPicPr>
+          <p:nvPr/>
+        </p:nvPicPr>
+        <p:blipFill>
+          <a:blip r:embed="rId12">
+            <a:extLst>
+              <a:ext uri="{837473B0-CC2E-450A-ABE3-18F120FF3D39}">
+                <a1611:picAttrSrcUrl xmlns:a1611="http://schemas.microsoft.com/office/drawing/2016/11/main" r:id="rId13"/>
+              </a:ext>
+            </a:extLst>
+          </a:blip>
+          <a:stretch>
+            <a:fillRect/>
+          </a:stretch>
+        </p:blipFill>
+        <p:spPr>
+          <a:xfrm>
+            <a:off x="3380953" y="5504707"/>
+            <a:ext cx="1114208" cy="1114208"/>
+          </a:xfrm>
+          <a:prstGeom prst="rect">
+            <a:avLst/>
+          </a:prstGeom>
+        </p:spPr>
+      </p:pic>
+      <p:pic>
+        <p:nvPicPr>
+          <p:cNvPr id="14" name="Picture 13">
+            <a:extLst>
+              <a:ext uri="{FF2B5EF4-FFF2-40B4-BE49-F238E27FC236}">
+                <a16:creationId xmlns:a16="http://schemas.microsoft.com/office/drawing/2014/main" id="{6F37C7C3-0379-19D0-342F-52F379687AB1}"/>
+              </a:ext>
+            </a:extLst>
+          </p:cNvPr>
+          <p:cNvPicPr>
+            <a:picLocks noChangeAspect="1"/>
+          </p:cNvPicPr>
+          <p:nvPr/>
+        </p:nvPicPr>
+        <p:blipFill>
+          <a:blip r:embed="rId14">
+            <a:extLst>
+              <a:ext uri="{837473B0-CC2E-450A-ABE3-18F120FF3D39}">
+                <a1611:picAttrSrcUrl xmlns:a1611="http://schemas.microsoft.com/office/drawing/2016/11/main" r:id="rId15"/>
+              </a:ext>
+            </a:extLst>
+          </a:blip>
+          <a:stretch>
+            <a:fillRect/>
+          </a:stretch>
+        </p:blipFill>
+        <p:spPr>
+          <a:xfrm>
+            <a:off x="4888406" y="5544524"/>
+            <a:ext cx="1685958" cy="948351"/>
+          </a:xfrm>
+          <a:prstGeom prst="rect">
+            <a:avLst/>
+          </a:prstGeom>
+        </p:spPr>
+      </p:pic>
+      <p:pic>
+        <p:nvPicPr>
+          <p:cNvPr id="16" name="Picture 15">
+            <a:extLst>
+              <a:ext uri="{FF2B5EF4-FFF2-40B4-BE49-F238E27FC236}">
+                <a16:creationId xmlns:a16="http://schemas.microsoft.com/office/drawing/2014/main" id="{1A6EA1C6-A7A3-0C9C-4CCA-D1B311865E18}"/>
+              </a:ext>
+            </a:extLst>
+          </p:cNvPr>
+          <p:cNvPicPr>
+            <a:picLocks noChangeAspect="1"/>
+          </p:cNvPicPr>
+          <p:nvPr/>
+        </p:nvPicPr>
+        <p:blipFill>
+          <a:blip r:embed="rId16">
+            <a:extLst>
+              <a:ext uri="{837473B0-CC2E-450A-ABE3-18F120FF3D39}">
+                <a1611:picAttrSrcUrl xmlns:a1611="http://schemas.microsoft.com/office/drawing/2016/11/main" r:id="rId17"/>
+              </a:ext>
+            </a:extLst>
+          </a:blip>
+          <a:stretch>
+            <a:fillRect/>
+          </a:stretch>
+        </p:blipFill>
+        <p:spPr>
+          <a:xfrm>
+            <a:off x="8551539" y="5590565"/>
+            <a:ext cx="1384314" cy="942487"/>
+          </a:xfrm>
+          <a:prstGeom prst="rect">
+            <a:avLst/>
+          </a:prstGeom>
+        </p:spPr>
+      </p:pic>
+    </p:spTree>
+    <p:extLst>
+      <p:ext uri="{BB962C8B-B14F-4D97-AF65-F5344CB8AC3E}">
+        <p14:creationId xmlns:p14="http://schemas.microsoft.com/office/powerpoint/2010/main" val="4009262812"/>
+      </p:ext>
+    </p:extLst>
+  </p:cSld>
+  <p:clrMapOvr>
+    <a:masterClrMapping/>
+  </p:clrMapOvr>
+</p:sld>
+</file>
+
+<file path=ppt/slides/slide6.xml><?xml version="1.0" encoding="utf-8"?>
+<p:sld xmlns:a="http://schemas.openxmlformats.org/drawingml/2006/main" xmlns:r="http://schemas.openxmlformats.org/officeDocument/2006/relationships" xmlns:p="http://schemas.openxmlformats.org/presentationml/2006/main">
+  <p:cSld>
+    <p:spTree>
+      <p:nvGrpSpPr>
+        <p:cNvPr id="1" name="">
+          <a:extLst>
+            <a:ext uri="{FF2B5EF4-FFF2-40B4-BE49-F238E27FC236}">
+              <a16:creationId xmlns:a16="http://schemas.microsoft.com/office/drawing/2014/main" id="{1D04566C-ECBF-FE39-CEA5-7288EE9A8867}"/>
+            </a:ext>
+          </a:extLst>
+        </p:cNvPr>
+        <p:cNvGrpSpPr/>
+        <p:nvPr/>
+      </p:nvGrpSpPr>
+      <p:grpSpPr>
+        <a:xfrm>
+          <a:off x="0" y="0"/>
+          <a:ext cx="0" cy="0"/>
+          <a:chOff x="0" y="0"/>
+          <a:chExt cx="0" cy="0"/>
+        </a:xfrm>
+      </p:grpSpPr>
+      <p:sp>
+        <p:nvSpPr>
+          <p:cNvPr id="2" name="Title 1">
+            <a:extLst>
+              <a:ext uri="{FF2B5EF4-FFF2-40B4-BE49-F238E27FC236}">
+                <a16:creationId xmlns:a16="http://schemas.microsoft.com/office/drawing/2014/main" id="{70846A92-E38B-66D8-9DFA-83E06E6CA10F}"/>
+              </a:ext>
+            </a:extLst>
+          </p:cNvPr>
+          <p:cNvSpPr>
+            <a:spLocks noGrp="1"/>
+          </p:cNvSpPr>
+          <p:nvPr>
+            <p:ph type="title"/>
+          </p:nvPr>
+        </p:nvSpPr>
+        <p:spPr/>
+        <p:txBody>
+          <a:bodyPr/>
+          <a:lstStyle/>
+          <a:p>
+            <a:r>
+              <a:rPr lang="en-US" dirty="0"/>
+              <a:t>Why Software Engineering?</a:t>
+            </a:r>
+          </a:p>
+        </p:txBody>
+      </p:sp>
+      <p:sp>
+        <p:nvSpPr>
+          <p:cNvPr id="3" name="Content Placeholder 2">
+            <a:extLst>
+              <a:ext uri="{FF2B5EF4-FFF2-40B4-BE49-F238E27FC236}">
+                <a16:creationId xmlns:a16="http://schemas.microsoft.com/office/drawing/2014/main" id="{9C07F718-0128-035D-D2A1-4EDA3B714BCB}"/>
+              </a:ext>
+            </a:extLst>
+          </p:cNvPr>
+          <p:cNvSpPr>
+            <a:spLocks noGrp="1"/>
+          </p:cNvSpPr>
+          <p:nvPr>
+            <p:ph idx="1"/>
+          </p:nvPr>
+        </p:nvSpPr>
+        <p:spPr/>
+        <p:txBody>
+          <a:bodyPr/>
+          <a:lstStyle/>
+          <a:p>
+            <a:r>
+              <a:rPr lang="en-US" dirty="0"/>
+              <a:t>Code Is Easy to Write, Hard to Manage</a:t>
+            </a:r>
+          </a:p>
+          <a:p>
+            <a:pPr lvl="1"/>
+            <a:r>
+              <a:rPr lang="en-US" b="1" dirty="0"/>
+              <a:t>Example</a:t>
+            </a:r>
+            <a:r>
+              <a:rPr lang="en-US" dirty="0"/>
+              <a:t>: A prototype written in a hackathon might work once, but will break with real users, multiple developers, or scaling needs</a:t>
+            </a:r>
+          </a:p>
+          <a:p>
+            <a:pPr lvl="1"/>
+            <a:r>
+              <a:rPr lang="en-US" b="1" dirty="0"/>
+              <a:t>Point</a:t>
+            </a:r>
+            <a:r>
+              <a:rPr lang="en-US" dirty="0"/>
+              <a:t>: SE helps manage complexity, especially in large teams and long-term projects</a:t>
+            </a:r>
+          </a:p>
+          <a:p>
+            <a:pPr lvl="1"/>
+            <a:endParaRPr lang="en-US" dirty="0"/>
+          </a:p>
+          <a:p>
+            <a:endParaRPr lang="en-US" i="1" dirty="0"/>
+          </a:p>
+          <a:p>
+            <a:endParaRPr lang="en-US" dirty="0"/>
+          </a:p>
+          <a:p>
+            <a:pPr lvl="1"/>
+            <a:endParaRPr lang="en-US" dirty="0"/>
+          </a:p>
+        </p:txBody>
+      </p:sp>
+    </p:spTree>
+    <p:extLst>
+      <p:ext uri="{BB962C8B-B14F-4D97-AF65-F5344CB8AC3E}">
+        <p14:creationId xmlns:p14="http://schemas.microsoft.com/office/powerpoint/2010/main" val="2925980444"/>
+      </p:ext>
+    </p:extLst>
+  </p:cSld>
+  <p:clrMapOvr>
+    <a:masterClrMapping/>
+  </p:clrMapOvr>
+</p:sld>
+</file>
+
+<file path=ppt/slides/slide7.xml><?xml version="1.0" encoding="utf-8"?>
+<p:sld xmlns:a="http://schemas.openxmlformats.org/drawingml/2006/main" xmlns:r="http://schemas.openxmlformats.org/officeDocument/2006/relationships" xmlns:p="http://schemas.openxmlformats.org/presentationml/2006/main">
+  <p:cSld>
+    <p:spTree>
+      <p:nvGrpSpPr>
+        <p:cNvPr id="1" name="">
+          <a:extLst>
+            <a:ext uri="{FF2B5EF4-FFF2-40B4-BE49-F238E27FC236}">
+              <a16:creationId xmlns:a16="http://schemas.microsoft.com/office/drawing/2014/main" id="{B11CB9B5-69DB-5E69-A8A2-F90C7630F551}"/>
+            </a:ext>
+          </a:extLst>
+        </p:cNvPr>
+        <p:cNvGrpSpPr/>
+        <p:nvPr/>
+      </p:nvGrpSpPr>
+      <p:grpSpPr>
+        <a:xfrm>
+          <a:off x="0" y="0"/>
+          <a:ext cx="0" cy="0"/>
+          <a:chOff x="0" y="0"/>
+          <a:chExt cx="0" cy="0"/>
+        </a:xfrm>
+      </p:grpSpPr>
+      <p:sp>
+        <p:nvSpPr>
+          <p:cNvPr id="2" name="Title 1">
+            <a:extLst>
+              <a:ext uri="{FF2B5EF4-FFF2-40B4-BE49-F238E27FC236}">
+                <a16:creationId xmlns:a16="http://schemas.microsoft.com/office/drawing/2014/main" id="{CD531331-2411-03A1-69C6-BCA8B370FA16}"/>
+              </a:ext>
+            </a:extLst>
+          </p:cNvPr>
+          <p:cNvSpPr>
+            <a:spLocks noGrp="1"/>
+          </p:cNvSpPr>
+          <p:nvPr>
+            <p:ph type="title"/>
+          </p:nvPr>
+        </p:nvSpPr>
+        <p:spPr/>
+        <p:txBody>
+          <a:bodyPr/>
+          <a:lstStyle/>
+          <a:p>
+            <a:r>
+              <a:rPr lang="en-US" dirty="0"/>
+              <a:t>Why Software Engineering?</a:t>
+            </a:r>
+          </a:p>
+        </p:txBody>
+      </p:sp>
+      <p:sp>
+        <p:nvSpPr>
+          <p:cNvPr id="3" name="Content Placeholder 2">
+            <a:extLst>
+              <a:ext uri="{FF2B5EF4-FFF2-40B4-BE49-F238E27FC236}">
+                <a16:creationId xmlns:a16="http://schemas.microsoft.com/office/drawing/2014/main" id="{3322D7C8-D045-BA1F-8CEE-DDC6EB7F3D07}"/>
+              </a:ext>
+            </a:extLst>
+          </p:cNvPr>
+          <p:cNvSpPr>
+            <a:spLocks noGrp="1"/>
+          </p:cNvSpPr>
+          <p:nvPr>
+            <p:ph idx="1"/>
+          </p:nvPr>
+        </p:nvSpPr>
+        <p:spPr>
+          <a:xfrm>
+            <a:off x="838200" y="1825625"/>
+            <a:ext cx="10515600" cy="2156440"/>
+          </a:xfrm>
+        </p:spPr>
+        <p:txBody>
+          <a:bodyPr/>
+          <a:lstStyle/>
+          <a:p>
+            <a:r>
+              <a:rPr lang="en-US" dirty="0"/>
+              <a:t>Code Is Easy to Write, Hard to Manage</a:t>
+            </a:r>
+          </a:p>
+          <a:p>
+            <a:pPr lvl="1"/>
+            <a:r>
+              <a:rPr lang="en-US" b="1" dirty="0"/>
+              <a:t>Example</a:t>
+            </a:r>
+            <a:r>
+              <a:rPr lang="en-US" dirty="0"/>
+              <a:t>: A prototype written in a hackathon might work once, but will break with real users, multiple developers, or scaling needs</a:t>
+            </a:r>
+          </a:p>
+          <a:p>
+            <a:pPr lvl="1"/>
+            <a:r>
+              <a:rPr lang="en-US" b="1" dirty="0"/>
+              <a:t>Point</a:t>
+            </a:r>
+            <a:r>
+              <a:rPr lang="en-US" dirty="0"/>
+              <a:t>: SE helps manage complexity, especially in large teams and long-term projects</a:t>
+            </a:r>
+          </a:p>
+          <a:p>
+            <a:pPr lvl="1"/>
+            <a:endParaRPr lang="en-US" dirty="0"/>
+          </a:p>
+          <a:p>
+            <a:endParaRPr lang="en-US" i="1" dirty="0"/>
+          </a:p>
+          <a:p>
+            <a:endParaRPr lang="en-US" dirty="0"/>
+          </a:p>
+          <a:p>
+            <a:pPr lvl="1"/>
+            <a:endParaRPr lang="en-US" dirty="0"/>
+          </a:p>
+        </p:txBody>
+      </p:sp>
+      <p:pic>
+        <p:nvPicPr>
+          <p:cNvPr id="1028" name="Picture 4" descr="Python Quicksort, algoritmo di ordinamento Python">
+            <a:extLst>
+              <a:ext uri="{FF2B5EF4-FFF2-40B4-BE49-F238E27FC236}">
+                <a16:creationId xmlns:a16="http://schemas.microsoft.com/office/drawing/2014/main" id="{D36129DD-2668-7C37-05DB-A36D35CD99B2}"/>
+              </a:ext>
+            </a:extLst>
+          </p:cNvPr>
+          <p:cNvPicPr>
+            <a:picLocks noChangeAspect="1" noChangeArrowheads="1"/>
+          </p:cNvPicPr>
+          <p:nvPr/>
+        </p:nvPicPr>
+        <p:blipFill>
+          <a:blip r:embed="rId2">
+            <a:extLst>
+              <a:ext uri="{28A0092B-C50C-407E-A947-70E740481C1C}">
+                <a14:useLocalDpi xmlns:a14="http://schemas.microsoft.com/office/drawing/2010/main" val="0"/>
+              </a:ext>
+            </a:extLst>
+          </a:blip>
+          <a:srcRect/>
+          <a:stretch>
+            <a:fillRect/>
+          </a:stretch>
+        </p:blipFill>
+        <p:spPr bwMode="auto">
+          <a:xfrm>
+            <a:off x="1278552" y="4217733"/>
+            <a:ext cx="3786699" cy="1924559"/>
+          </a:xfrm>
+          <a:prstGeom prst="rect">
+            <a:avLst/>
+          </a:prstGeom>
+          <a:noFill/>
+          <a:extLst>
+            <a:ext uri="{909E8E84-426E-40DD-AFC4-6F175D3DCCD1}">
+              <a14:hiddenFill xmlns:a14="http://schemas.microsoft.com/office/drawing/2010/main">
+                <a:solidFill>
+                  <a:srgbClr val="FFFFFF"/>
+                </a:solidFill>
+              </a14:hiddenFill>
+            </a:ext>
+          </a:extLst>
+        </p:spPr>
+      </p:pic>
+      <p:sp>
+        <p:nvSpPr>
+          <p:cNvPr id="5" name="TextBox 4">
+            <a:extLst>
+              <a:ext uri="{FF2B5EF4-FFF2-40B4-BE49-F238E27FC236}">
+                <a16:creationId xmlns:a16="http://schemas.microsoft.com/office/drawing/2014/main" id="{CAD32E25-64D2-3FB2-287E-67EBC3A5FD78}"/>
+              </a:ext>
+            </a:extLst>
+          </p:cNvPr>
+          <p:cNvSpPr txBox="1"/>
+          <p:nvPr/>
+        </p:nvSpPr>
+        <p:spPr>
+          <a:xfrm>
+            <a:off x="2045631" y="6534834"/>
+            <a:ext cx="2252540" cy="215444"/>
+          </a:xfrm>
+          <a:prstGeom prst="rect">
+            <a:avLst/>
+          </a:prstGeom>
+          <a:noFill/>
+        </p:spPr>
+        <p:txBody>
+          <a:bodyPr wrap="none" rtlCol="0">
+            <a:spAutoFit/>
+          </a:bodyPr>
+          <a:lstStyle/>
+          <a:p>
+            <a:r>
+              <a:rPr lang="en-US" sz="800" dirty="0"/>
+              <a:t>https://</a:t>
+            </a:r>
+            <a:r>
+              <a:rPr lang="en-US" sz="800" dirty="0" err="1"/>
+              <a:t>www.codingcreativo.it</a:t>
+            </a:r>
+            <a:r>
+              <a:rPr lang="en-US" sz="800" dirty="0"/>
+              <a:t>/python-quicksort/</a:t>
+            </a:r>
+          </a:p>
+        </p:txBody>
+      </p:sp>
+      <p:sp>
+        <p:nvSpPr>
+          <p:cNvPr id="7" name="TextBox 6">
+            <a:extLst>
+              <a:ext uri="{FF2B5EF4-FFF2-40B4-BE49-F238E27FC236}">
+                <a16:creationId xmlns:a16="http://schemas.microsoft.com/office/drawing/2014/main" id="{B67E8613-6A7E-DC78-1620-6FEC5F1730EA}"/>
+              </a:ext>
+            </a:extLst>
+          </p:cNvPr>
+          <p:cNvSpPr txBox="1"/>
+          <p:nvPr/>
+        </p:nvSpPr>
+        <p:spPr>
+          <a:xfrm>
+            <a:off x="1956440" y="3886134"/>
+            <a:ext cx="2341731" cy="369332"/>
+          </a:xfrm>
+          <a:prstGeom prst="rect">
+            <a:avLst/>
+          </a:prstGeom>
+          <a:noFill/>
+        </p:spPr>
+        <p:txBody>
+          <a:bodyPr wrap="none" rtlCol="0">
+            <a:spAutoFit/>
+          </a:bodyPr>
+          <a:lstStyle/>
+          <a:p>
+            <a:r>
+              <a:rPr lang="en-US" dirty="0">
+                <a:solidFill>
+                  <a:srgbClr val="FF0000"/>
+                </a:solidFill>
+              </a:rPr>
+              <a:t>Homework assignment</a:t>
+            </a:r>
+          </a:p>
+        </p:txBody>
+      </p:sp>
+    </p:spTree>
+    <p:extLst>
+      <p:ext uri="{BB962C8B-B14F-4D97-AF65-F5344CB8AC3E}">
+        <p14:creationId xmlns:p14="http://schemas.microsoft.com/office/powerpoint/2010/main" val="2315488624"/>
+      </p:ext>
+    </p:extLst>
+  </p:cSld>
+  <p:clrMapOvr>
+    <a:masterClrMapping/>
+  </p:clrMapOvr>
+</p:sld>
+</file>
+
+<file path=ppt/slides/slide8.xml><?xml version="1.0" encoding="utf-8"?>
+<p:sld xmlns:a="http://schemas.openxmlformats.org/drawingml/2006/main" xmlns:r="http://schemas.openxmlformats.org/officeDocument/2006/relationships" xmlns:p="http://schemas.openxmlformats.org/presentationml/2006/main">
+  <p:cSld>
+    <p:spTree>
+      <p:nvGrpSpPr>
+        <p:cNvPr id="1" name="">
+          <a:extLst>
+            <a:ext uri="{FF2B5EF4-FFF2-40B4-BE49-F238E27FC236}">
+              <a16:creationId xmlns:a16="http://schemas.microsoft.com/office/drawing/2014/main" id="{8214A9B4-E3B3-5855-CB27-02E8AF13F6AB}"/>
+            </a:ext>
+          </a:extLst>
+        </p:cNvPr>
+        <p:cNvGrpSpPr/>
+        <p:nvPr/>
+      </p:nvGrpSpPr>
+      <p:grpSpPr>
+        <a:xfrm>
+          <a:off x="0" y="0"/>
+          <a:ext cx="0" cy="0"/>
+          <a:chOff x="0" y="0"/>
+          <a:chExt cx="0" cy="0"/>
+        </a:xfrm>
+      </p:grpSpPr>
+      <p:sp>
+        <p:nvSpPr>
+          <p:cNvPr id="2" name="Title 1">
+            <a:extLst>
+              <a:ext uri="{FF2B5EF4-FFF2-40B4-BE49-F238E27FC236}">
+                <a16:creationId xmlns:a16="http://schemas.microsoft.com/office/drawing/2014/main" id="{EF0F5F1F-633E-9CDE-749A-C1345C464E68}"/>
+              </a:ext>
+            </a:extLst>
+          </p:cNvPr>
+          <p:cNvSpPr>
+            <a:spLocks noGrp="1"/>
+          </p:cNvSpPr>
+          <p:nvPr>
+            <p:ph type="title"/>
+          </p:nvPr>
+        </p:nvSpPr>
+        <p:spPr/>
+        <p:txBody>
+          <a:bodyPr/>
+          <a:lstStyle/>
+          <a:p>
+            <a:r>
+              <a:rPr lang="en-US" dirty="0"/>
+              <a:t>Why Software Engineering?</a:t>
+            </a:r>
+          </a:p>
+        </p:txBody>
+      </p:sp>
+      <p:sp>
+        <p:nvSpPr>
+          <p:cNvPr id="3" name="Content Placeholder 2">
+            <a:extLst>
+              <a:ext uri="{FF2B5EF4-FFF2-40B4-BE49-F238E27FC236}">
+                <a16:creationId xmlns:a16="http://schemas.microsoft.com/office/drawing/2014/main" id="{89B4FF0F-B660-8B26-5963-EB5ACD1620C5}"/>
+              </a:ext>
+            </a:extLst>
+          </p:cNvPr>
+          <p:cNvSpPr>
+            <a:spLocks noGrp="1"/>
+          </p:cNvSpPr>
+          <p:nvPr>
+            <p:ph idx="1"/>
+          </p:nvPr>
+        </p:nvSpPr>
+        <p:spPr>
+          <a:xfrm>
+            <a:off x="838200" y="1825625"/>
+            <a:ext cx="10515600" cy="2156440"/>
+          </a:xfrm>
+        </p:spPr>
+        <p:txBody>
+          <a:bodyPr/>
+          <a:lstStyle/>
+          <a:p>
+            <a:r>
+              <a:rPr lang="en-US" dirty="0"/>
+              <a:t>Code Is Easy to Write, Hard to Manage</a:t>
+            </a:r>
+          </a:p>
+          <a:p>
+            <a:pPr lvl="1"/>
+            <a:r>
+              <a:rPr lang="en-US" b="1" dirty="0"/>
+              <a:t>Example</a:t>
+            </a:r>
+            <a:r>
+              <a:rPr lang="en-US" dirty="0"/>
+              <a:t>: A prototype written in a hackathon might work once, but will break with real users, multiple developers, or scaling needs</a:t>
+            </a:r>
+          </a:p>
+          <a:p>
+            <a:pPr lvl="1"/>
+            <a:r>
+              <a:rPr lang="en-US" b="1" dirty="0"/>
+              <a:t>Point</a:t>
+            </a:r>
+            <a:r>
+              <a:rPr lang="en-US" dirty="0"/>
+              <a:t>: SE helps manage complexity, especially in large teams and long-term projects</a:t>
+            </a:r>
+          </a:p>
+          <a:p>
+            <a:pPr lvl="1"/>
+            <a:endParaRPr lang="en-US" dirty="0"/>
+          </a:p>
+          <a:p>
+            <a:endParaRPr lang="en-US" i="1" dirty="0"/>
+          </a:p>
+          <a:p>
+            <a:endParaRPr lang="en-US" dirty="0"/>
+          </a:p>
+          <a:p>
+            <a:pPr lvl="1"/>
+            <a:endParaRPr lang="en-US" dirty="0"/>
+          </a:p>
+        </p:txBody>
+      </p:sp>
+      <p:pic>
+        <p:nvPicPr>
+          <p:cNvPr id="1026" name="Picture 2" descr="A map  of the Linux Kernel source code.">
+            <a:extLst>
+              <a:ext uri="{FF2B5EF4-FFF2-40B4-BE49-F238E27FC236}">
+                <a16:creationId xmlns:a16="http://schemas.microsoft.com/office/drawing/2014/main" id="{8E9CAD67-DB96-3738-E0F4-7C1E6C979971}"/>
+              </a:ext>
+            </a:extLst>
+          </p:cNvPr>
+          <p:cNvPicPr>
+            <a:picLocks noChangeAspect="1" noChangeArrowheads="1"/>
+          </p:cNvPicPr>
+          <p:nvPr/>
+        </p:nvPicPr>
+        <p:blipFill>
+          <a:blip r:embed="rId2">
+            <a:extLst>
+              <a:ext uri="{28A0092B-C50C-407E-A947-70E740481C1C}">
+                <a14:useLocalDpi xmlns:a14="http://schemas.microsoft.com/office/drawing/2010/main" val="0"/>
+              </a:ext>
+            </a:extLst>
+          </a:blip>
+          <a:srcRect/>
+          <a:stretch>
+            <a:fillRect/>
+          </a:stretch>
+        </p:blipFill>
+        <p:spPr bwMode="auto">
+          <a:xfrm>
+            <a:off x="6556837" y="3836405"/>
+            <a:ext cx="3786699" cy="2656470"/>
+          </a:xfrm>
+          <a:prstGeom prst="rect">
+            <a:avLst/>
+          </a:prstGeom>
+          <a:noFill/>
+          <a:extLst>
+            <a:ext uri="{909E8E84-426E-40DD-AFC4-6F175D3DCCD1}">
+              <a14:hiddenFill xmlns:a14="http://schemas.microsoft.com/office/drawing/2010/main">
+                <a:solidFill>
+                  <a:srgbClr val="FFFFFF"/>
+                </a:solidFill>
+              </a14:hiddenFill>
+            </a:ext>
+          </a:extLst>
+        </p:spPr>
+      </p:pic>
+      <p:sp>
+        <p:nvSpPr>
+          <p:cNvPr id="4" name="TextBox 3">
+            <a:extLst>
+              <a:ext uri="{FF2B5EF4-FFF2-40B4-BE49-F238E27FC236}">
+                <a16:creationId xmlns:a16="http://schemas.microsoft.com/office/drawing/2014/main" id="{CFB86935-6CBB-9434-0001-356A127E2BAB}"/>
+              </a:ext>
+            </a:extLst>
+          </p:cNvPr>
+          <p:cNvSpPr txBox="1"/>
+          <p:nvPr/>
+        </p:nvSpPr>
+        <p:spPr>
+          <a:xfrm>
+            <a:off x="6063956" y="6642556"/>
+            <a:ext cx="4772460" cy="215444"/>
+          </a:xfrm>
+          <a:prstGeom prst="rect">
+            <a:avLst/>
+          </a:prstGeom>
+          <a:noFill/>
+        </p:spPr>
+        <p:txBody>
+          <a:bodyPr wrap="none" rtlCol="0">
+            <a:spAutoFit/>
+          </a:bodyPr>
+          <a:lstStyle/>
+          <a:p>
+            <a:r>
+              <a:rPr lang="en-US" sz="800" dirty="0"/>
+              <a:t>https://</a:t>
+            </a:r>
+            <a:r>
+              <a:rPr lang="en-US" sz="800" dirty="0" err="1"/>
+              <a:t>medium.freecodecamp.org</a:t>
+            </a:r>
+            <a:r>
+              <a:rPr lang="en-US" sz="800" dirty="0"/>
+              <a:t>/building-and-installing-the-latest-linux-kernel-from-source-6d8df5345980</a:t>
+            </a:r>
+          </a:p>
+        </p:txBody>
+      </p:sp>
+      <p:pic>
+        <p:nvPicPr>
+          <p:cNvPr id="1028" name="Picture 4" descr="Python Quicksort, algoritmo di ordinamento Python">
+            <a:extLst>
+              <a:ext uri="{FF2B5EF4-FFF2-40B4-BE49-F238E27FC236}">
+                <a16:creationId xmlns:a16="http://schemas.microsoft.com/office/drawing/2014/main" id="{92714EF3-AC68-64D8-8D91-9BEF8B7FCA42}"/>
+              </a:ext>
+            </a:extLst>
+          </p:cNvPr>
+          <p:cNvPicPr>
+            <a:picLocks noChangeAspect="1" noChangeArrowheads="1"/>
+          </p:cNvPicPr>
+          <p:nvPr/>
+        </p:nvPicPr>
+        <p:blipFill>
+          <a:blip r:embed="rId3">
+            <a:extLst>
+              <a:ext uri="{28A0092B-C50C-407E-A947-70E740481C1C}">
+                <a14:useLocalDpi xmlns:a14="http://schemas.microsoft.com/office/drawing/2010/main" val="0"/>
+              </a:ext>
+            </a:extLst>
+          </a:blip>
+          <a:srcRect/>
+          <a:stretch>
+            <a:fillRect/>
+          </a:stretch>
+        </p:blipFill>
+        <p:spPr bwMode="auto">
+          <a:xfrm>
+            <a:off x="1278552" y="4217733"/>
+            <a:ext cx="3786699" cy="1924559"/>
+          </a:xfrm>
+          <a:prstGeom prst="rect">
+            <a:avLst/>
+          </a:prstGeom>
+          <a:noFill/>
+          <a:extLst>
+            <a:ext uri="{909E8E84-426E-40DD-AFC4-6F175D3DCCD1}">
+              <a14:hiddenFill xmlns:a14="http://schemas.microsoft.com/office/drawing/2010/main">
+                <a:solidFill>
+                  <a:srgbClr val="FFFFFF"/>
+                </a:solidFill>
+              </a14:hiddenFill>
+            </a:ext>
+          </a:extLst>
+        </p:spPr>
+      </p:pic>
+      <p:sp>
+        <p:nvSpPr>
+          <p:cNvPr id="5" name="TextBox 4">
+            <a:extLst>
+              <a:ext uri="{FF2B5EF4-FFF2-40B4-BE49-F238E27FC236}">
+                <a16:creationId xmlns:a16="http://schemas.microsoft.com/office/drawing/2014/main" id="{D8CD4512-50B6-1886-5D11-490DA93C8426}"/>
+              </a:ext>
+            </a:extLst>
+          </p:cNvPr>
+          <p:cNvSpPr txBox="1"/>
+          <p:nvPr/>
+        </p:nvSpPr>
+        <p:spPr>
+          <a:xfrm>
+            <a:off x="2045631" y="6534834"/>
+            <a:ext cx="2252540" cy="215444"/>
+          </a:xfrm>
+          <a:prstGeom prst="rect">
+            <a:avLst/>
+          </a:prstGeom>
+          <a:noFill/>
+        </p:spPr>
+        <p:txBody>
+          <a:bodyPr wrap="none" rtlCol="0">
+            <a:spAutoFit/>
+          </a:bodyPr>
+          <a:lstStyle/>
+          <a:p>
+            <a:r>
+              <a:rPr lang="en-US" sz="800" dirty="0"/>
+              <a:t>https://</a:t>
+            </a:r>
+            <a:r>
+              <a:rPr lang="en-US" sz="800" dirty="0" err="1"/>
+              <a:t>www.codingcreativo.it</a:t>
+            </a:r>
+            <a:r>
+              <a:rPr lang="en-US" sz="800" dirty="0"/>
+              <a:t>/python-quicksort/</a:t>
+            </a:r>
+          </a:p>
+        </p:txBody>
+      </p:sp>
+      <p:sp>
+        <p:nvSpPr>
+          <p:cNvPr id="6" name="Right Arrow 5">
+            <a:extLst>
+              <a:ext uri="{FF2B5EF4-FFF2-40B4-BE49-F238E27FC236}">
+                <a16:creationId xmlns:a16="http://schemas.microsoft.com/office/drawing/2014/main" id="{DC7A71A4-A9D1-C948-E5E4-2078F09E1C52}"/>
+              </a:ext>
+            </a:extLst>
+          </p:cNvPr>
+          <p:cNvSpPr/>
+          <p:nvPr/>
+        </p:nvSpPr>
+        <p:spPr>
+          <a:xfrm>
+            <a:off x="5270090" y="4906297"/>
+            <a:ext cx="1042220" cy="383458"/>
+          </a:xfrm>
+          <a:prstGeom prst="rightArrow">
+            <a:avLst/>
+          </a:prstGeom>
+        </p:spPr>
+        <p:style>
+          <a:lnRef idx="2">
+            <a:schemeClr val="accent1">
+              <a:shade val="15000"/>
+            </a:schemeClr>
+          </a:lnRef>
+          <a:fillRef idx="1">
+            <a:schemeClr val="accent1"/>
+          </a:fillRef>
+          <a:effectRef idx="0">
+            <a:schemeClr val="accent1"/>
+          </a:effectRef>
+          <a:fontRef idx="minor">
+            <a:schemeClr val="lt1"/>
+          </a:fontRef>
+        </p:style>
+        <p:txBody>
+          <a:bodyPr rtlCol="0" anchor="ctr"/>
+          <a:lstStyle/>
+          <a:p>
+            <a:pPr algn="ctr"/>
+            <a:endParaRPr lang="en-US"/>
+          </a:p>
+        </p:txBody>
+      </p:sp>
+      <p:sp>
+        <p:nvSpPr>
+          <p:cNvPr id="7" name="TextBox 6">
+            <a:extLst>
+              <a:ext uri="{FF2B5EF4-FFF2-40B4-BE49-F238E27FC236}">
+                <a16:creationId xmlns:a16="http://schemas.microsoft.com/office/drawing/2014/main" id="{7BB6EF55-6D41-C6E2-EEE2-7C5E400367D9}"/>
+              </a:ext>
+            </a:extLst>
+          </p:cNvPr>
+          <p:cNvSpPr txBox="1"/>
+          <p:nvPr/>
+        </p:nvSpPr>
+        <p:spPr>
+          <a:xfrm>
+            <a:off x="1956440" y="3886134"/>
+            <a:ext cx="2341731" cy="369332"/>
+          </a:xfrm>
+          <a:prstGeom prst="rect">
+            <a:avLst/>
+          </a:prstGeom>
+          <a:noFill/>
+        </p:spPr>
+        <p:txBody>
+          <a:bodyPr wrap="none" rtlCol="0">
+            <a:spAutoFit/>
+          </a:bodyPr>
+          <a:lstStyle/>
+          <a:p>
+            <a:r>
+              <a:rPr lang="en-US" dirty="0">
+                <a:solidFill>
+                  <a:srgbClr val="FF0000"/>
+                </a:solidFill>
+              </a:rPr>
+              <a:t>Homework assignment</a:t>
+            </a:r>
+          </a:p>
+        </p:txBody>
+      </p:sp>
+      <p:sp>
+        <p:nvSpPr>
+          <p:cNvPr id="8" name="TextBox 7">
+            <a:extLst>
+              <a:ext uri="{FF2B5EF4-FFF2-40B4-BE49-F238E27FC236}">
+                <a16:creationId xmlns:a16="http://schemas.microsoft.com/office/drawing/2014/main" id="{C265D3F7-6E79-5AFA-09BE-36E07A51A1D8}"/>
+              </a:ext>
+            </a:extLst>
+          </p:cNvPr>
+          <p:cNvSpPr txBox="1"/>
+          <p:nvPr/>
+        </p:nvSpPr>
+        <p:spPr>
+          <a:xfrm>
+            <a:off x="6723985" y="3516802"/>
+            <a:ext cx="3230884" cy="369332"/>
+          </a:xfrm>
+          <a:prstGeom prst="rect">
+            <a:avLst/>
+          </a:prstGeom>
+          <a:noFill/>
+        </p:spPr>
+        <p:txBody>
+          <a:bodyPr wrap="none" rtlCol="0">
+            <a:spAutoFit/>
+          </a:bodyPr>
+          <a:lstStyle/>
+          <a:p>
+            <a:r>
+              <a:rPr lang="en-US" dirty="0">
+                <a:solidFill>
+                  <a:srgbClr val="FF0000"/>
+                </a:solidFill>
+              </a:rPr>
+              <a:t>Real large-scale software project</a:t>
+            </a:r>
+          </a:p>
+        </p:txBody>
+      </p:sp>
+    </p:spTree>
+    <p:extLst>
+      <p:ext uri="{BB962C8B-B14F-4D97-AF65-F5344CB8AC3E}">
+        <p14:creationId xmlns:p14="http://schemas.microsoft.com/office/powerpoint/2010/main" val="3603642745"/>
+      </p:ext>
+    </p:extLst>
+  </p:cSld>
+  <p:clrMapOvr>
+    <a:masterClrMapping/>
+  </p:clrMapOvr>
+</p:sld>
+</file>
+
+<file path=ppt/slides/slide9.xml><?xml version="1.0" encoding="utf-8"?>
+<p:sld xmlns:a="http://schemas.openxmlformats.org/drawingml/2006/main" xmlns:r="http://schemas.openxmlformats.org/officeDocument/2006/relationships" xmlns:p="http://schemas.openxmlformats.org/presentationml/2006/main">
+  <p:cSld>
+    <p:spTree>
+      <p:nvGrpSpPr>
+        <p:cNvPr id="1" name=""/>
+        <p:cNvGrpSpPr/>
+        <p:nvPr/>
+      </p:nvGrpSpPr>
+      <p:grpSpPr>
+        <a:xfrm>
+          <a:off x="0" y="0"/>
+          <a:ext cx="0" cy="0"/>
+          <a:chOff x="0" y="0"/>
+          <a:chExt cx="0" cy="0"/>
+        </a:xfrm>
+      </p:grpSpPr>
+      <p:sp>
+        <p:nvSpPr>
+          <p:cNvPr id="2" name="Title 1">
+            <a:extLst>
+              <a:ext uri="{FF2B5EF4-FFF2-40B4-BE49-F238E27FC236}">
+                <a16:creationId xmlns:a16="http://schemas.microsoft.com/office/drawing/2014/main" id="{48AF5157-AE3C-15D6-DDB0-06CE926874B7}"/>
+              </a:ext>
+            </a:extLst>
+          </p:cNvPr>
+          <p:cNvSpPr>
+            <a:spLocks noGrp="1"/>
+          </p:cNvSpPr>
+          <p:nvPr>
+            <p:ph type="title"/>
+          </p:nvPr>
+        </p:nvSpPr>
+        <p:spPr/>
+        <p:txBody>
+          <a:bodyPr/>
+          <a:lstStyle/>
+          <a:p>
+            <a:r>
+              <a:rPr lang="en-US" dirty="0"/>
+              <a:t>Why Software Engineering?</a:t>
+            </a:r>
+          </a:p>
+        </p:txBody>
+      </p:sp>
+      <p:sp>
+        <p:nvSpPr>
+          <p:cNvPr id="3" name="Content Placeholder 2">
+            <a:extLst>
+              <a:ext uri="{FF2B5EF4-FFF2-40B4-BE49-F238E27FC236}">
+                <a16:creationId xmlns:a16="http://schemas.microsoft.com/office/drawing/2014/main" id="{415E7822-1B24-87FE-9DC1-4184AB9A37D8}"/>
+              </a:ext>
+            </a:extLst>
+          </p:cNvPr>
+          <p:cNvSpPr>
+            <a:spLocks noGrp="1"/>
+          </p:cNvSpPr>
+          <p:nvPr>
+            <p:ph idx="1"/>
+          </p:nvPr>
+        </p:nvSpPr>
+        <p:spPr/>
+        <p:txBody>
+          <a:bodyPr/>
+          <a:lstStyle/>
+          <a:p>
+            <a:r>
+              <a:rPr lang="en-US" dirty="0"/>
+              <a:t>Modern software = millions of lines of code</a:t>
+            </a:r>
+          </a:p>
+          <a:p>
+            <a:pPr lvl="1"/>
+            <a:r>
+              <a:rPr lang="en-US" dirty="0">
+                <a:hlinkClick r:id="rId2" tooltip="Google">
+                  <a:extLst>
+                    <a:ext uri="{A12FA001-AC4F-418D-AE19-62706E023703}">
+                      <ahyp:hlinkClr xmlns:ahyp="http://schemas.microsoft.com/office/drawing/2018/hyperlinkcolor" val="tx"/>
+                    </a:ext>
+                  </a:extLst>
+                </a:hlinkClick>
+              </a:rPr>
+              <a:t>Google</a:t>
+            </a:r>
+            <a:r>
+              <a:rPr lang="en-US" sz="2400" dirty="0"/>
+              <a:t>: 9 million source code files, 2 billion lines of source code</a:t>
+            </a:r>
+            <a:r>
+              <a:rPr lang="zh-CN" altLang="en-US" sz="2400" dirty="0"/>
+              <a:t> </a:t>
+            </a:r>
+            <a:r>
+              <a:rPr lang="en-US" altLang="zh-CN" sz="2400" dirty="0"/>
+              <a:t>(as</a:t>
+            </a:r>
+            <a:r>
+              <a:rPr lang="zh-CN" altLang="en-US" sz="2400" dirty="0"/>
+              <a:t> </a:t>
+            </a:r>
+            <a:r>
+              <a:rPr lang="en-US" altLang="zh-CN" sz="2400" dirty="0"/>
+              <a:t>of</a:t>
+            </a:r>
+            <a:r>
+              <a:rPr lang="zh-CN" altLang="en-US" sz="2400" dirty="0"/>
+              <a:t> </a:t>
+            </a:r>
+            <a:r>
+              <a:rPr lang="en-US" altLang="zh-CN" sz="2400" dirty="0"/>
+              <a:t>2015)</a:t>
+            </a:r>
+          </a:p>
+          <a:p>
+            <a:pPr lvl="1"/>
+            <a:r>
+              <a:rPr lang="en-US" altLang="zh-CN" u="sng" dirty="0"/>
+              <a:t>Facebook</a:t>
+            </a:r>
+            <a:r>
+              <a:rPr lang="en-US" altLang="zh-CN" dirty="0"/>
+              <a:t>:</a:t>
+            </a:r>
+            <a:r>
+              <a:rPr lang="zh-CN" altLang="en-US" dirty="0"/>
+              <a:t> </a:t>
+            </a:r>
+            <a:r>
+              <a:rPr lang="en-US" altLang="zh-CN" dirty="0"/>
+              <a:t>9.9</a:t>
+            </a:r>
+            <a:r>
+              <a:rPr lang="zh-CN" altLang="en-US" dirty="0"/>
+              <a:t> </a:t>
+            </a:r>
+            <a:r>
+              <a:rPr lang="en-US" altLang="zh-CN" dirty="0"/>
+              <a:t>million</a:t>
+            </a:r>
+            <a:r>
+              <a:rPr lang="zh-CN" altLang="en-US" dirty="0"/>
+              <a:t> </a:t>
+            </a:r>
+            <a:r>
+              <a:rPr lang="en-US" altLang="zh-CN" dirty="0"/>
+              <a:t>lines</a:t>
+            </a:r>
+            <a:r>
+              <a:rPr lang="zh-CN" altLang="en-US" dirty="0"/>
+              <a:t> </a:t>
+            </a:r>
+            <a:r>
+              <a:rPr lang="en-US" altLang="zh-CN" dirty="0"/>
+              <a:t>of</a:t>
+            </a:r>
+            <a:r>
+              <a:rPr lang="zh-CN" altLang="en-US" dirty="0"/>
+              <a:t> </a:t>
+            </a:r>
+            <a:r>
+              <a:rPr lang="en-US" altLang="zh-CN" dirty="0"/>
+              <a:t>open</a:t>
+            </a:r>
+            <a:r>
+              <a:rPr lang="zh-CN" altLang="en-US" dirty="0"/>
+              <a:t> </a:t>
+            </a:r>
+            <a:r>
+              <a:rPr lang="en-US" altLang="zh-CN" dirty="0"/>
+              <a:t>source</a:t>
+            </a:r>
+            <a:r>
+              <a:rPr lang="zh-CN" altLang="en-US" dirty="0"/>
+              <a:t> </a:t>
+            </a:r>
+            <a:r>
+              <a:rPr lang="en-US" altLang="zh-CN" dirty="0"/>
+              <a:t>code</a:t>
+            </a:r>
+            <a:r>
+              <a:rPr lang="zh-CN" altLang="en-US" dirty="0"/>
+              <a:t> </a:t>
+            </a:r>
+            <a:r>
+              <a:rPr lang="en-US" altLang="zh-CN" dirty="0"/>
+              <a:t>(as</a:t>
+            </a:r>
+            <a:r>
+              <a:rPr lang="zh-CN" altLang="en-US" dirty="0"/>
+              <a:t> </a:t>
+            </a:r>
+            <a:r>
+              <a:rPr lang="en-US" altLang="zh-CN" dirty="0"/>
+              <a:t>of</a:t>
+            </a:r>
+            <a:r>
+              <a:rPr lang="zh-CN" altLang="en-US" dirty="0"/>
+              <a:t> </a:t>
+            </a:r>
+            <a:r>
+              <a:rPr lang="en-US" altLang="zh-CN" dirty="0"/>
+              <a:t>2014)</a:t>
+            </a:r>
+            <a:endParaRPr lang="en-US" sz="2400" dirty="0"/>
+          </a:p>
+          <a:p>
+            <a:pPr lvl="1"/>
+            <a:r>
+              <a:rPr lang="en-US" dirty="0">
+                <a:hlinkClick r:id="rId3" tooltip="Linux kernel">
+                  <a:extLst>
+                    <a:ext uri="{A12FA001-AC4F-418D-AE19-62706E023703}">
+                      <ahyp:hlinkClr xmlns:ahyp="http://schemas.microsoft.com/office/drawing/2018/hyperlinkcolor" val="tx"/>
+                    </a:ext>
+                  </a:extLst>
+                </a:hlinkClick>
+              </a:rPr>
+              <a:t>Linux kernel</a:t>
+            </a:r>
+            <a:r>
+              <a:rPr lang="en-US" sz="2400" dirty="0"/>
+              <a:t>: over 15 million lines of code (as of 2013)</a:t>
+            </a:r>
+            <a:endParaRPr lang="en-US" dirty="0"/>
+          </a:p>
+          <a:p>
+            <a:r>
+              <a:rPr lang="en-US" dirty="0"/>
+              <a:t>Used by millions, across multiple platforms</a:t>
+            </a:r>
+          </a:p>
+          <a:p>
+            <a:pPr lvl="1"/>
+            <a:r>
+              <a:rPr lang="en-US" altLang="zh-CN" dirty="0"/>
+              <a:t>Web,</a:t>
+            </a:r>
+            <a:r>
+              <a:rPr lang="zh-CN" altLang="en-US" dirty="0"/>
+              <a:t> </a:t>
+            </a:r>
+            <a:r>
+              <a:rPr lang="en-US" altLang="zh-CN" dirty="0"/>
+              <a:t>desktop,</a:t>
+            </a:r>
+            <a:r>
+              <a:rPr lang="zh-CN" altLang="en-US" dirty="0"/>
+              <a:t> </a:t>
+            </a:r>
+            <a:r>
+              <a:rPr lang="en-US" altLang="zh-CN" dirty="0"/>
+              <a:t>mobile</a:t>
+            </a:r>
+            <a:endParaRPr lang="en-US" dirty="0"/>
+          </a:p>
+          <a:p>
+            <a:r>
+              <a:rPr lang="en-US" b="1" dirty="0"/>
+              <a:t>Errors are costly</a:t>
+            </a:r>
+            <a:r>
+              <a:rPr lang="en-US" dirty="0"/>
+              <a:t>: time, money, reputation, lives.</a:t>
+            </a:r>
+          </a:p>
+          <a:p>
+            <a:endParaRPr lang="en-US" dirty="0"/>
+          </a:p>
+        </p:txBody>
+      </p:sp>
+    </p:spTree>
+    <p:extLst>
+      <p:ext uri="{BB962C8B-B14F-4D97-AF65-F5344CB8AC3E}">
+        <p14:creationId xmlns:p14="http://schemas.microsoft.com/office/powerpoint/2010/main" val="1694706382"/>
       </p:ext>
     </p:extLst>
   </p:cSld>

--- a/slides/Lecture1.pptx
+++ b/slides/Lecture1.pptx
@@ -18,19 +18,22 @@
     <p:sldId id="266" r:id="rId12"/>
     <p:sldId id="267" r:id="rId13"/>
     <p:sldId id="279" r:id="rId14"/>
-    <p:sldId id="280" r:id="rId15"/>
-    <p:sldId id="281" r:id="rId16"/>
-    <p:sldId id="282" r:id="rId17"/>
-    <p:sldId id="271" r:id="rId18"/>
-    <p:sldId id="272" r:id="rId19"/>
-    <p:sldId id="273" r:id="rId20"/>
-    <p:sldId id="274" r:id="rId21"/>
-    <p:sldId id="275" r:id="rId22"/>
-    <p:sldId id="276" r:id="rId23"/>
-    <p:sldId id="269" r:id="rId24"/>
-    <p:sldId id="270" r:id="rId25"/>
-    <p:sldId id="283" r:id="rId26"/>
-    <p:sldId id="284" r:id="rId27"/>
+    <p:sldId id="287" r:id="rId15"/>
+    <p:sldId id="286" r:id="rId16"/>
+    <p:sldId id="280" r:id="rId17"/>
+    <p:sldId id="281" r:id="rId18"/>
+    <p:sldId id="282" r:id="rId19"/>
+    <p:sldId id="271" r:id="rId20"/>
+    <p:sldId id="272" r:id="rId21"/>
+    <p:sldId id="273" r:id="rId22"/>
+    <p:sldId id="274" r:id="rId23"/>
+    <p:sldId id="275" r:id="rId24"/>
+    <p:sldId id="276" r:id="rId25"/>
+    <p:sldId id="285" r:id="rId26"/>
+    <p:sldId id="269" r:id="rId27"/>
+    <p:sldId id="270" r:id="rId28"/>
+    <p:sldId id="283" r:id="rId29"/>
+    <p:sldId id="284" r:id="rId30"/>
   </p:sldIdLst>
   <p:sldSz cx="12192000" cy="6858000"/>
   <p:notesSz cx="6858000" cy="9144000"/>
@@ -138,7 +141,7 @@
 </file>
 
 <file path=ppt/slideLayouts/slideLayout1.xml><?xml version="1.0" encoding="utf-8"?>
-<p:sldLayout xmlns:a="http://schemas.openxmlformats.org/drawingml/2006/main" xmlns:r="http://schemas.openxmlformats.org/officeDocument/2006/relationships" xmlns:p="http://schemas.openxmlformats.org/presentationml/2006/main" type="title" preserve="1">
+<p:sldLayout xmlns:a="http://schemas.openxmlformats.org/drawingml/2006/main" xmlns:r="http://schemas.openxmlformats.org/officeDocument/2006/relationships" xmlns:p="http://schemas.openxmlformats.org/presentationml/2006/main" preserve="1" userDrawn="1">
   <p:cSld name="Title Slide">
     <p:spTree>
       <p:nvGrpSpPr>
@@ -154,43 +157,6 @@
           <a:chExt cx="0" cy="0"/>
         </a:xfrm>
       </p:grpSpPr>
-      <p:sp>
-        <p:nvSpPr>
-          <p:cNvPr id="2" name="Title 1">
-            <a:extLst>
-              <a:ext uri="{FF2B5EF4-FFF2-40B4-BE49-F238E27FC236}">
-                <a16:creationId xmlns:a16="http://schemas.microsoft.com/office/drawing/2014/main" id="{23830B03-4139-6CBE-F077-7A09A1797A56}"/>
-              </a:ext>
-            </a:extLst>
-          </p:cNvPr>
-          <p:cNvSpPr>
-            <a:spLocks noGrp="1"/>
-          </p:cNvSpPr>
-          <p:nvPr>
-            <p:ph type="ctrTitle"/>
-          </p:nvPr>
-        </p:nvSpPr>
-        <p:spPr>
-          <a:xfrm>
-            <a:off x="1524000" y="1122363"/>
-            <a:ext cx="9144000" cy="2387600"/>
-          </a:xfrm>
-        </p:spPr>
-        <p:txBody>
-          <a:bodyPr anchor="b"/>
-          <a:lstStyle>
-            <a:lvl1pPr algn="ctr">
-              <a:defRPr sz="6000"/>
-            </a:lvl1pPr>
-          </a:lstStyle>
-          <a:p>
-            <a:r>
-              <a:rPr lang="en-US"/>
-              <a:t>Click to edit Master title style</a:t>
-            </a:r>
-          </a:p>
-        </p:txBody>
-      </p:sp>
       <p:sp>
         <p:nvSpPr>
           <p:cNvPr id="3" name="Subtitle 2">
@@ -263,10 +229,38 @@
       </p:sp>
       <p:sp>
         <p:nvSpPr>
-          <p:cNvPr id="4" name="Date Placeholder 3">
-            <a:extLst>
-              <a:ext uri="{FF2B5EF4-FFF2-40B4-BE49-F238E27FC236}">
-                <a16:creationId xmlns:a16="http://schemas.microsoft.com/office/drawing/2014/main" id="{EF4F9935-8B1B-9FDF-BAB9-6154E5110CC5}"/>
+          <p:cNvPr id="7" name="Title 6">
+            <a:extLst>
+              <a:ext uri="{FF2B5EF4-FFF2-40B4-BE49-F238E27FC236}">
+                <a16:creationId xmlns:a16="http://schemas.microsoft.com/office/drawing/2014/main" id="{E7705AB2-73E4-9718-527D-17267167AF8B}"/>
+              </a:ext>
+            </a:extLst>
+          </p:cNvPr>
+          <p:cNvSpPr>
+            <a:spLocks noGrp="1"/>
+          </p:cNvSpPr>
+          <p:nvPr>
+            <p:ph type="title"/>
+          </p:nvPr>
+        </p:nvSpPr>
+        <p:spPr/>
+        <p:txBody>
+          <a:bodyPr/>
+          <a:lstStyle/>
+          <a:p>
+            <a:r>
+              <a:rPr lang="en-US"/>
+              <a:t>Click to edit Master title style</a:t>
+            </a:r>
+          </a:p>
+        </p:txBody>
+      </p:sp>
+      <p:sp>
+        <p:nvSpPr>
+          <p:cNvPr id="8" name="Date Placeholder 7">
+            <a:extLst>
+              <a:ext uri="{FF2B5EF4-FFF2-40B4-BE49-F238E27FC236}">
+                <a16:creationId xmlns:a16="http://schemas.microsoft.com/office/drawing/2014/main" id="{C3D48441-2C3F-BD25-9F7F-2A7634FB771C}"/>
               </a:ext>
             </a:extLst>
           </p:cNvPr>
@@ -284,7 +278,7 @@
           <a:p>
             <a:fld id="{CE902270-AE91-4A4D-B515-8E2AADC58D44}" type="datetimeFigureOut">
               <a:rPr lang="en-US" smtClean="0"/>
-              <a:t>8/5/25</a:t>
+              <a:t>8/6/25</a:t>
             </a:fld>
             <a:endParaRPr lang="en-US"/>
           </a:p>
@@ -292,10 +286,10 @@
       </p:sp>
       <p:sp>
         <p:nvSpPr>
-          <p:cNvPr id="5" name="Footer Placeholder 4">
-            <a:extLst>
-              <a:ext uri="{FF2B5EF4-FFF2-40B4-BE49-F238E27FC236}">
-                <a16:creationId xmlns:a16="http://schemas.microsoft.com/office/drawing/2014/main" id="{75257BEA-7D97-8941-CC75-EFCE9BA72C86}"/>
+          <p:cNvPr id="9" name="Footer Placeholder 8">
+            <a:extLst>
+              <a:ext uri="{FF2B5EF4-FFF2-40B4-BE49-F238E27FC236}">
+                <a16:creationId xmlns:a16="http://schemas.microsoft.com/office/drawing/2014/main" id="{17E3B859-B9D9-912A-B230-238102225677}"/>
               </a:ext>
             </a:extLst>
           </p:cNvPr>
@@ -317,10 +311,10 @@
       </p:sp>
       <p:sp>
         <p:nvSpPr>
-          <p:cNvPr id="6" name="Slide Number Placeholder 5">
-            <a:extLst>
-              <a:ext uri="{FF2B5EF4-FFF2-40B4-BE49-F238E27FC236}">
-                <a16:creationId xmlns:a16="http://schemas.microsoft.com/office/drawing/2014/main" id="{C1C3BEDF-8DC1-29FE-BB99-10BAB977F03F}"/>
+          <p:cNvPr id="10" name="Slide Number Placeholder 9">
+            <a:extLst>
+              <a:ext uri="{FF2B5EF4-FFF2-40B4-BE49-F238E27FC236}">
+                <a16:creationId xmlns:a16="http://schemas.microsoft.com/office/drawing/2014/main" id="{CBE1D365-5A25-E66D-ABED-A7D18A2C8E78}"/>
               </a:ext>
             </a:extLst>
           </p:cNvPr>
@@ -482,7 +476,7 @@
           <a:p>
             <a:fld id="{CE902270-AE91-4A4D-B515-8E2AADC58D44}" type="datetimeFigureOut">
               <a:rPr lang="en-US" smtClean="0"/>
-              <a:t>8/5/25</a:t>
+              <a:t>8/6/25</a:t>
             </a:fld>
             <a:endParaRPr lang="en-US"/>
           </a:p>
@@ -690,7 +684,7 @@
           <a:p>
             <a:fld id="{CE902270-AE91-4A4D-B515-8E2AADC58D44}" type="datetimeFigureOut">
               <a:rPr lang="en-US" smtClean="0"/>
-              <a:t>8/5/25</a:t>
+              <a:t>8/6/25</a:t>
             </a:fld>
             <a:endParaRPr lang="en-US"/>
           </a:p>
@@ -888,7 +882,7 @@
           <a:p>
             <a:fld id="{CE902270-AE91-4A4D-B515-8E2AADC58D44}" type="datetimeFigureOut">
               <a:rPr lang="en-US" smtClean="0"/>
-              <a:t>8/5/25</a:t>
+              <a:t>8/6/25</a:t>
             </a:fld>
             <a:endParaRPr lang="en-US"/>
           </a:p>
@@ -1163,7 +1157,7 @@
           <a:p>
             <a:fld id="{CE902270-AE91-4A4D-B515-8E2AADC58D44}" type="datetimeFigureOut">
               <a:rPr lang="en-US" smtClean="0"/>
-              <a:t>8/5/25</a:t>
+              <a:t>8/6/25</a:t>
             </a:fld>
             <a:endParaRPr lang="en-US"/>
           </a:p>
@@ -1428,7 +1422,7 @@
           <a:p>
             <a:fld id="{CE902270-AE91-4A4D-B515-8E2AADC58D44}" type="datetimeFigureOut">
               <a:rPr lang="en-US" smtClean="0"/>
-              <a:t>8/5/25</a:t>
+              <a:t>8/6/25</a:t>
             </a:fld>
             <a:endParaRPr lang="en-US"/>
           </a:p>
@@ -1840,7 +1834,7 @@
           <a:p>
             <a:fld id="{CE902270-AE91-4A4D-B515-8E2AADC58D44}" type="datetimeFigureOut">
               <a:rPr lang="en-US" smtClean="0"/>
-              <a:t>8/5/25</a:t>
+              <a:t>8/6/25</a:t>
             </a:fld>
             <a:endParaRPr lang="en-US"/>
           </a:p>
@@ -1981,7 +1975,7 @@
           <a:p>
             <a:fld id="{CE902270-AE91-4A4D-B515-8E2AADC58D44}" type="datetimeFigureOut">
               <a:rPr lang="en-US" smtClean="0"/>
-              <a:t>8/5/25</a:t>
+              <a:t>8/6/25</a:t>
             </a:fld>
             <a:endParaRPr lang="en-US"/>
           </a:p>
@@ -2094,7 +2088,7 @@
           <a:p>
             <a:fld id="{CE902270-AE91-4A4D-B515-8E2AADC58D44}" type="datetimeFigureOut">
               <a:rPr lang="en-US" smtClean="0"/>
-              <a:t>8/5/25</a:t>
+              <a:t>8/6/25</a:t>
             </a:fld>
             <a:endParaRPr lang="en-US"/>
           </a:p>
@@ -2405,7 +2399,7 @@
           <a:p>
             <a:fld id="{CE902270-AE91-4A4D-B515-8E2AADC58D44}" type="datetimeFigureOut">
               <a:rPr lang="en-US" smtClean="0"/>
-              <a:t>8/5/25</a:t>
+              <a:t>8/6/25</a:t>
             </a:fld>
             <a:endParaRPr lang="en-US"/>
           </a:p>
@@ -2693,7 +2687,7 @@
           <a:p>
             <a:fld id="{CE902270-AE91-4A4D-B515-8E2AADC58D44}" type="datetimeFigureOut">
               <a:rPr lang="en-US" smtClean="0"/>
-              <a:t>8/5/25</a:t>
+              <a:t>8/6/25</a:t>
             </a:fld>
             <a:endParaRPr lang="en-US"/>
           </a:p>
@@ -2934,7 +2928,7 @@
           <a:p>
             <a:fld id="{CE902270-AE91-4A4D-B515-8E2AADC58D44}" type="datetimeFigureOut">
               <a:rPr lang="en-US" smtClean="0"/>
-              <a:t>8/5/25</a:t>
+              <a:t>8/6/25</a:t>
             </a:fld>
             <a:endParaRPr lang="en-US"/>
           </a:p>
@@ -3030,6 +3024,36 @@
           </a:p>
         </p:txBody>
       </p:sp>
+      <p:pic>
+        <p:nvPicPr>
+          <p:cNvPr id="8" name="Picture 7">
+            <a:extLst>
+              <a:ext uri="{FF2B5EF4-FFF2-40B4-BE49-F238E27FC236}">
+                <a16:creationId xmlns:a16="http://schemas.microsoft.com/office/drawing/2014/main" id="{50C48AEA-54E9-5154-4D70-373F1088C001}"/>
+              </a:ext>
+            </a:extLst>
+          </p:cNvPr>
+          <p:cNvPicPr>
+            <a:picLocks noChangeAspect="1"/>
+          </p:cNvPicPr>
+          <p:nvPr userDrawn="1"/>
+        </p:nvPicPr>
+        <p:blipFill>
+          <a:blip r:embed="rId13"/>
+          <a:stretch>
+            <a:fillRect/>
+          </a:stretch>
+        </p:blipFill>
+        <p:spPr>
+          <a:xfrm>
+            <a:off x="9824748" y="6117894"/>
+            <a:ext cx="2066636" cy="557295"/>
+          </a:xfrm>
+          <a:prstGeom prst="rect">
+            <a:avLst/>
+          </a:prstGeom>
+        </p:spPr>
+      </p:pic>
     </p:spTree>
     <p:extLst>
       <p:ext uri="{BB962C8B-B14F-4D97-AF65-F5344CB8AC3E}">
@@ -3367,7 +3391,12 @@
             <p:ph type="ctrTitle"/>
           </p:nvPr>
         </p:nvSpPr>
-        <p:spPr/>
+        <p:spPr>
+          <a:xfrm>
+            <a:off x="1524000" y="1122363"/>
+            <a:ext cx="9144000" cy="2387600"/>
+          </a:xfrm>
+        </p:spPr>
         <p:txBody>
           <a:bodyPr>
             <a:normAutofit/>
@@ -3455,7 +3484,7 @@
         </p:blipFill>
         <p:spPr>
           <a:xfrm>
-            <a:off x="1524000" y="4700898"/>
+            <a:off x="1524000" y="3690860"/>
             <a:ext cx="1986351" cy="1474865"/>
           </a:xfrm>
           <a:prstGeom prst="rect">
@@ -3463,54 +3492,6 @@
           </a:prstGeom>
         </p:spPr>
       </p:pic>
-      <p:sp>
-        <p:nvSpPr>
-          <p:cNvPr id="6" name="TextBox 5">
-            <a:extLst>
-              <a:ext uri="{FF2B5EF4-FFF2-40B4-BE49-F238E27FC236}">
-                <a16:creationId xmlns:a16="http://schemas.microsoft.com/office/drawing/2014/main" id="{2ECDBFDA-11A7-9D38-8D21-EE88A6BF56C2}"/>
-              </a:ext>
-            </a:extLst>
-          </p:cNvPr>
-          <p:cNvSpPr txBox="1"/>
-          <p:nvPr/>
-        </p:nvSpPr>
-        <p:spPr>
-          <a:xfrm>
-            <a:off x="1524000" y="6330105"/>
-            <a:ext cx="1986351" cy="369332"/>
-          </a:xfrm>
-          <a:prstGeom prst="rect">
-            <a:avLst/>
-          </a:prstGeom>
-          <a:noFill/>
-        </p:spPr>
-        <p:txBody>
-          <a:bodyPr wrap="square" rtlCol="0">
-            <a:spAutoFit/>
-          </a:bodyPr>
-          <a:lstStyle/>
-          <a:p>
-            <a:r>
-              <a:rPr lang="en-US" sz="900" dirty="0">
-                <a:hlinkClick r:id="rId3" tooltip="https://blog.spiral.co.nz/2015/"/>
-              </a:rPr>
-              <a:t>This Photo</a:t>
-            </a:r>
-            <a:r>
-              <a:rPr lang="en-US" sz="900" dirty="0"/>
-              <a:t> by Unknown Author is licensed under </a:t>
-            </a:r>
-            <a:r>
-              <a:rPr lang="en-US" sz="900" dirty="0">
-                <a:hlinkClick r:id="rId4" tooltip="https://creativecommons.org/licenses/by/3.0/"/>
-              </a:rPr>
-              <a:t>CC BY</a:t>
-            </a:r>
-            <a:endParaRPr lang="en-US" sz="900" dirty="0"/>
-          </a:p>
-        </p:txBody>
-      </p:sp>
       <p:pic>
         <p:nvPicPr>
           <p:cNvPr id="8" name="Picture 7">
@@ -3526,10 +3507,10 @@
           <p:nvPr/>
         </p:nvPicPr>
         <p:blipFill>
-          <a:blip r:embed="rId5">
+          <a:blip r:embed="rId4">
             <a:extLst>
               <a:ext uri="{837473B0-CC2E-450A-ABE3-18F120FF3D39}">
-                <a1611:picAttrSrcUrl xmlns:a1611="http://schemas.microsoft.com/office/drawing/2016/11/main" r:id="rId6"/>
+                <a1611:picAttrSrcUrl xmlns:a1611="http://schemas.microsoft.com/office/drawing/2016/11/main" r:id="rId5"/>
               </a:ext>
             </a:extLst>
           </a:blip>
@@ -3539,7 +3520,7 @@
         </p:blipFill>
         <p:spPr>
           <a:xfrm>
-            <a:off x="8786452" y="4700898"/>
+            <a:off x="8786452" y="3509963"/>
             <a:ext cx="1881548" cy="1655762"/>
           </a:xfrm>
           <a:prstGeom prst="rect">
@@ -3600,7 +3581,7 @@
           <a:p>
             <a:r>
               <a:rPr lang="en-US" dirty="0"/>
-              <a:t>Famous software failure: Ariane 5 Flight 501</a:t>
+              <a:t>Ariane 5 Flight 501</a:t>
             </a:r>
           </a:p>
         </p:txBody>
@@ -3703,6 +3684,62 @@
           </a:extLst>
         </p:spPr>
       </p:pic>
+      <p:sp>
+        <p:nvSpPr>
+          <p:cNvPr id="4" name="TextBox 3">
+            <a:extLst>
+              <a:ext uri="{FF2B5EF4-FFF2-40B4-BE49-F238E27FC236}">
+                <a16:creationId xmlns:a16="http://schemas.microsoft.com/office/drawing/2014/main" id="{898CFD1D-340D-4B43-3819-7453216068D3}"/>
+              </a:ext>
+            </a:extLst>
+          </p:cNvPr>
+          <p:cNvSpPr txBox="1"/>
+          <p:nvPr/>
+        </p:nvSpPr>
+        <p:spPr>
+          <a:xfrm>
+            <a:off x="4371007" y="6492875"/>
+            <a:ext cx="3449983" cy="215444"/>
+          </a:xfrm>
+          <a:prstGeom prst="rect">
+            <a:avLst/>
+          </a:prstGeom>
+          <a:noFill/>
+        </p:spPr>
+        <p:txBody>
+          <a:bodyPr wrap="none" rtlCol="0">
+            <a:spAutoFit/>
+          </a:bodyPr>
+          <a:lstStyle/>
+          <a:p>
+            <a:r>
+              <a:rPr lang="en-US" sz="800" dirty="0"/>
+              <a:t>Image source: https://www-</a:t>
+            </a:r>
+            <a:r>
+              <a:rPr lang="en-US" sz="800" dirty="0" err="1"/>
+              <a:t>users.cse.umn.edu</a:t>
+            </a:r>
+            <a:r>
+              <a:rPr lang="en-US" sz="800" dirty="0"/>
+              <a:t>/~</a:t>
+            </a:r>
+            <a:r>
+              <a:rPr lang="en-US" sz="800" dirty="0" err="1"/>
+              <a:t>arnold</a:t>
+            </a:r>
+            <a:r>
+              <a:rPr lang="en-US" sz="800" dirty="0"/>
+              <a:t>/disasters/</a:t>
+            </a:r>
+            <a:r>
+              <a:rPr lang="en-US" sz="800" dirty="0" err="1"/>
+              <a:t>ariane.html</a:t>
+            </a:r>
+            <a:endParaRPr lang="en-US" sz="800" dirty="0"/>
+          </a:p>
+        </p:txBody>
+      </p:sp>
     </p:spTree>
     <p:extLst>
       <p:ext uri="{BB962C8B-B14F-4D97-AF65-F5344CB8AC3E}">
@@ -3762,7 +3799,7 @@
           <a:p>
             <a:r>
               <a:rPr lang="en-US" dirty="0"/>
-              <a:t>Famous software failure: Ariane 5 Flight 501</a:t>
+              <a:t>Ariane 5 Flight 501</a:t>
             </a:r>
           </a:p>
         </p:txBody>
@@ -3831,7 +3868,7 @@
             <a:pPr lvl="1"/>
             <a:r>
               <a:rPr lang="en-US" dirty="0"/>
-              <a:t>No overflow handler → system crash with A5</a:t>
+              <a:t>No overflow handler → system crash with Ariane 5</a:t>
             </a:r>
           </a:p>
         </p:txBody>
@@ -3982,24 +4019,14 @@
         </p:nvSpPr>
         <p:spPr/>
         <p:txBody>
-          <a:bodyPr/>
-          <a:lstStyle/>
-          <a:p>
-            <a:r>
-              <a:rPr lang="en-US" dirty="0"/>
-              <a:t>Famous software failure</a:t>
-            </a:r>
+          <a:bodyPr>
+            <a:normAutofit/>
+          </a:bodyPr>
+          <a:lstStyle/>
+          <a:p>
             <a:r>
               <a:rPr lang="en-US" altLang="zh-CN" dirty="0"/>
-              <a:t>:</a:t>
-            </a:r>
-            <a:r>
-              <a:rPr lang="zh-CN" altLang="en-US" dirty="0"/>
-              <a:t> </a:t>
-            </a:r>
-            <a:r>
-              <a:rPr lang="en-US" b="1" dirty="0"/>
-              <a:t>Knight Capital</a:t>
+              <a:t>Northeast Blackout of 2003</a:t>
             </a:r>
             <a:endParaRPr lang="en-US" dirty="0"/>
           </a:p>
@@ -4021,20 +4048,158 @@
             <p:ph idx="1"/>
           </p:nvPr>
         </p:nvSpPr>
-        <p:spPr/>
-        <p:txBody>
-          <a:bodyPr/>
-          <a:lstStyle/>
-          <a:p>
-            <a:r>
-              <a:rPr lang="en-US" altLang="zh-CN" dirty="0"/>
-              <a:t>2012</a:t>
-            </a:r>
-          </a:p>
-          <a:p>
-            <a:r>
-              <a:rPr lang="en-US" dirty="0"/>
-              <a:t>Deployment bug → $440M loss in 45 minutes.</a:t>
+        <p:spPr>
+          <a:xfrm>
+            <a:off x="838200" y="1825625"/>
+            <a:ext cx="7909874" cy="4351338"/>
+          </a:xfrm>
+        </p:spPr>
+        <p:txBody>
+          <a:bodyPr/>
+          <a:lstStyle/>
+          <a:p>
+            <a:r>
+              <a:rPr lang="en-US" dirty="0"/>
+              <a:t>The world’s second most widespread blackout in history at its time</a:t>
+            </a:r>
+          </a:p>
+          <a:p>
+            <a:r>
+              <a:rPr lang="en-US" dirty="0"/>
+              <a:t>Affected an estimated 55 million people (14,300,000 affected in NYC and its surroundings)</a:t>
+            </a:r>
+          </a:p>
+        </p:txBody>
+      </p:sp>
+      <p:sp>
+        <p:nvSpPr>
+          <p:cNvPr id="4" name="TextBox 3">
+            <a:extLst>
+              <a:ext uri="{FF2B5EF4-FFF2-40B4-BE49-F238E27FC236}">
+                <a16:creationId xmlns:a16="http://schemas.microsoft.com/office/drawing/2014/main" id="{BF80D697-39C4-274C-DA5B-0D4CE7FC8969}"/>
+              </a:ext>
+            </a:extLst>
+          </p:cNvPr>
+          <p:cNvSpPr txBox="1"/>
+          <p:nvPr/>
+        </p:nvSpPr>
+        <p:spPr>
+          <a:xfrm>
+            <a:off x="3733015" y="6311900"/>
+            <a:ext cx="4328429" cy="215444"/>
+          </a:xfrm>
+          <a:prstGeom prst="rect">
+            <a:avLst/>
+          </a:prstGeom>
+          <a:noFill/>
+        </p:spPr>
+        <p:txBody>
+          <a:bodyPr wrap="none" rtlCol="0">
+            <a:spAutoFit/>
+          </a:bodyPr>
+          <a:lstStyle/>
+          <a:p>
+            <a:r>
+              <a:rPr lang="en-US" sz="800" dirty="0"/>
+              <a:t>Source: https://</a:t>
+            </a:r>
+            <a:r>
+              <a:rPr lang="en-US" sz="800" dirty="0" err="1"/>
+              <a:t>web.archive.org</a:t>
+            </a:r>
+            <a:r>
+              <a:rPr lang="en-US" sz="800" dirty="0"/>
+              <a:t>/web/20110610163731/http://</a:t>
+            </a:r>
+            <a:r>
+              <a:rPr lang="en-US" sz="800" dirty="0" err="1"/>
+              <a:t>www.securityfocus.com</a:t>
+            </a:r>
+            <a:r>
+              <a:rPr lang="en-US" sz="800" dirty="0"/>
+              <a:t>/news/8412</a:t>
+            </a:r>
+          </a:p>
+        </p:txBody>
+      </p:sp>
+      <p:pic>
+        <p:nvPicPr>
+          <p:cNvPr id="2050" name="Picture 2" descr="undefined">
+            <a:extLst>
+              <a:ext uri="{FF2B5EF4-FFF2-40B4-BE49-F238E27FC236}">
+                <a16:creationId xmlns:a16="http://schemas.microsoft.com/office/drawing/2014/main" id="{0029C3C4-8AB1-3354-FF6F-D88F74603573}"/>
+              </a:ext>
+            </a:extLst>
+          </p:cNvPr>
+          <p:cNvPicPr>
+            <a:picLocks noChangeAspect="1" noChangeArrowheads="1"/>
+          </p:cNvPicPr>
+          <p:nvPr/>
+        </p:nvPicPr>
+        <p:blipFill>
+          <a:blip r:embed="rId2">
+            <a:extLst>
+              <a:ext uri="{28A0092B-C50C-407E-A947-70E740481C1C}">
+                <a14:useLocalDpi xmlns:a14="http://schemas.microsoft.com/office/drawing/2010/main" val="0"/>
+              </a:ext>
+            </a:extLst>
+          </a:blip>
+          <a:srcRect/>
+          <a:stretch>
+            <a:fillRect/>
+          </a:stretch>
+        </p:blipFill>
+        <p:spPr bwMode="auto">
+          <a:xfrm>
+            <a:off x="8845629" y="1734206"/>
+            <a:ext cx="2855129" cy="3321885"/>
+          </a:xfrm>
+          <a:prstGeom prst="rect">
+            <a:avLst/>
+          </a:prstGeom>
+          <a:noFill/>
+          <a:extLst>
+            <a:ext uri="{909E8E84-426E-40DD-AFC4-6F175D3DCCD1}">
+              <a14:hiddenFill xmlns:a14="http://schemas.microsoft.com/office/drawing/2010/main">
+                <a:solidFill>
+                  <a:srgbClr val="FFFFFF"/>
+                </a:solidFill>
+              </a14:hiddenFill>
+            </a:ext>
+          </a:extLst>
+        </p:spPr>
+      </p:pic>
+      <p:sp>
+        <p:nvSpPr>
+          <p:cNvPr id="5" name="TextBox 4">
+            <a:extLst>
+              <a:ext uri="{FF2B5EF4-FFF2-40B4-BE49-F238E27FC236}">
+                <a16:creationId xmlns:a16="http://schemas.microsoft.com/office/drawing/2014/main" id="{B9584316-AD64-BA10-EB57-5DC3BDEC5A35}"/>
+              </a:ext>
+            </a:extLst>
+          </p:cNvPr>
+          <p:cNvSpPr txBox="1"/>
+          <p:nvPr/>
+        </p:nvSpPr>
+        <p:spPr>
+          <a:xfrm>
+            <a:off x="9605349" y="5288438"/>
+            <a:ext cx="1335687" cy="369332"/>
+          </a:xfrm>
+          <a:prstGeom prst="rect">
+            <a:avLst/>
+          </a:prstGeom>
+          <a:noFill/>
+        </p:spPr>
+        <p:txBody>
+          <a:bodyPr wrap="none" rtlCol="0">
+            <a:spAutoFit/>
+          </a:bodyPr>
+          <a:lstStyle/>
+          <a:p>
+            <a:r>
+              <a:rPr lang="en-US" dirty="0"/>
+              <a:t>Outage map</a:t>
             </a:r>
           </a:p>
         </p:txBody>
@@ -4057,7 +4222,13 @@
   <p:cSld>
     <p:spTree>
       <p:nvGrpSpPr>
-        <p:cNvPr id="1" name=""/>
+        <p:cNvPr id="1" name="">
+          <a:extLst>
+            <a:ext uri="{FF2B5EF4-FFF2-40B4-BE49-F238E27FC236}">
+              <a16:creationId xmlns:a16="http://schemas.microsoft.com/office/drawing/2014/main" id="{AFD7DF56-5962-E5A5-2310-21FEE4A68707}"/>
+            </a:ext>
+          </a:extLst>
+        </p:cNvPr>
         <p:cNvGrpSpPr/>
         <p:nvPr/>
       </p:nvGrpSpPr>
@@ -4074,7 +4245,7 @@
           <p:cNvPr id="2" name="Title 1">
             <a:extLst>
               <a:ext uri="{FF2B5EF4-FFF2-40B4-BE49-F238E27FC236}">
-                <a16:creationId xmlns:a16="http://schemas.microsoft.com/office/drawing/2014/main" id="{05DDC706-6DF4-4784-1288-A2C738F2B611}"/>
+                <a16:creationId xmlns:a16="http://schemas.microsoft.com/office/drawing/2014/main" id="{6CB9E940-2763-1C70-B482-1017E1ADA122}"/>
               </a:ext>
             </a:extLst>
           </p:cNvPr>
@@ -4087,13 +4258,16 @@
         </p:nvSpPr>
         <p:spPr/>
         <p:txBody>
-          <a:bodyPr/>
-          <a:lstStyle/>
-          <a:p>
-            <a:r>
-              <a:rPr lang="en-US" dirty="0"/>
-              <a:t>The Challenges</a:t>
-            </a:r>
+          <a:bodyPr>
+            <a:normAutofit/>
+          </a:bodyPr>
+          <a:lstStyle/>
+          <a:p>
+            <a:r>
+              <a:rPr lang="en-US" altLang="zh-CN" dirty="0"/>
+              <a:t>Northeast Blackout of 2003</a:t>
+            </a:r>
+            <a:endParaRPr lang="en-US" dirty="0"/>
           </a:p>
         </p:txBody>
       </p:sp>
@@ -4102,7 +4276,7 @@
           <p:cNvPr id="3" name="Content Placeholder 2">
             <a:extLst>
               <a:ext uri="{FF2B5EF4-FFF2-40B4-BE49-F238E27FC236}">
-                <a16:creationId xmlns:a16="http://schemas.microsoft.com/office/drawing/2014/main" id="{7277B5F0-E3D4-5EA8-25B2-827B32483875}"/>
+                <a16:creationId xmlns:a16="http://schemas.microsoft.com/office/drawing/2014/main" id="{AD73D253-FAE2-E48A-5A7F-57EBCBA29F42}"/>
               </a:ext>
             </a:extLst>
           </p:cNvPr>
@@ -4113,49 +4287,187 @@
             <p:ph idx="1"/>
           </p:nvPr>
         </p:nvSpPr>
-        <p:spPr/>
-        <p:txBody>
-          <a:bodyPr/>
-          <a:lstStyle/>
-          <a:p>
-            <a:r>
-              <a:rPr lang="en-US" dirty="0"/>
-              <a:t>Growing complexity</a:t>
-            </a:r>
-          </a:p>
-          <a:p>
-            <a:r>
-              <a:rPr lang="en-US" dirty="0"/>
-              <a:t>Changing requirements</a:t>
-            </a:r>
-          </a:p>
-          <a:p>
-            <a:r>
-              <a:rPr lang="en-US" dirty="0"/>
-              <a:t>Large teams &amp; coordination</a:t>
-            </a:r>
-          </a:p>
-          <a:p>
-            <a:r>
-              <a:rPr lang="en-US" dirty="0"/>
-              <a:t>Testing &amp; quality assurance</a:t>
-            </a:r>
-          </a:p>
-          <a:p>
-            <a:r>
-              <a:rPr lang="en-US" dirty="0"/>
-              <a:t>Performance &amp; scalability</a:t>
-            </a:r>
-          </a:p>
-          <a:p>
-            <a:endParaRPr lang="en-US" dirty="0"/>
+        <p:spPr>
+          <a:xfrm>
+            <a:off x="838200" y="1825625"/>
+            <a:ext cx="7909874" cy="4351338"/>
+          </a:xfrm>
+        </p:spPr>
+        <p:txBody>
+          <a:bodyPr/>
+          <a:lstStyle/>
+          <a:p>
+            <a:r>
+              <a:rPr lang="en-US" dirty="0"/>
+              <a:t>A race condition existed in General Electric Energy's Unix-based XA/21 energy management system</a:t>
+            </a:r>
+          </a:p>
+          <a:p>
+            <a:pPr lvl="1"/>
+            <a:r>
+              <a:rPr lang="en-US" dirty="0"/>
+              <a:t>Compiled from 4 million lines of C code</a:t>
+            </a:r>
+          </a:p>
+          <a:p>
+            <a:r>
+              <a:rPr lang="en-US" dirty="0"/>
+              <a:t>The triggered race condition stalled the control room’s alarm system for over an hour</a:t>
+            </a:r>
+          </a:p>
+          <a:p>
+            <a:pPr lvl="1"/>
+            <a:r>
+              <a:rPr lang="en-US" dirty="0"/>
+              <a:t>Two processes both got write access to a shared data structure at the same time</a:t>
+            </a:r>
+          </a:p>
+          <a:p>
+            <a:pPr lvl="1"/>
+            <a:r>
+              <a:rPr lang="en-US" dirty="0"/>
+              <a:t>That corruption led to the alarm event application getting into an infinite loop</a:t>
+            </a:r>
+          </a:p>
+        </p:txBody>
+      </p:sp>
+      <p:sp>
+        <p:nvSpPr>
+          <p:cNvPr id="4" name="TextBox 3">
+            <a:extLst>
+              <a:ext uri="{FF2B5EF4-FFF2-40B4-BE49-F238E27FC236}">
+                <a16:creationId xmlns:a16="http://schemas.microsoft.com/office/drawing/2014/main" id="{72AF2FD2-7CDA-1832-EE40-8F8C3D68281C}"/>
+              </a:ext>
+            </a:extLst>
+          </p:cNvPr>
+          <p:cNvSpPr txBox="1"/>
+          <p:nvPr/>
+        </p:nvSpPr>
+        <p:spPr>
+          <a:xfrm>
+            <a:off x="3733015" y="6311900"/>
+            <a:ext cx="4328429" cy="215444"/>
+          </a:xfrm>
+          <a:prstGeom prst="rect">
+            <a:avLst/>
+          </a:prstGeom>
+          <a:noFill/>
+        </p:spPr>
+        <p:txBody>
+          <a:bodyPr wrap="none" rtlCol="0">
+            <a:spAutoFit/>
+          </a:bodyPr>
+          <a:lstStyle/>
+          <a:p>
+            <a:r>
+              <a:rPr lang="en-US" sz="800" dirty="0"/>
+              <a:t>Source: https://</a:t>
+            </a:r>
+            <a:r>
+              <a:rPr lang="en-US" sz="800" dirty="0" err="1"/>
+              <a:t>web.archive.org</a:t>
+            </a:r>
+            <a:r>
+              <a:rPr lang="en-US" sz="800" dirty="0"/>
+              <a:t>/web/20110610163731/http://</a:t>
+            </a:r>
+            <a:r>
+              <a:rPr lang="en-US" sz="800" dirty="0" err="1"/>
+              <a:t>www.securityfocus.com</a:t>
+            </a:r>
+            <a:r>
+              <a:rPr lang="en-US" sz="800" dirty="0"/>
+              <a:t>/news/8412</a:t>
+            </a:r>
+          </a:p>
+        </p:txBody>
+      </p:sp>
+      <p:pic>
+        <p:nvPicPr>
+          <p:cNvPr id="2050" name="Picture 2" descr="undefined">
+            <a:extLst>
+              <a:ext uri="{FF2B5EF4-FFF2-40B4-BE49-F238E27FC236}">
+                <a16:creationId xmlns:a16="http://schemas.microsoft.com/office/drawing/2014/main" id="{8770B641-0BD6-EFE0-E1DB-038B3468F080}"/>
+              </a:ext>
+            </a:extLst>
+          </p:cNvPr>
+          <p:cNvPicPr>
+            <a:picLocks noChangeAspect="1" noChangeArrowheads="1"/>
+          </p:cNvPicPr>
+          <p:nvPr/>
+        </p:nvPicPr>
+        <p:blipFill>
+          <a:blip r:embed="rId2">
+            <a:extLst>
+              <a:ext uri="{28A0092B-C50C-407E-A947-70E740481C1C}">
+                <a14:useLocalDpi xmlns:a14="http://schemas.microsoft.com/office/drawing/2010/main" val="0"/>
+              </a:ext>
+            </a:extLst>
+          </a:blip>
+          <a:srcRect/>
+          <a:stretch>
+            <a:fillRect/>
+          </a:stretch>
+        </p:blipFill>
+        <p:spPr bwMode="auto">
+          <a:xfrm>
+            <a:off x="8845629" y="1734206"/>
+            <a:ext cx="2855129" cy="3321885"/>
+          </a:xfrm>
+          <a:prstGeom prst="rect">
+            <a:avLst/>
+          </a:prstGeom>
+          <a:noFill/>
+          <a:extLst>
+            <a:ext uri="{909E8E84-426E-40DD-AFC4-6F175D3DCCD1}">
+              <a14:hiddenFill xmlns:a14="http://schemas.microsoft.com/office/drawing/2010/main">
+                <a:solidFill>
+                  <a:srgbClr val="FFFFFF"/>
+                </a:solidFill>
+              </a14:hiddenFill>
+            </a:ext>
+          </a:extLst>
+        </p:spPr>
+      </p:pic>
+      <p:sp>
+        <p:nvSpPr>
+          <p:cNvPr id="5" name="TextBox 4">
+            <a:extLst>
+              <a:ext uri="{FF2B5EF4-FFF2-40B4-BE49-F238E27FC236}">
+                <a16:creationId xmlns:a16="http://schemas.microsoft.com/office/drawing/2014/main" id="{7C6A417A-2E43-62C3-54BA-52B74821ADB6}"/>
+              </a:ext>
+            </a:extLst>
+          </p:cNvPr>
+          <p:cNvSpPr txBox="1"/>
+          <p:nvPr/>
+        </p:nvSpPr>
+        <p:spPr>
+          <a:xfrm>
+            <a:off x="9605349" y="5288438"/>
+            <a:ext cx="1335687" cy="369332"/>
+          </a:xfrm>
+          <a:prstGeom prst="rect">
+            <a:avLst/>
+          </a:prstGeom>
+          <a:noFill/>
+        </p:spPr>
+        <p:txBody>
+          <a:bodyPr wrap="none" rtlCol="0">
+            <a:spAutoFit/>
+          </a:bodyPr>
+          <a:lstStyle/>
+          <a:p>
+            <a:r>
+              <a:rPr lang="en-US" dirty="0"/>
+              <a:t>Outage map</a:t>
+            </a:r>
           </a:p>
         </p:txBody>
       </p:sp>
     </p:spTree>
     <p:extLst>
       <p:ext uri="{BB962C8B-B14F-4D97-AF65-F5344CB8AC3E}">
-        <p14:creationId xmlns:p14="http://schemas.microsoft.com/office/powerpoint/2010/main" val="1153346199"/>
+        <p14:creationId xmlns:p14="http://schemas.microsoft.com/office/powerpoint/2010/main" val="2679244134"/>
       </p:ext>
     </p:extLst>
   </p:cSld>
@@ -4187,7 +4499,7 @@
           <p:cNvPr id="2" name="Title 1">
             <a:extLst>
               <a:ext uri="{FF2B5EF4-FFF2-40B4-BE49-F238E27FC236}">
-                <a16:creationId xmlns:a16="http://schemas.microsoft.com/office/drawing/2014/main" id="{D090F1D7-C446-79BB-32A4-7B1FFD18A071}"/>
+                <a16:creationId xmlns:a16="http://schemas.microsoft.com/office/drawing/2014/main" id="{EB3E3783-9AF7-384F-4997-DFC6F85D6428}"/>
               </a:ext>
             </a:extLst>
           </p:cNvPr>
@@ -4204,9 +4516,10 @@
           <a:lstStyle/>
           <a:p>
             <a:r>
-              <a:rPr lang="en-US" dirty="0"/>
-              <a:t>Core Principles to Tame Complexity</a:t>
-            </a:r>
+              <a:rPr lang="en-US" altLang="zh-CN" dirty="0"/>
+              <a:t>Northeast Blackout of 2003</a:t>
+            </a:r>
+            <a:endParaRPr lang="en-US" dirty="0"/>
           </a:p>
         </p:txBody>
       </p:sp>
@@ -4215,77 +4528,206 @@
           <p:cNvPr id="3" name="Content Placeholder 2">
             <a:extLst>
               <a:ext uri="{FF2B5EF4-FFF2-40B4-BE49-F238E27FC236}">
-                <a16:creationId xmlns:a16="http://schemas.microsoft.com/office/drawing/2014/main" id="{A917E400-BF70-0C73-AD90-B4C1D48FBFA9}"/>
-              </a:ext>
-            </a:extLst>
-          </p:cNvPr>
-          <p:cNvSpPr>
-            <a:spLocks noGrp="1"/>
-          </p:cNvSpPr>
-          <p:nvPr>
-            <p:ph idx="1"/>
-          </p:nvPr>
-        </p:nvSpPr>
-        <p:spPr/>
-        <p:txBody>
-          <a:bodyPr/>
-          <a:lstStyle/>
-          <a:p>
-            <a:r>
-              <a:rPr lang="en-US" b="1" dirty="0"/>
-              <a:t>Abstraction</a:t>
-            </a:r>
-            <a:r>
-              <a:rPr lang="en-US" dirty="0"/>
-              <a:t> — focus on the “what” not the “how”</a:t>
-            </a:r>
-          </a:p>
-          <a:p>
-            <a:r>
-              <a:rPr lang="en-US" b="1" dirty="0"/>
-              <a:t>Modularity</a:t>
-            </a:r>
-            <a:r>
-              <a:rPr lang="en-US" dirty="0"/>
-              <a:t> — divide and conquer</a:t>
-            </a:r>
-          </a:p>
-          <a:p>
-            <a:r>
-              <a:rPr lang="en-US" b="1" dirty="0"/>
-              <a:t>Encapsulation</a:t>
-            </a:r>
-            <a:r>
-              <a:rPr lang="en-US" dirty="0"/>
-              <a:t> — control access to internal details</a:t>
-            </a:r>
-          </a:p>
-          <a:p>
-            <a:r>
-              <a:rPr lang="en-US" b="1" dirty="0"/>
-              <a:t>Separation of Concerns</a:t>
-            </a:r>
-            <a:r>
-              <a:rPr lang="en-US" dirty="0"/>
-              <a:t> — each part handles one responsibility</a:t>
-            </a:r>
-          </a:p>
-          <a:p>
-            <a:r>
-              <a:rPr lang="en-US" b="1" dirty="0"/>
-              <a:t>Iterative Development</a:t>
-            </a:r>
-            <a:r>
-              <a:rPr lang="en-US" dirty="0"/>
-              <a:t> — build, test, refine</a:t>
-            </a:r>
+                <a16:creationId xmlns:a16="http://schemas.microsoft.com/office/drawing/2014/main" id="{85DA4189-E618-CB5C-4507-BFC626FF2BD8}"/>
+              </a:ext>
+            </a:extLst>
+          </p:cNvPr>
+          <p:cNvSpPr>
+            <a:spLocks noGrp="1"/>
+          </p:cNvSpPr>
+          <p:nvPr>
+            <p:ph sz="half" idx="1"/>
+          </p:nvPr>
+        </p:nvSpPr>
+        <p:spPr>
+          <a:xfrm>
+            <a:off x="838200" y="1825625"/>
+            <a:ext cx="4650639" cy="4351338"/>
+          </a:xfrm>
+        </p:spPr>
+        <p:txBody>
+          <a:bodyPr/>
+          <a:lstStyle/>
+          <a:p>
+            <a:pPr marL="0" indent="0">
+              <a:buNone/>
+            </a:pPr>
+            <a:r>
+              <a:rPr lang="en-US" dirty="0"/>
+              <a:t>The milky way became visible in populated areas during the power outage</a:t>
+            </a:r>
+          </a:p>
+        </p:txBody>
+      </p:sp>
+      <p:pic>
+        <p:nvPicPr>
+          <p:cNvPr id="3074" name="Picture 2" descr="Power outage demonstrates how irresponsible lighting has stolen our night sky.">
+            <a:extLst>
+              <a:ext uri="{FF2B5EF4-FFF2-40B4-BE49-F238E27FC236}">
+                <a16:creationId xmlns:a16="http://schemas.microsoft.com/office/drawing/2014/main" id="{3990A6E0-C537-7449-9F53-BCA583B738C2}"/>
+              </a:ext>
+            </a:extLst>
+          </p:cNvPr>
+          <p:cNvPicPr>
+            <a:picLocks noChangeAspect="1" noChangeArrowheads="1"/>
+          </p:cNvPicPr>
+          <p:nvPr/>
+        </p:nvPicPr>
+        <p:blipFill>
+          <a:blip r:embed="rId2">
+            <a:extLst>
+              <a:ext uri="{28A0092B-C50C-407E-A947-70E740481C1C}">
+                <a14:useLocalDpi xmlns:a14="http://schemas.microsoft.com/office/drawing/2010/main" val="0"/>
+              </a:ext>
+            </a:extLst>
+          </a:blip>
+          <a:srcRect/>
+          <a:stretch>
+            <a:fillRect/>
+          </a:stretch>
+        </p:blipFill>
+        <p:spPr bwMode="auto">
+          <a:xfrm>
+            <a:off x="6019800" y="1690688"/>
+            <a:ext cx="5617314" cy="3836648"/>
+          </a:xfrm>
+          <a:prstGeom prst="rect">
+            <a:avLst/>
+          </a:prstGeom>
+          <a:noFill/>
+          <a:extLst>
+            <a:ext uri="{909E8E84-426E-40DD-AFC4-6F175D3DCCD1}">
+              <a14:hiddenFill xmlns:a14="http://schemas.microsoft.com/office/drawing/2010/main">
+                <a:solidFill>
+                  <a:srgbClr val="FFFFFF"/>
+                </a:solidFill>
+              </a14:hiddenFill>
+            </a:ext>
+          </a:extLst>
+        </p:spPr>
+      </p:pic>
+      <p:sp>
+        <p:nvSpPr>
+          <p:cNvPr id="4" name="TextBox 3">
+            <a:extLst>
+              <a:ext uri="{FF2B5EF4-FFF2-40B4-BE49-F238E27FC236}">
+                <a16:creationId xmlns:a16="http://schemas.microsoft.com/office/drawing/2014/main" id="{A6DBC693-A5B3-B64D-66BF-FBCBFBB5CA13}"/>
+              </a:ext>
+            </a:extLst>
+          </p:cNvPr>
+          <p:cNvSpPr txBox="1"/>
+          <p:nvPr/>
+        </p:nvSpPr>
+        <p:spPr>
+          <a:xfrm>
+            <a:off x="6703162" y="5578396"/>
+            <a:ext cx="1416863" cy="369332"/>
+          </a:xfrm>
+          <a:prstGeom prst="rect">
+            <a:avLst/>
+          </a:prstGeom>
+          <a:noFill/>
+        </p:spPr>
+        <p:txBody>
+          <a:bodyPr wrap="none" rtlCol="0">
+            <a:spAutoFit/>
+          </a:bodyPr>
+          <a:lstStyle/>
+          <a:p>
+            <a:r>
+              <a:rPr lang="en-US" dirty="0"/>
+              <a:t>Normal night</a:t>
+            </a:r>
+          </a:p>
+        </p:txBody>
+      </p:sp>
+      <p:sp>
+        <p:nvSpPr>
+          <p:cNvPr id="5" name="TextBox 4">
+            <a:extLst>
+              <a:ext uri="{FF2B5EF4-FFF2-40B4-BE49-F238E27FC236}">
+                <a16:creationId xmlns:a16="http://schemas.microsoft.com/office/drawing/2014/main" id="{74A5A95E-B18A-5739-1ECA-8071E3306DB9}"/>
+              </a:ext>
+            </a:extLst>
+          </p:cNvPr>
+          <p:cNvSpPr txBox="1"/>
+          <p:nvPr/>
+        </p:nvSpPr>
+        <p:spPr>
+          <a:xfrm>
+            <a:off x="9356764" y="5578396"/>
+            <a:ext cx="1883914" cy="369332"/>
+          </a:xfrm>
+          <a:prstGeom prst="rect">
+            <a:avLst/>
+          </a:prstGeom>
+          <a:noFill/>
+        </p:spPr>
+        <p:txBody>
+          <a:bodyPr wrap="none" rtlCol="0">
+            <a:spAutoFit/>
+          </a:bodyPr>
+          <a:lstStyle/>
+          <a:p>
+            <a:r>
+              <a:rPr lang="en-US" dirty="0"/>
+              <a:t>During the outage</a:t>
+            </a:r>
+          </a:p>
+        </p:txBody>
+      </p:sp>
+      <p:sp>
+        <p:nvSpPr>
+          <p:cNvPr id="6" name="TextBox 5">
+            <a:extLst>
+              <a:ext uri="{FF2B5EF4-FFF2-40B4-BE49-F238E27FC236}">
+                <a16:creationId xmlns:a16="http://schemas.microsoft.com/office/drawing/2014/main" id="{DC0BF798-741B-E36F-676C-7E8D8462EB3F}"/>
+              </a:ext>
+            </a:extLst>
+          </p:cNvPr>
+          <p:cNvSpPr txBox="1"/>
+          <p:nvPr/>
+        </p:nvSpPr>
+        <p:spPr>
+          <a:xfrm>
+            <a:off x="7722224" y="6385153"/>
+            <a:ext cx="2212465" cy="215444"/>
+          </a:xfrm>
+          <a:prstGeom prst="rect">
+            <a:avLst/>
+          </a:prstGeom>
+          <a:noFill/>
+        </p:spPr>
+        <p:txBody>
+          <a:bodyPr wrap="none" rtlCol="0">
+            <a:spAutoFit/>
+          </a:bodyPr>
+          <a:lstStyle/>
+          <a:p>
+            <a:r>
+              <a:rPr lang="en-US" sz="800" dirty="0"/>
+              <a:t>Source: http://</a:t>
+            </a:r>
+            <a:r>
+              <a:rPr lang="en-US" sz="800" dirty="0" err="1"/>
+              <a:t>www.illinoislighting.org</a:t>
+            </a:r>
+            <a:r>
+              <a:rPr lang="en-US" sz="800" dirty="0"/>
+              <a:t>/</a:t>
+            </a:r>
+            <a:r>
+              <a:rPr lang="en-US" sz="800" dirty="0" err="1"/>
+              <a:t>loss.html</a:t>
+            </a:r>
+            <a:endParaRPr lang="en-US" sz="800" dirty="0"/>
           </a:p>
         </p:txBody>
       </p:sp>
     </p:spTree>
     <p:extLst>
       <p:ext uri="{BB962C8B-B14F-4D97-AF65-F5344CB8AC3E}">
-        <p14:creationId xmlns:p14="http://schemas.microsoft.com/office/powerpoint/2010/main" val="1790656071"/>
+        <p14:creationId xmlns:p14="http://schemas.microsoft.com/office/powerpoint/2010/main" val="2311919317"/>
       </p:ext>
     </p:extLst>
   </p:cSld>
@@ -4317,7 +4759,7 @@
           <p:cNvPr id="2" name="Title 1">
             <a:extLst>
               <a:ext uri="{FF2B5EF4-FFF2-40B4-BE49-F238E27FC236}">
-                <a16:creationId xmlns:a16="http://schemas.microsoft.com/office/drawing/2014/main" id="{0DBAE1B0-5701-1C38-20FE-7B30D773EC76}"/>
+                <a16:creationId xmlns:a16="http://schemas.microsoft.com/office/drawing/2014/main" id="{05DDC706-6DF4-4784-1288-A2C738F2B611}"/>
               </a:ext>
             </a:extLst>
           </p:cNvPr>
@@ -4335,7 +4777,7 @@
           <a:p>
             <a:r>
               <a:rPr lang="en-US" dirty="0"/>
-              <a:t>Software Engineering in the Real World</a:t>
+              <a:t>The Challenges</a:t>
             </a:r>
           </a:p>
         </p:txBody>
@@ -4345,7 +4787,7 @@
           <p:cNvPr id="3" name="Content Placeholder 2">
             <a:extLst>
               <a:ext uri="{FF2B5EF4-FFF2-40B4-BE49-F238E27FC236}">
-                <a16:creationId xmlns:a16="http://schemas.microsoft.com/office/drawing/2014/main" id="{D071ECC9-6F7A-2A7C-0B88-CEE2F1723705}"/>
+                <a16:creationId xmlns:a16="http://schemas.microsoft.com/office/drawing/2014/main" id="{7277B5F0-E3D4-5EA8-25B2-827B32483875}"/>
               </a:ext>
             </a:extLst>
           </p:cNvPr>
@@ -4362,45 +4804,43 @@
           <a:lstStyle/>
           <a:p>
             <a:r>
-              <a:rPr lang="en-US" b="1" dirty="0"/>
-              <a:t>70%</a:t>
-            </a:r>
-            <a:r>
-              <a:rPr lang="en-US" dirty="0"/>
-              <a:t> of cost = maintenance</a:t>
-            </a:r>
-          </a:p>
-          <a:p>
-            <a:r>
-              <a:rPr lang="en-US" dirty="0"/>
-              <a:t>Good SE → reliability, scalability, maintainability</a:t>
-            </a:r>
-          </a:p>
-          <a:p>
-            <a:r>
-              <a:rPr lang="en-US" dirty="0"/>
-              <a:t>Examples: Linux kernel, SpaceX flight software</a:t>
+              <a:rPr lang="en-US" dirty="0"/>
+              <a:t>Growing complexity</a:t>
+            </a:r>
+          </a:p>
+          <a:p>
+            <a:r>
+              <a:rPr lang="en-US" dirty="0"/>
+              <a:t>Changing requirements</a:t>
+            </a:r>
+          </a:p>
+          <a:p>
+            <a:r>
+              <a:rPr lang="en-US" dirty="0"/>
+              <a:t>Large teams &amp; coordination</a:t>
+            </a:r>
+          </a:p>
+          <a:p>
+            <a:r>
+              <a:rPr lang="en-US" dirty="0"/>
+              <a:t>Testing &amp; quality assurance</a:t>
+            </a:r>
+          </a:p>
+          <a:p>
+            <a:r>
+              <a:rPr lang="en-US" dirty="0"/>
+              <a:t>Performance &amp; scalability</a:t>
             </a:r>
           </a:p>
           <a:p>
             <a:endParaRPr lang="en-US" dirty="0"/>
-          </a:p>
-          <a:p>
-            <a:r>
-              <a:rPr lang="en-US" b="1" dirty="0"/>
-              <a:t>Visual idea:</a:t>
-            </a:r>
-            <a:r>
-              <a:rPr lang="en-US" dirty="0"/>
-              <a:t> pie chart showing maintenance vs initial development.</a:t>
-            </a:r>
           </a:p>
         </p:txBody>
       </p:sp>
     </p:spTree>
     <p:extLst>
       <p:ext uri="{BB962C8B-B14F-4D97-AF65-F5344CB8AC3E}">
-        <p14:creationId xmlns:p14="http://schemas.microsoft.com/office/powerpoint/2010/main" val="4034858000"/>
+        <p14:creationId xmlns:p14="http://schemas.microsoft.com/office/powerpoint/2010/main" val="1153346199"/>
       </p:ext>
     </p:extLst>
   </p:cSld>
@@ -4432,7 +4872,7 @@
           <p:cNvPr id="2" name="Title 1">
             <a:extLst>
               <a:ext uri="{FF2B5EF4-FFF2-40B4-BE49-F238E27FC236}">
-                <a16:creationId xmlns:a16="http://schemas.microsoft.com/office/drawing/2014/main" id="{12F2C704-08E8-7DE8-9EA6-4D8CA2E10937}"/>
+                <a16:creationId xmlns:a16="http://schemas.microsoft.com/office/drawing/2014/main" id="{D090F1D7-C446-79BB-32A4-7B1FFD18A071}"/>
               </a:ext>
             </a:extLst>
           </p:cNvPr>
@@ -4450,7 +4890,7 @@
           <a:p>
             <a:r>
               <a:rPr lang="en-US" dirty="0"/>
-              <a:t>Main course topics</a:t>
+              <a:t>Core Principles to Tame Complexity</a:t>
             </a:r>
           </a:p>
         </p:txBody>
@@ -4460,7 +4900,7 @@
           <p:cNvPr id="3" name="Content Placeholder 2">
             <a:extLst>
               <a:ext uri="{FF2B5EF4-FFF2-40B4-BE49-F238E27FC236}">
-                <a16:creationId xmlns:a16="http://schemas.microsoft.com/office/drawing/2014/main" id="{3B815FE5-78DD-ED18-7743-B67F38B9E81C}"/>
+                <a16:creationId xmlns:a16="http://schemas.microsoft.com/office/drawing/2014/main" id="{A917E400-BF70-0C73-AD90-B4C1D48FBFA9}"/>
               </a:ext>
             </a:extLst>
           </p:cNvPr>
@@ -4477,30 +4917,60 @@
           <a:lstStyle/>
           <a:p>
             <a:r>
-              <a:rPr lang="en-US" dirty="0"/>
-              <a:t>How to write </a:t>
-            </a:r>
-            <a:r>
-              <a:rPr lang="en-US" u="sng" dirty="0"/>
-              <a:t>quality</a:t>
-            </a:r>
-            <a:r>
-              <a:rPr lang="en-US" dirty="0"/>
-              <a:t> code?</a:t>
-            </a:r>
-          </a:p>
-          <a:p>
-            <a:endParaRPr lang="en-US" dirty="0"/>
-          </a:p>
-          <a:p>
-            <a:endParaRPr lang="en-US" dirty="0"/>
+              <a:rPr lang="en-US" b="1" dirty="0"/>
+              <a:t>Abstraction</a:t>
+            </a:r>
+            <a:r>
+              <a:rPr lang="en-US" dirty="0"/>
+              <a:t> — focus on the “what” not the “how”</a:t>
+            </a:r>
+          </a:p>
+          <a:p>
+            <a:r>
+              <a:rPr lang="en-US" b="1" dirty="0"/>
+              <a:t>Modularity</a:t>
+            </a:r>
+            <a:r>
+              <a:rPr lang="en-US" dirty="0"/>
+              <a:t> — divide and conquer</a:t>
+            </a:r>
+          </a:p>
+          <a:p>
+            <a:r>
+              <a:rPr lang="en-US" b="1" dirty="0"/>
+              <a:t>Encapsulation</a:t>
+            </a:r>
+            <a:r>
+              <a:rPr lang="en-US" dirty="0"/>
+              <a:t> — control access to internal details</a:t>
+            </a:r>
+          </a:p>
+          <a:p>
+            <a:r>
+              <a:rPr lang="en-US" b="1" dirty="0"/>
+              <a:t>Separation of Concerns</a:t>
+            </a:r>
+            <a:r>
+              <a:rPr lang="en-US" dirty="0"/>
+              <a:t> — each part handles one responsibility</a:t>
+            </a:r>
+          </a:p>
+          <a:p>
+            <a:r>
+              <a:rPr lang="en-US" b="1" dirty="0"/>
+              <a:t>Iterative Development</a:t>
+            </a:r>
+            <a:r>
+              <a:rPr lang="en-US" dirty="0"/>
+              <a:t> — build, test, refine</a:t>
+            </a:r>
           </a:p>
         </p:txBody>
       </p:sp>
     </p:spTree>
     <p:extLst>
       <p:ext uri="{BB962C8B-B14F-4D97-AF65-F5344CB8AC3E}">
-        <p14:creationId xmlns:p14="http://schemas.microsoft.com/office/powerpoint/2010/main" val="3193801101"/>
+        <p14:creationId xmlns:p14="http://schemas.microsoft.com/office/powerpoint/2010/main" val="1790656071"/>
       </p:ext>
     </p:extLst>
   </p:cSld>
@@ -4515,13 +4985,7 @@
   <p:cSld>
     <p:spTree>
       <p:nvGrpSpPr>
-        <p:cNvPr id="1" name="">
-          <a:extLst>
-            <a:ext uri="{FF2B5EF4-FFF2-40B4-BE49-F238E27FC236}">
-              <a16:creationId xmlns:a16="http://schemas.microsoft.com/office/drawing/2014/main" id="{A52F73ED-EFBA-F3DF-4D3E-88108C3D1A52}"/>
-            </a:ext>
-          </a:extLst>
-        </p:cNvPr>
+        <p:cNvPr id="1" name=""/>
         <p:cNvGrpSpPr/>
         <p:nvPr/>
       </p:nvGrpSpPr>
@@ -4538,7 +5002,7 @@
           <p:cNvPr id="2" name="Title 1">
             <a:extLst>
               <a:ext uri="{FF2B5EF4-FFF2-40B4-BE49-F238E27FC236}">
-                <a16:creationId xmlns:a16="http://schemas.microsoft.com/office/drawing/2014/main" id="{6FCD59A0-294B-0A15-110B-4F03E294377F}"/>
+                <a16:creationId xmlns:a16="http://schemas.microsoft.com/office/drawing/2014/main" id="{0DBAE1B0-5701-1C38-20FE-7B30D773EC76}"/>
               </a:ext>
             </a:extLst>
           </p:cNvPr>
@@ -4556,7 +5020,7 @@
           <a:p>
             <a:r>
               <a:rPr lang="en-US" dirty="0"/>
-              <a:t>Main course topics</a:t>
+              <a:t>Software Engineering in the Real World</a:t>
             </a:r>
           </a:p>
         </p:txBody>
@@ -4566,7 +5030,7 @@
           <p:cNvPr id="3" name="Content Placeholder 2">
             <a:extLst>
               <a:ext uri="{FF2B5EF4-FFF2-40B4-BE49-F238E27FC236}">
-                <a16:creationId xmlns:a16="http://schemas.microsoft.com/office/drawing/2014/main" id="{44070496-D261-9FCC-8B1F-5DF810745D54}"/>
+                <a16:creationId xmlns:a16="http://schemas.microsoft.com/office/drawing/2014/main" id="{D071ECC9-6F7A-2A7C-0B88-CEE2F1723705}"/>
               </a:ext>
             </a:extLst>
           </p:cNvPr>
@@ -4583,73 +5047,76 @@
           <a:lstStyle/>
           <a:p>
             <a:r>
-              <a:rPr lang="en-US" dirty="0"/>
-              <a:t>How to write </a:t>
-            </a:r>
-            <a:r>
-              <a:rPr lang="en-US" u="sng" dirty="0"/>
-              <a:t>quality</a:t>
-            </a:r>
-            <a:r>
-              <a:rPr lang="en-US" dirty="0"/>
-              <a:t> code?</a:t>
-            </a:r>
-          </a:p>
-          <a:p>
-            <a:pPr lvl="1"/>
-            <a:r>
-              <a:rPr lang="en-US" altLang="zh-CN" dirty="0"/>
-              <a:t>Usable</a:t>
-            </a:r>
-            <a:endParaRPr lang="en-US" dirty="0"/>
-          </a:p>
-          <a:p>
-            <a:pPr lvl="1"/>
-            <a:r>
-              <a:rPr lang="en-US" dirty="0"/>
-              <a:t>Less error-prone</a:t>
-            </a:r>
-          </a:p>
-          <a:p>
-            <a:pPr lvl="1"/>
-            <a:r>
-              <a:rPr lang="en-US" dirty="0"/>
-              <a:t>Easier to maintain</a:t>
-            </a:r>
-          </a:p>
-          <a:p>
-            <a:pPr lvl="1"/>
-            <a:r>
-              <a:rPr lang="en-US" dirty="0"/>
-              <a:t>Reusable</a:t>
-            </a:r>
-          </a:p>
-          <a:p>
-            <a:pPr lvl="1"/>
-            <a:r>
-              <a:rPr lang="en-US" dirty="0"/>
-              <a:t>…</a:t>
-            </a:r>
-          </a:p>
-          <a:p>
-            <a:endParaRPr lang="en-US" dirty="0"/>
-          </a:p>
-          <a:p>
-            <a:pPr lvl="1"/>
-            <a:endParaRPr lang="en-US" dirty="0"/>
-          </a:p>
-          <a:p>
-            <a:endParaRPr lang="en-US" dirty="0"/>
-          </a:p>
-          <a:p>
-            <a:endParaRPr lang="en-US" dirty="0"/>
+              <a:rPr lang="en-US" b="1" dirty="0"/>
+              <a:t>~70%</a:t>
+            </a:r>
+            <a:r>
+              <a:rPr lang="en-US" dirty="0"/>
+              <a:t> of cost = maintenance </a:t>
+            </a:r>
+            <a:r>
+              <a:rPr lang="en-US" baseline="30000" dirty="0"/>
+              <a:t>1</a:t>
+            </a:r>
+          </a:p>
+          <a:p>
+            <a:r>
+              <a:rPr lang="en-US" dirty="0"/>
+              <a:t>Good SE → reliability, maintainability, scalability</a:t>
+            </a:r>
+          </a:p>
+          <a:p>
+            <a:r>
+              <a:rPr lang="en-US" dirty="0"/>
+              <a:t>Examples: Linux kernel, SpaceX flight software</a:t>
+            </a:r>
+          </a:p>
+        </p:txBody>
+      </p:sp>
+      <p:sp>
+        <p:nvSpPr>
+          <p:cNvPr id="4" name="TextBox 3">
+            <a:extLst>
+              <a:ext uri="{FF2B5EF4-FFF2-40B4-BE49-F238E27FC236}">
+                <a16:creationId xmlns:a16="http://schemas.microsoft.com/office/drawing/2014/main" id="{1A989A9F-D104-9EA4-E89D-D2CCA51DAFD9}"/>
+              </a:ext>
+            </a:extLst>
+          </p:cNvPr>
+          <p:cNvSpPr txBox="1"/>
+          <p:nvPr/>
+        </p:nvSpPr>
+        <p:spPr>
+          <a:xfrm>
+            <a:off x="4432169" y="5973346"/>
+            <a:ext cx="3327662" cy="338554"/>
+          </a:xfrm>
+          <a:prstGeom prst="rect">
+            <a:avLst/>
+          </a:prstGeom>
+          <a:noFill/>
+        </p:spPr>
+        <p:txBody>
+          <a:bodyPr wrap="square" rtlCol="0">
+            <a:spAutoFit/>
+          </a:bodyPr>
+          <a:lstStyle/>
+          <a:p>
+            <a:pPr algn="ctr"/>
+            <a:r>
+              <a:rPr lang="en-US" sz="800" dirty="0"/>
+              <a:t>1: Software Evolution and Maintenance: A Practitioner's Approach, 2014</a:t>
+            </a:r>
+          </a:p>
+          <a:p>
+            <a:pPr algn="ctr"/>
+            <a:endParaRPr lang="en-US" sz="800" dirty="0"/>
           </a:p>
         </p:txBody>
       </p:sp>
     </p:spTree>
     <p:extLst>
       <p:ext uri="{BB962C8B-B14F-4D97-AF65-F5344CB8AC3E}">
-        <p14:creationId xmlns:p14="http://schemas.microsoft.com/office/powerpoint/2010/main" val="1136592023"/>
+        <p14:creationId xmlns:p14="http://schemas.microsoft.com/office/powerpoint/2010/main" val="4034858000"/>
       </p:ext>
     </p:extLst>
   </p:cSld>
@@ -4664,13 +5131,7 @@
   <p:cSld>
     <p:spTree>
       <p:nvGrpSpPr>
-        <p:cNvPr id="1" name="">
-          <a:extLst>
-            <a:ext uri="{FF2B5EF4-FFF2-40B4-BE49-F238E27FC236}">
-              <a16:creationId xmlns:a16="http://schemas.microsoft.com/office/drawing/2014/main" id="{BA7C86BA-5877-CC53-4DEA-AE7B11D695B3}"/>
-            </a:ext>
-          </a:extLst>
-        </p:cNvPr>
+        <p:cNvPr id="1" name=""/>
         <p:cNvGrpSpPr/>
         <p:nvPr/>
       </p:nvGrpSpPr>
@@ -4687,7 +5148,7 @@
           <p:cNvPr id="2" name="Title 1">
             <a:extLst>
               <a:ext uri="{FF2B5EF4-FFF2-40B4-BE49-F238E27FC236}">
-                <a16:creationId xmlns:a16="http://schemas.microsoft.com/office/drawing/2014/main" id="{FA7855FC-A2E8-8DBE-CA4A-68FDAA8A4332}"/>
+                <a16:creationId xmlns:a16="http://schemas.microsoft.com/office/drawing/2014/main" id="{12F2C704-08E8-7DE8-9EA6-4D8CA2E10937}"/>
               </a:ext>
             </a:extLst>
           </p:cNvPr>
@@ -4715,7 +5176,7 @@
           <p:cNvPr id="3" name="Content Placeholder 2">
             <a:extLst>
               <a:ext uri="{FF2B5EF4-FFF2-40B4-BE49-F238E27FC236}">
-                <a16:creationId xmlns:a16="http://schemas.microsoft.com/office/drawing/2014/main" id="{E21D6EEC-074C-6F97-56D2-DCA3DB28292F}"/>
+                <a16:creationId xmlns:a16="http://schemas.microsoft.com/office/drawing/2014/main" id="{3B815FE5-78DD-ED18-7743-B67F38B9E81C}"/>
               </a:ext>
             </a:extLst>
           </p:cNvPr>
@@ -4743,63 +5204,6 @@
               <a:rPr lang="en-US" dirty="0"/>
               <a:t> code?</a:t>
             </a:r>
-          </a:p>
-          <a:p>
-            <a:pPr lvl="1"/>
-            <a:r>
-              <a:rPr lang="en-US" altLang="zh-CN" dirty="0"/>
-              <a:t>Usable</a:t>
-            </a:r>
-            <a:endParaRPr lang="en-US" dirty="0"/>
-          </a:p>
-          <a:p>
-            <a:pPr lvl="1"/>
-            <a:r>
-              <a:rPr lang="en-US" dirty="0"/>
-              <a:t>Less error-prone</a:t>
-            </a:r>
-          </a:p>
-          <a:p>
-            <a:pPr lvl="1"/>
-            <a:r>
-              <a:rPr lang="en-US" dirty="0"/>
-              <a:t>Easier to maintain</a:t>
-            </a:r>
-          </a:p>
-          <a:p>
-            <a:pPr lvl="1"/>
-            <a:r>
-              <a:rPr lang="en-US" dirty="0"/>
-              <a:t>Reusable</a:t>
-            </a:r>
-          </a:p>
-          <a:p>
-            <a:pPr lvl="1"/>
-            <a:r>
-              <a:rPr lang="en-US" dirty="0"/>
-              <a:t>…</a:t>
-            </a:r>
-          </a:p>
-          <a:p>
-            <a:r>
-              <a:rPr lang="en-US" dirty="0"/>
-              <a:t>How to </a:t>
-            </a:r>
-            <a:r>
-              <a:rPr lang="en-US" u="sng" dirty="0"/>
-              <a:t>manage</a:t>
-            </a:r>
-            <a:r>
-              <a:rPr lang="en-US" dirty="0"/>
-              <a:t> a software project effectively?</a:t>
-            </a:r>
-          </a:p>
-          <a:p>
-            <a:endParaRPr lang="en-US" dirty="0"/>
-          </a:p>
-          <a:p>
-            <a:pPr lvl="1"/>
-            <a:endParaRPr lang="en-US" dirty="0"/>
           </a:p>
           <a:p>
             <a:endParaRPr lang="en-US" dirty="0"/>
@@ -4812,7 +5216,7 @@
     </p:spTree>
     <p:extLst>
       <p:ext uri="{BB962C8B-B14F-4D97-AF65-F5344CB8AC3E}">
-        <p14:creationId xmlns:p14="http://schemas.microsoft.com/office/powerpoint/2010/main" val="3083828696"/>
+        <p14:creationId xmlns:p14="http://schemas.microsoft.com/office/powerpoint/2010/main" val="3193801101"/>
       </p:ext>
     </p:extLst>
   </p:cSld>
@@ -4908,7 +5312,7 @@
             </a:pPr>
             <a:r>
               <a:rPr lang="en-US" dirty="0"/>
-              <a:t>---- defined by IEEE</a:t>
+              <a:t>— defined by IEEE</a:t>
             </a:r>
           </a:p>
           <a:p>
@@ -4950,6 +5354,318 @@
 </file>
 
 <file path=ppt/slides/slide20.xml><?xml version="1.0" encoding="utf-8"?>
+<p:sld xmlns:a="http://schemas.openxmlformats.org/drawingml/2006/main" xmlns:r="http://schemas.openxmlformats.org/officeDocument/2006/relationships" xmlns:p="http://schemas.openxmlformats.org/presentationml/2006/main">
+  <p:cSld>
+    <p:spTree>
+      <p:nvGrpSpPr>
+        <p:cNvPr id="1" name="">
+          <a:extLst>
+            <a:ext uri="{FF2B5EF4-FFF2-40B4-BE49-F238E27FC236}">
+              <a16:creationId xmlns:a16="http://schemas.microsoft.com/office/drawing/2014/main" id="{A52F73ED-EFBA-F3DF-4D3E-88108C3D1A52}"/>
+            </a:ext>
+          </a:extLst>
+        </p:cNvPr>
+        <p:cNvGrpSpPr/>
+        <p:nvPr/>
+      </p:nvGrpSpPr>
+      <p:grpSpPr>
+        <a:xfrm>
+          <a:off x="0" y="0"/>
+          <a:ext cx="0" cy="0"/>
+          <a:chOff x="0" y="0"/>
+          <a:chExt cx="0" cy="0"/>
+        </a:xfrm>
+      </p:grpSpPr>
+      <p:sp>
+        <p:nvSpPr>
+          <p:cNvPr id="2" name="Title 1">
+            <a:extLst>
+              <a:ext uri="{FF2B5EF4-FFF2-40B4-BE49-F238E27FC236}">
+                <a16:creationId xmlns:a16="http://schemas.microsoft.com/office/drawing/2014/main" id="{6FCD59A0-294B-0A15-110B-4F03E294377F}"/>
+              </a:ext>
+            </a:extLst>
+          </p:cNvPr>
+          <p:cNvSpPr>
+            <a:spLocks noGrp="1"/>
+          </p:cNvSpPr>
+          <p:nvPr>
+            <p:ph type="title"/>
+          </p:nvPr>
+        </p:nvSpPr>
+        <p:spPr/>
+        <p:txBody>
+          <a:bodyPr/>
+          <a:lstStyle/>
+          <a:p>
+            <a:r>
+              <a:rPr lang="en-US" dirty="0"/>
+              <a:t>Main course topics</a:t>
+            </a:r>
+          </a:p>
+        </p:txBody>
+      </p:sp>
+      <p:sp>
+        <p:nvSpPr>
+          <p:cNvPr id="3" name="Content Placeholder 2">
+            <a:extLst>
+              <a:ext uri="{FF2B5EF4-FFF2-40B4-BE49-F238E27FC236}">
+                <a16:creationId xmlns:a16="http://schemas.microsoft.com/office/drawing/2014/main" id="{44070496-D261-9FCC-8B1F-5DF810745D54}"/>
+              </a:ext>
+            </a:extLst>
+          </p:cNvPr>
+          <p:cNvSpPr>
+            <a:spLocks noGrp="1"/>
+          </p:cNvSpPr>
+          <p:nvPr>
+            <p:ph idx="1"/>
+          </p:nvPr>
+        </p:nvSpPr>
+        <p:spPr/>
+        <p:txBody>
+          <a:bodyPr/>
+          <a:lstStyle/>
+          <a:p>
+            <a:r>
+              <a:rPr lang="en-US" dirty="0"/>
+              <a:t>How to write </a:t>
+            </a:r>
+            <a:r>
+              <a:rPr lang="en-US" u="sng" dirty="0"/>
+              <a:t>quality</a:t>
+            </a:r>
+            <a:r>
+              <a:rPr lang="en-US" dirty="0"/>
+              <a:t> code?</a:t>
+            </a:r>
+          </a:p>
+          <a:p>
+            <a:pPr lvl="1"/>
+            <a:r>
+              <a:rPr lang="en-US" altLang="zh-CN" dirty="0"/>
+              <a:t>Usable</a:t>
+            </a:r>
+            <a:endParaRPr lang="en-US" dirty="0"/>
+          </a:p>
+          <a:p>
+            <a:pPr lvl="1"/>
+            <a:r>
+              <a:rPr lang="en-US" dirty="0"/>
+              <a:t>Less error-prone</a:t>
+            </a:r>
+          </a:p>
+          <a:p>
+            <a:pPr lvl="1"/>
+            <a:r>
+              <a:rPr lang="en-US" dirty="0"/>
+              <a:t>Easier to maintain</a:t>
+            </a:r>
+          </a:p>
+          <a:p>
+            <a:pPr lvl="1"/>
+            <a:r>
+              <a:rPr lang="en-US" dirty="0"/>
+              <a:t>Reusable</a:t>
+            </a:r>
+          </a:p>
+          <a:p>
+            <a:pPr lvl="1"/>
+            <a:r>
+              <a:rPr lang="en-US" dirty="0"/>
+              <a:t>…</a:t>
+            </a:r>
+          </a:p>
+          <a:p>
+            <a:endParaRPr lang="en-US" dirty="0"/>
+          </a:p>
+          <a:p>
+            <a:pPr lvl="1"/>
+            <a:endParaRPr lang="en-US" dirty="0"/>
+          </a:p>
+          <a:p>
+            <a:endParaRPr lang="en-US" dirty="0"/>
+          </a:p>
+          <a:p>
+            <a:endParaRPr lang="en-US" dirty="0"/>
+          </a:p>
+        </p:txBody>
+      </p:sp>
+    </p:spTree>
+    <p:extLst>
+      <p:ext uri="{BB962C8B-B14F-4D97-AF65-F5344CB8AC3E}">
+        <p14:creationId xmlns:p14="http://schemas.microsoft.com/office/powerpoint/2010/main" val="1136592023"/>
+      </p:ext>
+    </p:extLst>
+  </p:cSld>
+  <p:clrMapOvr>
+    <a:masterClrMapping/>
+  </p:clrMapOvr>
+</p:sld>
+</file>
+
+<file path=ppt/slides/slide21.xml><?xml version="1.0" encoding="utf-8"?>
+<p:sld xmlns:a="http://schemas.openxmlformats.org/drawingml/2006/main" xmlns:r="http://schemas.openxmlformats.org/officeDocument/2006/relationships" xmlns:p="http://schemas.openxmlformats.org/presentationml/2006/main">
+  <p:cSld>
+    <p:spTree>
+      <p:nvGrpSpPr>
+        <p:cNvPr id="1" name="">
+          <a:extLst>
+            <a:ext uri="{FF2B5EF4-FFF2-40B4-BE49-F238E27FC236}">
+              <a16:creationId xmlns:a16="http://schemas.microsoft.com/office/drawing/2014/main" id="{BA7C86BA-5877-CC53-4DEA-AE7B11D695B3}"/>
+            </a:ext>
+          </a:extLst>
+        </p:cNvPr>
+        <p:cNvGrpSpPr/>
+        <p:nvPr/>
+      </p:nvGrpSpPr>
+      <p:grpSpPr>
+        <a:xfrm>
+          <a:off x="0" y="0"/>
+          <a:ext cx="0" cy="0"/>
+          <a:chOff x="0" y="0"/>
+          <a:chExt cx="0" cy="0"/>
+        </a:xfrm>
+      </p:grpSpPr>
+      <p:sp>
+        <p:nvSpPr>
+          <p:cNvPr id="2" name="Title 1">
+            <a:extLst>
+              <a:ext uri="{FF2B5EF4-FFF2-40B4-BE49-F238E27FC236}">
+                <a16:creationId xmlns:a16="http://schemas.microsoft.com/office/drawing/2014/main" id="{FA7855FC-A2E8-8DBE-CA4A-68FDAA8A4332}"/>
+              </a:ext>
+            </a:extLst>
+          </p:cNvPr>
+          <p:cNvSpPr>
+            <a:spLocks noGrp="1"/>
+          </p:cNvSpPr>
+          <p:nvPr>
+            <p:ph type="title"/>
+          </p:nvPr>
+        </p:nvSpPr>
+        <p:spPr/>
+        <p:txBody>
+          <a:bodyPr/>
+          <a:lstStyle/>
+          <a:p>
+            <a:r>
+              <a:rPr lang="en-US" dirty="0"/>
+              <a:t>Main course topics</a:t>
+            </a:r>
+          </a:p>
+        </p:txBody>
+      </p:sp>
+      <p:sp>
+        <p:nvSpPr>
+          <p:cNvPr id="3" name="Content Placeholder 2">
+            <a:extLst>
+              <a:ext uri="{FF2B5EF4-FFF2-40B4-BE49-F238E27FC236}">
+                <a16:creationId xmlns:a16="http://schemas.microsoft.com/office/drawing/2014/main" id="{E21D6EEC-074C-6F97-56D2-DCA3DB28292F}"/>
+              </a:ext>
+            </a:extLst>
+          </p:cNvPr>
+          <p:cNvSpPr>
+            <a:spLocks noGrp="1"/>
+          </p:cNvSpPr>
+          <p:nvPr>
+            <p:ph idx="1"/>
+          </p:nvPr>
+        </p:nvSpPr>
+        <p:spPr/>
+        <p:txBody>
+          <a:bodyPr/>
+          <a:lstStyle/>
+          <a:p>
+            <a:r>
+              <a:rPr lang="en-US" dirty="0"/>
+              <a:t>How to write </a:t>
+            </a:r>
+            <a:r>
+              <a:rPr lang="en-US" u="sng" dirty="0"/>
+              <a:t>quality</a:t>
+            </a:r>
+            <a:r>
+              <a:rPr lang="en-US" dirty="0"/>
+              <a:t> code?</a:t>
+            </a:r>
+          </a:p>
+          <a:p>
+            <a:pPr lvl="1"/>
+            <a:r>
+              <a:rPr lang="en-US" altLang="zh-CN" dirty="0"/>
+              <a:t>Usable</a:t>
+            </a:r>
+            <a:endParaRPr lang="en-US" dirty="0"/>
+          </a:p>
+          <a:p>
+            <a:pPr lvl="1"/>
+            <a:r>
+              <a:rPr lang="en-US" dirty="0"/>
+              <a:t>Less error-prone</a:t>
+            </a:r>
+          </a:p>
+          <a:p>
+            <a:pPr lvl="1"/>
+            <a:r>
+              <a:rPr lang="en-US" dirty="0"/>
+              <a:t>Easier to maintain</a:t>
+            </a:r>
+          </a:p>
+          <a:p>
+            <a:pPr lvl="1"/>
+            <a:r>
+              <a:rPr lang="en-US" dirty="0"/>
+              <a:t>Reusable</a:t>
+            </a:r>
+          </a:p>
+          <a:p>
+            <a:pPr lvl="1"/>
+            <a:r>
+              <a:rPr lang="en-US" dirty="0"/>
+              <a:t>…</a:t>
+            </a:r>
+          </a:p>
+          <a:p>
+            <a:r>
+              <a:rPr lang="en-US" dirty="0"/>
+              <a:t>How to </a:t>
+            </a:r>
+            <a:r>
+              <a:rPr lang="en-US" u="sng" dirty="0"/>
+              <a:t>manage</a:t>
+            </a:r>
+            <a:r>
+              <a:rPr lang="en-US" dirty="0"/>
+              <a:t> a software project effectively?</a:t>
+            </a:r>
+          </a:p>
+          <a:p>
+            <a:endParaRPr lang="en-US" dirty="0"/>
+          </a:p>
+          <a:p>
+            <a:pPr lvl="1"/>
+            <a:endParaRPr lang="en-US" dirty="0"/>
+          </a:p>
+          <a:p>
+            <a:endParaRPr lang="en-US" dirty="0"/>
+          </a:p>
+          <a:p>
+            <a:endParaRPr lang="en-US" dirty="0"/>
+          </a:p>
+        </p:txBody>
+      </p:sp>
+    </p:spTree>
+    <p:extLst>
+      <p:ext uri="{BB962C8B-B14F-4D97-AF65-F5344CB8AC3E}">
+        <p14:creationId xmlns:p14="http://schemas.microsoft.com/office/powerpoint/2010/main" val="3083828696"/>
+      </p:ext>
+    </p:extLst>
+  </p:cSld>
+  <p:clrMapOvr>
+    <a:masterClrMapping/>
+  </p:clrMapOvr>
+</p:sld>
+</file>
+
+<file path=ppt/slides/slide22.xml><?xml version="1.0" encoding="utf-8"?>
 <p:sld xmlns:a="http://schemas.openxmlformats.org/drawingml/2006/main" xmlns:r="http://schemas.openxmlformats.org/officeDocument/2006/relationships" xmlns:p="http://schemas.openxmlformats.org/presentationml/2006/main">
   <p:cSld>
     <p:spTree>
@@ -5137,7 +5853,7 @@
 </p:sld>
 </file>
 
-<file path=ppt/slides/slide21.xml><?xml version="1.0" encoding="utf-8"?>
+<file path=ppt/slides/slide23.xml><?xml version="1.0" encoding="utf-8"?>
 <p:sld xmlns:a="http://schemas.openxmlformats.org/drawingml/2006/main" xmlns:r="http://schemas.openxmlformats.org/officeDocument/2006/relationships" xmlns:p="http://schemas.openxmlformats.org/presentationml/2006/main">
   <p:cSld>
     <p:spTree>
@@ -5340,7 +6056,7 @@
 </p:sld>
 </file>
 
-<file path=ppt/slides/slide22.xml><?xml version="1.0" encoding="utf-8"?>
+<file path=ppt/slides/slide24.xml><?xml version="1.0" encoding="utf-8"?>
 <p:sld xmlns:a="http://schemas.openxmlformats.org/drawingml/2006/main" xmlns:r="http://schemas.openxmlformats.org/officeDocument/2006/relationships" xmlns:p="http://schemas.openxmlformats.org/presentationml/2006/main">
   <p:cSld>
     <p:spTree>
@@ -5483,427 +6199,6 @@
     <p:extLst>
       <p:ext uri="{BB962C8B-B14F-4D97-AF65-F5344CB8AC3E}">
         <p14:creationId xmlns:p14="http://schemas.microsoft.com/office/powerpoint/2010/main" val="1408737481"/>
-      </p:ext>
-    </p:extLst>
-  </p:cSld>
-  <p:clrMapOvr>
-    <a:masterClrMapping/>
-  </p:clrMapOvr>
-</p:sld>
-</file>
-
-<file path=ppt/slides/slide23.xml><?xml version="1.0" encoding="utf-8"?>
-<p:sld xmlns:a="http://schemas.openxmlformats.org/drawingml/2006/main" xmlns:r="http://schemas.openxmlformats.org/officeDocument/2006/relationships" xmlns:p="http://schemas.openxmlformats.org/presentationml/2006/main">
-  <p:cSld>
-    <p:spTree>
-      <p:nvGrpSpPr>
-        <p:cNvPr id="1" name="">
-          <a:extLst>
-            <a:ext uri="{FF2B5EF4-FFF2-40B4-BE49-F238E27FC236}">
-              <a16:creationId xmlns:a16="http://schemas.microsoft.com/office/drawing/2014/main" id="{F71B5652-0A0C-D84D-A68C-2537E6823D9E}"/>
-            </a:ext>
-          </a:extLst>
-        </p:cNvPr>
-        <p:cNvGrpSpPr/>
-        <p:nvPr/>
-      </p:nvGrpSpPr>
-      <p:grpSpPr>
-        <a:xfrm>
-          <a:off x="0" y="0"/>
-          <a:ext cx="0" cy="0"/>
-          <a:chOff x="0" y="0"/>
-          <a:chExt cx="0" cy="0"/>
-        </a:xfrm>
-      </p:grpSpPr>
-      <p:sp>
-        <p:nvSpPr>
-          <p:cNvPr id="2" name="Title 1">
-            <a:extLst>
-              <a:ext uri="{FF2B5EF4-FFF2-40B4-BE49-F238E27FC236}">
-                <a16:creationId xmlns:a16="http://schemas.microsoft.com/office/drawing/2014/main" id="{3438CADF-BE77-DE6C-63FE-E997C80592D2}"/>
-              </a:ext>
-            </a:extLst>
-          </p:cNvPr>
-          <p:cNvSpPr>
-            <a:spLocks noGrp="1"/>
-          </p:cNvSpPr>
-          <p:nvPr>
-            <p:ph type="title"/>
-          </p:nvPr>
-        </p:nvSpPr>
-        <p:spPr/>
-        <p:txBody>
-          <a:bodyPr/>
-          <a:lstStyle/>
-          <a:p>
-            <a:r>
-              <a:rPr lang="en-US" dirty="0"/>
-              <a:t>Course logistics</a:t>
-            </a:r>
-          </a:p>
-        </p:txBody>
-      </p:sp>
-      <p:sp>
-        <p:nvSpPr>
-          <p:cNvPr id="3" name="Content Placeholder 2">
-            <a:extLst>
-              <a:ext uri="{FF2B5EF4-FFF2-40B4-BE49-F238E27FC236}">
-                <a16:creationId xmlns:a16="http://schemas.microsoft.com/office/drawing/2014/main" id="{765C16D0-F01F-DC8F-D5F1-DFF527015B44}"/>
-              </a:ext>
-            </a:extLst>
-          </p:cNvPr>
-          <p:cNvSpPr>
-            <a:spLocks noGrp="1"/>
-          </p:cNvSpPr>
-          <p:nvPr>
-            <p:ph idx="1"/>
-          </p:nvPr>
-        </p:nvSpPr>
-        <p:spPr/>
-        <p:txBody>
-          <a:bodyPr>
-            <a:normAutofit/>
-          </a:bodyPr>
-          <a:lstStyle/>
-          <a:p>
-            <a:r>
-              <a:rPr lang="en-US" dirty="0"/>
-              <a:t>Textbook (reference)</a:t>
-            </a:r>
-          </a:p>
-          <a:p>
-            <a:pPr lvl="1"/>
-            <a:r>
-              <a:rPr lang="en-US" dirty="0"/>
-              <a:t>Software Engineering</a:t>
-            </a:r>
-            <a:r>
-              <a:rPr lang="zh-CN" altLang="en-US" dirty="0"/>
-              <a:t> </a:t>
-            </a:r>
-            <a:r>
-              <a:rPr lang="en-US" altLang="zh-CN" dirty="0"/>
-              <a:t>10th</a:t>
-            </a:r>
-            <a:r>
-              <a:rPr lang="zh-CN" altLang="en-US" dirty="0"/>
-              <a:t> </a:t>
-            </a:r>
-            <a:r>
-              <a:rPr lang="en-US" altLang="zh-CN" dirty="0"/>
-              <a:t>edition,</a:t>
-            </a:r>
-            <a:r>
-              <a:rPr lang="zh-CN" altLang="en-US" dirty="0"/>
-              <a:t> </a:t>
-            </a:r>
-            <a:r>
-              <a:rPr lang="en-US" altLang="zh-CN" dirty="0"/>
-              <a:t>by</a:t>
-            </a:r>
-            <a:r>
-              <a:rPr lang="en-US" dirty="0"/>
-              <a:t> Ian Sommerville</a:t>
-            </a:r>
-          </a:p>
-          <a:p>
-            <a:r>
-              <a:rPr lang="en-US" dirty="0"/>
-              <a:t>Prerequisites</a:t>
-            </a:r>
-          </a:p>
-          <a:p>
-            <a:pPr lvl="1"/>
-            <a:r>
-              <a:rPr lang="en-US" dirty="0"/>
-              <a:t>Basic programming skills</a:t>
-            </a:r>
-          </a:p>
-          <a:p>
-            <a:r>
-              <a:rPr lang="en-US" dirty="0"/>
-              <a:t>Final grade</a:t>
-            </a:r>
-          </a:p>
-          <a:p>
-            <a:pPr lvl="1"/>
-            <a:r>
-              <a:rPr lang="en-US" dirty="0"/>
-              <a:t>20% homework assignments</a:t>
-            </a:r>
-          </a:p>
-          <a:p>
-            <a:pPr lvl="1"/>
-            <a:r>
-              <a:rPr lang="en-US" dirty="0"/>
-              <a:t>20% midterm exam</a:t>
-            </a:r>
-          </a:p>
-          <a:p>
-            <a:pPr lvl="1"/>
-            <a:r>
-              <a:rPr lang="en-US" dirty="0"/>
-              <a:t>60% software engineering project</a:t>
-            </a:r>
-          </a:p>
-          <a:p>
-            <a:endParaRPr lang="en-US" dirty="0"/>
-          </a:p>
-          <a:p>
-            <a:pPr lvl="1"/>
-            <a:endParaRPr lang="en-US" dirty="0"/>
-          </a:p>
-        </p:txBody>
-      </p:sp>
-    </p:spTree>
-    <p:extLst>
-      <p:ext uri="{BB962C8B-B14F-4D97-AF65-F5344CB8AC3E}">
-        <p14:creationId xmlns:p14="http://schemas.microsoft.com/office/powerpoint/2010/main" val="1525870370"/>
-      </p:ext>
-    </p:extLst>
-  </p:cSld>
-  <p:clrMapOvr>
-    <a:masterClrMapping/>
-  </p:clrMapOvr>
-</p:sld>
-</file>
-
-<file path=ppt/slides/slide24.xml><?xml version="1.0" encoding="utf-8"?>
-<p:sld xmlns:a="http://schemas.openxmlformats.org/drawingml/2006/main" xmlns:r="http://schemas.openxmlformats.org/officeDocument/2006/relationships" xmlns:p="http://schemas.openxmlformats.org/presentationml/2006/main">
-  <p:cSld>
-    <p:spTree>
-      <p:nvGrpSpPr>
-        <p:cNvPr id="1" name=""/>
-        <p:cNvGrpSpPr/>
-        <p:nvPr/>
-      </p:nvGrpSpPr>
-      <p:grpSpPr>
-        <a:xfrm>
-          <a:off x="0" y="0"/>
-          <a:ext cx="0" cy="0"/>
-          <a:chOff x="0" y="0"/>
-          <a:chExt cx="0" cy="0"/>
-        </a:xfrm>
-      </p:grpSpPr>
-      <p:sp>
-        <p:nvSpPr>
-          <p:cNvPr id="2" name="Title 1">
-            <a:extLst>
-              <a:ext uri="{FF2B5EF4-FFF2-40B4-BE49-F238E27FC236}">
-                <a16:creationId xmlns:a16="http://schemas.microsoft.com/office/drawing/2014/main" id="{9C7CF2B7-80AC-CA7B-C097-F09CCBE35A9D}"/>
-              </a:ext>
-            </a:extLst>
-          </p:cNvPr>
-          <p:cNvSpPr>
-            <a:spLocks noGrp="1"/>
-          </p:cNvSpPr>
-          <p:nvPr>
-            <p:ph type="title"/>
-          </p:nvPr>
-        </p:nvSpPr>
-        <p:spPr/>
-        <p:txBody>
-          <a:bodyPr/>
-          <a:lstStyle/>
-          <a:p>
-            <a:r>
-              <a:rPr lang="en-US" dirty="0"/>
-              <a:t>Semester</a:t>
-            </a:r>
-            <a:r>
-              <a:rPr lang="en-US" altLang="zh-CN" dirty="0"/>
-              <a:t>-Long</a:t>
-            </a:r>
-            <a:r>
-              <a:rPr lang="en-US" dirty="0"/>
-              <a:t> </a:t>
-            </a:r>
-            <a:r>
-              <a:rPr lang="en-US" altLang="zh-CN" dirty="0"/>
-              <a:t>P</a:t>
-            </a:r>
-            <a:r>
-              <a:rPr lang="en-US" dirty="0"/>
-              <a:t>roject – </a:t>
-            </a:r>
-            <a:r>
-              <a:rPr lang="en-US" dirty="0" err="1"/>
-              <a:t>Gomoku</a:t>
-            </a:r>
-            <a:r>
-              <a:rPr lang="en-US" dirty="0"/>
-              <a:t> </a:t>
-            </a:r>
-            <a:r>
-              <a:rPr lang="en-US" altLang="zh-CN" dirty="0"/>
-              <a:t>G</a:t>
-            </a:r>
-            <a:r>
-              <a:rPr lang="en-US" dirty="0"/>
-              <a:t>ame</a:t>
-            </a:r>
-          </a:p>
-        </p:txBody>
-      </p:sp>
-      <p:sp>
-        <p:nvSpPr>
-          <p:cNvPr id="3" name="Content Placeholder 2">
-            <a:extLst>
-              <a:ext uri="{FF2B5EF4-FFF2-40B4-BE49-F238E27FC236}">
-                <a16:creationId xmlns:a16="http://schemas.microsoft.com/office/drawing/2014/main" id="{F2C2992F-979A-8B66-CB05-BCA520B1A094}"/>
-              </a:ext>
-            </a:extLst>
-          </p:cNvPr>
-          <p:cNvSpPr>
-            <a:spLocks noGrp="1"/>
-          </p:cNvSpPr>
-          <p:nvPr>
-            <p:ph idx="1"/>
-          </p:nvPr>
-        </p:nvSpPr>
-        <p:spPr/>
-        <p:txBody>
-          <a:bodyPr/>
-          <a:lstStyle/>
-          <a:p>
-            <a:r>
-              <a:rPr lang="en-US" altLang="zh-CN" dirty="0"/>
-              <a:t>A</a:t>
-            </a:r>
-            <a:r>
-              <a:rPr lang="zh-CN" altLang="en-US" dirty="0"/>
-              <a:t> </a:t>
-            </a:r>
-            <a:r>
-              <a:rPr lang="en-US" altLang="zh-CN" dirty="0"/>
-              <a:t>simple</a:t>
-            </a:r>
-            <a:r>
-              <a:rPr lang="zh-CN" altLang="en-US" dirty="0"/>
-              <a:t> </a:t>
-            </a:r>
-            <a:r>
-              <a:rPr lang="en-US" altLang="zh-CN" dirty="0"/>
-              <a:t>game</a:t>
-            </a:r>
-            <a:r>
-              <a:rPr lang="zh-CN" altLang="en-US" dirty="0"/>
-              <a:t> </a:t>
-            </a:r>
-            <a:r>
-              <a:rPr lang="en-US" altLang="zh-CN" dirty="0"/>
-              <a:t>with</a:t>
-            </a:r>
-            <a:r>
-              <a:rPr lang="zh-CN" altLang="en-US" dirty="0"/>
-              <a:t> </a:t>
-            </a:r>
-            <a:r>
-              <a:rPr lang="en-US" altLang="zh-CN" dirty="0"/>
-              <a:t>minimal</a:t>
-            </a:r>
-            <a:r>
-              <a:rPr lang="zh-CN" altLang="en-US" dirty="0"/>
-              <a:t> </a:t>
-            </a:r>
-            <a:r>
-              <a:rPr lang="en-US" altLang="zh-CN" dirty="0"/>
-              <a:t>domain</a:t>
-            </a:r>
-            <a:r>
-              <a:rPr lang="zh-CN" altLang="en-US" dirty="0"/>
-              <a:t> </a:t>
-            </a:r>
-            <a:r>
-              <a:rPr lang="en-US" altLang="zh-CN" dirty="0"/>
-              <a:t>knowledge</a:t>
-            </a:r>
-          </a:p>
-          <a:p>
-            <a:r>
-              <a:rPr lang="en-US" altLang="zh-CN" dirty="0"/>
-              <a:t>Some</a:t>
-            </a:r>
-            <a:r>
-              <a:rPr lang="zh-CN" altLang="en-US" dirty="0"/>
-              <a:t> </a:t>
-            </a:r>
-            <a:r>
-              <a:rPr lang="en-US" altLang="zh-CN" dirty="0"/>
-              <a:t>level</a:t>
-            </a:r>
-            <a:r>
-              <a:rPr lang="zh-CN" altLang="en-US" dirty="0"/>
-              <a:t> </a:t>
-            </a:r>
-            <a:r>
-              <a:rPr lang="en-US" altLang="zh-CN" dirty="0"/>
-              <a:t>of</a:t>
-            </a:r>
-            <a:r>
-              <a:rPr lang="zh-CN" altLang="en-US" dirty="0"/>
-              <a:t> </a:t>
-            </a:r>
-            <a:r>
-              <a:rPr lang="en-US" altLang="zh-CN" dirty="0"/>
-              <a:t>complexity</a:t>
-            </a:r>
-            <a:r>
-              <a:rPr lang="zh-CN" altLang="en-US" dirty="0"/>
-              <a:t> </a:t>
-            </a:r>
-            <a:r>
-              <a:rPr lang="en-US" altLang="zh-CN" dirty="0"/>
-              <a:t>will</a:t>
-            </a:r>
-            <a:r>
-              <a:rPr lang="zh-CN" altLang="en-US" dirty="0"/>
-              <a:t> </a:t>
-            </a:r>
-            <a:r>
-              <a:rPr lang="en-US" altLang="zh-CN" dirty="0"/>
-              <a:t>be</a:t>
-            </a:r>
-            <a:r>
-              <a:rPr lang="zh-CN" altLang="en-US" dirty="0"/>
-              <a:t> </a:t>
-            </a:r>
-            <a:r>
-              <a:rPr lang="en-US" altLang="zh-CN" dirty="0"/>
-              <a:t>incorporated</a:t>
-            </a:r>
-            <a:r>
-              <a:rPr lang="zh-CN" altLang="en-US" dirty="0"/>
-              <a:t> </a:t>
-            </a:r>
-            <a:r>
-              <a:rPr lang="en-US" altLang="zh-CN" dirty="0"/>
-              <a:t>into</a:t>
-            </a:r>
-            <a:r>
-              <a:rPr lang="zh-CN" altLang="en-US" dirty="0"/>
-              <a:t> </a:t>
-            </a:r>
-            <a:r>
-              <a:rPr lang="en-US" altLang="zh-CN" dirty="0"/>
-              <a:t>the</a:t>
-            </a:r>
-            <a:r>
-              <a:rPr lang="zh-CN" altLang="en-US" dirty="0"/>
-              <a:t> </a:t>
-            </a:r>
-            <a:r>
-              <a:rPr lang="en-US" altLang="zh-CN" dirty="0"/>
-              <a:t>software</a:t>
-            </a:r>
-            <a:endParaRPr lang="en-US" dirty="0"/>
-          </a:p>
-        </p:txBody>
-      </p:sp>
-    </p:spTree>
-    <p:extLst>
-      <p:ext uri="{BB962C8B-B14F-4D97-AF65-F5344CB8AC3E}">
-        <p14:creationId xmlns:p14="http://schemas.microsoft.com/office/powerpoint/2010/main" val="2516142745"/>
       </p:ext>
     </p:extLst>
   </p:cSld>
@@ -5935,6 +6230,521 @@
           <p:cNvPr id="2" name="Title 1">
             <a:extLst>
               <a:ext uri="{FF2B5EF4-FFF2-40B4-BE49-F238E27FC236}">
+                <a16:creationId xmlns:a16="http://schemas.microsoft.com/office/drawing/2014/main" id="{4A2729CB-0960-6997-CBE8-37D8858DA014}"/>
+              </a:ext>
+            </a:extLst>
+          </p:cNvPr>
+          <p:cNvSpPr>
+            <a:spLocks noGrp="1"/>
+          </p:cNvSpPr>
+          <p:nvPr>
+            <p:ph type="title"/>
+          </p:nvPr>
+        </p:nvSpPr>
+        <p:spPr/>
+        <p:txBody>
+          <a:bodyPr/>
+          <a:lstStyle/>
+          <a:p>
+            <a:r>
+              <a:rPr lang="en-US" dirty="0"/>
+              <a:t>Acknowledgements</a:t>
+            </a:r>
+          </a:p>
+        </p:txBody>
+      </p:sp>
+      <p:sp>
+        <p:nvSpPr>
+          <p:cNvPr id="3" name="Content Placeholder 2">
+            <a:extLst>
+              <a:ext uri="{FF2B5EF4-FFF2-40B4-BE49-F238E27FC236}">
+                <a16:creationId xmlns:a16="http://schemas.microsoft.com/office/drawing/2014/main" id="{CD390941-739F-1D0B-49B3-899054F005BF}"/>
+              </a:ext>
+            </a:extLst>
+          </p:cNvPr>
+          <p:cNvSpPr>
+            <a:spLocks noGrp="1"/>
+          </p:cNvSpPr>
+          <p:nvPr>
+            <p:ph idx="1"/>
+          </p:nvPr>
+        </p:nvSpPr>
+        <p:spPr/>
+        <p:txBody>
+          <a:bodyPr/>
+          <a:lstStyle/>
+          <a:p>
+            <a:r>
+              <a:rPr lang="en-US" dirty="0"/>
+              <a:t>Course materials are inspired by or adapted from previous offerings of CS 6100 by Prof. Bill Lord, and the open source teaching materials by Prof. Florian </a:t>
+            </a:r>
+            <a:r>
+              <a:rPr lang="en-US" dirty="0" err="1"/>
+              <a:t>Echtler</a:t>
+            </a:r>
+            <a:r>
+              <a:rPr lang="en-US" dirty="0"/>
+              <a:t>.</a:t>
+            </a:r>
+          </a:p>
+        </p:txBody>
+      </p:sp>
+    </p:spTree>
+    <p:extLst>
+      <p:ext uri="{BB962C8B-B14F-4D97-AF65-F5344CB8AC3E}">
+        <p14:creationId xmlns:p14="http://schemas.microsoft.com/office/powerpoint/2010/main" val="2219594394"/>
+      </p:ext>
+    </p:extLst>
+  </p:cSld>
+  <p:clrMapOvr>
+    <a:masterClrMapping/>
+  </p:clrMapOvr>
+</p:sld>
+</file>
+
+<file path=ppt/slides/slide26.xml><?xml version="1.0" encoding="utf-8"?>
+<p:sld xmlns:a="http://schemas.openxmlformats.org/drawingml/2006/main" xmlns:r="http://schemas.openxmlformats.org/officeDocument/2006/relationships" xmlns:p="http://schemas.openxmlformats.org/presentationml/2006/main">
+  <p:cSld>
+    <p:spTree>
+      <p:nvGrpSpPr>
+        <p:cNvPr id="1" name="">
+          <a:extLst>
+            <a:ext uri="{FF2B5EF4-FFF2-40B4-BE49-F238E27FC236}">
+              <a16:creationId xmlns:a16="http://schemas.microsoft.com/office/drawing/2014/main" id="{F71B5652-0A0C-D84D-A68C-2537E6823D9E}"/>
+            </a:ext>
+          </a:extLst>
+        </p:cNvPr>
+        <p:cNvGrpSpPr/>
+        <p:nvPr/>
+      </p:nvGrpSpPr>
+      <p:grpSpPr>
+        <a:xfrm>
+          <a:off x="0" y="0"/>
+          <a:ext cx="0" cy="0"/>
+          <a:chOff x="0" y="0"/>
+          <a:chExt cx="0" cy="0"/>
+        </a:xfrm>
+      </p:grpSpPr>
+      <p:sp>
+        <p:nvSpPr>
+          <p:cNvPr id="2" name="Title 1">
+            <a:extLst>
+              <a:ext uri="{FF2B5EF4-FFF2-40B4-BE49-F238E27FC236}">
+                <a16:creationId xmlns:a16="http://schemas.microsoft.com/office/drawing/2014/main" id="{3438CADF-BE77-DE6C-63FE-E997C80592D2}"/>
+              </a:ext>
+            </a:extLst>
+          </p:cNvPr>
+          <p:cNvSpPr>
+            <a:spLocks noGrp="1"/>
+          </p:cNvSpPr>
+          <p:nvPr>
+            <p:ph type="title"/>
+          </p:nvPr>
+        </p:nvSpPr>
+        <p:spPr/>
+        <p:txBody>
+          <a:bodyPr/>
+          <a:lstStyle/>
+          <a:p>
+            <a:r>
+              <a:rPr lang="en-US" dirty="0"/>
+              <a:t>Course logistics</a:t>
+            </a:r>
+          </a:p>
+        </p:txBody>
+      </p:sp>
+      <p:sp>
+        <p:nvSpPr>
+          <p:cNvPr id="3" name="Content Placeholder 2">
+            <a:extLst>
+              <a:ext uri="{FF2B5EF4-FFF2-40B4-BE49-F238E27FC236}">
+                <a16:creationId xmlns:a16="http://schemas.microsoft.com/office/drawing/2014/main" id="{765C16D0-F01F-DC8F-D5F1-DFF527015B44}"/>
+              </a:ext>
+            </a:extLst>
+          </p:cNvPr>
+          <p:cNvSpPr>
+            <a:spLocks noGrp="1"/>
+          </p:cNvSpPr>
+          <p:nvPr>
+            <p:ph idx="1"/>
+          </p:nvPr>
+        </p:nvSpPr>
+        <p:spPr/>
+        <p:txBody>
+          <a:bodyPr>
+            <a:normAutofit/>
+          </a:bodyPr>
+          <a:lstStyle/>
+          <a:p>
+            <a:r>
+              <a:rPr lang="en-US" dirty="0"/>
+              <a:t>Textbook (reference)</a:t>
+            </a:r>
+          </a:p>
+          <a:p>
+            <a:pPr lvl="1"/>
+            <a:r>
+              <a:rPr lang="en-US" dirty="0"/>
+              <a:t>Software Engineering</a:t>
+            </a:r>
+            <a:r>
+              <a:rPr lang="zh-CN" altLang="en-US" dirty="0"/>
+              <a:t> </a:t>
+            </a:r>
+            <a:r>
+              <a:rPr lang="en-US" altLang="zh-CN" dirty="0"/>
+              <a:t>10th</a:t>
+            </a:r>
+            <a:r>
+              <a:rPr lang="zh-CN" altLang="en-US" dirty="0"/>
+              <a:t> </a:t>
+            </a:r>
+            <a:r>
+              <a:rPr lang="en-US" altLang="zh-CN" dirty="0"/>
+              <a:t>edition,</a:t>
+            </a:r>
+            <a:r>
+              <a:rPr lang="zh-CN" altLang="en-US" dirty="0"/>
+              <a:t> </a:t>
+            </a:r>
+            <a:r>
+              <a:rPr lang="en-US" altLang="zh-CN" dirty="0"/>
+              <a:t>by</a:t>
+            </a:r>
+            <a:r>
+              <a:rPr lang="en-US" dirty="0"/>
+              <a:t> Ian Sommerville</a:t>
+            </a:r>
+          </a:p>
+          <a:p>
+            <a:r>
+              <a:rPr lang="en-US" dirty="0"/>
+              <a:t>Prerequisites</a:t>
+            </a:r>
+          </a:p>
+          <a:p>
+            <a:pPr lvl="1"/>
+            <a:r>
+              <a:rPr lang="en-US" dirty="0"/>
+              <a:t>Basic programming skills</a:t>
+            </a:r>
+          </a:p>
+          <a:p>
+            <a:r>
+              <a:rPr lang="en-US" dirty="0"/>
+              <a:t>Final grade</a:t>
+            </a:r>
+          </a:p>
+          <a:p>
+            <a:pPr lvl="1"/>
+            <a:r>
+              <a:rPr lang="en-US" dirty="0"/>
+              <a:t>20% homework assignments</a:t>
+            </a:r>
+          </a:p>
+          <a:p>
+            <a:pPr lvl="1"/>
+            <a:r>
+              <a:rPr lang="en-US" dirty="0"/>
+              <a:t>20% midterm exam</a:t>
+            </a:r>
+          </a:p>
+          <a:p>
+            <a:pPr lvl="1"/>
+            <a:r>
+              <a:rPr lang="en-US" dirty="0"/>
+              <a:t>60% software engineering project</a:t>
+            </a:r>
+          </a:p>
+          <a:p>
+            <a:endParaRPr lang="en-US" dirty="0"/>
+          </a:p>
+          <a:p>
+            <a:pPr lvl="1"/>
+            <a:endParaRPr lang="en-US" dirty="0"/>
+          </a:p>
+        </p:txBody>
+      </p:sp>
+    </p:spTree>
+    <p:extLst>
+      <p:ext uri="{BB962C8B-B14F-4D97-AF65-F5344CB8AC3E}">
+        <p14:creationId xmlns:p14="http://schemas.microsoft.com/office/powerpoint/2010/main" val="1525870370"/>
+      </p:ext>
+    </p:extLst>
+  </p:cSld>
+  <p:clrMapOvr>
+    <a:masterClrMapping/>
+  </p:clrMapOvr>
+</p:sld>
+</file>
+
+<file path=ppt/slides/slide27.xml><?xml version="1.0" encoding="utf-8"?>
+<p:sld xmlns:a="http://schemas.openxmlformats.org/drawingml/2006/main" xmlns:r="http://schemas.openxmlformats.org/officeDocument/2006/relationships" xmlns:p="http://schemas.openxmlformats.org/presentationml/2006/main">
+  <p:cSld>
+    <p:spTree>
+      <p:nvGrpSpPr>
+        <p:cNvPr id="1" name=""/>
+        <p:cNvGrpSpPr/>
+        <p:nvPr/>
+      </p:nvGrpSpPr>
+      <p:grpSpPr>
+        <a:xfrm>
+          <a:off x="0" y="0"/>
+          <a:ext cx="0" cy="0"/>
+          <a:chOff x="0" y="0"/>
+          <a:chExt cx="0" cy="0"/>
+        </a:xfrm>
+      </p:grpSpPr>
+      <p:sp>
+        <p:nvSpPr>
+          <p:cNvPr id="2" name="Title 1">
+            <a:extLst>
+              <a:ext uri="{FF2B5EF4-FFF2-40B4-BE49-F238E27FC236}">
+                <a16:creationId xmlns:a16="http://schemas.microsoft.com/office/drawing/2014/main" id="{9C7CF2B7-80AC-CA7B-C097-F09CCBE35A9D}"/>
+              </a:ext>
+            </a:extLst>
+          </p:cNvPr>
+          <p:cNvSpPr>
+            <a:spLocks noGrp="1"/>
+          </p:cNvSpPr>
+          <p:nvPr>
+            <p:ph type="title"/>
+          </p:nvPr>
+        </p:nvSpPr>
+        <p:spPr/>
+        <p:txBody>
+          <a:bodyPr/>
+          <a:lstStyle/>
+          <a:p>
+            <a:r>
+              <a:rPr lang="en-US" dirty="0"/>
+              <a:t>Semester</a:t>
+            </a:r>
+            <a:r>
+              <a:rPr lang="en-US" altLang="zh-CN" dirty="0"/>
+              <a:t>-Long</a:t>
+            </a:r>
+            <a:r>
+              <a:rPr lang="en-US" dirty="0"/>
+              <a:t> </a:t>
+            </a:r>
+            <a:r>
+              <a:rPr lang="en-US" altLang="zh-CN" dirty="0"/>
+              <a:t>P</a:t>
+            </a:r>
+            <a:r>
+              <a:rPr lang="en-US" dirty="0"/>
+              <a:t>roject – </a:t>
+            </a:r>
+            <a:r>
+              <a:rPr lang="en-US" dirty="0" err="1"/>
+              <a:t>Gomoku</a:t>
+            </a:r>
+            <a:r>
+              <a:rPr lang="en-US" dirty="0"/>
+              <a:t> </a:t>
+            </a:r>
+            <a:r>
+              <a:rPr lang="en-US" altLang="zh-CN" dirty="0"/>
+              <a:t>G</a:t>
+            </a:r>
+            <a:r>
+              <a:rPr lang="en-US" dirty="0"/>
+              <a:t>ame</a:t>
+            </a:r>
+          </a:p>
+        </p:txBody>
+      </p:sp>
+      <p:sp>
+        <p:nvSpPr>
+          <p:cNvPr id="3" name="Content Placeholder 2">
+            <a:extLst>
+              <a:ext uri="{FF2B5EF4-FFF2-40B4-BE49-F238E27FC236}">
+                <a16:creationId xmlns:a16="http://schemas.microsoft.com/office/drawing/2014/main" id="{F2C2992F-979A-8B66-CB05-BCA520B1A094}"/>
+              </a:ext>
+            </a:extLst>
+          </p:cNvPr>
+          <p:cNvSpPr>
+            <a:spLocks noGrp="1"/>
+          </p:cNvSpPr>
+          <p:nvPr>
+            <p:ph idx="1"/>
+          </p:nvPr>
+        </p:nvSpPr>
+        <p:spPr/>
+        <p:txBody>
+          <a:bodyPr/>
+          <a:lstStyle/>
+          <a:p>
+            <a:r>
+              <a:rPr lang="en-US" altLang="zh-CN" dirty="0"/>
+              <a:t>A</a:t>
+            </a:r>
+            <a:r>
+              <a:rPr lang="zh-CN" altLang="en-US" dirty="0"/>
+              <a:t> </a:t>
+            </a:r>
+            <a:r>
+              <a:rPr lang="en-US" altLang="zh-CN" dirty="0"/>
+              <a:t>simple</a:t>
+            </a:r>
+            <a:r>
+              <a:rPr lang="zh-CN" altLang="en-US" dirty="0"/>
+              <a:t> </a:t>
+            </a:r>
+            <a:r>
+              <a:rPr lang="en-US" altLang="zh-CN" dirty="0"/>
+              <a:t>game</a:t>
+            </a:r>
+            <a:r>
+              <a:rPr lang="zh-CN" altLang="en-US" dirty="0"/>
+              <a:t> </a:t>
+            </a:r>
+            <a:r>
+              <a:rPr lang="en-US" altLang="zh-CN" dirty="0"/>
+              <a:t>with</a:t>
+            </a:r>
+            <a:r>
+              <a:rPr lang="zh-CN" altLang="en-US" dirty="0"/>
+              <a:t> </a:t>
+            </a:r>
+            <a:r>
+              <a:rPr lang="en-US" altLang="zh-CN" dirty="0"/>
+              <a:t>minimal</a:t>
+            </a:r>
+            <a:r>
+              <a:rPr lang="zh-CN" altLang="en-US" dirty="0"/>
+              <a:t> </a:t>
+            </a:r>
+            <a:r>
+              <a:rPr lang="en-US" altLang="zh-CN" dirty="0"/>
+              <a:t>domain</a:t>
+            </a:r>
+            <a:r>
+              <a:rPr lang="zh-CN" altLang="en-US" dirty="0"/>
+              <a:t> </a:t>
+            </a:r>
+            <a:r>
+              <a:rPr lang="en-US" altLang="zh-CN" dirty="0"/>
+              <a:t>knowledge</a:t>
+            </a:r>
+          </a:p>
+          <a:p>
+            <a:r>
+              <a:rPr lang="en-US" altLang="zh-CN" dirty="0"/>
+              <a:t>Some</a:t>
+            </a:r>
+            <a:r>
+              <a:rPr lang="zh-CN" altLang="en-US" dirty="0"/>
+              <a:t> </a:t>
+            </a:r>
+            <a:r>
+              <a:rPr lang="en-US" altLang="zh-CN" dirty="0"/>
+              <a:t>level</a:t>
+            </a:r>
+            <a:r>
+              <a:rPr lang="zh-CN" altLang="en-US" dirty="0"/>
+              <a:t> </a:t>
+            </a:r>
+            <a:r>
+              <a:rPr lang="en-US" altLang="zh-CN" dirty="0"/>
+              <a:t>of</a:t>
+            </a:r>
+            <a:r>
+              <a:rPr lang="zh-CN" altLang="en-US" dirty="0"/>
+              <a:t> </a:t>
+            </a:r>
+            <a:r>
+              <a:rPr lang="en-US" altLang="zh-CN" dirty="0"/>
+              <a:t>complexity</a:t>
+            </a:r>
+            <a:r>
+              <a:rPr lang="zh-CN" altLang="en-US" dirty="0"/>
+              <a:t> </a:t>
+            </a:r>
+            <a:r>
+              <a:rPr lang="en-US" altLang="zh-CN" dirty="0"/>
+              <a:t>will</a:t>
+            </a:r>
+            <a:r>
+              <a:rPr lang="zh-CN" altLang="en-US" dirty="0"/>
+              <a:t> </a:t>
+            </a:r>
+            <a:r>
+              <a:rPr lang="en-US" altLang="zh-CN" dirty="0"/>
+              <a:t>be</a:t>
+            </a:r>
+            <a:r>
+              <a:rPr lang="zh-CN" altLang="en-US" dirty="0"/>
+              <a:t> </a:t>
+            </a:r>
+            <a:r>
+              <a:rPr lang="en-US" altLang="zh-CN" dirty="0"/>
+              <a:t>incorporated</a:t>
+            </a:r>
+            <a:r>
+              <a:rPr lang="zh-CN" altLang="en-US" dirty="0"/>
+              <a:t> </a:t>
+            </a:r>
+            <a:r>
+              <a:rPr lang="en-US" altLang="zh-CN" dirty="0"/>
+              <a:t>into</a:t>
+            </a:r>
+            <a:r>
+              <a:rPr lang="zh-CN" altLang="en-US" dirty="0"/>
+              <a:t> </a:t>
+            </a:r>
+            <a:r>
+              <a:rPr lang="en-US" altLang="zh-CN" dirty="0"/>
+              <a:t>the</a:t>
+            </a:r>
+            <a:r>
+              <a:rPr lang="zh-CN" altLang="en-US" dirty="0"/>
+              <a:t> </a:t>
+            </a:r>
+            <a:r>
+              <a:rPr lang="en-US" altLang="zh-CN" dirty="0"/>
+              <a:t>software</a:t>
+            </a:r>
+            <a:endParaRPr lang="en-US" dirty="0"/>
+          </a:p>
+        </p:txBody>
+      </p:sp>
+    </p:spTree>
+    <p:extLst>
+      <p:ext uri="{BB962C8B-B14F-4D97-AF65-F5344CB8AC3E}">
+        <p14:creationId xmlns:p14="http://schemas.microsoft.com/office/powerpoint/2010/main" val="2516142745"/>
+      </p:ext>
+    </p:extLst>
+  </p:cSld>
+  <p:clrMapOvr>
+    <a:masterClrMapping/>
+  </p:clrMapOvr>
+</p:sld>
+</file>
+
+<file path=ppt/slides/slide28.xml><?xml version="1.0" encoding="utf-8"?>
+<p:sld xmlns:a="http://schemas.openxmlformats.org/drawingml/2006/main" xmlns:r="http://schemas.openxmlformats.org/officeDocument/2006/relationships" xmlns:p="http://schemas.openxmlformats.org/presentationml/2006/main">
+  <p:cSld>
+    <p:spTree>
+      <p:nvGrpSpPr>
+        <p:cNvPr id="1" name=""/>
+        <p:cNvGrpSpPr/>
+        <p:nvPr/>
+      </p:nvGrpSpPr>
+      <p:grpSpPr>
+        <a:xfrm>
+          <a:off x="0" y="0"/>
+          <a:ext cx="0" cy="0"/>
+          <a:chOff x="0" y="0"/>
+          <a:chExt cx="0" cy="0"/>
+        </a:xfrm>
+      </p:grpSpPr>
+      <p:sp>
+        <p:nvSpPr>
+          <p:cNvPr id="2" name="Title 1">
+            <a:extLst>
+              <a:ext uri="{FF2B5EF4-FFF2-40B4-BE49-F238E27FC236}">
                 <a16:creationId xmlns:a16="http://schemas.microsoft.com/office/drawing/2014/main" id="{9F727561-83A4-2119-D7B4-E7CFB862333E}"/>
               </a:ext>
             </a:extLst>
@@ -6017,7 +6827,7 @@
 </p:sld>
 </file>
 
-<file path=ppt/slides/slide26.xml><?xml version="1.0" encoding="utf-8"?>
+<file path=ppt/slides/slide29.xml><?xml version="1.0" encoding="utf-8"?>
 <p:sld xmlns:a="http://schemas.openxmlformats.org/drawingml/2006/main" xmlns:r="http://schemas.openxmlformats.org/officeDocument/2006/relationships" xmlns:p="http://schemas.openxmlformats.org/presentationml/2006/main">
   <p:cSld>
     <p:spTree>
@@ -6361,7 +7171,7 @@
             </a:r>
             <a:r>
               <a:rPr lang="en-US" dirty="0"/>
-              <a:t> a collection of programs + documentation + configuration + processes.</a:t>
+              <a:t> computer programs, procedures, and possibly associated documentation and data pertaining to the operation of a computer system.</a:t>
             </a:r>
           </a:p>
           <a:p>
@@ -6373,7 +7183,7 @@
             </a:pPr>
             <a:r>
               <a:rPr lang="en-US" altLang="zh-CN" dirty="0"/>
-              <a:t>Program</a:t>
+              <a:t>Programs</a:t>
             </a:r>
             <a:r>
               <a:rPr lang="zh-CN" altLang="en-US" dirty="0"/>
@@ -6389,7 +7199,7 @@
             </a:r>
             <a:r>
               <a:rPr lang="en-US" altLang="zh-CN" dirty="0"/>
-              <a:t>is</a:t>
+              <a:t>are</a:t>
             </a:r>
             <a:r>
               <a:rPr lang="zh-CN" altLang="en-US" dirty="0"/>
@@ -6421,7 +7231,7 @@
             </a:r>
             <a:r>
               <a:rPr lang="en-US" altLang="zh-CN" dirty="0"/>
-              <a:t>software</a:t>
+              <a:t>software.</a:t>
             </a:r>
             <a:endParaRPr lang="en-US" dirty="0"/>
           </a:p>
@@ -7073,38 +7883,49 @@
       </p:pic>
       <p:pic>
         <p:nvPicPr>
-          <p:cNvPr id="16" name="Picture 15">
-            <a:extLst>
-              <a:ext uri="{FF2B5EF4-FFF2-40B4-BE49-F238E27FC236}">
-                <a16:creationId xmlns:a16="http://schemas.microsoft.com/office/drawing/2014/main" id="{1A6EA1C6-A7A3-0C9C-4CCA-D1B311865E18}"/>
+          <p:cNvPr id="1026" name="Picture 2" descr="Minsk, Belarus - 03-27-2023. OpenAI and ChatGPT logo. artifical chatbot  system. chat bot button for web, app and phone icon symbol. editorial  vector illustration 21972603 Vector Art at Vecteezy">
+            <a:extLst>
+              <a:ext uri="{FF2B5EF4-FFF2-40B4-BE49-F238E27FC236}">
+                <a16:creationId xmlns:a16="http://schemas.microsoft.com/office/drawing/2014/main" id="{5216A32F-E7B6-E440-1690-4958ECF6D622}"/>
               </a:ext>
             </a:extLst>
           </p:cNvPr>
           <p:cNvPicPr>
-            <a:picLocks noChangeAspect="1"/>
+            <a:picLocks noChangeAspect="1" noChangeArrowheads="1"/>
           </p:cNvPicPr>
           <p:nvPr/>
         </p:nvPicPr>
         <p:blipFill>
           <a:blip r:embed="rId16">
             <a:extLst>
-              <a:ext uri="{837473B0-CC2E-450A-ABE3-18F120FF3D39}">
-                <a1611:picAttrSrcUrl xmlns:a1611="http://schemas.microsoft.com/office/drawing/2016/11/main" r:id="rId17"/>
+              <a:ext uri="{28A0092B-C50C-407E-A947-70E740481C1C}">
+                <a14:useLocalDpi xmlns:a14="http://schemas.microsoft.com/office/drawing/2010/main" val="0"/>
               </a:ext>
             </a:extLst>
           </a:blip>
+          <a:srcRect/>
           <a:stretch>
             <a:fillRect/>
           </a:stretch>
         </p:blipFill>
-        <p:spPr>
+        <p:spPr bwMode="auto">
           <a:xfrm>
-            <a:off x="8551539" y="5590565"/>
-            <a:ext cx="1384314" cy="942487"/>
+            <a:off x="8410792" y="5560069"/>
+            <a:ext cx="1114208" cy="1114208"/>
           </a:xfrm>
           <a:prstGeom prst="rect">
             <a:avLst/>
           </a:prstGeom>
+          <a:noFill/>
+          <a:extLst>
+            <a:ext uri="{909E8E84-426E-40DD-AFC4-6F175D3DCCD1}">
+              <a14:hiddenFill xmlns:a14="http://schemas.microsoft.com/office/drawing/2010/main">
+                <a:solidFill>
+                  <a:srgbClr val="FFFFFF"/>
+                </a:solidFill>
+              </a14:hiddenFill>
+            </a:ext>
+          </a:extLst>
         </p:spPr>
       </p:pic>
     </p:spTree>

--- a/slides/Lecture1.pptx
+++ b/slides/Lecture1.pptx
@@ -4,6 +4,9 @@
   <p:sldMasterIdLst>
     <p:sldMasterId id="2147483648" r:id="rId1"/>
   </p:sldMasterIdLst>
+  <p:notesMasterIdLst>
+    <p:notesMasterId r:id="rId38"/>
+  </p:notesMasterIdLst>
   <p:sldIdLst>
     <p:sldId id="256" r:id="rId2"/>
     <p:sldId id="257" r:id="rId3"/>
@@ -23,17 +26,24 @@
     <p:sldId id="280" r:id="rId17"/>
     <p:sldId id="281" r:id="rId18"/>
     <p:sldId id="282" r:id="rId19"/>
-    <p:sldId id="271" r:id="rId20"/>
-    <p:sldId id="272" r:id="rId21"/>
-    <p:sldId id="273" r:id="rId22"/>
-    <p:sldId id="274" r:id="rId23"/>
-    <p:sldId id="275" r:id="rId24"/>
-    <p:sldId id="276" r:id="rId25"/>
-    <p:sldId id="285" r:id="rId26"/>
-    <p:sldId id="269" r:id="rId27"/>
-    <p:sldId id="270" r:id="rId28"/>
-    <p:sldId id="283" r:id="rId29"/>
-    <p:sldId id="284" r:id="rId30"/>
+    <p:sldId id="288" r:id="rId20"/>
+    <p:sldId id="290" r:id="rId21"/>
+    <p:sldId id="276" r:id="rId22"/>
+    <p:sldId id="285" r:id="rId23"/>
+    <p:sldId id="269" r:id="rId24"/>
+    <p:sldId id="270" r:id="rId25"/>
+    <p:sldId id="283" r:id="rId26"/>
+    <p:sldId id="291" r:id="rId27"/>
+    <p:sldId id="292" r:id="rId28"/>
+    <p:sldId id="293" r:id="rId29"/>
+    <p:sldId id="294" r:id="rId30"/>
+    <p:sldId id="295" r:id="rId31"/>
+    <p:sldId id="289" r:id="rId32"/>
+    <p:sldId id="284" r:id="rId33"/>
+    <p:sldId id="271" r:id="rId34"/>
+    <p:sldId id="272" r:id="rId35"/>
+    <p:sldId id="273" r:id="rId36"/>
+    <p:sldId id="274" r:id="rId37"/>
   </p:sldIdLst>
   <p:sldSz cx="12192000" cy="6858000"/>
   <p:notesSz cx="6858000" cy="9144000"/>
@@ -140,6 +150,779 @@
 </p:presentation>
 </file>
 
+<file path=ppt/notesMasters/notesMaster1.xml><?xml version="1.0" encoding="utf-8"?>
+<p:notesMaster xmlns:a="http://schemas.openxmlformats.org/drawingml/2006/main" xmlns:r="http://schemas.openxmlformats.org/officeDocument/2006/relationships" xmlns:p="http://schemas.openxmlformats.org/presentationml/2006/main">
+  <p:cSld>
+    <p:bg>
+      <p:bgRef idx="1001">
+        <a:schemeClr val="bg1"/>
+      </p:bgRef>
+    </p:bg>
+    <p:spTree>
+      <p:nvGrpSpPr>
+        <p:cNvPr id="1" name=""/>
+        <p:cNvGrpSpPr/>
+        <p:nvPr/>
+      </p:nvGrpSpPr>
+      <p:grpSpPr>
+        <a:xfrm>
+          <a:off x="0" y="0"/>
+          <a:ext cx="0" cy="0"/>
+          <a:chOff x="0" y="0"/>
+          <a:chExt cx="0" cy="0"/>
+        </a:xfrm>
+      </p:grpSpPr>
+      <p:sp>
+        <p:nvSpPr>
+          <p:cNvPr id="2" name="Header Placeholder 1"/>
+          <p:cNvSpPr>
+            <a:spLocks noGrp="1"/>
+          </p:cNvSpPr>
+          <p:nvPr>
+            <p:ph type="hdr" sz="quarter"/>
+          </p:nvPr>
+        </p:nvSpPr>
+        <p:spPr>
+          <a:xfrm>
+            <a:off x="0" y="0"/>
+            <a:ext cx="2971800" cy="458788"/>
+          </a:xfrm>
+          <a:prstGeom prst="rect">
+            <a:avLst/>
+          </a:prstGeom>
+        </p:spPr>
+        <p:txBody>
+          <a:bodyPr vert="horz" lIns="91440" tIns="45720" rIns="91440" bIns="45720" rtlCol="0"/>
+          <a:lstStyle>
+            <a:lvl1pPr algn="l">
+              <a:defRPr sz="1200"/>
+            </a:lvl1pPr>
+          </a:lstStyle>
+          <a:p>
+            <a:endParaRPr lang="en-US"/>
+          </a:p>
+        </p:txBody>
+      </p:sp>
+      <p:sp>
+        <p:nvSpPr>
+          <p:cNvPr id="3" name="Date Placeholder 2"/>
+          <p:cNvSpPr>
+            <a:spLocks noGrp="1"/>
+          </p:cNvSpPr>
+          <p:nvPr>
+            <p:ph type="dt" idx="1"/>
+          </p:nvPr>
+        </p:nvSpPr>
+        <p:spPr>
+          <a:xfrm>
+            <a:off x="3884613" y="0"/>
+            <a:ext cx="2971800" cy="458788"/>
+          </a:xfrm>
+          <a:prstGeom prst="rect">
+            <a:avLst/>
+          </a:prstGeom>
+        </p:spPr>
+        <p:txBody>
+          <a:bodyPr vert="horz" lIns="91440" tIns="45720" rIns="91440" bIns="45720" rtlCol="0"/>
+          <a:lstStyle>
+            <a:lvl1pPr algn="r">
+              <a:defRPr sz="1200"/>
+            </a:lvl1pPr>
+          </a:lstStyle>
+          <a:p>
+            <a:fld id="{E87D854A-D757-5C4C-A465-3201C554EB8D}" type="datetimeFigureOut">
+              <a:rPr lang="en-US" smtClean="0"/>
+              <a:t>8/8/25</a:t>
+            </a:fld>
+            <a:endParaRPr lang="en-US"/>
+          </a:p>
+        </p:txBody>
+      </p:sp>
+      <p:sp>
+        <p:nvSpPr>
+          <p:cNvPr id="4" name="Slide Image Placeholder 3"/>
+          <p:cNvSpPr>
+            <a:spLocks noGrp="1" noRot="1" noChangeAspect="1"/>
+          </p:cNvSpPr>
+          <p:nvPr>
+            <p:ph type="sldImg" idx="2"/>
+          </p:nvPr>
+        </p:nvSpPr>
+        <p:spPr>
+          <a:xfrm>
+            <a:off x="685800" y="1143000"/>
+            <a:ext cx="5486400" cy="3086100"/>
+          </a:xfrm>
+          <a:prstGeom prst="rect">
+            <a:avLst/>
+          </a:prstGeom>
+          <a:noFill/>
+          <a:ln w="12700">
+            <a:solidFill>
+              <a:prstClr val="black"/>
+            </a:solidFill>
+          </a:ln>
+        </p:spPr>
+        <p:txBody>
+          <a:bodyPr vert="horz" lIns="91440" tIns="45720" rIns="91440" bIns="45720" rtlCol="0" anchor="ctr"/>
+          <a:lstStyle/>
+          <a:p>
+            <a:endParaRPr lang="en-US"/>
+          </a:p>
+        </p:txBody>
+      </p:sp>
+      <p:sp>
+        <p:nvSpPr>
+          <p:cNvPr id="5" name="Notes Placeholder 4"/>
+          <p:cNvSpPr>
+            <a:spLocks noGrp="1"/>
+          </p:cNvSpPr>
+          <p:nvPr>
+            <p:ph type="body" sz="quarter" idx="3"/>
+          </p:nvPr>
+        </p:nvSpPr>
+        <p:spPr>
+          <a:xfrm>
+            <a:off x="685800" y="4400550"/>
+            <a:ext cx="5486400" cy="3600450"/>
+          </a:xfrm>
+          <a:prstGeom prst="rect">
+            <a:avLst/>
+          </a:prstGeom>
+        </p:spPr>
+        <p:txBody>
+          <a:bodyPr vert="horz" lIns="91440" tIns="45720" rIns="91440" bIns="45720" rtlCol="0"/>
+          <a:lstStyle/>
+          <a:p>
+            <a:pPr lvl="0"/>
+            <a:r>
+              <a:rPr lang="en-US"/>
+              <a:t>Click to edit Master text styles</a:t>
+            </a:r>
+          </a:p>
+          <a:p>
+            <a:pPr lvl="1"/>
+            <a:r>
+              <a:rPr lang="en-US"/>
+              <a:t>Second level</a:t>
+            </a:r>
+          </a:p>
+          <a:p>
+            <a:pPr lvl="2"/>
+            <a:r>
+              <a:rPr lang="en-US"/>
+              <a:t>Third level</a:t>
+            </a:r>
+          </a:p>
+          <a:p>
+            <a:pPr lvl="3"/>
+            <a:r>
+              <a:rPr lang="en-US"/>
+              <a:t>Fourth level</a:t>
+            </a:r>
+          </a:p>
+          <a:p>
+            <a:pPr lvl="4"/>
+            <a:r>
+              <a:rPr lang="en-US"/>
+              <a:t>Fifth level</a:t>
+            </a:r>
+          </a:p>
+        </p:txBody>
+      </p:sp>
+      <p:sp>
+        <p:nvSpPr>
+          <p:cNvPr id="6" name="Footer Placeholder 5"/>
+          <p:cNvSpPr>
+            <a:spLocks noGrp="1"/>
+          </p:cNvSpPr>
+          <p:nvPr>
+            <p:ph type="ftr" sz="quarter" idx="4"/>
+          </p:nvPr>
+        </p:nvSpPr>
+        <p:spPr>
+          <a:xfrm>
+            <a:off x="0" y="8685213"/>
+            <a:ext cx="2971800" cy="458787"/>
+          </a:xfrm>
+          <a:prstGeom prst="rect">
+            <a:avLst/>
+          </a:prstGeom>
+        </p:spPr>
+        <p:txBody>
+          <a:bodyPr vert="horz" lIns="91440" tIns="45720" rIns="91440" bIns="45720" rtlCol="0" anchor="b"/>
+          <a:lstStyle>
+            <a:lvl1pPr algn="l">
+              <a:defRPr sz="1200"/>
+            </a:lvl1pPr>
+          </a:lstStyle>
+          <a:p>
+            <a:endParaRPr lang="en-US"/>
+          </a:p>
+        </p:txBody>
+      </p:sp>
+      <p:sp>
+        <p:nvSpPr>
+          <p:cNvPr id="7" name="Slide Number Placeholder 6"/>
+          <p:cNvSpPr>
+            <a:spLocks noGrp="1"/>
+          </p:cNvSpPr>
+          <p:nvPr>
+            <p:ph type="sldNum" sz="quarter" idx="5"/>
+          </p:nvPr>
+        </p:nvSpPr>
+        <p:spPr>
+          <a:xfrm>
+            <a:off x="3884613" y="8685213"/>
+            <a:ext cx="2971800" cy="458787"/>
+          </a:xfrm>
+          <a:prstGeom prst="rect">
+            <a:avLst/>
+          </a:prstGeom>
+        </p:spPr>
+        <p:txBody>
+          <a:bodyPr vert="horz" lIns="91440" tIns="45720" rIns="91440" bIns="45720" rtlCol="0" anchor="b"/>
+          <a:lstStyle>
+            <a:lvl1pPr algn="r">
+              <a:defRPr sz="1200"/>
+            </a:lvl1pPr>
+          </a:lstStyle>
+          <a:p>
+            <a:fld id="{F0CDB674-9C07-4F43-9CB5-21BC013244CA}" type="slidenum">
+              <a:rPr lang="en-US" smtClean="0"/>
+              <a:t>‹#›</a:t>
+            </a:fld>
+            <a:endParaRPr lang="en-US"/>
+          </a:p>
+        </p:txBody>
+      </p:sp>
+    </p:spTree>
+    <p:extLst>
+      <p:ext uri="{BB962C8B-B14F-4D97-AF65-F5344CB8AC3E}">
+        <p14:creationId xmlns:p14="http://schemas.microsoft.com/office/powerpoint/2010/main" val="2105222460"/>
+      </p:ext>
+    </p:extLst>
+  </p:cSld>
+  <p:clrMap bg1="lt1" tx1="dk1" bg2="lt2" tx2="dk2" accent1="accent1" accent2="accent2" accent3="accent3" accent4="accent4" accent5="accent5" accent6="accent6" hlink="hlink" folHlink="folHlink"/>
+  <p:notesStyle>
+    <a:lvl1pPr marL="0" algn="l" defTabSz="914400" rtl="0" eaLnBrk="1" latinLnBrk="0" hangingPunct="1">
+      <a:defRPr sz="1200" kern="1200">
+        <a:solidFill>
+          <a:schemeClr val="tx1"/>
+        </a:solidFill>
+        <a:latin typeface="+mn-lt"/>
+        <a:ea typeface="+mn-ea"/>
+        <a:cs typeface="+mn-cs"/>
+      </a:defRPr>
+    </a:lvl1pPr>
+    <a:lvl2pPr marL="457200" algn="l" defTabSz="914400" rtl="0" eaLnBrk="1" latinLnBrk="0" hangingPunct="1">
+      <a:defRPr sz="1200" kern="1200">
+        <a:solidFill>
+          <a:schemeClr val="tx1"/>
+        </a:solidFill>
+        <a:latin typeface="+mn-lt"/>
+        <a:ea typeface="+mn-ea"/>
+        <a:cs typeface="+mn-cs"/>
+      </a:defRPr>
+    </a:lvl2pPr>
+    <a:lvl3pPr marL="914400" algn="l" defTabSz="914400" rtl="0" eaLnBrk="1" latinLnBrk="0" hangingPunct="1">
+      <a:defRPr sz="1200" kern="1200">
+        <a:solidFill>
+          <a:schemeClr val="tx1"/>
+        </a:solidFill>
+        <a:latin typeface="+mn-lt"/>
+        <a:ea typeface="+mn-ea"/>
+        <a:cs typeface="+mn-cs"/>
+      </a:defRPr>
+    </a:lvl3pPr>
+    <a:lvl4pPr marL="1371600" algn="l" defTabSz="914400" rtl="0" eaLnBrk="1" latinLnBrk="0" hangingPunct="1">
+      <a:defRPr sz="1200" kern="1200">
+        <a:solidFill>
+          <a:schemeClr val="tx1"/>
+        </a:solidFill>
+        <a:latin typeface="+mn-lt"/>
+        <a:ea typeface="+mn-ea"/>
+        <a:cs typeface="+mn-cs"/>
+      </a:defRPr>
+    </a:lvl4pPr>
+    <a:lvl5pPr marL="1828800" algn="l" defTabSz="914400" rtl="0" eaLnBrk="1" latinLnBrk="0" hangingPunct="1">
+      <a:defRPr sz="1200" kern="1200">
+        <a:solidFill>
+          <a:schemeClr val="tx1"/>
+        </a:solidFill>
+        <a:latin typeface="+mn-lt"/>
+        <a:ea typeface="+mn-ea"/>
+        <a:cs typeface="+mn-cs"/>
+      </a:defRPr>
+    </a:lvl5pPr>
+    <a:lvl6pPr marL="2286000" algn="l" defTabSz="914400" rtl="0" eaLnBrk="1" latinLnBrk="0" hangingPunct="1">
+      <a:defRPr sz="1200" kern="1200">
+        <a:solidFill>
+          <a:schemeClr val="tx1"/>
+        </a:solidFill>
+        <a:latin typeface="+mn-lt"/>
+        <a:ea typeface="+mn-ea"/>
+        <a:cs typeface="+mn-cs"/>
+      </a:defRPr>
+    </a:lvl6pPr>
+    <a:lvl7pPr marL="2743200" algn="l" defTabSz="914400" rtl="0" eaLnBrk="1" latinLnBrk="0" hangingPunct="1">
+      <a:defRPr sz="1200" kern="1200">
+        <a:solidFill>
+          <a:schemeClr val="tx1"/>
+        </a:solidFill>
+        <a:latin typeface="+mn-lt"/>
+        <a:ea typeface="+mn-ea"/>
+        <a:cs typeface="+mn-cs"/>
+      </a:defRPr>
+    </a:lvl7pPr>
+    <a:lvl8pPr marL="3200400" algn="l" defTabSz="914400" rtl="0" eaLnBrk="1" latinLnBrk="0" hangingPunct="1">
+      <a:defRPr sz="1200" kern="1200">
+        <a:solidFill>
+          <a:schemeClr val="tx1"/>
+        </a:solidFill>
+        <a:latin typeface="+mn-lt"/>
+        <a:ea typeface="+mn-ea"/>
+        <a:cs typeface="+mn-cs"/>
+      </a:defRPr>
+    </a:lvl8pPr>
+    <a:lvl9pPr marL="3657600" algn="l" defTabSz="914400" rtl="0" eaLnBrk="1" latinLnBrk="0" hangingPunct="1">
+      <a:defRPr sz="1200" kern="1200">
+        <a:solidFill>
+          <a:schemeClr val="tx1"/>
+        </a:solidFill>
+        <a:latin typeface="+mn-lt"/>
+        <a:ea typeface="+mn-ea"/>
+        <a:cs typeface="+mn-cs"/>
+      </a:defRPr>
+    </a:lvl9pPr>
+  </p:notesStyle>
+</p:notesMaster>
+</file>
+
+<file path=ppt/notesSlides/notesSlide1.xml><?xml version="1.0" encoding="utf-8"?>
+<p:notes xmlns:a="http://schemas.openxmlformats.org/drawingml/2006/main" xmlns:r="http://schemas.openxmlformats.org/officeDocument/2006/relationships" xmlns:p="http://schemas.openxmlformats.org/presentationml/2006/main">
+  <p:cSld>
+    <p:spTree>
+      <p:nvGrpSpPr>
+        <p:cNvPr id="1" name=""/>
+        <p:cNvGrpSpPr/>
+        <p:nvPr/>
+      </p:nvGrpSpPr>
+      <p:grpSpPr>
+        <a:xfrm>
+          <a:off x="0" y="0"/>
+          <a:ext cx="0" cy="0"/>
+          <a:chOff x="0" y="0"/>
+          <a:chExt cx="0" cy="0"/>
+        </a:xfrm>
+      </p:grpSpPr>
+      <p:sp>
+        <p:nvSpPr>
+          <p:cNvPr id="2" name="Slide Image Placeholder 1"/>
+          <p:cNvSpPr>
+            <a:spLocks noGrp="1" noRot="1" noChangeAspect="1"/>
+          </p:cNvSpPr>
+          <p:nvPr>
+            <p:ph type="sldImg"/>
+          </p:nvPr>
+        </p:nvSpPr>
+        <p:spPr/>
+      </p:sp>
+      <p:sp>
+        <p:nvSpPr>
+          <p:cNvPr id="3" name="Notes Placeholder 2"/>
+          <p:cNvSpPr>
+            <a:spLocks noGrp="1"/>
+          </p:cNvSpPr>
+          <p:nvPr>
+            <p:ph type="body" idx="1"/>
+          </p:nvPr>
+        </p:nvSpPr>
+        <p:spPr/>
+        <p:txBody>
+          <a:bodyPr/>
+          <a:lstStyle/>
+          <a:p>
+            <a:r>
+              <a:rPr lang="en-US" dirty="0"/>
+              <a:t>During the 1970s to 1990s, software engineering began to mature as a discipline.</a:t>
+            </a:r>
+          </a:p>
+          <a:p>
+            <a:r>
+              <a:rPr lang="en-US" dirty="0"/>
+              <a:t>First, </a:t>
+            </a:r>
+            <a:r>
+              <a:rPr lang="en-US" b="1" dirty="0"/>
+              <a:t>structured programming</a:t>
+            </a:r>
+            <a:r>
+              <a:rPr lang="en-US" dirty="0"/>
+              <a:t>, championed by </a:t>
+            </a:r>
+            <a:r>
+              <a:rPr lang="en-US" dirty="0" err="1"/>
+              <a:t>Edsger</a:t>
+            </a:r>
+            <a:r>
+              <a:rPr lang="en-US" dirty="0"/>
+              <a:t> Dijkstra and David Parnas, emphasized clarity, modularity, and control flow discipline. It moved us away from chaotic 'spaghetti code' and toward code that could be reasoned about and maintained.</a:t>
+            </a:r>
+          </a:p>
+          <a:p>
+            <a:r>
+              <a:rPr lang="en-US" dirty="0"/>
+              <a:t>Around the same time, </a:t>
+            </a:r>
+            <a:r>
+              <a:rPr lang="en-US" b="1" dirty="0"/>
+              <a:t>object-oriented programming</a:t>
+            </a:r>
+            <a:r>
+              <a:rPr lang="en-US" dirty="0"/>
+              <a:t> (OOP) started to gain traction. The idea came from earlier languages like Simula and Smalltalk, but it wasn’t until </a:t>
+            </a:r>
+            <a:r>
+              <a:rPr lang="en-US" b="1" dirty="0"/>
+              <a:t>C++</a:t>
+            </a:r>
+            <a:r>
+              <a:rPr lang="en-US" dirty="0"/>
+              <a:t> in the 1980s that OOP became mainstream in commercial software. Later, </a:t>
+            </a:r>
+            <a:r>
+              <a:rPr lang="en-US" b="1" dirty="0"/>
+              <a:t>Java</a:t>
+            </a:r>
+            <a:r>
+              <a:rPr lang="en-US" dirty="0"/>
+              <a:t> further cemented OOP in industry and education during the 1990s.</a:t>
+            </a:r>
+          </a:p>
+          <a:p>
+            <a:r>
+              <a:rPr lang="en-US" dirty="0"/>
+              <a:t>Another important development was the </a:t>
+            </a:r>
+            <a:r>
+              <a:rPr lang="en-US" b="1" dirty="0"/>
+              <a:t>Waterfall model</a:t>
+            </a:r>
+            <a:r>
+              <a:rPr lang="en-US" dirty="0"/>
+              <a:t>, proposed by </a:t>
+            </a:r>
+            <a:r>
+              <a:rPr lang="en-US" b="1" dirty="0"/>
+              <a:t>Winston Royce</a:t>
+            </a:r>
+            <a:r>
+              <a:rPr lang="en-US" dirty="0"/>
+              <a:t> in 1970. Though originally a cautionary example, it was widely adopted in industry as a sequential approach to software development — progressing from requirements to design, implementation, testing, and maintenance.</a:t>
+            </a:r>
+          </a:p>
+          <a:p>
+            <a:r>
+              <a:rPr lang="en-US" dirty="0"/>
+              <a:t>Finally, we began to see the formalization of </a:t>
+            </a:r>
+            <a:r>
+              <a:rPr lang="en-US" b="1" dirty="0"/>
+              <a:t>software engineering education</a:t>
+            </a:r>
+            <a:r>
+              <a:rPr lang="en-US" dirty="0"/>
+              <a:t>. University courses, degree programs, and textbooks started to appear, helping to professionalize the field and establish common best practices. During the 1970s to 1990s, software engineering began to mature as a discipline.</a:t>
+            </a:r>
+          </a:p>
+          <a:p>
+            <a:r>
+              <a:rPr lang="en-US" dirty="0"/>
+              <a:t>First, </a:t>
+            </a:r>
+            <a:r>
+              <a:rPr lang="en-US" b="1" dirty="0"/>
+              <a:t>structured programming</a:t>
+            </a:r>
+            <a:r>
+              <a:rPr lang="en-US" dirty="0"/>
+              <a:t>, championed by </a:t>
+            </a:r>
+            <a:r>
+              <a:rPr lang="en-US" dirty="0" err="1"/>
+              <a:t>Edsger</a:t>
+            </a:r>
+            <a:r>
+              <a:rPr lang="en-US" dirty="0"/>
+              <a:t> Dijkstra and David Parnas, emphasized clarity, modularity, and control flow discipline. It moved us away from chaotic 'spaghetti code' and toward code that could be reasoned about and maintained.</a:t>
+            </a:r>
+          </a:p>
+          <a:p>
+            <a:r>
+              <a:rPr lang="en-US" dirty="0"/>
+              <a:t>Around the same time, </a:t>
+            </a:r>
+            <a:r>
+              <a:rPr lang="en-US" b="1" dirty="0"/>
+              <a:t>object-oriented programming</a:t>
+            </a:r>
+            <a:r>
+              <a:rPr lang="en-US" dirty="0"/>
+              <a:t> (OOP) started to gain traction. The idea came from earlier languages like Simula and Smalltalk, but it wasn’t until </a:t>
+            </a:r>
+            <a:r>
+              <a:rPr lang="en-US" b="1" dirty="0"/>
+              <a:t>C++</a:t>
+            </a:r>
+            <a:r>
+              <a:rPr lang="en-US" dirty="0"/>
+              <a:t> in the 1980s that OOP became mainstream in commercial software. Later, </a:t>
+            </a:r>
+            <a:r>
+              <a:rPr lang="en-US" b="1" dirty="0"/>
+              <a:t>Java</a:t>
+            </a:r>
+            <a:r>
+              <a:rPr lang="en-US" dirty="0"/>
+              <a:t> further cemented OOP in industry and education during the 1990s.</a:t>
+            </a:r>
+          </a:p>
+          <a:p>
+            <a:r>
+              <a:rPr lang="en-US" dirty="0"/>
+              <a:t>Another important development was the </a:t>
+            </a:r>
+            <a:r>
+              <a:rPr lang="en-US" b="1" dirty="0"/>
+              <a:t>Waterfall model</a:t>
+            </a:r>
+            <a:r>
+              <a:rPr lang="en-US" dirty="0"/>
+              <a:t>, proposed by </a:t>
+            </a:r>
+            <a:r>
+              <a:rPr lang="en-US" b="1" dirty="0"/>
+              <a:t>Winston Royce</a:t>
+            </a:r>
+            <a:r>
+              <a:rPr lang="en-US" dirty="0"/>
+              <a:t> in 1970. Though originally a cautionary example, it was widely adopted in industry as a sequential approach to software development — progressing from requirements to design, implementation, testing, and maintenance.</a:t>
+            </a:r>
+          </a:p>
+          <a:p>
+            <a:r>
+              <a:rPr lang="en-US" dirty="0"/>
+              <a:t>Finally, we began to see the formalization of </a:t>
+            </a:r>
+            <a:r>
+              <a:rPr lang="en-US" b="1" dirty="0"/>
+              <a:t>software engineering education</a:t>
+            </a:r>
+            <a:r>
+              <a:rPr lang="en-US" dirty="0"/>
+              <a:t>. University courses, degree programs, and textbooks started to appear, helping to professionalize the field and establish common best practices.</a:t>
+            </a:r>
+            <a:br>
+              <a:rPr lang="en-US" dirty="0"/>
+            </a:br>
+            <a:br>
+              <a:rPr lang="en-US" dirty="0"/>
+            </a:br>
+            <a:br>
+              <a:rPr lang="en-US" dirty="0"/>
+            </a:br>
+            <a:r>
+              <a:rPr lang="en-US" dirty="0"/>
+              <a:t>The Waterfall model is often credited to </a:t>
+            </a:r>
+            <a:r>
+              <a:rPr lang="en-US" b="1" dirty="0"/>
+              <a:t>Winston Royce</a:t>
+            </a:r>
+            <a:r>
+              <a:rPr lang="en-US" dirty="0"/>
+              <a:t>, based on his 1970 paper. It depicts software development as a linear sequence of stages — from requirements to maintenance.</a:t>
+            </a:r>
+          </a:p>
+          <a:p>
+            <a:r>
+              <a:rPr lang="en-US" dirty="0"/>
+              <a:t>However, it’s worth noting that </a:t>
+            </a:r>
+            <a:r>
+              <a:rPr lang="en-US" b="1" dirty="0"/>
+              <a:t>Royce never intended it as a strict process model</a:t>
+            </a:r>
+            <a:r>
+              <a:rPr lang="en-US" dirty="0"/>
+              <a:t>. In fact, his paper warned that a purely sequential approach was risky for large software systems. He actually </a:t>
+            </a:r>
+            <a:r>
+              <a:rPr lang="en-US" b="1" dirty="0"/>
+              <a:t>advocated for iterative development and prototyping</a:t>
+            </a:r>
+            <a:r>
+              <a:rPr lang="en-US" dirty="0"/>
+              <a:t>.</a:t>
+            </a:r>
+          </a:p>
+          <a:p>
+            <a:endParaRPr lang="en-US" dirty="0"/>
+          </a:p>
+          <a:p>
+            <a:endParaRPr lang="en-US" dirty="0"/>
+          </a:p>
+        </p:txBody>
+      </p:sp>
+      <p:sp>
+        <p:nvSpPr>
+          <p:cNvPr id="4" name="Slide Number Placeholder 3"/>
+          <p:cNvSpPr>
+            <a:spLocks noGrp="1"/>
+          </p:cNvSpPr>
+          <p:nvPr>
+            <p:ph type="sldNum" sz="quarter" idx="5"/>
+          </p:nvPr>
+        </p:nvSpPr>
+        <p:spPr/>
+        <p:txBody>
+          <a:bodyPr/>
+          <a:lstStyle/>
+          <a:p>
+            <a:fld id="{F0CDB674-9C07-4F43-9CB5-21BC013244CA}" type="slidenum">
+              <a:rPr lang="en-US" smtClean="0"/>
+              <a:t>29</a:t>
+            </a:fld>
+            <a:endParaRPr lang="en-US"/>
+          </a:p>
+        </p:txBody>
+      </p:sp>
+    </p:spTree>
+    <p:extLst>
+      <p:ext uri="{BB962C8B-B14F-4D97-AF65-F5344CB8AC3E}">
+        <p14:creationId xmlns:p14="http://schemas.microsoft.com/office/powerpoint/2010/main" val="2820267013"/>
+      </p:ext>
+    </p:extLst>
+  </p:cSld>
+  <p:clrMapOvr>
+    <a:masterClrMapping/>
+  </p:clrMapOvr>
+</p:notes>
+</file>
+
+<file path=ppt/notesSlides/notesSlide2.xml><?xml version="1.0" encoding="utf-8"?>
+<p:notes xmlns:a="http://schemas.openxmlformats.org/drawingml/2006/main" xmlns:r="http://schemas.openxmlformats.org/officeDocument/2006/relationships" xmlns:p="http://schemas.openxmlformats.org/presentationml/2006/main">
+  <p:cSld>
+    <p:spTree>
+      <p:nvGrpSpPr>
+        <p:cNvPr id="1" name=""/>
+        <p:cNvGrpSpPr/>
+        <p:nvPr/>
+      </p:nvGrpSpPr>
+      <p:grpSpPr>
+        <a:xfrm>
+          <a:off x="0" y="0"/>
+          <a:ext cx="0" cy="0"/>
+          <a:chOff x="0" y="0"/>
+          <a:chExt cx="0" cy="0"/>
+        </a:xfrm>
+      </p:grpSpPr>
+      <p:sp>
+        <p:nvSpPr>
+          <p:cNvPr id="2" name="Slide Image Placeholder 1"/>
+          <p:cNvSpPr>
+            <a:spLocks noGrp="1" noRot="1" noChangeAspect="1"/>
+          </p:cNvSpPr>
+          <p:nvPr>
+            <p:ph type="sldImg"/>
+          </p:nvPr>
+        </p:nvSpPr>
+        <p:spPr/>
+      </p:sp>
+      <p:sp>
+        <p:nvSpPr>
+          <p:cNvPr id="3" name="Notes Placeholder 2"/>
+          <p:cNvSpPr>
+            <a:spLocks noGrp="1"/>
+          </p:cNvSpPr>
+          <p:nvPr>
+            <p:ph type="body" idx="1"/>
+          </p:nvPr>
+        </p:nvSpPr>
+        <p:spPr/>
+        <p:txBody>
+          <a:bodyPr/>
+          <a:lstStyle/>
+          <a:p>
+            <a:r>
+              <a:rPr lang="en-US" dirty="0"/>
+              <a:t>To close today's lecture, I want to introduce one of the most influential essays in software engineering history: </a:t>
+            </a:r>
+            <a:r>
+              <a:rPr lang="en-US" i="1" dirty="0"/>
+              <a:t>“No Silver Bullet”</a:t>
+            </a:r>
+            <a:r>
+              <a:rPr lang="en-US" dirty="0"/>
+              <a:t> by Fred Brooks.</a:t>
+            </a:r>
+          </a:p>
+          <a:p>
+            <a:r>
+              <a:rPr lang="en-US" dirty="0"/>
+              <a:t>Brooks argues that there is </a:t>
+            </a:r>
+            <a:r>
+              <a:rPr lang="en-US" b="1" dirty="0"/>
+              <a:t>no quick fix</a:t>
+            </a:r>
+            <a:r>
+              <a:rPr lang="en-US" dirty="0"/>
+              <a:t> — no “silver bullet” — that will dramatically improve software development productivity. He explains why software is inherently complex, and reflects on what advances might help us — and which won't.</a:t>
+            </a:r>
+          </a:p>
+          <a:p>
+            <a:endParaRPr lang="en-US" dirty="0"/>
+          </a:p>
+        </p:txBody>
+      </p:sp>
+      <p:sp>
+        <p:nvSpPr>
+          <p:cNvPr id="4" name="Slide Number Placeholder 3"/>
+          <p:cNvSpPr>
+            <a:spLocks noGrp="1"/>
+          </p:cNvSpPr>
+          <p:nvPr>
+            <p:ph type="sldNum" sz="quarter" idx="5"/>
+          </p:nvPr>
+        </p:nvSpPr>
+        <p:spPr/>
+        <p:txBody>
+          <a:bodyPr/>
+          <a:lstStyle/>
+          <a:p>
+            <a:fld id="{F0CDB674-9C07-4F43-9CB5-21BC013244CA}" type="slidenum">
+              <a:rPr lang="en-US" smtClean="0"/>
+              <a:t>30</a:t>
+            </a:fld>
+            <a:endParaRPr lang="en-US"/>
+          </a:p>
+        </p:txBody>
+      </p:sp>
+    </p:spTree>
+    <p:extLst>
+      <p:ext uri="{BB962C8B-B14F-4D97-AF65-F5344CB8AC3E}">
+        <p14:creationId xmlns:p14="http://schemas.microsoft.com/office/powerpoint/2010/main" val="1399745150"/>
+      </p:ext>
+    </p:extLst>
+  </p:cSld>
+  <p:clrMapOvr>
+    <a:masterClrMapping/>
+  </p:clrMapOvr>
+</p:notes>
+</file>
+
 <file path=ppt/slideLayouts/slideLayout1.xml><?xml version="1.0" encoding="utf-8"?>
 <p:sldLayout xmlns:a="http://schemas.openxmlformats.org/drawingml/2006/main" xmlns:r="http://schemas.openxmlformats.org/officeDocument/2006/relationships" xmlns:p="http://schemas.openxmlformats.org/presentationml/2006/main" preserve="1" userDrawn="1">
   <p:cSld name="Title Slide">
@@ -271,14 +1054,22 @@
             <p:ph type="dt" sz="half" idx="10"/>
           </p:nvPr>
         </p:nvSpPr>
-        <p:spPr/>
-        <p:txBody>
-          <a:bodyPr/>
-          <a:lstStyle/>
-          <a:p>
-            <a:fld id="{CE902270-AE91-4A4D-B515-8E2AADC58D44}" type="datetimeFigureOut">
+        <p:spPr>
+          <a:xfrm>
+            <a:off x="838200" y="6356350"/>
+            <a:ext cx="2743200" cy="365125"/>
+          </a:xfrm>
+          <a:prstGeom prst="rect">
+            <a:avLst/>
+          </a:prstGeom>
+        </p:spPr>
+        <p:txBody>
+          <a:bodyPr/>
+          <a:lstStyle/>
+          <a:p>
+            <a:fld id="{F1276487-8B75-2F43-9355-4B467BD57A6C}" type="datetime1">
               <a:rPr lang="en-US" smtClean="0"/>
-              <a:t>8/6/25</a:t>
+              <a:t>8/8/25</a:t>
             </a:fld>
             <a:endParaRPr lang="en-US"/>
           </a:p>
@@ -469,14 +1260,22 @@
             <p:ph type="dt" sz="half" idx="10"/>
           </p:nvPr>
         </p:nvSpPr>
-        <p:spPr/>
-        <p:txBody>
-          <a:bodyPr/>
-          <a:lstStyle/>
-          <a:p>
-            <a:fld id="{CE902270-AE91-4A4D-B515-8E2AADC58D44}" type="datetimeFigureOut">
+        <p:spPr>
+          <a:xfrm>
+            <a:off x="838200" y="6356350"/>
+            <a:ext cx="2743200" cy="365125"/>
+          </a:xfrm>
+          <a:prstGeom prst="rect">
+            <a:avLst/>
+          </a:prstGeom>
+        </p:spPr>
+        <p:txBody>
+          <a:bodyPr/>
+          <a:lstStyle/>
+          <a:p>
+            <a:fld id="{30B10427-957C-524C-8454-F629CBA9C9BE}" type="datetime1">
               <a:rPr lang="en-US" smtClean="0"/>
-              <a:t>8/6/25</a:t>
+              <a:t>8/8/25</a:t>
             </a:fld>
             <a:endParaRPr lang="en-US"/>
           </a:p>
@@ -677,14 +1476,22 @@
             <p:ph type="dt" sz="half" idx="10"/>
           </p:nvPr>
         </p:nvSpPr>
-        <p:spPr/>
-        <p:txBody>
-          <a:bodyPr/>
-          <a:lstStyle/>
-          <a:p>
-            <a:fld id="{CE902270-AE91-4A4D-B515-8E2AADC58D44}" type="datetimeFigureOut">
+        <p:spPr>
+          <a:xfrm>
+            <a:off x="838200" y="6356350"/>
+            <a:ext cx="2743200" cy="365125"/>
+          </a:xfrm>
+          <a:prstGeom prst="rect">
+            <a:avLst/>
+          </a:prstGeom>
+        </p:spPr>
+        <p:txBody>
+          <a:bodyPr/>
+          <a:lstStyle/>
+          <a:p>
+            <a:fld id="{4B97C5AB-4FB5-3149-A6CF-D0F885A81EBA}" type="datetime1">
               <a:rPr lang="en-US" smtClean="0"/>
-              <a:t>8/6/25</a:t>
+              <a:t>8/8/25</a:t>
             </a:fld>
             <a:endParaRPr lang="en-US"/>
           </a:p>
@@ -875,14 +1682,22 @@
             <p:ph type="dt" sz="half" idx="10"/>
           </p:nvPr>
         </p:nvSpPr>
-        <p:spPr/>
-        <p:txBody>
-          <a:bodyPr/>
-          <a:lstStyle/>
-          <a:p>
-            <a:fld id="{CE902270-AE91-4A4D-B515-8E2AADC58D44}" type="datetimeFigureOut">
+        <p:spPr>
+          <a:xfrm>
+            <a:off x="838200" y="6356350"/>
+            <a:ext cx="2743200" cy="365125"/>
+          </a:xfrm>
+          <a:prstGeom prst="rect">
+            <a:avLst/>
+          </a:prstGeom>
+        </p:spPr>
+        <p:txBody>
+          <a:bodyPr/>
+          <a:lstStyle/>
+          <a:p>
+            <a:fld id="{8D8F5D7A-DAAE-D246-A661-ED1AD3964955}" type="datetime1">
               <a:rPr lang="en-US" smtClean="0"/>
-              <a:t>8/6/25</a:t>
+              <a:t>8/8/25</a:t>
             </a:fld>
             <a:endParaRPr lang="en-US"/>
           </a:p>
@@ -1150,14 +1965,22 @@
             <p:ph type="dt" sz="half" idx="10"/>
           </p:nvPr>
         </p:nvSpPr>
-        <p:spPr/>
-        <p:txBody>
-          <a:bodyPr/>
-          <a:lstStyle/>
-          <a:p>
-            <a:fld id="{CE902270-AE91-4A4D-B515-8E2AADC58D44}" type="datetimeFigureOut">
+        <p:spPr>
+          <a:xfrm>
+            <a:off x="838200" y="6356350"/>
+            <a:ext cx="2743200" cy="365125"/>
+          </a:xfrm>
+          <a:prstGeom prst="rect">
+            <a:avLst/>
+          </a:prstGeom>
+        </p:spPr>
+        <p:txBody>
+          <a:bodyPr/>
+          <a:lstStyle/>
+          <a:p>
+            <a:fld id="{801806B9-6C4B-3B45-9110-CA58C108BE01}" type="datetime1">
               <a:rPr lang="en-US" smtClean="0"/>
-              <a:t>8/6/25</a:t>
+              <a:t>8/8/25</a:t>
             </a:fld>
             <a:endParaRPr lang="en-US"/>
           </a:p>
@@ -1415,14 +2238,22 @@
             <p:ph type="dt" sz="half" idx="10"/>
           </p:nvPr>
         </p:nvSpPr>
-        <p:spPr/>
-        <p:txBody>
-          <a:bodyPr/>
-          <a:lstStyle/>
-          <a:p>
-            <a:fld id="{CE902270-AE91-4A4D-B515-8E2AADC58D44}" type="datetimeFigureOut">
+        <p:spPr>
+          <a:xfrm>
+            <a:off x="838200" y="6356350"/>
+            <a:ext cx="2743200" cy="365125"/>
+          </a:xfrm>
+          <a:prstGeom prst="rect">
+            <a:avLst/>
+          </a:prstGeom>
+        </p:spPr>
+        <p:txBody>
+          <a:bodyPr/>
+          <a:lstStyle/>
+          <a:p>
+            <a:fld id="{025C6FEA-FDE7-B240-BEAF-6A3F6212E36E}" type="datetime1">
               <a:rPr lang="en-US" smtClean="0"/>
-              <a:t>8/6/25</a:t>
+              <a:t>8/8/25</a:t>
             </a:fld>
             <a:endParaRPr lang="en-US"/>
           </a:p>
@@ -1827,14 +2658,22 @@
             <p:ph type="dt" sz="half" idx="10"/>
           </p:nvPr>
         </p:nvSpPr>
-        <p:spPr/>
-        <p:txBody>
-          <a:bodyPr/>
-          <a:lstStyle/>
-          <a:p>
-            <a:fld id="{CE902270-AE91-4A4D-B515-8E2AADC58D44}" type="datetimeFigureOut">
+        <p:spPr>
+          <a:xfrm>
+            <a:off x="838200" y="6356350"/>
+            <a:ext cx="2743200" cy="365125"/>
+          </a:xfrm>
+          <a:prstGeom prst="rect">
+            <a:avLst/>
+          </a:prstGeom>
+        </p:spPr>
+        <p:txBody>
+          <a:bodyPr/>
+          <a:lstStyle/>
+          <a:p>
+            <a:fld id="{895F5DD0-F679-3747-91F3-9DC9C3F86CB6}" type="datetime1">
               <a:rPr lang="en-US" smtClean="0"/>
-              <a:t>8/6/25</a:t>
+              <a:t>8/8/25</a:t>
             </a:fld>
             <a:endParaRPr lang="en-US"/>
           </a:p>
@@ -1968,14 +2807,22 @@
             <p:ph type="dt" sz="half" idx="10"/>
           </p:nvPr>
         </p:nvSpPr>
-        <p:spPr/>
-        <p:txBody>
-          <a:bodyPr/>
-          <a:lstStyle/>
-          <a:p>
-            <a:fld id="{CE902270-AE91-4A4D-B515-8E2AADC58D44}" type="datetimeFigureOut">
+        <p:spPr>
+          <a:xfrm>
+            <a:off x="838200" y="6356350"/>
+            <a:ext cx="2743200" cy="365125"/>
+          </a:xfrm>
+          <a:prstGeom prst="rect">
+            <a:avLst/>
+          </a:prstGeom>
+        </p:spPr>
+        <p:txBody>
+          <a:bodyPr/>
+          <a:lstStyle/>
+          <a:p>
+            <a:fld id="{9EDA3FF8-7A34-ED49-AA5D-BC76DF58E74E}" type="datetime1">
               <a:rPr lang="en-US" smtClean="0"/>
-              <a:t>8/6/25</a:t>
+              <a:t>8/8/25</a:t>
             </a:fld>
             <a:endParaRPr lang="en-US"/>
           </a:p>
@@ -2081,14 +2928,22 @@
             <p:ph type="dt" sz="half" idx="10"/>
           </p:nvPr>
         </p:nvSpPr>
-        <p:spPr/>
-        <p:txBody>
-          <a:bodyPr/>
-          <a:lstStyle/>
-          <a:p>
-            <a:fld id="{CE902270-AE91-4A4D-B515-8E2AADC58D44}" type="datetimeFigureOut">
+        <p:spPr>
+          <a:xfrm>
+            <a:off x="838200" y="6356350"/>
+            <a:ext cx="2743200" cy="365125"/>
+          </a:xfrm>
+          <a:prstGeom prst="rect">
+            <a:avLst/>
+          </a:prstGeom>
+        </p:spPr>
+        <p:txBody>
+          <a:bodyPr/>
+          <a:lstStyle/>
+          <a:p>
+            <a:fld id="{182A1C80-5B2D-564F-B8C6-B0B5B92F5809}" type="datetime1">
               <a:rPr lang="en-US" smtClean="0"/>
-              <a:t>8/6/25</a:t>
+              <a:t>8/8/25</a:t>
             </a:fld>
             <a:endParaRPr lang="en-US"/>
           </a:p>
@@ -2392,14 +3247,22 @@
             <p:ph type="dt" sz="half" idx="10"/>
           </p:nvPr>
         </p:nvSpPr>
-        <p:spPr/>
-        <p:txBody>
-          <a:bodyPr/>
-          <a:lstStyle/>
-          <a:p>
-            <a:fld id="{CE902270-AE91-4A4D-B515-8E2AADC58D44}" type="datetimeFigureOut">
+        <p:spPr>
+          <a:xfrm>
+            <a:off x="838200" y="6356350"/>
+            <a:ext cx="2743200" cy="365125"/>
+          </a:xfrm>
+          <a:prstGeom prst="rect">
+            <a:avLst/>
+          </a:prstGeom>
+        </p:spPr>
+        <p:txBody>
+          <a:bodyPr/>
+          <a:lstStyle/>
+          <a:p>
+            <a:fld id="{65F75D97-7D6D-EC47-8250-30DF936063AD}" type="datetime1">
               <a:rPr lang="en-US" smtClean="0"/>
-              <a:t>8/6/25</a:t>
+              <a:t>8/8/25</a:t>
             </a:fld>
             <a:endParaRPr lang="en-US"/>
           </a:p>
@@ -2680,14 +3543,22 @@
             <p:ph type="dt" sz="half" idx="10"/>
           </p:nvPr>
         </p:nvSpPr>
-        <p:spPr/>
-        <p:txBody>
-          <a:bodyPr/>
-          <a:lstStyle/>
-          <a:p>
-            <a:fld id="{CE902270-AE91-4A4D-B515-8E2AADC58D44}" type="datetimeFigureOut">
+        <p:spPr>
+          <a:xfrm>
+            <a:off x="838200" y="6356350"/>
+            <a:ext cx="2743200" cy="365125"/>
+          </a:xfrm>
+          <a:prstGeom prst="rect">
+            <a:avLst/>
+          </a:prstGeom>
+        </p:spPr>
+        <p:txBody>
+          <a:bodyPr/>
+          <a:lstStyle/>
+          <a:p>
+            <a:fld id="{D2E89D4A-5528-5F41-9AF6-6B3105C8A7C3}" type="datetime1">
               <a:rPr lang="en-US" smtClean="0"/>
-              <a:t>8/6/25</a:t>
+              <a:t>8/8/25</a:t>
             </a:fld>
             <a:endParaRPr lang="en-US"/>
           </a:p>
@@ -2926,9 +3797,9 @@
             </a:lvl1pPr>
           </a:lstStyle>
           <a:p>
-            <a:fld id="{CE902270-AE91-4A4D-B515-8E2AADC58D44}" type="datetimeFigureOut">
+            <a:fld id="{86344417-86B7-E841-9AA9-C4BE48872EF5}" type="datetime1">
               <a:rPr lang="en-US" smtClean="0"/>
-              <a:t>8/6/25</a:t>
+              <a:t>8/8/25</a:t>
             </a:fld>
             <a:endParaRPr lang="en-US"/>
           </a:p>
@@ -3020,7 +3891,7 @@
               <a:rPr lang="en-US" smtClean="0"/>
               <a:t>‹#›</a:t>
             </a:fld>
-            <a:endParaRPr lang="en-US"/>
+            <a:endParaRPr lang="en-US" dirty="0"/>
           </a:p>
         </p:txBody>
       </p:sp>
@@ -3046,7 +3917,7 @@
         </p:blipFill>
         <p:spPr>
           <a:xfrm>
-            <a:off x="9824748" y="6117894"/>
+            <a:off x="9982200" y="145469"/>
             <a:ext cx="2066636" cy="557295"/>
           </a:xfrm>
           <a:prstGeom prst="rect">
@@ -3075,6 +3946,7 @@
     <p:sldLayoutId id="2147483658" r:id="rId10"/>
     <p:sldLayoutId id="2147483659" r:id="rId11"/>
   </p:sldLayoutIdLst>
+  <p:hf hdr="0" ftr="0" dt="0"/>
   <p:txStyles>
     <p:titleStyle>
       <a:lvl1pPr algn="l" defTabSz="914400" rtl="0" eaLnBrk="1" latinLnBrk="0" hangingPunct="1">
@@ -3528,6 +4400,35 @@
           </a:prstGeom>
         </p:spPr>
       </p:pic>
+      <p:sp>
+        <p:nvSpPr>
+          <p:cNvPr id="4" name="Slide Number Placeholder 3">
+            <a:extLst>
+              <a:ext uri="{FF2B5EF4-FFF2-40B4-BE49-F238E27FC236}">
+                <a16:creationId xmlns:a16="http://schemas.microsoft.com/office/drawing/2014/main" id="{6802A9BF-6BCF-B8C8-3361-DC2B402116BF}"/>
+              </a:ext>
+            </a:extLst>
+          </p:cNvPr>
+          <p:cNvSpPr>
+            <a:spLocks noGrp="1"/>
+          </p:cNvSpPr>
+          <p:nvPr>
+            <p:ph type="sldNum" sz="quarter" idx="12"/>
+          </p:nvPr>
+        </p:nvSpPr>
+        <p:spPr/>
+        <p:txBody>
+          <a:bodyPr/>
+          <a:lstStyle/>
+          <a:p>
+            <a:fld id="{3AB30462-0FD5-604F-8C98-DCC91BE84583}" type="slidenum">
+              <a:rPr lang="en-US" smtClean="0"/>
+              <a:t>1</a:t>
+            </a:fld>
+            <a:endParaRPr lang="en-US"/>
+          </a:p>
+        </p:txBody>
+      </p:sp>
     </p:spTree>
     <p:extLst>
       <p:ext uri="{BB962C8B-B14F-4D97-AF65-F5344CB8AC3E}">
@@ -3737,6 +4638,35 @@
               <a:t>ariane.html</a:t>
             </a:r>
             <a:endParaRPr lang="en-US" sz="800" dirty="0"/>
+          </a:p>
+        </p:txBody>
+      </p:sp>
+      <p:sp>
+        <p:nvSpPr>
+          <p:cNvPr id="5" name="Slide Number Placeholder 4">
+            <a:extLst>
+              <a:ext uri="{FF2B5EF4-FFF2-40B4-BE49-F238E27FC236}">
+                <a16:creationId xmlns:a16="http://schemas.microsoft.com/office/drawing/2014/main" id="{5661E454-8B30-6859-C4E1-0DFBFF964771}"/>
+              </a:ext>
+            </a:extLst>
+          </p:cNvPr>
+          <p:cNvSpPr>
+            <a:spLocks noGrp="1"/>
+          </p:cNvSpPr>
+          <p:nvPr>
+            <p:ph type="sldNum" sz="quarter" idx="12"/>
+          </p:nvPr>
+        </p:nvSpPr>
+        <p:spPr/>
+        <p:txBody>
+          <a:bodyPr/>
+          <a:lstStyle/>
+          <a:p>
+            <a:fld id="{3AB30462-0FD5-604F-8C98-DCC91BE84583}" type="slidenum">
+              <a:rPr lang="en-US" smtClean="0"/>
+              <a:t>10</a:t>
+            </a:fld>
+            <a:endParaRPr lang="en-US"/>
           </a:p>
         </p:txBody>
       </p:sp>
@@ -3873,6 +4803,35 @@
           </a:p>
         </p:txBody>
       </p:sp>
+      <p:sp>
+        <p:nvSpPr>
+          <p:cNvPr id="4" name="Slide Number Placeholder 3">
+            <a:extLst>
+              <a:ext uri="{FF2B5EF4-FFF2-40B4-BE49-F238E27FC236}">
+                <a16:creationId xmlns:a16="http://schemas.microsoft.com/office/drawing/2014/main" id="{37CCF8F5-F445-E64A-0214-0516367D6FF8}"/>
+              </a:ext>
+            </a:extLst>
+          </p:cNvPr>
+          <p:cNvSpPr>
+            <a:spLocks noGrp="1"/>
+          </p:cNvSpPr>
+          <p:nvPr>
+            <p:ph type="sldNum" sz="quarter" idx="12"/>
+          </p:nvPr>
+        </p:nvSpPr>
+        <p:spPr/>
+        <p:txBody>
+          <a:bodyPr/>
+          <a:lstStyle/>
+          <a:p>
+            <a:fld id="{3AB30462-0FD5-604F-8C98-DCC91BE84583}" type="slidenum">
+              <a:rPr lang="en-US" smtClean="0"/>
+              <a:t>11</a:t>
+            </a:fld>
+            <a:endParaRPr lang="en-US"/>
+          </a:p>
+        </p:txBody>
+      </p:sp>
     </p:spTree>
     <p:extLst>
       <p:ext uri="{BB962C8B-B14F-4D97-AF65-F5344CB8AC3E}">
@@ -3971,6 +4930,35 @@
           </a:p>
         </p:txBody>
       </p:sp>
+      <p:sp>
+        <p:nvSpPr>
+          <p:cNvPr id="4" name="Slide Number Placeholder 3">
+            <a:extLst>
+              <a:ext uri="{FF2B5EF4-FFF2-40B4-BE49-F238E27FC236}">
+                <a16:creationId xmlns:a16="http://schemas.microsoft.com/office/drawing/2014/main" id="{C0C8FBBD-7B67-7802-D131-361764F45121}"/>
+              </a:ext>
+            </a:extLst>
+          </p:cNvPr>
+          <p:cNvSpPr>
+            <a:spLocks noGrp="1"/>
+          </p:cNvSpPr>
+          <p:nvPr>
+            <p:ph type="sldNum" sz="quarter" idx="12"/>
+          </p:nvPr>
+        </p:nvSpPr>
+        <p:spPr/>
+        <p:txBody>
+          <a:bodyPr/>
+          <a:lstStyle/>
+          <a:p>
+            <a:fld id="{3AB30462-0FD5-604F-8C98-DCC91BE84583}" type="slidenum">
+              <a:rPr lang="en-US" smtClean="0"/>
+              <a:t>12</a:t>
+            </a:fld>
+            <a:endParaRPr lang="en-US"/>
+          </a:p>
+        </p:txBody>
+      </p:sp>
     </p:spTree>
     <p:extLst>
       <p:ext uri="{BB962C8B-B14F-4D97-AF65-F5344CB8AC3E}">
@@ -4085,8 +5073,8 @@
         </p:nvSpPr>
         <p:spPr>
           <a:xfrm>
-            <a:off x="3733015" y="6311900"/>
-            <a:ext cx="4328429" cy="215444"/>
+            <a:off x="4557758" y="6204178"/>
+            <a:ext cx="3076483" cy="215444"/>
           </a:xfrm>
           <a:prstGeom prst="rect">
             <a:avLst/>
@@ -4105,19 +5093,11 @@
             </a:r>
             <a:r>
               <a:rPr lang="en-US" sz="800" dirty="0" err="1"/>
-              <a:t>web.archive.org</a:t>
+              <a:t>en.wikipedia.org</a:t>
             </a:r>
             <a:r>
               <a:rPr lang="en-US" sz="800" dirty="0"/>
-              <a:t>/web/20110610163731/http://</a:t>
-            </a:r>
-            <a:r>
-              <a:rPr lang="en-US" sz="800" dirty="0" err="1"/>
-              <a:t>www.securityfocus.com</a:t>
-            </a:r>
-            <a:r>
-              <a:rPr lang="en-US" sz="800" dirty="0"/>
-              <a:t>/news/8412</a:t>
+              <a:t>/wiki/Northeast_blackout_of_2003</a:t>
             </a:r>
           </a:p>
         </p:txBody>
@@ -4201,6 +5181,35 @@
               <a:rPr lang="en-US" dirty="0"/>
               <a:t>Outage map</a:t>
             </a:r>
+          </a:p>
+        </p:txBody>
+      </p:sp>
+      <p:sp>
+        <p:nvSpPr>
+          <p:cNvPr id="6" name="Slide Number Placeholder 5">
+            <a:extLst>
+              <a:ext uri="{FF2B5EF4-FFF2-40B4-BE49-F238E27FC236}">
+                <a16:creationId xmlns:a16="http://schemas.microsoft.com/office/drawing/2014/main" id="{6DF0552E-B376-F0A6-E490-51D6C6AA5F4E}"/>
+              </a:ext>
+            </a:extLst>
+          </p:cNvPr>
+          <p:cNvSpPr>
+            <a:spLocks noGrp="1"/>
+          </p:cNvSpPr>
+          <p:nvPr>
+            <p:ph type="sldNum" sz="quarter" idx="12"/>
+          </p:nvPr>
+        </p:nvSpPr>
+        <p:spPr/>
+        <p:txBody>
+          <a:bodyPr/>
+          <a:lstStyle/>
+          <a:p>
+            <a:fld id="{3AB30462-0FD5-604F-8C98-DCC91BE84583}" type="slidenum">
+              <a:rPr lang="en-US" smtClean="0"/>
+              <a:t>13</a:t>
+            </a:fld>
+            <a:endParaRPr lang="en-US"/>
           </a:p>
         </p:txBody>
       </p:sp>
@@ -4326,7 +5335,7 @@
             <a:pPr lvl="1"/>
             <a:r>
               <a:rPr lang="en-US" dirty="0"/>
-              <a:t>That corruption led to the alarm event application getting into an infinite loop</a:t>
+              <a:t>Exhaustive testing did not find the bug</a:t>
             </a:r>
           </a:p>
         </p:txBody>
@@ -4461,6 +5470,35 @@
               <a:rPr lang="en-US" dirty="0"/>
               <a:t>Outage map</a:t>
             </a:r>
+          </a:p>
+        </p:txBody>
+      </p:sp>
+      <p:sp>
+        <p:nvSpPr>
+          <p:cNvPr id="6" name="Slide Number Placeholder 5">
+            <a:extLst>
+              <a:ext uri="{FF2B5EF4-FFF2-40B4-BE49-F238E27FC236}">
+                <a16:creationId xmlns:a16="http://schemas.microsoft.com/office/drawing/2014/main" id="{8778C621-1A04-9BD0-6409-6486BEE664D5}"/>
+              </a:ext>
+            </a:extLst>
+          </p:cNvPr>
+          <p:cNvSpPr>
+            <a:spLocks noGrp="1"/>
+          </p:cNvSpPr>
+          <p:nvPr>
+            <p:ph type="sldNum" sz="quarter" idx="12"/>
+          </p:nvPr>
+        </p:nvSpPr>
+        <p:spPr/>
+        <p:txBody>
+          <a:bodyPr/>
+          <a:lstStyle/>
+          <a:p>
+            <a:fld id="{3AB30462-0FD5-604F-8C98-DCC91BE84583}" type="slidenum">
+              <a:rPr lang="en-US" smtClean="0"/>
+              <a:t>14</a:t>
+            </a:fld>
+            <a:endParaRPr lang="en-US"/>
           </a:p>
         </p:txBody>
       </p:sp>
@@ -4724,6 +5762,35 @@
           </a:p>
         </p:txBody>
       </p:sp>
+      <p:sp>
+        <p:nvSpPr>
+          <p:cNvPr id="7" name="Slide Number Placeholder 6">
+            <a:extLst>
+              <a:ext uri="{FF2B5EF4-FFF2-40B4-BE49-F238E27FC236}">
+                <a16:creationId xmlns:a16="http://schemas.microsoft.com/office/drawing/2014/main" id="{429F0F1C-DF72-F8D2-B7B4-78FB4873C771}"/>
+              </a:ext>
+            </a:extLst>
+          </p:cNvPr>
+          <p:cNvSpPr>
+            <a:spLocks noGrp="1"/>
+          </p:cNvSpPr>
+          <p:nvPr>
+            <p:ph type="sldNum" sz="quarter" idx="12"/>
+          </p:nvPr>
+        </p:nvSpPr>
+        <p:spPr/>
+        <p:txBody>
+          <a:bodyPr/>
+          <a:lstStyle/>
+          <a:p>
+            <a:fld id="{3AB30462-0FD5-604F-8C98-DCC91BE84583}" type="slidenum">
+              <a:rPr lang="en-US" smtClean="0"/>
+              <a:t>15</a:t>
+            </a:fld>
+            <a:endParaRPr lang="en-US"/>
+          </a:p>
+        </p:txBody>
+      </p:sp>
     </p:spTree>
     <p:extLst>
       <p:ext uri="{BB962C8B-B14F-4D97-AF65-F5344CB8AC3E}">
@@ -4837,6 +5904,35 @@
           </a:p>
         </p:txBody>
       </p:sp>
+      <p:sp>
+        <p:nvSpPr>
+          <p:cNvPr id="4" name="Slide Number Placeholder 3">
+            <a:extLst>
+              <a:ext uri="{FF2B5EF4-FFF2-40B4-BE49-F238E27FC236}">
+                <a16:creationId xmlns:a16="http://schemas.microsoft.com/office/drawing/2014/main" id="{8F757463-DBAA-F968-501F-8CE1AF71257F}"/>
+              </a:ext>
+            </a:extLst>
+          </p:cNvPr>
+          <p:cNvSpPr>
+            <a:spLocks noGrp="1"/>
+          </p:cNvSpPr>
+          <p:nvPr>
+            <p:ph type="sldNum" sz="quarter" idx="12"/>
+          </p:nvPr>
+        </p:nvSpPr>
+        <p:spPr/>
+        <p:txBody>
+          <a:bodyPr/>
+          <a:lstStyle/>
+          <a:p>
+            <a:fld id="{3AB30462-0FD5-604F-8C98-DCC91BE84583}" type="slidenum">
+              <a:rPr lang="en-US" smtClean="0"/>
+              <a:t>16</a:t>
+            </a:fld>
+            <a:endParaRPr lang="en-US"/>
+          </a:p>
+        </p:txBody>
+      </p:sp>
     </p:spTree>
     <p:extLst>
       <p:ext uri="{BB962C8B-B14F-4D97-AF65-F5344CB8AC3E}">
@@ -4967,6 +6063,35 @@
           </a:p>
         </p:txBody>
       </p:sp>
+      <p:sp>
+        <p:nvSpPr>
+          <p:cNvPr id="4" name="Slide Number Placeholder 3">
+            <a:extLst>
+              <a:ext uri="{FF2B5EF4-FFF2-40B4-BE49-F238E27FC236}">
+                <a16:creationId xmlns:a16="http://schemas.microsoft.com/office/drawing/2014/main" id="{5E070D03-A234-4107-5117-503D53491620}"/>
+              </a:ext>
+            </a:extLst>
+          </p:cNvPr>
+          <p:cNvSpPr>
+            <a:spLocks noGrp="1"/>
+          </p:cNvSpPr>
+          <p:nvPr>
+            <p:ph type="sldNum" sz="quarter" idx="12"/>
+          </p:nvPr>
+        </p:nvSpPr>
+        <p:spPr/>
+        <p:txBody>
+          <a:bodyPr/>
+          <a:lstStyle/>
+          <a:p>
+            <a:fld id="{3AB30462-0FD5-604F-8C98-DCC91BE84583}" type="slidenum">
+              <a:rPr lang="en-US" smtClean="0"/>
+              <a:t>17</a:t>
+            </a:fld>
+            <a:endParaRPr lang="en-US"/>
+          </a:p>
+        </p:txBody>
+      </p:sp>
     </p:spTree>
     <p:extLst>
       <p:ext uri="{BB962C8B-B14F-4D97-AF65-F5344CB8AC3E}">
@@ -4981,7 +6106,7 @@
 </file>
 
 <file path=ppt/slides/slide18.xml><?xml version="1.0" encoding="utf-8"?>
-<p:sld xmlns:a="http://schemas.openxmlformats.org/drawingml/2006/main" xmlns:r="http://schemas.openxmlformats.org/officeDocument/2006/relationships" xmlns:p="http://schemas.openxmlformats.org/presentationml/2006/main">
+<p:sld xmlns:a="http://schemas.openxmlformats.org/drawingml/2006/main" xmlns:r="http://schemas.openxmlformats.org/officeDocument/2006/relationships" xmlns:p="http://schemas.openxmlformats.org/presentationml/2006/main" show="0">
   <p:cSld>
     <p:spTree>
       <p:nvGrpSpPr>
@@ -5110,6 +6235,35 @@
           <a:p>
             <a:pPr algn="ctr"/>
             <a:endParaRPr lang="en-US" sz="800" dirty="0"/>
+          </a:p>
+        </p:txBody>
+      </p:sp>
+      <p:sp>
+        <p:nvSpPr>
+          <p:cNvPr id="5" name="Slide Number Placeholder 4">
+            <a:extLst>
+              <a:ext uri="{FF2B5EF4-FFF2-40B4-BE49-F238E27FC236}">
+                <a16:creationId xmlns:a16="http://schemas.microsoft.com/office/drawing/2014/main" id="{0AE9168A-924A-C3C8-5B9F-7479FD7A75E7}"/>
+              </a:ext>
+            </a:extLst>
+          </p:cNvPr>
+          <p:cNvSpPr>
+            <a:spLocks noGrp="1"/>
+          </p:cNvSpPr>
+          <p:nvPr>
+            <p:ph type="sldNum" sz="quarter" idx="12"/>
+          </p:nvPr>
+        </p:nvSpPr>
+        <p:spPr/>
+        <p:txBody>
+          <a:bodyPr/>
+          <a:lstStyle/>
+          <a:p>
+            <a:fld id="{3AB30462-0FD5-604F-8C98-DCC91BE84583}" type="slidenum">
+              <a:rPr lang="en-US" smtClean="0"/>
+              <a:t>18</a:t>
+            </a:fld>
+            <a:endParaRPr lang="en-US"/>
           </a:p>
         </p:txBody>
       </p:sp>
@@ -5131,7 +6285,13 @@
   <p:cSld>
     <p:spTree>
       <p:nvGrpSpPr>
-        <p:cNvPr id="1" name=""/>
+        <p:cNvPr id="1" name="">
+          <a:extLst>
+            <a:ext uri="{FF2B5EF4-FFF2-40B4-BE49-F238E27FC236}">
+              <a16:creationId xmlns:a16="http://schemas.microsoft.com/office/drawing/2014/main" id="{75823774-F0EF-70C3-4D61-2F802AA1E825}"/>
+            </a:ext>
+          </a:extLst>
+        </p:cNvPr>
         <p:cNvGrpSpPr/>
         <p:nvPr/>
       </p:nvGrpSpPr>
@@ -5148,7 +6308,7 @@
           <p:cNvPr id="2" name="Title 1">
             <a:extLst>
               <a:ext uri="{FF2B5EF4-FFF2-40B4-BE49-F238E27FC236}">
-                <a16:creationId xmlns:a16="http://schemas.microsoft.com/office/drawing/2014/main" id="{12F2C704-08E8-7DE8-9EA6-4D8CA2E10937}"/>
+                <a16:creationId xmlns:a16="http://schemas.microsoft.com/office/drawing/2014/main" id="{CEE6D4B7-B2FA-D59B-612D-D25D48A29B1D}"/>
               </a:ext>
             </a:extLst>
           </p:cNvPr>
@@ -5166,7 +6326,7 @@
           <a:p>
             <a:r>
               <a:rPr lang="en-US" dirty="0"/>
-              <a:t>Main course topics</a:t>
+              <a:t>Main Topics</a:t>
             </a:r>
           </a:p>
         </p:txBody>
@@ -5176,47 +6336,165 @@
           <p:cNvPr id="3" name="Content Placeholder 2">
             <a:extLst>
               <a:ext uri="{FF2B5EF4-FFF2-40B4-BE49-F238E27FC236}">
-                <a16:creationId xmlns:a16="http://schemas.microsoft.com/office/drawing/2014/main" id="{3B815FE5-78DD-ED18-7743-B67F38B9E81C}"/>
-              </a:ext>
-            </a:extLst>
-          </p:cNvPr>
-          <p:cNvSpPr>
-            <a:spLocks noGrp="1"/>
-          </p:cNvSpPr>
-          <p:nvPr>
-            <p:ph idx="1"/>
-          </p:nvPr>
-        </p:nvSpPr>
-        <p:spPr/>
-        <p:txBody>
-          <a:bodyPr/>
-          <a:lstStyle/>
-          <a:p>
-            <a:r>
-              <a:rPr lang="en-US" dirty="0"/>
-              <a:t>How to write </a:t>
-            </a:r>
-            <a:r>
-              <a:rPr lang="en-US" u="sng" dirty="0"/>
-              <a:t>quality</a:t>
-            </a:r>
-            <a:r>
-              <a:rPr lang="en-US" dirty="0"/>
-              <a:t> code?</a:t>
-            </a:r>
-          </a:p>
-          <a:p>
+                <a16:creationId xmlns:a16="http://schemas.microsoft.com/office/drawing/2014/main" id="{6EC99B97-2CFE-2C5D-8B48-50C1BFE39992}"/>
+              </a:ext>
+            </a:extLst>
+          </p:cNvPr>
+          <p:cNvSpPr>
+            <a:spLocks noGrp="1"/>
+          </p:cNvSpPr>
+          <p:nvPr>
+            <p:ph sz="half" idx="1"/>
+          </p:nvPr>
+        </p:nvSpPr>
+        <p:spPr/>
+        <p:txBody>
+          <a:bodyPr>
+            <a:normAutofit/>
+          </a:bodyPr>
+          <a:lstStyle/>
+          <a:p>
+            <a:r>
+              <a:rPr lang="en-US" dirty="0"/>
+              <a:t>Building Quality Code</a:t>
+            </a:r>
+          </a:p>
+          <a:p>
+            <a:pPr lvl="1"/>
+            <a:r>
+              <a:rPr lang="en-US" altLang="zh-CN" dirty="0"/>
+              <a:t>Usable</a:t>
+            </a:r>
             <a:endParaRPr lang="en-US" dirty="0"/>
           </a:p>
           <a:p>
+            <a:pPr lvl="1"/>
+            <a:r>
+              <a:rPr lang="en-US" dirty="0"/>
+              <a:t>Less error-prone</a:t>
+            </a:r>
+          </a:p>
+          <a:p>
+            <a:pPr lvl="1"/>
+            <a:r>
+              <a:rPr lang="en-US" dirty="0"/>
+              <a:t>Easier to maintain</a:t>
+            </a:r>
+          </a:p>
+          <a:p>
+            <a:pPr lvl="1"/>
+            <a:r>
+              <a:rPr lang="en-US" dirty="0"/>
+              <a:t>…</a:t>
+            </a:r>
+          </a:p>
+          <a:p>
+            <a:pPr lvl="1"/>
             <a:endParaRPr lang="en-US" dirty="0"/>
+          </a:p>
+          <a:p>
+            <a:endParaRPr lang="en-US" dirty="0"/>
+          </a:p>
+          <a:p>
+            <a:pPr lvl="1"/>
+            <a:endParaRPr lang="en-US" dirty="0"/>
+          </a:p>
+          <a:p>
+            <a:endParaRPr lang="en-US" dirty="0"/>
+          </a:p>
+          <a:p>
+            <a:endParaRPr lang="en-US" dirty="0"/>
+          </a:p>
+        </p:txBody>
+      </p:sp>
+      <p:sp>
+        <p:nvSpPr>
+          <p:cNvPr id="4" name="Content Placeholder 3">
+            <a:extLst>
+              <a:ext uri="{FF2B5EF4-FFF2-40B4-BE49-F238E27FC236}">
+                <a16:creationId xmlns:a16="http://schemas.microsoft.com/office/drawing/2014/main" id="{58DFCB29-7BEC-DBA4-FA25-0936B3BCA39B}"/>
+              </a:ext>
+            </a:extLst>
+          </p:cNvPr>
+          <p:cNvSpPr>
+            <a:spLocks noGrp="1"/>
+          </p:cNvSpPr>
+          <p:nvPr>
+            <p:ph sz="half" idx="2"/>
+          </p:nvPr>
+        </p:nvSpPr>
+        <p:spPr/>
+        <p:txBody>
+          <a:bodyPr>
+            <a:normAutofit/>
+          </a:bodyPr>
+          <a:lstStyle/>
+          <a:p>
+            <a:r>
+              <a:rPr lang="en-US" dirty="0"/>
+              <a:t>Managing Software Projects</a:t>
+            </a:r>
+          </a:p>
+          <a:p>
+            <a:pPr lvl="1"/>
+            <a:r>
+              <a:rPr lang="en-US" dirty="0"/>
+              <a:t>Meet the user requirements</a:t>
+            </a:r>
+          </a:p>
+          <a:p>
+            <a:pPr lvl="1"/>
+            <a:r>
+              <a:rPr lang="en-US" dirty="0"/>
+              <a:t>Delivered in a timely manner</a:t>
+            </a:r>
+          </a:p>
+          <a:p>
+            <a:pPr lvl="1"/>
+            <a:r>
+              <a:rPr lang="en-US" dirty="0"/>
+              <a:t>…</a:t>
+            </a:r>
+          </a:p>
+          <a:p>
+            <a:pPr lvl="1"/>
+            <a:endParaRPr lang="en-US" dirty="0"/>
+          </a:p>
+        </p:txBody>
+      </p:sp>
+      <p:sp>
+        <p:nvSpPr>
+          <p:cNvPr id="5" name="Slide Number Placeholder 4">
+            <a:extLst>
+              <a:ext uri="{FF2B5EF4-FFF2-40B4-BE49-F238E27FC236}">
+                <a16:creationId xmlns:a16="http://schemas.microsoft.com/office/drawing/2014/main" id="{14B8F4CE-1F36-BBFB-DD9F-9CA6728F821E}"/>
+              </a:ext>
+            </a:extLst>
+          </p:cNvPr>
+          <p:cNvSpPr>
+            <a:spLocks noGrp="1"/>
+          </p:cNvSpPr>
+          <p:nvPr>
+            <p:ph type="sldNum" sz="quarter" idx="12"/>
+          </p:nvPr>
+        </p:nvSpPr>
+        <p:spPr/>
+        <p:txBody>
+          <a:bodyPr/>
+          <a:lstStyle/>
+          <a:p>
+            <a:fld id="{3AB30462-0FD5-604F-8C98-DCC91BE84583}" type="slidenum">
+              <a:rPr lang="en-US" smtClean="0"/>
+              <a:t>19</a:t>
+            </a:fld>
+            <a:endParaRPr lang="en-US"/>
           </a:p>
         </p:txBody>
       </p:sp>
     </p:spTree>
     <p:extLst>
       <p:ext uri="{BB962C8B-B14F-4D97-AF65-F5344CB8AC3E}">
-        <p14:creationId xmlns:p14="http://schemas.microsoft.com/office/powerpoint/2010/main" val="3193801101"/>
+        <p14:creationId xmlns:p14="http://schemas.microsoft.com/office/powerpoint/2010/main" val="3310747177"/>
       </p:ext>
     </p:extLst>
   </p:cSld>
@@ -5340,6 +6618,35 @@
           </a:p>
         </p:txBody>
       </p:sp>
+      <p:sp>
+        <p:nvSpPr>
+          <p:cNvPr id="4" name="Slide Number Placeholder 3">
+            <a:extLst>
+              <a:ext uri="{FF2B5EF4-FFF2-40B4-BE49-F238E27FC236}">
+                <a16:creationId xmlns:a16="http://schemas.microsoft.com/office/drawing/2014/main" id="{1B35D715-355F-2886-F985-8BDEAE59C873}"/>
+              </a:ext>
+            </a:extLst>
+          </p:cNvPr>
+          <p:cNvSpPr>
+            <a:spLocks noGrp="1"/>
+          </p:cNvSpPr>
+          <p:nvPr>
+            <p:ph type="sldNum" sz="quarter" idx="12"/>
+          </p:nvPr>
+        </p:nvSpPr>
+        <p:spPr/>
+        <p:txBody>
+          <a:bodyPr/>
+          <a:lstStyle/>
+          <a:p>
+            <a:fld id="{3AB30462-0FD5-604F-8C98-DCC91BE84583}" type="slidenum">
+              <a:rPr lang="en-US" smtClean="0"/>
+              <a:t>2</a:t>
+            </a:fld>
+            <a:endParaRPr lang="en-US"/>
+          </a:p>
+        </p:txBody>
+      </p:sp>
     </p:spTree>
     <p:extLst>
       <p:ext uri="{BB962C8B-B14F-4D97-AF65-F5344CB8AC3E}">
@@ -5361,7 +6668,7 @@
         <p:cNvPr id="1" name="">
           <a:extLst>
             <a:ext uri="{FF2B5EF4-FFF2-40B4-BE49-F238E27FC236}">
-              <a16:creationId xmlns:a16="http://schemas.microsoft.com/office/drawing/2014/main" id="{A52F73ED-EFBA-F3DF-4D3E-88108C3D1A52}"/>
+              <a16:creationId xmlns:a16="http://schemas.microsoft.com/office/drawing/2014/main" id="{A4A38AE5-745B-900B-0855-9E7C8D24FEF2}"/>
             </a:ext>
           </a:extLst>
         </p:cNvPr>
@@ -5381,7 +6688,7 @@
           <p:cNvPr id="2" name="Title 1">
             <a:extLst>
               <a:ext uri="{FF2B5EF4-FFF2-40B4-BE49-F238E27FC236}">
-                <a16:creationId xmlns:a16="http://schemas.microsoft.com/office/drawing/2014/main" id="{6FCD59A0-294B-0A15-110B-4F03E294377F}"/>
+                <a16:creationId xmlns:a16="http://schemas.microsoft.com/office/drawing/2014/main" id="{BC4970A4-4BCD-7BCE-4CEE-BC3AD74EDE6F}"/>
               </a:ext>
             </a:extLst>
           </p:cNvPr>
@@ -5399,7 +6706,7 @@
           <a:p>
             <a:r>
               <a:rPr lang="en-US" dirty="0"/>
-              <a:t>Main course topics</a:t>
+              <a:t>Main Topics</a:t>
             </a:r>
           </a:p>
         </p:txBody>
@@ -5409,73 +6716,56 @@
           <p:cNvPr id="3" name="Content Placeholder 2">
             <a:extLst>
               <a:ext uri="{FF2B5EF4-FFF2-40B4-BE49-F238E27FC236}">
-                <a16:creationId xmlns:a16="http://schemas.microsoft.com/office/drawing/2014/main" id="{44070496-D261-9FCC-8B1F-5DF810745D54}"/>
-              </a:ext>
-            </a:extLst>
-          </p:cNvPr>
-          <p:cNvSpPr>
-            <a:spLocks noGrp="1"/>
-          </p:cNvSpPr>
-          <p:nvPr>
-            <p:ph idx="1"/>
-          </p:nvPr>
-        </p:nvSpPr>
-        <p:spPr/>
-        <p:txBody>
-          <a:bodyPr/>
-          <a:lstStyle/>
-          <a:p>
-            <a:r>
-              <a:rPr lang="en-US" dirty="0"/>
-              <a:t>How to write </a:t>
-            </a:r>
-            <a:r>
-              <a:rPr lang="en-US" u="sng" dirty="0"/>
-              <a:t>quality</a:t>
-            </a:r>
-            <a:r>
-              <a:rPr lang="en-US" dirty="0"/>
-              <a:t> code?</a:t>
+                <a16:creationId xmlns:a16="http://schemas.microsoft.com/office/drawing/2014/main" id="{4C4215CC-51FB-98A1-0516-D697EDCA7D08}"/>
+              </a:ext>
+            </a:extLst>
+          </p:cNvPr>
+          <p:cNvSpPr>
+            <a:spLocks noGrp="1"/>
+          </p:cNvSpPr>
+          <p:nvPr>
+            <p:ph sz="half" idx="1"/>
+          </p:nvPr>
+        </p:nvSpPr>
+        <p:spPr/>
+        <p:txBody>
+          <a:bodyPr>
+            <a:normAutofit/>
+          </a:bodyPr>
+          <a:lstStyle/>
+          <a:p>
+            <a:r>
+              <a:rPr lang="en-US" dirty="0"/>
+              <a:t>Building Quality Code</a:t>
             </a:r>
           </a:p>
           <a:p>
             <a:pPr lvl="1"/>
             <a:r>
-              <a:rPr lang="en-US" altLang="zh-CN" dirty="0"/>
-              <a:t>Usable</a:t>
-            </a:r>
-            <a:endParaRPr lang="en-US" dirty="0"/>
+              <a:rPr lang="en-US" dirty="0"/>
+              <a:t>Object-oriented programming</a:t>
+            </a:r>
           </a:p>
           <a:p>
             <a:pPr lvl="1"/>
             <a:r>
               <a:rPr lang="en-US" dirty="0"/>
-              <a:t>Less error-prone</a:t>
+              <a:t>UML &amp; design patterns</a:t>
             </a:r>
           </a:p>
           <a:p>
             <a:pPr lvl="1"/>
             <a:r>
               <a:rPr lang="en-US" dirty="0"/>
-              <a:t>Easier to maintain</a:t>
+              <a:t>Testing</a:t>
             </a:r>
           </a:p>
           <a:p>
             <a:pPr lvl="1"/>
             <a:r>
               <a:rPr lang="en-US" dirty="0"/>
-              <a:t>Reusable</a:t>
-            </a:r>
-          </a:p>
-          <a:p>
-            <a:pPr lvl="1"/>
-            <a:r>
-              <a:rPr lang="en-US" dirty="0"/>
-              <a:t>…</a:t>
-            </a:r>
-          </a:p>
-          <a:p>
-            <a:endParaRPr lang="en-US" dirty="0"/>
+              <a:t>Code quality</a:t>
+            </a:r>
           </a:p>
           <a:p>
             <a:pPr lvl="1"/>
@@ -5485,14 +6775,101 @@
             <a:endParaRPr lang="en-US" dirty="0"/>
           </a:p>
           <a:p>
+            <a:pPr lvl="1"/>
             <a:endParaRPr lang="en-US" dirty="0"/>
+          </a:p>
+          <a:p>
+            <a:endParaRPr lang="en-US" dirty="0"/>
+          </a:p>
+          <a:p>
+            <a:endParaRPr lang="en-US" dirty="0"/>
+          </a:p>
+        </p:txBody>
+      </p:sp>
+      <p:sp>
+        <p:nvSpPr>
+          <p:cNvPr id="4" name="Content Placeholder 3">
+            <a:extLst>
+              <a:ext uri="{FF2B5EF4-FFF2-40B4-BE49-F238E27FC236}">
+                <a16:creationId xmlns:a16="http://schemas.microsoft.com/office/drawing/2014/main" id="{A2466390-8075-FD6C-8D21-746B8B3FF913}"/>
+              </a:ext>
+            </a:extLst>
+          </p:cNvPr>
+          <p:cNvSpPr>
+            <a:spLocks noGrp="1"/>
+          </p:cNvSpPr>
+          <p:nvPr>
+            <p:ph sz="half" idx="2"/>
+          </p:nvPr>
+        </p:nvSpPr>
+        <p:spPr/>
+        <p:txBody>
+          <a:bodyPr>
+            <a:normAutofit/>
+          </a:bodyPr>
+          <a:lstStyle/>
+          <a:p>
+            <a:r>
+              <a:rPr lang="en-US" dirty="0"/>
+              <a:t>Managing Software Projects</a:t>
+            </a:r>
+          </a:p>
+          <a:p>
+            <a:pPr lvl="1"/>
+            <a:r>
+              <a:rPr lang="en-US" dirty="0"/>
+              <a:t>Software development process</a:t>
+            </a:r>
+          </a:p>
+          <a:p>
+            <a:pPr lvl="1"/>
+            <a:r>
+              <a:rPr lang="en-US" dirty="0"/>
+              <a:t>Requirements engineering</a:t>
+            </a:r>
+          </a:p>
+          <a:p>
+            <a:pPr lvl="1"/>
+            <a:r>
+              <a:rPr lang="en-US" dirty="0"/>
+              <a:t>Tools: Git, CI/CD</a:t>
+            </a:r>
+          </a:p>
+        </p:txBody>
+      </p:sp>
+      <p:sp>
+        <p:nvSpPr>
+          <p:cNvPr id="5" name="Slide Number Placeholder 4">
+            <a:extLst>
+              <a:ext uri="{FF2B5EF4-FFF2-40B4-BE49-F238E27FC236}">
+                <a16:creationId xmlns:a16="http://schemas.microsoft.com/office/drawing/2014/main" id="{67CF2FA5-04FD-8501-2964-73001ABD970C}"/>
+              </a:ext>
+            </a:extLst>
+          </p:cNvPr>
+          <p:cNvSpPr>
+            <a:spLocks noGrp="1"/>
+          </p:cNvSpPr>
+          <p:nvPr>
+            <p:ph type="sldNum" sz="quarter" idx="12"/>
+          </p:nvPr>
+        </p:nvSpPr>
+        <p:spPr/>
+        <p:txBody>
+          <a:bodyPr/>
+          <a:lstStyle/>
+          <a:p>
+            <a:fld id="{3AB30462-0FD5-604F-8C98-DCC91BE84583}" type="slidenum">
+              <a:rPr lang="en-US" smtClean="0"/>
+              <a:t>20</a:t>
+            </a:fld>
+            <a:endParaRPr lang="en-US"/>
           </a:p>
         </p:txBody>
       </p:sp>
     </p:spTree>
     <p:extLst>
       <p:ext uri="{BB962C8B-B14F-4D97-AF65-F5344CB8AC3E}">
-        <p14:creationId xmlns:p14="http://schemas.microsoft.com/office/powerpoint/2010/main" val="1136592023"/>
+        <p14:creationId xmlns:p14="http://schemas.microsoft.com/office/powerpoint/2010/main" val="3601313616"/>
       </p:ext>
     </p:extLst>
   </p:cSld>
@@ -5503,560 +6880,6 @@
 </file>
 
 <file path=ppt/slides/slide21.xml><?xml version="1.0" encoding="utf-8"?>
-<p:sld xmlns:a="http://schemas.openxmlformats.org/drawingml/2006/main" xmlns:r="http://schemas.openxmlformats.org/officeDocument/2006/relationships" xmlns:p="http://schemas.openxmlformats.org/presentationml/2006/main">
-  <p:cSld>
-    <p:spTree>
-      <p:nvGrpSpPr>
-        <p:cNvPr id="1" name="">
-          <a:extLst>
-            <a:ext uri="{FF2B5EF4-FFF2-40B4-BE49-F238E27FC236}">
-              <a16:creationId xmlns:a16="http://schemas.microsoft.com/office/drawing/2014/main" id="{BA7C86BA-5877-CC53-4DEA-AE7B11D695B3}"/>
-            </a:ext>
-          </a:extLst>
-        </p:cNvPr>
-        <p:cNvGrpSpPr/>
-        <p:nvPr/>
-      </p:nvGrpSpPr>
-      <p:grpSpPr>
-        <a:xfrm>
-          <a:off x="0" y="0"/>
-          <a:ext cx="0" cy="0"/>
-          <a:chOff x="0" y="0"/>
-          <a:chExt cx="0" cy="0"/>
-        </a:xfrm>
-      </p:grpSpPr>
-      <p:sp>
-        <p:nvSpPr>
-          <p:cNvPr id="2" name="Title 1">
-            <a:extLst>
-              <a:ext uri="{FF2B5EF4-FFF2-40B4-BE49-F238E27FC236}">
-                <a16:creationId xmlns:a16="http://schemas.microsoft.com/office/drawing/2014/main" id="{FA7855FC-A2E8-8DBE-CA4A-68FDAA8A4332}"/>
-              </a:ext>
-            </a:extLst>
-          </p:cNvPr>
-          <p:cNvSpPr>
-            <a:spLocks noGrp="1"/>
-          </p:cNvSpPr>
-          <p:nvPr>
-            <p:ph type="title"/>
-          </p:nvPr>
-        </p:nvSpPr>
-        <p:spPr/>
-        <p:txBody>
-          <a:bodyPr/>
-          <a:lstStyle/>
-          <a:p>
-            <a:r>
-              <a:rPr lang="en-US" dirty="0"/>
-              <a:t>Main course topics</a:t>
-            </a:r>
-          </a:p>
-        </p:txBody>
-      </p:sp>
-      <p:sp>
-        <p:nvSpPr>
-          <p:cNvPr id="3" name="Content Placeholder 2">
-            <a:extLst>
-              <a:ext uri="{FF2B5EF4-FFF2-40B4-BE49-F238E27FC236}">
-                <a16:creationId xmlns:a16="http://schemas.microsoft.com/office/drawing/2014/main" id="{E21D6EEC-074C-6F97-56D2-DCA3DB28292F}"/>
-              </a:ext>
-            </a:extLst>
-          </p:cNvPr>
-          <p:cNvSpPr>
-            <a:spLocks noGrp="1"/>
-          </p:cNvSpPr>
-          <p:nvPr>
-            <p:ph idx="1"/>
-          </p:nvPr>
-        </p:nvSpPr>
-        <p:spPr/>
-        <p:txBody>
-          <a:bodyPr/>
-          <a:lstStyle/>
-          <a:p>
-            <a:r>
-              <a:rPr lang="en-US" dirty="0"/>
-              <a:t>How to write </a:t>
-            </a:r>
-            <a:r>
-              <a:rPr lang="en-US" u="sng" dirty="0"/>
-              <a:t>quality</a:t>
-            </a:r>
-            <a:r>
-              <a:rPr lang="en-US" dirty="0"/>
-              <a:t> code?</a:t>
-            </a:r>
-          </a:p>
-          <a:p>
-            <a:pPr lvl="1"/>
-            <a:r>
-              <a:rPr lang="en-US" altLang="zh-CN" dirty="0"/>
-              <a:t>Usable</a:t>
-            </a:r>
-            <a:endParaRPr lang="en-US" dirty="0"/>
-          </a:p>
-          <a:p>
-            <a:pPr lvl="1"/>
-            <a:r>
-              <a:rPr lang="en-US" dirty="0"/>
-              <a:t>Less error-prone</a:t>
-            </a:r>
-          </a:p>
-          <a:p>
-            <a:pPr lvl="1"/>
-            <a:r>
-              <a:rPr lang="en-US" dirty="0"/>
-              <a:t>Easier to maintain</a:t>
-            </a:r>
-          </a:p>
-          <a:p>
-            <a:pPr lvl="1"/>
-            <a:r>
-              <a:rPr lang="en-US" dirty="0"/>
-              <a:t>Reusable</a:t>
-            </a:r>
-          </a:p>
-          <a:p>
-            <a:pPr lvl="1"/>
-            <a:r>
-              <a:rPr lang="en-US" dirty="0"/>
-              <a:t>…</a:t>
-            </a:r>
-          </a:p>
-          <a:p>
-            <a:r>
-              <a:rPr lang="en-US" dirty="0"/>
-              <a:t>How to </a:t>
-            </a:r>
-            <a:r>
-              <a:rPr lang="en-US" u="sng" dirty="0"/>
-              <a:t>manage</a:t>
-            </a:r>
-            <a:r>
-              <a:rPr lang="en-US" dirty="0"/>
-              <a:t> a software project effectively?</a:t>
-            </a:r>
-          </a:p>
-          <a:p>
-            <a:endParaRPr lang="en-US" dirty="0"/>
-          </a:p>
-          <a:p>
-            <a:pPr lvl="1"/>
-            <a:endParaRPr lang="en-US" dirty="0"/>
-          </a:p>
-          <a:p>
-            <a:endParaRPr lang="en-US" dirty="0"/>
-          </a:p>
-          <a:p>
-            <a:endParaRPr lang="en-US" dirty="0"/>
-          </a:p>
-        </p:txBody>
-      </p:sp>
-    </p:spTree>
-    <p:extLst>
-      <p:ext uri="{BB962C8B-B14F-4D97-AF65-F5344CB8AC3E}">
-        <p14:creationId xmlns:p14="http://schemas.microsoft.com/office/powerpoint/2010/main" val="3083828696"/>
-      </p:ext>
-    </p:extLst>
-  </p:cSld>
-  <p:clrMapOvr>
-    <a:masterClrMapping/>
-  </p:clrMapOvr>
-</p:sld>
-</file>
-
-<file path=ppt/slides/slide22.xml><?xml version="1.0" encoding="utf-8"?>
-<p:sld xmlns:a="http://schemas.openxmlformats.org/drawingml/2006/main" xmlns:r="http://schemas.openxmlformats.org/officeDocument/2006/relationships" xmlns:p="http://schemas.openxmlformats.org/presentationml/2006/main">
-  <p:cSld>
-    <p:spTree>
-      <p:nvGrpSpPr>
-        <p:cNvPr id="1" name="">
-          <a:extLst>
-            <a:ext uri="{FF2B5EF4-FFF2-40B4-BE49-F238E27FC236}">
-              <a16:creationId xmlns:a16="http://schemas.microsoft.com/office/drawing/2014/main" id="{EFC2373B-C16D-DA25-3264-93A826BFA945}"/>
-            </a:ext>
-          </a:extLst>
-        </p:cNvPr>
-        <p:cNvGrpSpPr/>
-        <p:nvPr/>
-      </p:nvGrpSpPr>
-      <p:grpSpPr>
-        <a:xfrm>
-          <a:off x="0" y="0"/>
-          <a:ext cx="0" cy="0"/>
-          <a:chOff x="0" y="0"/>
-          <a:chExt cx="0" cy="0"/>
-        </a:xfrm>
-      </p:grpSpPr>
-      <p:sp>
-        <p:nvSpPr>
-          <p:cNvPr id="2" name="Title 1">
-            <a:extLst>
-              <a:ext uri="{FF2B5EF4-FFF2-40B4-BE49-F238E27FC236}">
-                <a16:creationId xmlns:a16="http://schemas.microsoft.com/office/drawing/2014/main" id="{044E33EA-0C32-D87F-938C-0299354C5A7E}"/>
-              </a:ext>
-            </a:extLst>
-          </p:cNvPr>
-          <p:cNvSpPr>
-            <a:spLocks noGrp="1"/>
-          </p:cNvSpPr>
-          <p:nvPr>
-            <p:ph type="title"/>
-          </p:nvPr>
-        </p:nvSpPr>
-        <p:spPr/>
-        <p:txBody>
-          <a:bodyPr/>
-          <a:lstStyle/>
-          <a:p>
-            <a:r>
-              <a:rPr lang="en-US" dirty="0"/>
-              <a:t>Main course topics</a:t>
-            </a:r>
-          </a:p>
-        </p:txBody>
-      </p:sp>
-      <p:sp>
-        <p:nvSpPr>
-          <p:cNvPr id="3" name="Content Placeholder 2">
-            <a:extLst>
-              <a:ext uri="{FF2B5EF4-FFF2-40B4-BE49-F238E27FC236}">
-                <a16:creationId xmlns:a16="http://schemas.microsoft.com/office/drawing/2014/main" id="{1D5BB1B1-A45B-9016-E837-9E2473C61555}"/>
-              </a:ext>
-            </a:extLst>
-          </p:cNvPr>
-          <p:cNvSpPr>
-            <a:spLocks noGrp="1"/>
-          </p:cNvSpPr>
-          <p:nvPr>
-            <p:ph idx="1"/>
-          </p:nvPr>
-        </p:nvSpPr>
-        <p:spPr/>
-        <p:txBody>
-          <a:bodyPr/>
-          <a:lstStyle/>
-          <a:p>
-            <a:r>
-              <a:rPr lang="en-US" dirty="0"/>
-              <a:t>How to write </a:t>
-            </a:r>
-            <a:r>
-              <a:rPr lang="en-US" u="sng" dirty="0"/>
-              <a:t>quality</a:t>
-            </a:r>
-            <a:r>
-              <a:rPr lang="en-US" dirty="0"/>
-              <a:t> code?</a:t>
-            </a:r>
-          </a:p>
-          <a:p>
-            <a:pPr lvl="1"/>
-            <a:r>
-              <a:rPr lang="en-US" altLang="zh-CN" dirty="0"/>
-              <a:t>Usable</a:t>
-            </a:r>
-            <a:endParaRPr lang="en-US" dirty="0"/>
-          </a:p>
-          <a:p>
-            <a:pPr lvl="1"/>
-            <a:r>
-              <a:rPr lang="en-US" dirty="0"/>
-              <a:t>Less error-prone</a:t>
-            </a:r>
-          </a:p>
-          <a:p>
-            <a:pPr lvl="1"/>
-            <a:r>
-              <a:rPr lang="en-US" dirty="0"/>
-              <a:t>Easier to maintain</a:t>
-            </a:r>
-          </a:p>
-          <a:p>
-            <a:pPr lvl="1"/>
-            <a:r>
-              <a:rPr lang="en-US" dirty="0"/>
-              <a:t>Reusable</a:t>
-            </a:r>
-          </a:p>
-          <a:p>
-            <a:pPr lvl="1"/>
-            <a:r>
-              <a:rPr lang="en-US" dirty="0"/>
-              <a:t>…</a:t>
-            </a:r>
-          </a:p>
-          <a:p>
-            <a:r>
-              <a:rPr lang="en-US" dirty="0"/>
-              <a:t>How to </a:t>
-            </a:r>
-            <a:r>
-              <a:rPr lang="en-US" u="sng" dirty="0"/>
-              <a:t>manage</a:t>
-            </a:r>
-            <a:r>
-              <a:rPr lang="en-US" dirty="0"/>
-              <a:t> a software project effectively?</a:t>
-            </a:r>
-          </a:p>
-          <a:p>
-            <a:pPr lvl="1"/>
-            <a:r>
-              <a:rPr lang="en-US" dirty="0"/>
-              <a:t>Meet the user requirements</a:t>
-            </a:r>
-          </a:p>
-          <a:p>
-            <a:pPr lvl="1"/>
-            <a:r>
-              <a:rPr lang="en-US" dirty="0"/>
-              <a:t>Delivered in a timely manner</a:t>
-            </a:r>
-          </a:p>
-          <a:p>
-            <a:pPr lvl="1"/>
-            <a:r>
-              <a:rPr lang="en-US" dirty="0"/>
-              <a:t>…</a:t>
-            </a:r>
-          </a:p>
-          <a:p>
-            <a:pPr lvl="1"/>
-            <a:endParaRPr lang="en-US" dirty="0"/>
-          </a:p>
-          <a:p>
-            <a:endParaRPr lang="en-US" dirty="0"/>
-          </a:p>
-          <a:p>
-            <a:pPr lvl="1"/>
-            <a:endParaRPr lang="en-US" dirty="0"/>
-          </a:p>
-          <a:p>
-            <a:endParaRPr lang="en-US" dirty="0"/>
-          </a:p>
-          <a:p>
-            <a:endParaRPr lang="en-US" dirty="0"/>
-          </a:p>
-        </p:txBody>
-      </p:sp>
-    </p:spTree>
-    <p:extLst>
-      <p:ext uri="{BB962C8B-B14F-4D97-AF65-F5344CB8AC3E}">
-        <p14:creationId xmlns:p14="http://schemas.microsoft.com/office/powerpoint/2010/main" val="2724384055"/>
-      </p:ext>
-    </p:extLst>
-  </p:cSld>
-  <p:clrMapOvr>
-    <a:masterClrMapping/>
-  </p:clrMapOvr>
-</p:sld>
-</file>
-
-<file path=ppt/slides/slide23.xml><?xml version="1.0" encoding="utf-8"?>
-<p:sld xmlns:a="http://schemas.openxmlformats.org/drawingml/2006/main" xmlns:r="http://schemas.openxmlformats.org/officeDocument/2006/relationships" xmlns:p="http://schemas.openxmlformats.org/presentationml/2006/main">
-  <p:cSld>
-    <p:spTree>
-      <p:nvGrpSpPr>
-        <p:cNvPr id="1" name="">
-          <a:extLst>
-            <a:ext uri="{FF2B5EF4-FFF2-40B4-BE49-F238E27FC236}">
-              <a16:creationId xmlns:a16="http://schemas.microsoft.com/office/drawing/2014/main" id="{D81AD3E2-BF33-088D-715F-464CAD86788A}"/>
-            </a:ext>
-          </a:extLst>
-        </p:cNvPr>
-        <p:cNvGrpSpPr/>
-        <p:nvPr/>
-      </p:nvGrpSpPr>
-      <p:grpSpPr>
-        <a:xfrm>
-          <a:off x="0" y="0"/>
-          <a:ext cx="0" cy="0"/>
-          <a:chOff x="0" y="0"/>
-          <a:chExt cx="0" cy="0"/>
-        </a:xfrm>
-      </p:grpSpPr>
-      <p:sp>
-        <p:nvSpPr>
-          <p:cNvPr id="2" name="Title 1">
-            <a:extLst>
-              <a:ext uri="{FF2B5EF4-FFF2-40B4-BE49-F238E27FC236}">
-                <a16:creationId xmlns:a16="http://schemas.microsoft.com/office/drawing/2014/main" id="{48120236-E6B8-799F-DADF-0B7C18CA4E61}"/>
-              </a:ext>
-            </a:extLst>
-          </p:cNvPr>
-          <p:cNvSpPr>
-            <a:spLocks noGrp="1"/>
-          </p:cNvSpPr>
-          <p:nvPr>
-            <p:ph type="title"/>
-          </p:nvPr>
-        </p:nvSpPr>
-        <p:spPr/>
-        <p:txBody>
-          <a:bodyPr/>
-          <a:lstStyle/>
-          <a:p>
-            <a:r>
-              <a:rPr lang="en-US" dirty="0"/>
-              <a:t>Main course topics</a:t>
-            </a:r>
-          </a:p>
-        </p:txBody>
-      </p:sp>
-      <p:sp>
-        <p:nvSpPr>
-          <p:cNvPr id="3" name="Content Placeholder 2">
-            <a:extLst>
-              <a:ext uri="{FF2B5EF4-FFF2-40B4-BE49-F238E27FC236}">
-                <a16:creationId xmlns:a16="http://schemas.microsoft.com/office/drawing/2014/main" id="{2588108C-5632-E34D-A449-D6D2180C9129}"/>
-              </a:ext>
-            </a:extLst>
-          </p:cNvPr>
-          <p:cNvSpPr>
-            <a:spLocks noGrp="1"/>
-          </p:cNvSpPr>
-          <p:nvPr>
-            <p:ph idx="1"/>
-          </p:nvPr>
-        </p:nvSpPr>
-        <p:spPr/>
-        <p:txBody>
-          <a:bodyPr>
-            <a:normAutofit/>
-          </a:bodyPr>
-          <a:lstStyle/>
-          <a:p>
-            <a:r>
-              <a:rPr lang="en-US" dirty="0"/>
-              <a:t>How to write </a:t>
-            </a:r>
-            <a:r>
-              <a:rPr lang="en-US" u="sng" dirty="0"/>
-              <a:t>quality</a:t>
-            </a:r>
-            <a:r>
-              <a:rPr lang="en-US" dirty="0"/>
-              <a:t> code?</a:t>
-            </a:r>
-          </a:p>
-          <a:p>
-            <a:pPr lvl="1"/>
-            <a:r>
-              <a:rPr lang="en-US" dirty="0"/>
-              <a:t>Object oriented programming</a:t>
-            </a:r>
-          </a:p>
-          <a:p>
-            <a:pPr lvl="1"/>
-            <a:r>
-              <a:rPr lang="en-US" dirty="0"/>
-              <a:t>UML and </a:t>
-            </a:r>
-            <a:r>
-              <a:rPr lang="en-US" altLang="zh-CN" dirty="0"/>
-              <a:t>d</a:t>
-            </a:r>
-            <a:r>
-              <a:rPr lang="en-US" dirty="0"/>
-              <a:t>esign pattern</a:t>
-            </a:r>
-            <a:r>
-              <a:rPr lang="en-US" altLang="zh-CN" dirty="0"/>
-              <a:t>s</a:t>
-            </a:r>
-            <a:endParaRPr lang="en-US" dirty="0"/>
-          </a:p>
-          <a:p>
-            <a:pPr lvl="1"/>
-            <a:r>
-              <a:rPr lang="en-US" dirty="0"/>
-              <a:t>Testing</a:t>
-            </a:r>
-          </a:p>
-          <a:p>
-            <a:pPr lvl="1"/>
-            <a:r>
-              <a:rPr lang="en-US" dirty="0"/>
-              <a:t>Code quality</a:t>
-            </a:r>
-          </a:p>
-          <a:p>
-            <a:r>
-              <a:rPr lang="en-US" dirty="0"/>
-              <a:t>How to </a:t>
-            </a:r>
-            <a:r>
-              <a:rPr lang="en-US" u="sng" dirty="0"/>
-              <a:t>manage</a:t>
-            </a:r>
-            <a:r>
-              <a:rPr lang="en-US" dirty="0"/>
-              <a:t> a software project effectively?</a:t>
-            </a:r>
-          </a:p>
-          <a:p>
-            <a:pPr lvl="1"/>
-            <a:r>
-              <a:rPr lang="en-US" dirty="0"/>
-              <a:t>Requirements engineering</a:t>
-            </a:r>
-          </a:p>
-          <a:p>
-            <a:pPr lvl="1"/>
-            <a:r>
-              <a:rPr lang="en-US" dirty="0"/>
-              <a:t>Software development process</a:t>
-            </a:r>
-          </a:p>
-          <a:p>
-            <a:pPr lvl="1"/>
-            <a:r>
-              <a:rPr lang="en-US" altLang="zh-CN" dirty="0"/>
-              <a:t>Tools:</a:t>
-            </a:r>
-            <a:r>
-              <a:rPr lang="zh-CN" altLang="en-US" dirty="0"/>
-              <a:t> </a:t>
-            </a:r>
-            <a:r>
-              <a:rPr lang="en-US" dirty="0"/>
-              <a:t>Git, CI/CD</a:t>
-            </a:r>
-          </a:p>
-          <a:p>
-            <a:pPr lvl="1"/>
-            <a:endParaRPr lang="en-US" dirty="0"/>
-          </a:p>
-          <a:p>
-            <a:endParaRPr lang="en-US" dirty="0"/>
-          </a:p>
-          <a:p>
-            <a:pPr lvl="1"/>
-            <a:endParaRPr lang="en-US" dirty="0"/>
-          </a:p>
-          <a:p>
-            <a:endParaRPr lang="en-US" dirty="0"/>
-          </a:p>
-          <a:p>
-            <a:endParaRPr lang="en-US" dirty="0"/>
-          </a:p>
-        </p:txBody>
-      </p:sp>
-    </p:spTree>
-    <p:extLst>
-      <p:ext uri="{BB962C8B-B14F-4D97-AF65-F5344CB8AC3E}">
-        <p14:creationId xmlns:p14="http://schemas.microsoft.com/office/powerpoint/2010/main" val="1407635277"/>
-      </p:ext>
-    </p:extLst>
-  </p:cSld>
-  <p:clrMapOvr>
-    <a:masterClrMapping/>
-  </p:clrMapOvr>
-</p:sld>
-</file>
-
-<file path=ppt/slides/slide24.xml><?xml version="1.0" encoding="utf-8"?>
 <p:sld xmlns:a="http://schemas.openxmlformats.org/drawingml/2006/main" xmlns:r="http://schemas.openxmlformats.org/officeDocument/2006/relationships" xmlns:p="http://schemas.openxmlformats.org/presentationml/2006/main">
   <p:cSld>
     <p:spTree>
@@ -6102,7 +6925,7 @@
           <a:p>
             <a:r>
               <a:rPr lang="en-US" dirty="0"/>
-              <a:t>Miscellaneous course topics</a:t>
+              <a:t>Miscellaneous Topics</a:t>
             </a:r>
           </a:p>
         </p:txBody>
@@ -6192,6 +7015,35 @@
           </a:p>
           <a:p>
             <a:endParaRPr lang="en-US" dirty="0"/>
+          </a:p>
+        </p:txBody>
+      </p:sp>
+      <p:sp>
+        <p:nvSpPr>
+          <p:cNvPr id="4" name="Slide Number Placeholder 3">
+            <a:extLst>
+              <a:ext uri="{FF2B5EF4-FFF2-40B4-BE49-F238E27FC236}">
+                <a16:creationId xmlns:a16="http://schemas.microsoft.com/office/drawing/2014/main" id="{964E30EA-2994-CE6C-BE72-2EC821D8204A}"/>
+              </a:ext>
+            </a:extLst>
+          </p:cNvPr>
+          <p:cNvSpPr>
+            <a:spLocks noGrp="1"/>
+          </p:cNvSpPr>
+          <p:nvPr>
+            <p:ph type="sldNum" sz="quarter" idx="12"/>
+          </p:nvPr>
+        </p:nvSpPr>
+        <p:spPr/>
+        <p:txBody>
+          <a:bodyPr/>
+          <a:lstStyle/>
+          <a:p>
+            <a:fld id="{3AB30462-0FD5-604F-8C98-DCC91BE84583}" type="slidenum">
+              <a:rPr lang="en-US" smtClean="0"/>
+              <a:t>21</a:t>
+            </a:fld>
+            <a:endParaRPr lang="en-US"/>
           </a:p>
         </p:txBody>
       </p:sp>
@@ -6199,6 +7051,600 @@
     <p:extLst>
       <p:ext uri="{BB962C8B-B14F-4D97-AF65-F5344CB8AC3E}">
         <p14:creationId xmlns:p14="http://schemas.microsoft.com/office/powerpoint/2010/main" val="1408737481"/>
+      </p:ext>
+    </p:extLst>
+  </p:cSld>
+  <p:clrMapOvr>
+    <a:masterClrMapping/>
+  </p:clrMapOvr>
+</p:sld>
+</file>
+
+<file path=ppt/slides/slide22.xml><?xml version="1.0" encoding="utf-8"?>
+<p:sld xmlns:a="http://schemas.openxmlformats.org/drawingml/2006/main" xmlns:r="http://schemas.openxmlformats.org/officeDocument/2006/relationships" xmlns:p="http://schemas.openxmlformats.org/presentationml/2006/main">
+  <p:cSld>
+    <p:spTree>
+      <p:nvGrpSpPr>
+        <p:cNvPr id="1" name=""/>
+        <p:cNvGrpSpPr/>
+        <p:nvPr/>
+      </p:nvGrpSpPr>
+      <p:grpSpPr>
+        <a:xfrm>
+          <a:off x="0" y="0"/>
+          <a:ext cx="0" cy="0"/>
+          <a:chOff x="0" y="0"/>
+          <a:chExt cx="0" cy="0"/>
+        </a:xfrm>
+      </p:grpSpPr>
+      <p:sp>
+        <p:nvSpPr>
+          <p:cNvPr id="2" name="Title 1">
+            <a:extLst>
+              <a:ext uri="{FF2B5EF4-FFF2-40B4-BE49-F238E27FC236}">
+                <a16:creationId xmlns:a16="http://schemas.microsoft.com/office/drawing/2014/main" id="{4A2729CB-0960-6997-CBE8-37D8858DA014}"/>
+              </a:ext>
+            </a:extLst>
+          </p:cNvPr>
+          <p:cNvSpPr>
+            <a:spLocks noGrp="1"/>
+          </p:cNvSpPr>
+          <p:nvPr>
+            <p:ph type="title"/>
+          </p:nvPr>
+        </p:nvSpPr>
+        <p:spPr/>
+        <p:txBody>
+          <a:bodyPr/>
+          <a:lstStyle/>
+          <a:p>
+            <a:r>
+              <a:rPr lang="en-US" dirty="0"/>
+              <a:t>Acknowledgements</a:t>
+            </a:r>
+          </a:p>
+        </p:txBody>
+      </p:sp>
+      <p:sp>
+        <p:nvSpPr>
+          <p:cNvPr id="3" name="Content Placeholder 2">
+            <a:extLst>
+              <a:ext uri="{FF2B5EF4-FFF2-40B4-BE49-F238E27FC236}">
+                <a16:creationId xmlns:a16="http://schemas.microsoft.com/office/drawing/2014/main" id="{CD390941-739F-1D0B-49B3-899054F005BF}"/>
+              </a:ext>
+            </a:extLst>
+          </p:cNvPr>
+          <p:cNvSpPr>
+            <a:spLocks noGrp="1"/>
+          </p:cNvSpPr>
+          <p:nvPr>
+            <p:ph idx="1"/>
+          </p:nvPr>
+        </p:nvSpPr>
+        <p:spPr/>
+        <p:txBody>
+          <a:bodyPr/>
+          <a:lstStyle/>
+          <a:p>
+            <a:r>
+              <a:rPr lang="en-US" dirty="0"/>
+              <a:t>Course materials are inspired by or adapted from previous offerings of CISC 6100 by Prof. Bill Lord, and open source teaching materials by Prof. Florian </a:t>
+            </a:r>
+            <a:r>
+              <a:rPr lang="en-US" dirty="0" err="1"/>
+              <a:t>Echtler</a:t>
+            </a:r>
+            <a:r>
+              <a:rPr lang="en-US" dirty="0"/>
+              <a:t>.</a:t>
+            </a:r>
+          </a:p>
+        </p:txBody>
+      </p:sp>
+      <p:sp>
+        <p:nvSpPr>
+          <p:cNvPr id="4" name="Slide Number Placeholder 3">
+            <a:extLst>
+              <a:ext uri="{FF2B5EF4-FFF2-40B4-BE49-F238E27FC236}">
+                <a16:creationId xmlns:a16="http://schemas.microsoft.com/office/drawing/2014/main" id="{EB6076FC-7E5B-714F-2A24-E45AA3B5F59F}"/>
+              </a:ext>
+            </a:extLst>
+          </p:cNvPr>
+          <p:cNvSpPr>
+            <a:spLocks noGrp="1"/>
+          </p:cNvSpPr>
+          <p:nvPr>
+            <p:ph type="sldNum" sz="quarter" idx="12"/>
+          </p:nvPr>
+        </p:nvSpPr>
+        <p:spPr/>
+        <p:txBody>
+          <a:bodyPr/>
+          <a:lstStyle/>
+          <a:p>
+            <a:fld id="{3AB30462-0FD5-604F-8C98-DCC91BE84583}" type="slidenum">
+              <a:rPr lang="en-US" smtClean="0"/>
+              <a:t>22</a:t>
+            </a:fld>
+            <a:endParaRPr lang="en-US"/>
+          </a:p>
+        </p:txBody>
+      </p:sp>
+    </p:spTree>
+    <p:extLst>
+      <p:ext uri="{BB962C8B-B14F-4D97-AF65-F5344CB8AC3E}">
+        <p14:creationId xmlns:p14="http://schemas.microsoft.com/office/powerpoint/2010/main" val="2219594394"/>
+      </p:ext>
+    </p:extLst>
+  </p:cSld>
+  <p:clrMapOvr>
+    <a:masterClrMapping/>
+  </p:clrMapOvr>
+</p:sld>
+</file>
+
+<file path=ppt/slides/slide23.xml><?xml version="1.0" encoding="utf-8"?>
+<p:sld xmlns:a="http://schemas.openxmlformats.org/drawingml/2006/main" xmlns:r="http://schemas.openxmlformats.org/officeDocument/2006/relationships" xmlns:p="http://schemas.openxmlformats.org/presentationml/2006/main">
+  <p:cSld>
+    <p:spTree>
+      <p:nvGrpSpPr>
+        <p:cNvPr id="1" name="">
+          <a:extLst>
+            <a:ext uri="{FF2B5EF4-FFF2-40B4-BE49-F238E27FC236}">
+              <a16:creationId xmlns:a16="http://schemas.microsoft.com/office/drawing/2014/main" id="{F71B5652-0A0C-D84D-A68C-2537E6823D9E}"/>
+            </a:ext>
+          </a:extLst>
+        </p:cNvPr>
+        <p:cNvGrpSpPr/>
+        <p:nvPr/>
+      </p:nvGrpSpPr>
+      <p:grpSpPr>
+        <a:xfrm>
+          <a:off x="0" y="0"/>
+          <a:ext cx="0" cy="0"/>
+          <a:chOff x="0" y="0"/>
+          <a:chExt cx="0" cy="0"/>
+        </a:xfrm>
+      </p:grpSpPr>
+      <p:sp>
+        <p:nvSpPr>
+          <p:cNvPr id="2" name="Title 1">
+            <a:extLst>
+              <a:ext uri="{FF2B5EF4-FFF2-40B4-BE49-F238E27FC236}">
+                <a16:creationId xmlns:a16="http://schemas.microsoft.com/office/drawing/2014/main" id="{3438CADF-BE77-DE6C-63FE-E997C80592D2}"/>
+              </a:ext>
+            </a:extLst>
+          </p:cNvPr>
+          <p:cNvSpPr>
+            <a:spLocks noGrp="1"/>
+          </p:cNvSpPr>
+          <p:nvPr>
+            <p:ph type="title"/>
+          </p:nvPr>
+        </p:nvSpPr>
+        <p:spPr/>
+        <p:txBody>
+          <a:bodyPr/>
+          <a:lstStyle/>
+          <a:p>
+            <a:r>
+              <a:rPr lang="en-US" dirty="0"/>
+              <a:t>Course logistics</a:t>
+            </a:r>
+          </a:p>
+        </p:txBody>
+      </p:sp>
+      <p:sp>
+        <p:nvSpPr>
+          <p:cNvPr id="3" name="Content Placeholder 2">
+            <a:extLst>
+              <a:ext uri="{FF2B5EF4-FFF2-40B4-BE49-F238E27FC236}">
+                <a16:creationId xmlns:a16="http://schemas.microsoft.com/office/drawing/2014/main" id="{765C16D0-F01F-DC8F-D5F1-DFF527015B44}"/>
+              </a:ext>
+            </a:extLst>
+          </p:cNvPr>
+          <p:cNvSpPr>
+            <a:spLocks noGrp="1"/>
+          </p:cNvSpPr>
+          <p:nvPr>
+            <p:ph idx="1"/>
+          </p:nvPr>
+        </p:nvSpPr>
+        <p:spPr/>
+        <p:txBody>
+          <a:bodyPr>
+            <a:normAutofit/>
+          </a:bodyPr>
+          <a:lstStyle/>
+          <a:p>
+            <a:r>
+              <a:rPr lang="en-US" dirty="0"/>
+              <a:t>Textbook (reference)</a:t>
+            </a:r>
+          </a:p>
+          <a:p>
+            <a:pPr lvl="1"/>
+            <a:r>
+              <a:rPr lang="en-US" dirty="0"/>
+              <a:t>Software Engineering</a:t>
+            </a:r>
+            <a:r>
+              <a:rPr lang="zh-CN" altLang="en-US" dirty="0"/>
+              <a:t> </a:t>
+            </a:r>
+            <a:r>
+              <a:rPr lang="en-US" altLang="zh-CN" dirty="0"/>
+              <a:t>10th</a:t>
+            </a:r>
+            <a:r>
+              <a:rPr lang="zh-CN" altLang="en-US" dirty="0"/>
+              <a:t> </a:t>
+            </a:r>
+            <a:r>
+              <a:rPr lang="en-US" altLang="zh-CN" dirty="0"/>
+              <a:t>edition,</a:t>
+            </a:r>
+            <a:r>
+              <a:rPr lang="zh-CN" altLang="en-US" dirty="0"/>
+              <a:t> </a:t>
+            </a:r>
+            <a:r>
+              <a:rPr lang="en-US" altLang="zh-CN" dirty="0"/>
+              <a:t>by</a:t>
+            </a:r>
+            <a:r>
+              <a:rPr lang="en-US" dirty="0"/>
+              <a:t> Ian Sommerville</a:t>
+            </a:r>
+          </a:p>
+          <a:p>
+            <a:r>
+              <a:rPr lang="en-US" dirty="0"/>
+              <a:t>Prerequisites</a:t>
+            </a:r>
+          </a:p>
+          <a:p>
+            <a:pPr lvl="1"/>
+            <a:r>
+              <a:rPr lang="en-US" dirty="0"/>
+              <a:t>Basic programming skills</a:t>
+            </a:r>
+          </a:p>
+          <a:p>
+            <a:r>
+              <a:rPr lang="en-US" dirty="0"/>
+              <a:t>Final grade</a:t>
+            </a:r>
+          </a:p>
+          <a:p>
+            <a:pPr lvl="1"/>
+            <a:r>
+              <a:rPr lang="en-US" dirty="0"/>
+              <a:t>20% homework assignments</a:t>
+            </a:r>
+          </a:p>
+          <a:p>
+            <a:pPr lvl="1"/>
+            <a:r>
+              <a:rPr lang="en-US" dirty="0"/>
+              <a:t>20% midterm exam</a:t>
+            </a:r>
+          </a:p>
+          <a:p>
+            <a:pPr lvl="1"/>
+            <a:r>
+              <a:rPr lang="en-US" dirty="0"/>
+              <a:t>60% software engineering project</a:t>
+            </a:r>
+          </a:p>
+          <a:p>
+            <a:endParaRPr lang="en-US" dirty="0"/>
+          </a:p>
+          <a:p>
+            <a:pPr lvl="1"/>
+            <a:endParaRPr lang="en-US" dirty="0"/>
+          </a:p>
+        </p:txBody>
+      </p:sp>
+      <p:sp>
+        <p:nvSpPr>
+          <p:cNvPr id="4" name="Slide Number Placeholder 3">
+            <a:extLst>
+              <a:ext uri="{FF2B5EF4-FFF2-40B4-BE49-F238E27FC236}">
+                <a16:creationId xmlns:a16="http://schemas.microsoft.com/office/drawing/2014/main" id="{FCEE4AC1-1243-7F80-515D-03EE397D8033}"/>
+              </a:ext>
+            </a:extLst>
+          </p:cNvPr>
+          <p:cNvSpPr>
+            <a:spLocks noGrp="1"/>
+          </p:cNvSpPr>
+          <p:nvPr>
+            <p:ph type="sldNum" sz="quarter" idx="12"/>
+          </p:nvPr>
+        </p:nvSpPr>
+        <p:spPr/>
+        <p:txBody>
+          <a:bodyPr/>
+          <a:lstStyle/>
+          <a:p>
+            <a:fld id="{3AB30462-0FD5-604F-8C98-DCC91BE84583}" type="slidenum">
+              <a:rPr lang="en-US" smtClean="0"/>
+              <a:t>23</a:t>
+            </a:fld>
+            <a:endParaRPr lang="en-US"/>
+          </a:p>
+        </p:txBody>
+      </p:sp>
+    </p:spTree>
+    <p:extLst>
+      <p:ext uri="{BB962C8B-B14F-4D97-AF65-F5344CB8AC3E}">
+        <p14:creationId xmlns:p14="http://schemas.microsoft.com/office/powerpoint/2010/main" val="1525870370"/>
+      </p:ext>
+    </p:extLst>
+  </p:cSld>
+  <p:clrMapOvr>
+    <a:masterClrMapping/>
+  </p:clrMapOvr>
+</p:sld>
+</file>
+
+<file path=ppt/slides/slide24.xml><?xml version="1.0" encoding="utf-8"?>
+<p:sld xmlns:a="http://schemas.openxmlformats.org/drawingml/2006/main" xmlns:r="http://schemas.openxmlformats.org/officeDocument/2006/relationships" xmlns:p="http://schemas.openxmlformats.org/presentationml/2006/main">
+  <p:cSld>
+    <p:spTree>
+      <p:nvGrpSpPr>
+        <p:cNvPr id="1" name=""/>
+        <p:cNvGrpSpPr/>
+        <p:nvPr/>
+      </p:nvGrpSpPr>
+      <p:grpSpPr>
+        <a:xfrm>
+          <a:off x="0" y="0"/>
+          <a:ext cx="0" cy="0"/>
+          <a:chOff x="0" y="0"/>
+          <a:chExt cx="0" cy="0"/>
+        </a:xfrm>
+      </p:grpSpPr>
+      <p:sp>
+        <p:nvSpPr>
+          <p:cNvPr id="2" name="Title 1">
+            <a:extLst>
+              <a:ext uri="{FF2B5EF4-FFF2-40B4-BE49-F238E27FC236}">
+                <a16:creationId xmlns:a16="http://schemas.microsoft.com/office/drawing/2014/main" id="{9C7CF2B7-80AC-CA7B-C097-F09CCBE35A9D}"/>
+              </a:ext>
+            </a:extLst>
+          </p:cNvPr>
+          <p:cNvSpPr>
+            <a:spLocks noGrp="1"/>
+          </p:cNvSpPr>
+          <p:nvPr>
+            <p:ph type="title"/>
+          </p:nvPr>
+        </p:nvSpPr>
+        <p:spPr/>
+        <p:txBody>
+          <a:bodyPr/>
+          <a:lstStyle/>
+          <a:p>
+            <a:r>
+              <a:rPr lang="en-US" dirty="0"/>
+              <a:t>Semester</a:t>
+            </a:r>
+            <a:r>
+              <a:rPr lang="en-US" altLang="zh-CN" dirty="0"/>
+              <a:t>-Long</a:t>
+            </a:r>
+            <a:r>
+              <a:rPr lang="en-US" dirty="0"/>
+              <a:t> </a:t>
+            </a:r>
+            <a:r>
+              <a:rPr lang="en-US" altLang="zh-CN" dirty="0"/>
+              <a:t>P</a:t>
+            </a:r>
+            <a:r>
+              <a:rPr lang="en-US" dirty="0"/>
+              <a:t>roject – Gomoku </a:t>
+            </a:r>
+            <a:r>
+              <a:rPr lang="en-US" altLang="zh-CN" dirty="0"/>
+              <a:t>G</a:t>
+            </a:r>
+            <a:r>
+              <a:rPr lang="en-US" dirty="0"/>
+              <a:t>ame</a:t>
+            </a:r>
+          </a:p>
+        </p:txBody>
+      </p:sp>
+      <p:sp>
+        <p:nvSpPr>
+          <p:cNvPr id="3" name="Content Placeholder 2">
+            <a:extLst>
+              <a:ext uri="{FF2B5EF4-FFF2-40B4-BE49-F238E27FC236}">
+                <a16:creationId xmlns:a16="http://schemas.microsoft.com/office/drawing/2014/main" id="{F2C2992F-979A-8B66-CB05-BCA520B1A094}"/>
+              </a:ext>
+            </a:extLst>
+          </p:cNvPr>
+          <p:cNvSpPr>
+            <a:spLocks noGrp="1"/>
+          </p:cNvSpPr>
+          <p:nvPr>
+            <p:ph idx="1"/>
+          </p:nvPr>
+        </p:nvSpPr>
+        <p:spPr/>
+        <p:txBody>
+          <a:bodyPr/>
+          <a:lstStyle/>
+          <a:p>
+            <a:r>
+              <a:rPr lang="en-US" altLang="zh-CN" dirty="0"/>
+              <a:t>A</a:t>
+            </a:r>
+            <a:r>
+              <a:rPr lang="zh-CN" altLang="en-US" dirty="0"/>
+              <a:t> </a:t>
+            </a:r>
+            <a:r>
+              <a:rPr lang="en-US" altLang="zh-CN" dirty="0"/>
+              <a:t>simple</a:t>
+            </a:r>
+            <a:r>
+              <a:rPr lang="zh-CN" altLang="en-US" dirty="0"/>
+              <a:t> </a:t>
+            </a:r>
+            <a:r>
+              <a:rPr lang="en-US" altLang="zh-CN" dirty="0"/>
+              <a:t>game</a:t>
+            </a:r>
+            <a:r>
+              <a:rPr lang="zh-CN" altLang="en-US" dirty="0"/>
+              <a:t> </a:t>
+            </a:r>
+            <a:r>
+              <a:rPr lang="en-US" altLang="zh-CN" dirty="0"/>
+              <a:t>with</a:t>
+            </a:r>
+            <a:r>
+              <a:rPr lang="zh-CN" altLang="en-US" dirty="0"/>
+              <a:t> </a:t>
+            </a:r>
+            <a:r>
+              <a:rPr lang="en-US" altLang="zh-CN" dirty="0"/>
+              <a:t>minimal</a:t>
+            </a:r>
+            <a:r>
+              <a:rPr lang="zh-CN" altLang="en-US" dirty="0"/>
+              <a:t> </a:t>
+            </a:r>
+            <a:r>
+              <a:rPr lang="en-US" altLang="zh-CN" dirty="0"/>
+              <a:t>domain</a:t>
+            </a:r>
+            <a:r>
+              <a:rPr lang="zh-CN" altLang="en-US" dirty="0"/>
+              <a:t> </a:t>
+            </a:r>
+            <a:r>
+              <a:rPr lang="en-US" altLang="zh-CN" dirty="0"/>
+              <a:t>knowledge</a:t>
+            </a:r>
+          </a:p>
+          <a:p>
+            <a:r>
+              <a:rPr lang="en-US" altLang="zh-CN" dirty="0"/>
+              <a:t>Some</a:t>
+            </a:r>
+            <a:r>
+              <a:rPr lang="zh-CN" altLang="en-US" dirty="0"/>
+              <a:t> </a:t>
+            </a:r>
+            <a:r>
+              <a:rPr lang="en-US" altLang="zh-CN" dirty="0"/>
+              <a:t>level</a:t>
+            </a:r>
+            <a:r>
+              <a:rPr lang="zh-CN" altLang="en-US" dirty="0"/>
+              <a:t> </a:t>
+            </a:r>
+            <a:r>
+              <a:rPr lang="en-US" altLang="zh-CN" dirty="0"/>
+              <a:t>of</a:t>
+            </a:r>
+            <a:r>
+              <a:rPr lang="zh-CN" altLang="en-US" dirty="0"/>
+              <a:t> </a:t>
+            </a:r>
+            <a:r>
+              <a:rPr lang="en-US" altLang="zh-CN" dirty="0"/>
+              <a:t>complexity</a:t>
+            </a:r>
+            <a:r>
+              <a:rPr lang="zh-CN" altLang="en-US" dirty="0"/>
+              <a:t> </a:t>
+            </a:r>
+            <a:r>
+              <a:rPr lang="en-US" altLang="zh-CN" dirty="0"/>
+              <a:t>will</a:t>
+            </a:r>
+            <a:r>
+              <a:rPr lang="zh-CN" altLang="en-US" dirty="0"/>
+              <a:t> </a:t>
+            </a:r>
+            <a:r>
+              <a:rPr lang="en-US" altLang="zh-CN" dirty="0"/>
+              <a:t>be</a:t>
+            </a:r>
+            <a:r>
+              <a:rPr lang="zh-CN" altLang="en-US" dirty="0"/>
+              <a:t> </a:t>
+            </a:r>
+            <a:r>
+              <a:rPr lang="en-US" altLang="zh-CN" dirty="0"/>
+              <a:t>incorporated</a:t>
+            </a:r>
+            <a:r>
+              <a:rPr lang="zh-CN" altLang="en-US" dirty="0"/>
+              <a:t> </a:t>
+            </a:r>
+            <a:r>
+              <a:rPr lang="en-US" altLang="zh-CN" dirty="0"/>
+              <a:t>into</a:t>
+            </a:r>
+            <a:r>
+              <a:rPr lang="zh-CN" altLang="en-US" dirty="0"/>
+              <a:t> </a:t>
+            </a:r>
+            <a:r>
+              <a:rPr lang="en-US" altLang="zh-CN" dirty="0"/>
+              <a:t>the</a:t>
+            </a:r>
+            <a:r>
+              <a:rPr lang="zh-CN" altLang="en-US" dirty="0"/>
+              <a:t> </a:t>
+            </a:r>
+            <a:r>
+              <a:rPr lang="en-US" altLang="zh-CN" dirty="0"/>
+              <a:t>software</a:t>
+            </a:r>
+            <a:endParaRPr lang="en-US" dirty="0"/>
+          </a:p>
+        </p:txBody>
+      </p:sp>
+      <p:sp>
+        <p:nvSpPr>
+          <p:cNvPr id="4" name="Slide Number Placeholder 3">
+            <a:extLst>
+              <a:ext uri="{FF2B5EF4-FFF2-40B4-BE49-F238E27FC236}">
+                <a16:creationId xmlns:a16="http://schemas.microsoft.com/office/drawing/2014/main" id="{A339C8A2-0963-9331-E242-22F86A371810}"/>
+              </a:ext>
+            </a:extLst>
+          </p:cNvPr>
+          <p:cNvSpPr>
+            <a:spLocks noGrp="1"/>
+          </p:cNvSpPr>
+          <p:nvPr>
+            <p:ph type="sldNum" sz="quarter" idx="12"/>
+          </p:nvPr>
+        </p:nvSpPr>
+        <p:spPr/>
+        <p:txBody>
+          <a:bodyPr/>
+          <a:lstStyle/>
+          <a:p>
+            <a:fld id="{3AB30462-0FD5-604F-8C98-DCC91BE84583}" type="slidenum">
+              <a:rPr lang="en-US" smtClean="0"/>
+              <a:t>24</a:t>
+            </a:fld>
+            <a:endParaRPr lang="en-US"/>
+          </a:p>
+        </p:txBody>
+      </p:sp>
+    </p:spTree>
+    <p:extLst>
+      <p:ext uri="{BB962C8B-B14F-4D97-AF65-F5344CB8AC3E}">
+        <p14:creationId xmlns:p14="http://schemas.microsoft.com/office/powerpoint/2010/main" val="2516142745"/>
       </p:ext>
     </p:extLst>
   </p:cSld>
@@ -6230,7 +7676,7 @@
           <p:cNvPr id="2" name="Title 1">
             <a:extLst>
               <a:ext uri="{FF2B5EF4-FFF2-40B4-BE49-F238E27FC236}">
-                <a16:creationId xmlns:a16="http://schemas.microsoft.com/office/drawing/2014/main" id="{4A2729CB-0960-6997-CBE8-37D8858DA014}"/>
+                <a16:creationId xmlns:a16="http://schemas.microsoft.com/office/drawing/2014/main" id="{9F727561-83A4-2119-D7B4-E7CFB862333E}"/>
               </a:ext>
             </a:extLst>
           </p:cNvPr>
@@ -6248,8 +7694,25 @@
           <a:p>
             <a:r>
               <a:rPr lang="en-US" dirty="0"/>
-              <a:t>Acknowledgements</a:t>
-            </a:r>
+              <a:t>Gomoku </a:t>
+            </a:r>
+            <a:r>
+              <a:rPr lang="en-US" altLang="zh-CN" dirty="0"/>
+              <a:t>G</a:t>
+            </a:r>
+            <a:r>
+              <a:rPr lang="en-US" dirty="0"/>
+              <a:t>ame</a:t>
+            </a:r>
+            <a:r>
+              <a:rPr lang="zh-CN" altLang="en-US" dirty="0"/>
+              <a:t> </a:t>
+            </a:r>
+            <a:r>
+              <a:rPr lang="en-US" altLang="zh-CN" dirty="0"/>
+              <a:t>Demo</a:t>
+            </a:r>
+            <a:endParaRPr lang="en-US" dirty="0"/>
           </a:p>
         </p:txBody>
       </p:sp>
@@ -6258,7 +7721,7 @@
           <p:cNvPr id="3" name="Content Placeholder 2">
             <a:extLst>
               <a:ext uri="{FF2B5EF4-FFF2-40B4-BE49-F238E27FC236}">
-                <a16:creationId xmlns:a16="http://schemas.microsoft.com/office/drawing/2014/main" id="{CD390941-739F-1D0B-49B3-899054F005BF}"/>
+                <a16:creationId xmlns:a16="http://schemas.microsoft.com/office/drawing/2014/main" id="{863617F4-5CFD-866D-AC78-DCF88BC77A72}"/>
               </a:ext>
             </a:extLst>
           </p:cNvPr>
@@ -6276,23 +7739,128 @@
           <a:p>
             <a:r>
               <a:rPr lang="en-US" dirty="0"/>
-              <a:t>Course materials are inspired by or adapted from previous offerings of CS 6100 by Prof. Bill Lord, and the open source teaching materials by Prof. Florian </a:t>
-            </a:r>
-            <a:r>
-              <a:rPr lang="en-US" dirty="0" err="1"/>
-              <a:t>Echtler</a:t>
-            </a:r>
-            <a:r>
-              <a:rPr lang="en-US" dirty="0"/>
-              <a:t>.</a:t>
-            </a:r>
+              <a:t>Two players alternate turns.</a:t>
+            </a:r>
+          </a:p>
+          <a:p>
+            <a:r>
+              <a:rPr lang="en-US" dirty="0"/>
+              <a:t>Win: unbroken line of 5 of your stones, horizontally, vertically, or diagonally.</a:t>
+            </a:r>
+          </a:p>
+        </p:txBody>
+      </p:sp>
+      <p:pic>
+        <p:nvPicPr>
+          <p:cNvPr id="4" name="Picture 3">
+            <a:extLst>
+              <a:ext uri="{FF2B5EF4-FFF2-40B4-BE49-F238E27FC236}">
+                <a16:creationId xmlns:a16="http://schemas.microsoft.com/office/drawing/2014/main" id="{F291428C-2BB8-B902-0305-1394DF762802}"/>
+              </a:ext>
+            </a:extLst>
+          </p:cNvPr>
+          <p:cNvPicPr>
+            <a:picLocks noChangeAspect="1"/>
+          </p:cNvPicPr>
+          <p:nvPr/>
+        </p:nvPicPr>
+        <p:blipFill>
+          <a:blip r:embed="rId2"/>
+          <a:stretch>
+            <a:fillRect/>
+          </a:stretch>
+        </p:blipFill>
+        <p:spPr>
+          <a:xfrm>
+            <a:off x="4652323" y="3301844"/>
+            <a:ext cx="2887353" cy="2948397"/>
+          </a:xfrm>
+          <a:prstGeom prst="rect">
+            <a:avLst/>
+          </a:prstGeom>
+        </p:spPr>
+      </p:pic>
+      <p:sp>
+        <p:nvSpPr>
+          <p:cNvPr id="5" name="TextBox 4">
+            <a:extLst>
+              <a:ext uri="{FF2B5EF4-FFF2-40B4-BE49-F238E27FC236}">
+                <a16:creationId xmlns:a16="http://schemas.microsoft.com/office/drawing/2014/main" id="{7710B0EC-36A3-BB2B-40E7-AFCAF75A75FB}"/>
+              </a:ext>
+            </a:extLst>
+          </p:cNvPr>
+          <p:cNvSpPr txBox="1"/>
+          <p:nvPr/>
+        </p:nvSpPr>
+        <p:spPr>
+          <a:xfrm>
+            <a:off x="4835878" y="6492875"/>
+            <a:ext cx="2520242" cy="215444"/>
+          </a:xfrm>
+          <a:prstGeom prst="rect">
+            <a:avLst/>
+          </a:prstGeom>
+          <a:noFill/>
+        </p:spPr>
+        <p:txBody>
+          <a:bodyPr wrap="none" rtlCol="0">
+            <a:spAutoFit/>
+          </a:bodyPr>
+          <a:lstStyle/>
+          <a:p>
+            <a:r>
+              <a:rPr lang="en-US" sz="800" dirty="0"/>
+              <a:t>Image source: https://</a:t>
+            </a:r>
+            <a:r>
+              <a:rPr lang="en-US" sz="800" dirty="0" err="1"/>
+              <a:t>www.wikihow.com</a:t>
+            </a:r>
+            <a:r>
+              <a:rPr lang="en-US" sz="800" dirty="0"/>
+              <a:t>/Play-</a:t>
+            </a:r>
+            <a:r>
+              <a:rPr lang="en-US" sz="800" dirty="0" err="1"/>
+              <a:t>Gomoku</a:t>
+            </a:r>
+            <a:endParaRPr lang="en-US" sz="800" dirty="0"/>
+          </a:p>
+        </p:txBody>
+      </p:sp>
+      <p:sp>
+        <p:nvSpPr>
+          <p:cNvPr id="6" name="Slide Number Placeholder 5">
+            <a:extLst>
+              <a:ext uri="{FF2B5EF4-FFF2-40B4-BE49-F238E27FC236}">
+                <a16:creationId xmlns:a16="http://schemas.microsoft.com/office/drawing/2014/main" id="{1AA73B74-0F50-4E6F-6816-EAB185A781CC}"/>
+              </a:ext>
+            </a:extLst>
+          </p:cNvPr>
+          <p:cNvSpPr>
+            <a:spLocks noGrp="1"/>
+          </p:cNvSpPr>
+          <p:nvPr>
+            <p:ph type="sldNum" sz="quarter" idx="12"/>
+          </p:nvPr>
+        </p:nvSpPr>
+        <p:spPr/>
+        <p:txBody>
+          <a:bodyPr/>
+          <a:lstStyle/>
+          <a:p>
+            <a:fld id="{3AB30462-0FD5-604F-8C98-DCC91BE84583}" type="slidenum">
+              <a:rPr lang="en-US" smtClean="0"/>
+              <a:t>25</a:t>
+            </a:fld>
+            <a:endParaRPr lang="en-US"/>
           </a:p>
         </p:txBody>
       </p:sp>
     </p:spTree>
     <p:extLst>
       <p:ext uri="{BB962C8B-B14F-4D97-AF65-F5344CB8AC3E}">
-        <p14:creationId xmlns:p14="http://schemas.microsoft.com/office/powerpoint/2010/main" val="2219594394"/>
+        <p14:creationId xmlns:p14="http://schemas.microsoft.com/office/powerpoint/2010/main" val="1014093297"/>
       </p:ext>
     </p:extLst>
   </p:cSld>
@@ -6307,13 +7875,7 @@
   <p:cSld>
     <p:spTree>
       <p:nvGrpSpPr>
-        <p:cNvPr id="1" name="">
-          <a:extLst>
-            <a:ext uri="{FF2B5EF4-FFF2-40B4-BE49-F238E27FC236}">
-              <a16:creationId xmlns:a16="http://schemas.microsoft.com/office/drawing/2014/main" id="{F71B5652-0A0C-D84D-A68C-2537E6823D9E}"/>
-            </a:ext>
-          </a:extLst>
-        </p:cNvPr>
+        <p:cNvPr id="1" name=""/>
         <p:cNvGrpSpPr/>
         <p:nvPr/>
       </p:nvGrpSpPr>
@@ -6330,7 +7892,7 @@
           <p:cNvPr id="2" name="Title 1">
             <a:extLst>
               <a:ext uri="{FF2B5EF4-FFF2-40B4-BE49-F238E27FC236}">
-                <a16:creationId xmlns:a16="http://schemas.microsoft.com/office/drawing/2014/main" id="{3438CADF-BE77-DE6C-63FE-E997C80592D2}"/>
+                <a16:creationId xmlns:a16="http://schemas.microsoft.com/office/drawing/2014/main" id="{1874013F-EA8F-5440-7DDB-2D3E2F74CBF2}"/>
               </a:ext>
             </a:extLst>
           </p:cNvPr>
@@ -6348,7 +7910,7 @@
           <a:p>
             <a:r>
               <a:rPr lang="en-US" dirty="0"/>
-              <a:t>Course logistics</a:t>
+              <a:t>Project Goal</a:t>
             </a:r>
           </a:p>
         </p:txBody>
@@ -6358,7 +7920,7 @@
           <p:cNvPr id="3" name="Content Placeholder 2">
             <a:extLst>
               <a:ext uri="{FF2B5EF4-FFF2-40B4-BE49-F238E27FC236}">
-                <a16:creationId xmlns:a16="http://schemas.microsoft.com/office/drawing/2014/main" id="{765C16D0-F01F-DC8F-D5F1-DFF527015B44}"/>
+                <a16:creationId xmlns:a16="http://schemas.microsoft.com/office/drawing/2014/main" id="{B2DE82CF-2802-2662-6774-E0E0AF77332D}"/>
               </a:ext>
             </a:extLst>
           </p:cNvPr>
@@ -6371,104 +7933,61 @@
         </p:nvSpPr>
         <p:spPr/>
         <p:txBody>
-          <a:bodyPr>
-            <a:normAutofit/>
-          </a:bodyPr>
-          <a:lstStyle/>
-          <a:p>
-            <a:r>
-              <a:rPr lang="en-US" dirty="0"/>
-              <a:t>Textbook (reference)</a:t>
-            </a:r>
-          </a:p>
-          <a:p>
-            <a:pPr lvl="1"/>
-            <a:r>
-              <a:rPr lang="en-US" dirty="0"/>
-              <a:t>Software Engineering</a:t>
-            </a:r>
-            <a:r>
-              <a:rPr lang="zh-CN" altLang="en-US" dirty="0"/>
-              <a:t> </a:t>
-            </a:r>
-            <a:r>
-              <a:rPr lang="en-US" altLang="zh-CN" dirty="0"/>
-              <a:t>10th</a:t>
-            </a:r>
-            <a:r>
-              <a:rPr lang="zh-CN" altLang="en-US" dirty="0"/>
-              <a:t> </a:t>
-            </a:r>
-            <a:r>
-              <a:rPr lang="en-US" altLang="zh-CN" dirty="0"/>
-              <a:t>edition,</a:t>
-            </a:r>
-            <a:r>
-              <a:rPr lang="zh-CN" altLang="en-US" dirty="0"/>
-              <a:t> </a:t>
-            </a:r>
-            <a:r>
-              <a:rPr lang="en-US" altLang="zh-CN" dirty="0"/>
-              <a:t>by</a:t>
-            </a:r>
-            <a:r>
-              <a:rPr lang="en-US" dirty="0"/>
-              <a:t> Ian Sommerville</a:t>
-            </a:r>
-          </a:p>
-          <a:p>
-            <a:r>
-              <a:rPr lang="en-US" dirty="0"/>
-              <a:t>Prerequisites</a:t>
-            </a:r>
-          </a:p>
-          <a:p>
-            <a:pPr lvl="1"/>
-            <a:r>
-              <a:rPr lang="en-US" dirty="0"/>
-              <a:t>Basic programming skills</a:t>
-            </a:r>
-          </a:p>
-          <a:p>
-            <a:r>
-              <a:rPr lang="en-US" dirty="0"/>
-              <a:t>Final grade</a:t>
-            </a:r>
-          </a:p>
-          <a:p>
-            <a:pPr lvl="1"/>
-            <a:r>
-              <a:rPr lang="en-US" dirty="0"/>
-              <a:t>20% homework assignments</a:t>
-            </a:r>
-          </a:p>
-          <a:p>
-            <a:pPr lvl="1"/>
-            <a:r>
-              <a:rPr lang="en-US" dirty="0"/>
-              <a:t>20% midterm exam</a:t>
-            </a:r>
-          </a:p>
-          <a:p>
-            <a:pPr lvl="1"/>
-            <a:r>
-              <a:rPr lang="en-US" dirty="0"/>
-              <a:t>60% software engineering project</a:t>
-            </a:r>
-          </a:p>
-          <a:p>
-            <a:endParaRPr lang="en-US" dirty="0"/>
-          </a:p>
-          <a:p>
-            <a:pPr lvl="1"/>
-            <a:endParaRPr lang="en-US" dirty="0"/>
+          <a:bodyPr/>
+          <a:lstStyle/>
+          <a:p>
+            <a:r>
+              <a:rPr lang="en-US" dirty="0"/>
+              <a:t>Build a web application where users can play Gomoku locally or online with a friend by sharing a link</a:t>
+            </a:r>
+          </a:p>
+          <a:p>
+            <a:r>
+              <a:rPr lang="en-US" dirty="0"/>
+              <a:t>Project specification specifies a list of mandatory features, while you can implement additional features you find fun</a:t>
+            </a:r>
+          </a:p>
+          <a:p>
+            <a:r>
+              <a:rPr lang="en-US" dirty="0"/>
+              <a:t>Work in teams of 3 people (form your team by Sep. xxx)</a:t>
+            </a:r>
+          </a:p>
+        </p:txBody>
+      </p:sp>
+      <p:sp>
+        <p:nvSpPr>
+          <p:cNvPr id="4" name="Slide Number Placeholder 3">
+            <a:extLst>
+              <a:ext uri="{FF2B5EF4-FFF2-40B4-BE49-F238E27FC236}">
+                <a16:creationId xmlns:a16="http://schemas.microsoft.com/office/drawing/2014/main" id="{E82F27D3-7686-0834-390A-420E102B40C4}"/>
+              </a:ext>
+            </a:extLst>
+          </p:cNvPr>
+          <p:cNvSpPr>
+            <a:spLocks noGrp="1"/>
+          </p:cNvSpPr>
+          <p:nvPr>
+            <p:ph type="sldNum" sz="quarter" idx="12"/>
+          </p:nvPr>
+        </p:nvSpPr>
+        <p:spPr/>
+        <p:txBody>
+          <a:bodyPr/>
+          <a:lstStyle/>
+          <a:p>
+            <a:fld id="{3AB30462-0FD5-604F-8C98-DCC91BE84583}" type="slidenum">
+              <a:rPr lang="en-US" smtClean="0"/>
+              <a:t>26</a:t>
+            </a:fld>
+            <a:endParaRPr lang="en-US"/>
           </a:p>
         </p:txBody>
       </p:sp>
     </p:spTree>
     <p:extLst>
       <p:ext uri="{BB962C8B-B14F-4D97-AF65-F5344CB8AC3E}">
-        <p14:creationId xmlns:p14="http://schemas.microsoft.com/office/powerpoint/2010/main" val="1525870370"/>
+        <p14:creationId xmlns:p14="http://schemas.microsoft.com/office/powerpoint/2010/main" val="2591498733"/>
       </p:ext>
     </p:extLst>
   </p:cSld>
@@ -6500,7 +8019,7 @@
           <p:cNvPr id="2" name="Title 1">
             <a:extLst>
               <a:ext uri="{FF2B5EF4-FFF2-40B4-BE49-F238E27FC236}">
-                <a16:creationId xmlns:a16="http://schemas.microsoft.com/office/drawing/2014/main" id="{9C7CF2B7-80AC-CA7B-C097-F09CCBE35A9D}"/>
+                <a16:creationId xmlns:a16="http://schemas.microsoft.com/office/drawing/2014/main" id="{D74F5CAB-CA8D-CDBB-6DF8-3128CFCECB1B}"/>
               </a:ext>
             </a:extLst>
           </p:cNvPr>
@@ -6518,39 +8037,7 @@
           <a:p>
             <a:r>
               <a:rPr lang="en-US" dirty="0"/>
-              <a:t>Semester</a:t>
-            </a:r>
-            <a:r>
-              <a:rPr lang="en-US" altLang="zh-CN" dirty="0"/>
-              <a:t>-Long</a:t>
-            </a:r>
-            <a:r>
-              <a:rPr lang="en-US" dirty="0"/>
-              <a:t> </a:t>
-            </a:r>
-            <a:r>
-              <a:rPr lang="en-US" altLang="zh-CN" dirty="0"/>
-              <a:t>P</a:t>
-            </a:r>
-            <a:r>
-              <a:rPr lang="en-US" dirty="0"/>
-              <a:t>roject – </a:t>
-            </a:r>
-            <a:r>
-              <a:rPr lang="en-US" dirty="0" err="1"/>
-              <a:t>Gomoku</a:t>
-            </a:r>
-            <a:r>
-              <a:rPr lang="en-US" dirty="0"/>
-              <a:t> </a:t>
-            </a:r>
-            <a:r>
-              <a:rPr lang="en-US" altLang="zh-CN" dirty="0"/>
-              <a:t>G</a:t>
-            </a:r>
-            <a:r>
-              <a:rPr lang="en-US" dirty="0"/>
-              <a:t>ame</a:t>
+              <a:t>Or You Own Project</a:t>
             </a:r>
           </a:p>
         </p:txBody>
@@ -6560,7 +8047,7 @@
           <p:cNvPr id="3" name="Content Placeholder 2">
             <a:extLst>
               <a:ext uri="{FF2B5EF4-FFF2-40B4-BE49-F238E27FC236}">
-                <a16:creationId xmlns:a16="http://schemas.microsoft.com/office/drawing/2014/main" id="{F2C2992F-979A-8B66-CB05-BCA520B1A094}"/>
+                <a16:creationId xmlns:a16="http://schemas.microsoft.com/office/drawing/2014/main" id="{70B7A3E9-C655-21C6-A713-DDA382EDAC89}"/>
               </a:ext>
             </a:extLst>
           </p:cNvPr>
@@ -6577,143 +8064,45 @@
           <a:lstStyle/>
           <a:p>
             <a:r>
-              <a:rPr lang="en-US" altLang="zh-CN" dirty="0"/>
-              <a:t>A</a:t>
-            </a:r>
-            <a:r>
-              <a:rPr lang="zh-CN" altLang="en-US" dirty="0"/>
-              <a:t> </a:t>
-            </a:r>
-            <a:r>
-              <a:rPr lang="en-US" altLang="zh-CN" dirty="0"/>
-              <a:t>simple</a:t>
-            </a:r>
-            <a:r>
-              <a:rPr lang="zh-CN" altLang="en-US" dirty="0"/>
-              <a:t> </a:t>
-            </a:r>
-            <a:r>
-              <a:rPr lang="en-US" altLang="zh-CN" dirty="0"/>
-              <a:t>game</a:t>
-            </a:r>
-            <a:r>
-              <a:rPr lang="zh-CN" altLang="en-US" dirty="0"/>
-              <a:t> </a:t>
-            </a:r>
-            <a:r>
-              <a:rPr lang="en-US" altLang="zh-CN" dirty="0"/>
-              <a:t>with</a:t>
-            </a:r>
-            <a:r>
-              <a:rPr lang="zh-CN" altLang="en-US" dirty="0"/>
-              <a:t> </a:t>
-            </a:r>
-            <a:r>
-              <a:rPr lang="en-US" altLang="zh-CN" dirty="0"/>
-              <a:t>minimal</a:t>
-            </a:r>
-            <a:r>
-              <a:rPr lang="zh-CN" altLang="en-US" dirty="0"/>
-              <a:t> </a:t>
-            </a:r>
-            <a:r>
-              <a:rPr lang="en-US" altLang="zh-CN" dirty="0"/>
-              <a:t>domain</a:t>
-            </a:r>
-            <a:r>
-              <a:rPr lang="zh-CN" altLang="en-US" dirty="0"/>
-              <a:t> </a:t>
-            </a:r>
-            <a:r>
-              <a:rPr lang="en-US" altLang="zh-CN" dirty="0"/>
-              <a:t>knowledge</a:t>
-            </a:r>
-          </a:p>
-          <a:p>
-            <a:r>
-              <a:rPr lang="en-US" altLang="zh-CN" dirty="0"/>
-              <a:t>Some</a:t>
-            </a:r>
-            <a:r>
-              <a:rPr lang="zh-CN" altLang="en-US" dirty="0"/>
-              <a:t> </a:t>
-            </a:r>
-            <a:r>
-              <a:rPr lang="en-US" altLang="zh-CN" dirty="0"/>
-              <a:t>level</a:t>
-            </a:r>
-            <a:r>
-              <a:rPr lang="zh-CN" altLang="en-US" dirty="0"/>
-              <a:t> </a:t>
-            </a:r>
-            <a:r>
-              <a:rPr lang="en-US" altLang="zh-CN" dirty="0"/>
-              <a:t>of</a:t>
-            </a:r>
-            <a:r>
-              <a:rPr lang="zh-CN" altLang="en-US" dirty="0"/>
-              <a:t> </a:t>
-            </a:r>
-            <a:r>
-              <a:rPr lang="en-US" altLang="zh-CN" dirty="0"/>
-              <a:t>complexity</a:t>
-            </a:r>
-            <a:r>
-              <a:rPr lang="zh-CN" altLang="en-US" dirty="0"/>
-              <a:t> </a:t>
-            </a:r>
-            <a:r>
-              <a:rPr lang="en-US" altLang="zh-CN" dirty="0"/>
-              <a:t>will</a:t>
-            </a:r>
-            <a:r>
-              <a:rPr lang="zh-CN" altLang="en-US" dirty="0"/>
-              <a:t> </a:t>
-            </a:r>
-            <a:r>
-              <a:rPr lang="en-US" altLang="zh-CN" dirty="0"/>
-              <a:t>be</a:t>
-            </a:r>
-            <a:r>
-              <a:rPr lang="zh-CN" altLang="en-US" dirty="0"/>
-              <a:t> </a:t>
-            </a:r>
-            <a:r>
-              <a:rPr lang="en-US" altLang="zh-CN" dirty="0"/>
-              <a:t>incorporated</a:t>
-            </a:r>
-            <a:r>
-              <a:rPr lang="zh-CN" altLang="en-US" dirty="0"/>
-              <a:t> </a:t>
-            </a:r>
-            <a:r>
-              <a:rPr lang="en-US" altLang="zh-CN" dirty="0"/>
-              <a:t>into</a:t>
-            </a:r>
-            <a:r>
-              <a:rPr lang="zh-CN" altLang="en-US" dirty="0"/>
-              <a:t> </a:t>
-            </a:r>
-            <a:r>
-              <a:rPr lang="en-US" altLang="zh-CN" dirty="0"/>
-              <a:t>the</a:t>
-            </a:r>
-            <a:r>
-              <a:rPr lang="zh-CN" altLang="en-US" dirty="0"/>
-              <a:t> </a:t>
-            </a:r>
-            <a:r>
-              <a:rPr lang="en-US" altLang="zh-CN" dirty="0"/>
-              <a:t>software</a:t>
-            </a:r>
-            <a:endParaRPr lang="en-US" dirty="0"/>
+              <a:rPr lang="en-US" dirty="0"/>
+              <a:t>Send me a project proposal with specific product features, project milestones, teams members and demonstrate that it’s both manageable and related to class topics.</a:t>
+            </a:r>
+          </a:p>
+        </p:txBody>
+      </p:sp>
+      <p:sp>
+        <p:nvSpPr>
+          <p:cNvPr id="4" name="Slide Number Placeholder 3">
+            <a:extLst>
+              <a:ext uri="{FF2B5EF4-FFF2-40B4-BE49-F238E27FC236}">
+                <a16:creationId xmlns:a16="http://schemas.microsoft.com/office/drawing/2014/main" id="{29F30F20-58CF-E894-E392-041FCA60228B}"/>
+              </a:ext>
+            </a:extLst>
+          </p:cNvPr>
+          <p:cNvSpPr>
+            <a:spLocks noGrp="1"/>
+          </p:cNvSpPr>
+          <p:nvPr>
+            <p:ph type="sldNum" sz="quarter" idx="12"/>
+          </p:nvPr>
+        </p:nvSpPr>
+        <p:spPr/>
+        <p:txBody>
+          <a:bodyPr/>
+          <a:lstStyle/>
+          <a:p>
+            <a:fld id="{3AB30462-0FD5-604F-8C98-DCC91BE84583}" type="slidenum">
+              <a:rPr lang="en-US" smtClean="0"/>
+              <a:t>27</a:t>
+            </a:fld>
+            <a:endParaRPr lang="en-US"/>
           </a:p>
         </p:txBody>
       </p:sp>
     </p:spTree>
     <p:extLst>
       <p:ext uri="{BB962C8B-B14F-4D97-AF65-F5344CB8AC3E}">
-        <p14:creationId xmlns:p14="http://schemas.microsoft.com/office/powerpoint/2010/main" val="2516142745"/>
+        <p14:creationId xmlns:p14="http://schemas.microsoft.com/office/powerpoint/2010/main" val="2219086119"/>
       </p:ext>
     </p:extLst>
   </p:cSld>
@@ -6745,7 +8134,7 @@
           <p:cNvPr id="2" name="Title 1">
             <a:extLst>
               <a:ext uri="{FF2B5EF4-FFF2-40B4-BE49-F238E27FC236}">
-                <a16:creationId xmlns:a16="http://schemas.microsoft.com/office/drawing/2014/main" id="{9F727561-83A4-2119-D7B4-E7CFB862333E}"/>
+                <a16:creationId xmlns:a16="http://schemas.microsoft.com/office/drawing/2014/main" id="{29C53B68-DFE3-BE98-3870-CA1A2D9CA95D}"/>
               </a:ext>
             </a:extLst>
           </p:cNvPr>
@@ -6762,54 +8151,117 @@
           <a:lstStyle/>
           <a:p>
             <a:r>
-              <a:rPr lang="en-US" dirty="0" err="1"/>
-              <a:t>Gomoku</a:t>
-            </a:r>
-            <a:r>
-              <a:rPr lang="en-US" dirty="0"/>
-              <a:t> </a:t>
-            </a:r>
-            <a:r>
-              <a:rPr lang="en-US" altLang="zh-CN" dirty="0"/>
-              <a:t>G</a:t>
-            </a:r>
-            <a:r>
-              <a:rPr lang="en-US" dirty="0"/>
-              <a:t>ame</a:t>
-            </a:r>
-            <a:r>
-              <a:rPr lang="zh-CN" altLang="en-US" dirty="0"/>
-              <a:t> </a:t>
-            </a:r>
-            <a:r>
-              <a:rPr lang="en-US" altLang="zh-CN" dirty="0"/>
-              <a:t>Demo</a:t>
+              <a:rPr lang="en-US" dirty="0"/>
+              <a:t>A Brief History of Software Engineering</a:t>
+            </a:r>
+          </a:p>
+        </p:txBody>
+      </p:sp>
+      <p:sp>
+        <p:nvSpPr>
+          <p:cNvPr id="3" name="Content Placeholder 2">
+            <a:extLst>
+              <a:ext uri="{FF2B5EF4-FFF2-40B4-BE49-F238E27FC236}">
+                <a16:creationId xmlns:a16="http://schemas.microsoft.com/office/drawing/2014/main" id="{875E1E56-03A5-8977-10DE-81DEC5AFE5E3}"/>
+              </a:ext>
+            </a:extLst>
+          </p:cNvPr>
+          <p:cNvSpPr>
+            <a:spLocks noGrp="1"/>
+          </p:cNvSpPr>
+          <p:nvPr>
+            <p:ph idx="1"/>
+          </p:nvPr>
+        </p:nvSpPr>
+        <p:spPr/>
+        <p:txBody>
+          <a:bodyPr/>
+          <a:lstStyle/>
+          <a:p>
+            <a:r>
+              <a:rPr lang="en-US" b="1" dirty="0"/>
+              <a:t>1950s–60s: Early Days</a:t>
             </a:r>
             <a:endParaRPr lang="en-US" dirty="0"/>
           </a:p>
-        </p:txBody>
-      </p:sp>
-      <p:sp>
-        <p:nvSpPr>
-          <p:cNvPr id="3" name="Content Placeholder 2">
-            <a:extLst>
-              <a:ext uri="{FF2B5EF4-FFF2-40B4-BE49-F238E27FC236}">
-                <a16:creationId xmlns:a16="http://schemas.microsoft.com/office/drawing/2014/main" id="{863617F4-5CFD-866D-AC78-DCF88BC77A72}"/>
-              </a:ext>
-            </a:extLst>
-          </p:cNvPr>
-          <p:cNvSpPr>
-            <a:spLocks noGrp="1"/>
-          </p:cNvSpPr>
-          <p:nvPr>
-            <p:ph idx="1"/>
-          </p:nvPr>
-        </p:nvSpPr>
-        <p:spPr/>
-        <p:txBody>
-          <a:bodyPr/>
-          <a:lstStyle/>
-          <a:p>
+          <a:p>
+            <a:pPr lvl="1"/>
+            <a:r>
+              <a:rPr lang="en-US" dirty="0"/>
+              <a:t>Software was handcrafted by scientists &amp; engineers</a:t>
+            </a:r>
+          </a:p>
+          <a:p>
+            <a:pPr lvl="1"/>
+            <a:r>
+              <a:rPr lang="en-US" dirty="0"/>
+              <a:t>No standard processes; code was often treated as an accessory to hardware</a:t>
+            </a:r>
+          </a:p>
+          <a:p>
+            <a:r>
+              <a:rPr lang="en-US" b="1" dirty="0"/>
+              <a:t>1968: The "Software Crisis"</a:t>
+            </a:r>
+            <a:endParaRPr lang="en-US" dirty="0"/>
+          </a:p>
+          <a:p>
+            <a:pPr lvl="1"/>
+            <a:r>
+              <a:rPr lang="en-US" dirty="0"/>
+              <a:t>Coined at the NATO Conference on Software Engineering</a:t>
+            </a:r>
+          </a:p>
+          <a:p>
+            <a:pPr lvl="1"/>
+            <a:r>
+              <a:rPr lang="en-US" dirty="0"/>
+              <a:t>Large projects over budget, late, unmaintainable, or outright failures</a:t>
+            </a:r>
+          </a:p>
+          <a:p>
+            <a:pPr lvl="1"/>
+            <a:r>
+              <a:rPr lang="en-US" dirty="0"/>
+              <a:t>Highlighted lack of engineering discipline in software</a:t>
+            </a:r>
+          </a:p>
+          <a:p>
+            <a:endParaRPr lang="en-US" dirty="0"/>
+          </a:p>
+          <a:p>
+            <a:pPr marL="0" indent="0">
+              <a:buNone/>
+            </a:pPr>
+            <a:endParaRPr lang="en-US" sz="1800" dirty="0"/>
+          </a:p>
+        </p:txBody>
+      </p:sp>
+      <p:sp>
+        <p:nvSpPr>
+          <p:cNvPr id="4" name="Slide Number Placeholder 3">
+            <a:extLst>
+              <a:ext uri="{FF2B5EF4-FFF2-40B4-BE49-F238E27FC236}">
+                <a16:creationId xmlns:a16="http://schemas.microsoft.com/office/drawing/2014/main" id="{C8C67C56-0336-0DAC-C32B-9DC0243DE1D8}"/>
+              </a:ext>
+            </a:extLst>
+          </p:cNvPr>
+          <p:cNvSpPr>
+            <a:spLocks noGrp="1"/>
+          </p:cNvSpPr>
+          <p:nvPr>
+            <p:ph type="sldNum" sz="quarter" idx="12"/>
+          </p:nvPr>
+        </p:nvSpPr>
+        <p:spPr/>
+        <p:txBody>
+          <a:bodyPr/>
+          <a:lstStyle/>
+          <a:p>
+            <a:fld id="{3AB30462-0FD5-604F-8C98-DCC91BE84583}" type="slidenum">
+              <a:rPr lang="en-US" smtClean="0"/>
+              <a:t>28</a:t>
+            </a:fld>
             <a:endParaRPr lang="en-US"/>
           </a:p>
         </p:txBody>
@@ -6817,7 +8269,7 @@
     </p:spTree>
     <p:extLst>
       <p:ext uri="{BB962C8B-B14F-4D97-AF65-F5344CB8AC3E}">
-        <p14:creationId xmlns:p14="http://schemas.microsoft.com/office/powerpoint/2010/main" val="1014093297"/>
+        <p14:creationId xmlns:p14="http://schemas.microsoft.com/office/powerpoint/2010/main" val="3435083914"/>
       </p:ext>
     </p:extLst>
   </p:cSld>
@@ -6828,6 +8280,637 @@
 </file>
 
 <file path=ppt/slides/slide29.xml><?xml version="1.0" encoding="utf-8"?>
+<p:sld xmlns:a="http://schemas.openxmlformats.org/drawingml/2006/main" xmlns:r="http://schemas.openxmlformats.org/officeDocument/2006/relationships" xmlns:p="http://schemas.openxmlformats.org/presentationml/2006/main">
+  <p:cSld>
+    <p:spTree>
+      <p:nvGrpSpPr>
+        <p:cNvPr id="1" name="">
+          <a:extLst>
+            <a:ext uri="{FF2B5EF4-FFF2-40B4-BE49-F238E27FC236}">
+              <a16:creationId xmlns:a16="http://schemas.microsoft.com/office/drawing/2014/main" id="{2038990F-10F2-ECA5-A372-3FA3F3884F45}"/>
+            </a:ext>
+          </a:extLst>
+        </p:cNvPr>
+        <p:cNvGrpSpPr/>
+        <p:nvPr/>
+      </p:nvGrpSpPr>
+      <p:grpSpPr>
+        <a:xfrm>
+          <a:off x="0" y="0"/>
+          <a:ext cx="0" cy="0"/>
+          <a:chOff x="0" y="0"/>
+          <a:chExt cx="0" cy="0"/>
+        </a:xfrm>
+      </p:grpSpPr>
+      <p:sp>
+        <p:nvSpPr>
+          <p:cNvPr id="2" name="Title 1">
+            <a:extLst>
+              <a:ext uri="{FF2B5EF4-FFF2-40B4-BE49-F238E27FC236}">
+                <a16:creationId xmlns:a16="http://schemas.microsoft.com/office/drawing/2014/main" id="{473D8CDE-3225-1D98-A8A5-0815E39928B8}"/>
+              </a:ext>
+            </a:extLst>
+          </p:cNvPr>
+          <p:cNvSpPr>
+            <a:spLocks noGrp="1"/>
+          </p:cNvSpPr>
+          <p:nvPr>
+            <p:ph type="title"/>
+          </p:nvPr>
+        </p:nvSpPr>
+        <p:spPr/>
+        <p:txBody>
+          <a:bodyPr/>
+          <a:lstStyle/>
+          <a:p>
+            <a:r>
+              <a:rPr lang="en-US" dirty="0"/>
+              <a:t>A Brief History of Software Engineering</a:t>
+            </a:r>
+          </a:p>
+        </p:txBody>
+      </p:sp>
+      <p:sp>
+        <p:nvSpPr>
+          <p:cNvPr id="3" name="Content Placeholder 2">
+            <a:extLst>
+              <a:ext uri="{FF2B5EF4-FFF2-40B4-BE49-F238E27FC236}">
+                <a16:creationId xmlns:a16="http://schemas.microsoft.com/office/drawing/2014/main" id="{423B6D85-4155-DF51-BAF8-E2DBE4723D13}"/>
+              </a:ext>
+            </a:extLst>
+          </p:cNvPr>
+          <p:cNvSpPr>
+            <a:spLocks noGrp="1"/>
+          </p:cNvSpPr>
+          <p:nvPr>
+            <p:ph idx="1"/>
+          </p:nvPr>
+        </p:nvSpPr>
+        <p:spPr/>
+        <p:txBody>
+          <a:bodyPr/>
+          <a:lstStyle/>
+          <a:p>
+            <a:r>
+              <a:rPr lang="en-US" b="1" dirty="0"/>
+              <a:t>1970s–90s: Foundational Work</a:t>
+            </a:r>
+            <a:endParaRPr lang="en-US" dirty="0"/>
+          </a:p>
+          <a:p>
+            <a:pPr lvl="1"/>
+            <a:r>
+              <a:rPr lang="en-US" dirty="0"/>
+              <a:t>Structured programming (Dijkstra, Parnas)</a:t>
+            </a:r>
+          </a:p>
+          <a:p>
+            <a:pPr lvl="1"/>
+            <a:r>
+              <a:rPr lang="en-US" dirty="0"/>
+              <a:t>Object-Oriented programming (Simula -&gt; Smalltalk -&gt; C++)</a:t>
+            </a:r>
+          </a:p>
+          <a:p>
+            <a:pPr lvl="1"/>
+            <a:r>
+              <a:rPr lang="en-US" dirty="0"/>
+              <a:t>Waterfall model (Winston Royce)</a:t>
+            </a:r>
+          </a:p>
+          <a:p>
+            <a:pPr lvl="1"/>
+            <a:r>
+              <a:rPr lang="en-US" dirty="0"/>
+              <a:t>SE education and textbooks emerge</a:t>
+            </a:r>
+          </a:p>
+          <a:p>
+            <a:r>
+              <a:rPr lang="en-US" b="1" dirty="0"/>
+              <a:t>2000s–Now: Agile &amp; Beyond</a:t>
+            </a:r>
+            <a:endParaRPr lang="en-US" dirty="0"/>
+          </a:p>
+          <a:p>
+            <a:pPr lvl="1"/>
+            <a:r>
+              <a:rPr lang="en-US" dirty="0"/>
+              <a:t>Agile Manifesto (2001) → shift toward adaptability and people</a:t>
+            </a:r>
+          </a:p>
+          <a:p>
+            <a:pPr lvl="1"/>
+            <a:r>
+              <a:rPr lang="en-US" dirty="0"/>
+              <a:t>Rise of DevOps, CI/CD, microservices</a:t>
+            </a:r>
+          </a:p>
+          <a:p>
+            <a:pPr lvl="1"/>
+            <a:r>
+              <a:rPr lang="en-US" dirty="0"/>
+              <a:t>Software as infrastructure (cloud, AI, ML systems)</a:t>
+            </a:r>
+          </a:p>
+        </p:txBody>
+      </p:sp>
+      <p:sp>
+        <p:nvSpPr>
+          <p:cNvPr id="4" name="Slide Number Placeholder 3">
+            <a:extLst>
+              <a:ext uri="{FF2B5EF4-FFF2-40B4-BE49-F238E27FC236}">
+                <a16:creationId xmlns:a16="http://schemas.microsoft.com/office/drawing/2014/main" id="{D96A75AD-BB33-AD84-5366-26A21EE7D6D0}"/>
+              </a:ext>
+            </a:extLst>
+          </p:cNvPr>
+          <p:cNvSpPr>
+            <a:spLocks noGrp="1"/>
+          </p:cNvSpPr>
+          <p:nvPr>
+            <p:ph type="sldNum" sz="quarter" idx="12"/>
+          </p:nvPr>
+        </p:nvSpPr>
+        <p:spPr/>
+        <p:txBody>
+          <a:bodyPr/>
+          <a:lstStyle/>
+          <a:p>
+            <a:fld id="{3AB30462-0FD5-604F-8C98-DCC91BE84583}" type="slidenum">
+              <a:rPr lang="en-US" smtClean="0"/>
+              <a:t>29</a:t>
+            </a:fld>
+            <a:endParaRPr lang="en-US"/>
+          </a:p>
+        </p:txBody>
+      </p:sp>
+    </p:spTree>
+    <p:extLst>
+      <p:ext uri="{BB962C8B-B14F-4D97-AF65-F5344CB8AC3E}">
+        <p14:creationId xmlns:p14="http://schemas.microsoft.com/office/powerpoint/2010/main" val="1541740352"/>
+      </p:ext>
+    </p:extLst>
+  </p:cSld>
+  <p:clrMapOvr>
+    <a:masterClrMapping/>
+  </p:clrMapOvr>
+</p:sld>
+</file>
+
+<file path=ppt/slides/slide3.xml><?xml version="1.0" encoding="utf-8"?>
+<p:sld xmlns:a="http://schemas.openxmlformats.org/drawingml/2006/main" xmlns:r="http://schemas.openxmlformats.org/officeDocument/2006/relationships" xmlns:p="http://schemas.openxmlformats.org/presentationml/2006/main">
+  <p:cSld>
+    <p:spTree>
+      <p:nvGrpSpPr>
+        <p:cNvPr id="1" name=""/>
+        <p:cNvGrpSpPr/>
+        <p:nvPr/>
+      </p:nvGrpSpPr>
+      <p:grpSpPr>
+        <a:xfrm>
+          <a:off x="0" y="0"/>
+          <a:ext cx="0" cy="0"/>
+          <a:chOff x="0" y="0"/>
+          <a:chExt cx="0" cy="0"/>
+        </a:xfrm>
+      </p:grpSpPr>
+      <p:sp>
+        <p:nvSpPr>
+          <p:cNvPr id="2" name="Title 1">
+            <a:extLst>
+              <a:ext uri="{FF2B5EF4-FFF2-40B4-BE49-F238E27FC236}">
+                <a16:creationId xmlns:a16="http://schemas.microsoft.com/office/drawing/2014/main" id="{445EBD6C-44F7-0777-F1FB-7739794F9869}"/>
+              </a:ext>
+            </a:extLst>
+          </p:cNvPr>
+          <p:cNvSpPr>
+            <a:spLocks noGrp="1"/>
+          </p:cNvSpPr>
+          <p:nvPr>
+            <p:ph type="title"/>
+          </p:nvPr>
+        </p:nvSpPr>
+        <p:spPr/>
+        <p:txBody>
+          <a:bodyPr/>
+          <a:lstStyle/>
+          <a:p>
+            <a:r>
+              <a:rPr lang="en-US" dirty="0"/>
+              <a:t>Software vs. Program</a:t>
+            </a:r>
+          </a:p>
+        </p:txBody>
+      </p:sp>
+      <p:sp>
+        <p:nvSpPr>
+          <p:cNvPr id="3" name="Content Placeholder 2">
+            <a:extLst>
+              <a:ext uri="{FF2B5EF4-FFF2-40B4-BE49-F238E27FC236}">
+                <a16:creationId xmlns:a16="http://schemas.microsoft.com/office/drawing/2014/main" id="{5026420C-A963-FD47-5780-7562F2A5B7FF}"/>
+              </a:ext>
+            </a:extLst>
+          </p:cNvPr>
+          <p:cNvSpPr>
+            <a:spLocks noGrp="1"/>
+          </p:cNvSpPr>
+          <p:nvPr>
+            <p:ph idx="1"/>
+          </p:nvPr>
+        </p:nvSpPr>
+        <p:spPr/>
+        <p:txBody>
+          <a:bodyPr/>
+          <a:lstStyle/>
+          <a:p>
+            <a:r>
+              <a:rPr lang="en-US" b="1" dirty="0"/>
+              <a:t>Program:</a:t>
+            </a:r>
+            <a:r>
+              <a:rPr lang="en-US" dirty="0"/>
+              <a:t> a single, stand-alone piece of code that solves a specific problem.</a:t>
+            </a:r>
+          </a:p>
+          <a:p>
+            <a:r>
+              <a:rPr lang="en-US" b="1" dirty="0"/>
+              <a:t>Software:</a:t>
+            </a:r>
+            <a:r>
+              <a:rPr lang="en-US" dirty="0"/>
+              <a:t> computer programs, procedures, and possibly associated documentation and data pertaining to the operation of a computer system.</a:t>
+            </a:r>
+          </a:p>
+          <a:p>
+            <a:endParaRPr lang="en-US" dirty="0"/>
+          </a:p>
+          <a:p>
+            <a:pPr marL="0" indent="0">
+              <a:buNone/>
+            </a:pPr>
+            <a:r>
+              <a:rPr lang="en-US" altLang="zh-CN" dirty="0"/>
+              <a:t>Programs</a:t>
+            </a:r>
+            <a:r>
+              <a:rPr lang="zh-CN" altLang="en-US" dirty="0"/>
+              <a:t> </a:t>
+            </a:r>
+            <a:r>
+              <a:rPr lang="en-US" altLang="zh-CN" dirty="0"/>
+              <a:t>(code)</a:t>
+            </a:r>
+            <a:r>
+              <a:rPr lang="zh-CN" altLang="en-US" dirty="0"/>
+              <a:t> </a:t>
+            </a:r>
+            <a:r>
+              <a:rPr lang="en-US" altLang="zh-CN" dirty="0"/>
+              <a:t>are</a:t>
+            </a:r>
+            <a:r>
+              <a:rPr lang="zh-CN" altLang="en-US" dirty="0"/>
+              <a:t> </a:t>
+            </a:r>
+            <a:r>
+              <a:rPr lang="en-US" altLang="zh-CN" dirty="0"/>
+              <a:t>part</a:t>
+            </a:r>
+            <a:r>
+              <a:rPr lang="zh-CN" altLang="en-US" dirty="0"/>
+              <a:t> </a:t>
+            </a:r>
+            <a:r>
+              <a:rPr lang="en-US" altLang="zh-CN" dirty="0"/>
+              <a:t>of</a:t>
+            </a:r>
+            <a:r>
+              <a:rPr lang="zh-CN" altLang="en-US" dirty="0"/>
+              <a:t> </a:t>
+            </a:r>
+            <a:r>
+              <a:rPr lang="en-US" altLang="zh-CN" dirty="0"/>
+              <a:t>a</a:t>
+            </a:r>
+            <a:r>
+              <a:rPr lang="zh-CN" altLang="en-US" dirty="0"/>
+              <a:t> </a:t>
+            </a:r>
+            <a:r>
+              <a:rPr lang="en-US" altLang="zh-CN" dirty="0"/>
+              <a:t>software.</a:t>
+            </a:r>
+            <a:endParaRPr lang="en-US" dirty="0"/>
+          </a:p>
+        </p:txBody>
+      </p:sp>
+      <p:sp>
+        <p:nvSpPr>
+          <p:cNvPr id="4" name="Slide Number Placeholder 3">
+            <a:extLst>
+              <a:ext uri="{FF2B5EF4-FFF2-40B4-BE49-F238E27FC236}">
+                <a16:creationId xmlns:a16="http://schemas.microsoft.com/office/drawing/2014/main" id="{54D9C731-EE37-F7F1-07D0-3F71D8CDFF09}"/>
+              </a:ext>
+            </a:extLst>
+          </p:cNvPr>
+          <p:cNvSpPr>
+            <a:spLocks noGrp="1"/>
+          </p:cNvSpPr>
+          <p:nvPr>
+            <p:ph type="sldNum" sz="quarter" idx="12"/>
+          </p:nvPr>
+        </p:nvSpPr>
+        <p:spPr/>
+        <p:txBody>
+          <a:bodyPr/>
+          <a:lstStyle/>
+          <a:p>
+            <a:fld id="{3AB30462-0FD5-604F-8C98-DCC91BE84583}" type="slidenum">
+              <a:rPr lang="en-US" smtClean="0"/>
+              <a:t>3</a:t>
+            </a:fld>
+            <a:endParaRPr lang="en-US"/>
+          </a:p>
+        </p:txBody>
+      </p:sp>
+    </p:spTree>
+    <p:extLst>
+      <p:ext uri="{BB962C8B-B14F-4D97-AF65-F5344CB8AC3E}">
+        <p14:creationId xmlns:p14="http://schemas.microsoft.com/office/powerpoint/2010/main" val="396445632"/>
+      </p:ext>
+    </p:extLst>
+  </p:cSld>
+  <p:clrMapOvr>
+    <a:masterClrMapping/>
+  </p:clrMapOvr>
+</p:sld>
+</file>
+
+<file path=ppt/slides/slide30.xml><?xml version="1.0" encoding="utf-8"?>
+<p:sld xmlns:a="http://schemas.openxmlformats.org/drawingml/2006/main" xmlns:r="http://schemas.openxmlformats.org/officeDocument/2006/relationships" xmlns:p="http://schemas.openxmlformats.org/presentationml/2006/main">
+  <p:cSld>
+    <p:spTree>
+      <p:nvGrpSpPr>
+        <p:cNvPr id="1" name=""/>
+        <p:cNvGrpSpPr/>
+        <p:nvPr/>
+      </p:nvGrpSpPr>
+      <p:grpSpPr>
+        <a:xfrm>
+          <a:off x="0" y="0"/>
+          <a:ext cx="0" cy="0"/>
+          <a:chOff x="0" y="0"/>
+          <a:chExt cx="0" cy="0"/>
+        </a:xfrm>
+      </p:grpSpPr>
+      <p:sp>
+        <p:nvSpPr>
+          <p:cNvPr id="2" name="Title 1">
+            <a:extLst>
+              <a:ext uri="{FF2B5EF4-FFF2-40B4-BE49-F238E27FC236}">
+                <a16:creationId xmlns:a16="http://schemas.microsoft.com/office/drawing/2014/main" id="{14C38D71-44FE-058A-F860-DCFB08702132}"/>
+              </a:ext>
+            </a:extLst>
+          </p:cNvPr>
+          <p:cNvSpPr>
+            <a:spLocks noGrp="1"/>
+          </p:cNvSpPr>
+          <p:nvPr>
+            <p:ph type="title"/>
+          </p:nvPr>
+        </p:nvSpPr>
+        <p:spPr/>
+        <p:txBody>
+          <a:bodyPr/>
+          <a:lstStyle/>
+          <a:p>
+            <a:r>
+              <a:rPr lang="en-US" dirty="0"/>
+              <a:t>No Silver Bullet</a:t>
+            </a:r>
+          </a:p>
+        </p:txBody>
+      </p:sp>
+      <p:sp>
+        <p:nvSpPr>
+          <p:cNvPr id="3" name="Content Placeholder 2">
+            <a:extLst>
+              <a:ext uri="{FF2B5EF4-FFF2-40B4-BE49-F238E27FC236}">
+                <a16:creationId xmlns:a16="http://schemas.microsoft.com/office/drawing/2014/main" id="{DB9E00B0-01BA-3114-B3CD-7DE5C95442F8}"/>
+              </a:ext>
+            </a:extLst>
+          </p:cNvPr>
+          <p:cNvSpPr>
+            <a:spLocks noGrp="1"/>
+          </p:cNvSpPr>
+          <p:nvPr>
+            <p:ph idx="1"/>
+          </p:nvPr>
+        </p:nvSpPr>
+        <p:spPr/>
+        <p:txBody>
+          <a:bodyPr/>
+          <a:lstStyle/>
+          <a:p>
+            <a:r>
+              <a:rPr lang="en-US" dirty="0"/>
+              <a:t>One of the most influential papers in the history of software engineering by Fred Brooks in 1986.</a:t>
+            </a:r>
+          </a:p>
+          <a:p>
+            <a:r>
+              <a:rPr lang="en-US" dirty="0"/>
+              <a:t>Slides are adapted from CSCI 5828 by Prof. Kenneth Anderson.</a:t>
+            </a:r>
+          </a:p>
+          <a:p>
+            <a:pPr marL="0" indent="0">
+              <a:buNone/>
+            </a:pPr>
+            <a:endParaRPr lang="en-US" dirty="0"/>
+          </a:p>
+          <a:p>
+            <a:pPr marL="0" indent="0">
+              <a:buNone/>
+            </a:pPr>
+            <a:endParaRPr lang="en-US" dirty="0"/>
+          </a:p>
+          <a:p>
+            <a:pPr marL="0" indent="0">
+              <a:buNone/>
+            </a:pPr>
+            <a:endParaRPr lang="en-US" dirty="0"/>
+          </a:p>
+          <a:p>
+            <a:pPr marL="0" indent="0">
+              <a:buNone/>
+            </a:pPr>
+            <a:endParaRPr lang="en-US" dirty="0"/>
+          </a:p>
+          <a:p>
+            <a:pPr marL="0" indent="0">
+              <a:buNone/>
+            </a:pPr>
+            <a:endParaRPr lang="en-US" dirty="0"/>
+          </a:p>
+        </p:txBody>
+      </p:sp>
+      <p:sp>
+        <p:nvSpPr>
+          <p:cNvPr id="4" name="Slide Number Placeholder 3">
+            <a:extLst>
+              <a:ext uri="{FF2B5EF4-FFF2-40B4-BE49-F238E27FC236}">
+                <a16:creationId xmlns:a16="http://schemas.microsoft.com/office/drawing/2014/main" id="{C3B26FA3-5ABF-0570-68EB-B418F6BC2C08}"/>
+              </a:ext>
+            </a:extLst>
+          </p:cNvPr>
+          <p:cNvSpPr>
+            <a:spLocks noGrp="1"/>
+          </p:cNvSpPr>
+          <p:nvPr>
+            <p:ph type="sldNum" sz="quarter" idx="12"/>
+          </p:nvPr>
+        </p:nvSpPr>
+        <p:spPr/>
+        <p:txBody>
+          <a:bodyPr/>
+          <a:lstStyle/>
+          <a:p>
+            <a:fld id="{3AB30462-0FD5-604F-8C98-DCC91BE84583}" type="slidenum">
+              <a:rPr lang="en-US" smtClean="0"/>
+              <a:t>30</a:t>
+            </a:fld>
+            <a:endParaRPr lang="en-US"/>
+          </a:p>
+        </p:txBody>
+      </p:sp>
+    </p:spTree>
+    <p:extLst>
+      <p:ext uri="{BB962C8B-B14F-4D97-AF65-F5344CB8AC3E}">
+        <p14:creationId xmlns:p14="http://schemas.microsoft.com/office/powerpoint/2010/main" val="3785713702"/>
+      </p:ext>
+    </p:extLst>
+  </p:cSld>
+  <p:clrMapOvr>
+    <a:masterClrMapping/>
+  </p:clrMapOvr>
+</p:sld>
+</file>
+
+<file path=ppt/slides/slide31.xml><?xml version="1.0" encoding="utf-8"?>
+<p:sld xmlns:a="http://schemas.openxmlformats.org/drawingml/2006/main" xmlns:r="http://schemas.openxmlformats.org/officeDocument/2006/relationships" xmlns:p="http://schemas.openxmlformats.org/presentationml/2006/main">
+  <p:cSld>
+    <p:spTree>
+      <p:nvGrpSpPr>
+        <p:cNvPr id="1" name=""/>
+        <p:cNvGrpSpPr/>
+        <p:nvPr/>
+      </p:nvGrpSpPr>
+      <p:grpSpPr>
+        <a:xfrm>
+          <a:off x="0" y="0"/>
+          <a:ext cx="0" cy="0"/>
+          <a:chOff x="0" y="0"/>
+          <a:chExt cx="0" cy="0"/>
+        </a:xfrm>
+      </p:grpSpPr>
+      <p:sp>
+        <p:nvSpPr>
+          <p:cNvPr id="2" name="Title 1">
+            <a:extLst>
+              <a:ext uri="{FF2B5EF4-FFF2-40B4-BE49-F238E27FC236}">
+                <a16:creationId xmlns:a16="http://schemas.microsoft.com/office/drawing/2014/main" id="{1351CCE4-A17A-54C7-791C-5EC433B09661}"/>
+              </a:ext>
+            </a:extLst>
+          </p:cNvPr>
+          <p:cNvSpPr>
+            <a:spLocks noGrp="1"/>
+          </p:cNvSpPr>
+          <p:nvPr>
+            <p:ph type="title"/>
+          </p:nvPr>
+        </p:nvSpPr>
+        <p:spPr/>
+        <p:txBody>
+          <a:bodyPr/>
+          <a:lstStyle/>
+          <a:p>
+            <a:r>
+              <a:rPr lang="en-US" dirty="0"/>
+              <a:t>Backup slides</a:t>
+            </a:r>
+          </a:p>
+        </p:txBody>
+      </p:sp>
+      <p:sp>
+        <p:nvSpPr>
+          <p:cNvPr id="3" name="Content Placeholder 2">
+            <a:extLst>
+              <a:ext uri="{FF2B5EF4-FFF2-40B4-BE49-F238E27FC236}">
+                <a16:creationId xmlns:a16="http://schemas.microsoft.com/office/drawing/2014/main" id="{DE136F43-A2D1-0ED3-CA49-35D8DE89FC44}"/>
+              </a:ext>
+            </a:extLst>
+          </p:cNvPr>
+          <p:cNvSpPr>
+            <a:spLocks noGrp="1"/>
+          </p:cNvSpPr>
+          <p:nvPr>
+            <p:ph idx="1"/>
+          </p:nvPr>
+        </p:nvSpPr>
+        <p:spPr/>
+        <p:txBody>
+          <a:bodyPr/>
+          <a:lstStyle/>
+          <a:p>
+            <a:endParaRPr lang="en-US"/>
+          </a:p>
+        </p:txBody>
+      </p:sp>
+      <p:sp>
+        <p:nvSpPr>
+          <p:cNvPr id="4" name="Slide Number Placeholder 3">
+            <a:extLst>
+              <a:ext uri="{FF2B5EF4-FFF2-40B4-BE49-F238E27FC236}">
+                <a16:creationId xmlns:a16="http://schemas.microsoft.com/office/drawing/2014/main" id="{EA9A51AD-DAB4-490B-61FD-4BAD314648C2}"/>
+              </a:ext>
+            </a:extLst>
+          </p:cNvPr>
+          <p:cNvSpPr>
+            <a:spLocks noGrp="1"/>
+          </p:cNvSpPr>
+          <p:nvPr>
+            <p:ph type="sldNum" sz="quarter" idx="12"/>
+          </p:nvPr>
+        </p:nvSpPr>
+        <p:spPr/>
+        <p:txBody>
+          <a:bodyPr/>
+          <a:lstStyle/>
+          <a:p>
+            <a:fld id="{3AB30462-0FD5-604F-8C98-DCC91BE84583}" type="slidenum">
+              <a:rPr lang="en-US" smtClean="0"/>
+              <a:t>31</a:t>
+            </a:fld>
+            <a:endParaRPr lang="en-US"/>
+          </a:p>
+        </p:txBody>
+      </p:sp>
+    </p:spTree>
+    <p:extLst>
+      <p:ext uri="{BB962C8B-B14F-4D97-AF65-F5344CB8AC3E}">
+        <p14:creationId xmlns:p14="http://schemas.microsoft.com/office/powerpoint/2010/main" val="4309861"/>
+      </p:ext>
+    </p:extLst>
+  </p:cSld>
+  <p:clrMapOvr>
+    <a:masterClrMapping/>
+  </p:clrMapOvr>
+</p:sld>
+</file>
+
+<file path=ppt/slides/slide32.xml><?xml version="1.0" encoding="utf-8"?>
 <p:sld xmlns:a="http://schemas.openxmlformats.org/drawingml/2006/main" xmlns:r="http://schemas.openxmlformats.org/officeDocument/2006/relationships" xmlns:p="http://schemas.openxmlformats.org/presentationml/2006/main">
   <p:cSld>
     <p:spTree>
@@ -7076,6 +9159,35 @@
           </a:p>
         </p:txBody>
       </p:sp>
+      <p:sp>
+        <p:nvSpPr>
+          <p:cNvPr id="5" name="Slide Number Placeholder 4">
+            <a:extLst>
+              <a:ext uri="{FF2B5EF4-FFF2-40B4-BE49-F238E27FC236}">
+                <a16:creationId xmlns:a16="http://schemas.microsoft.com/office/drawing/2014/main" id="{3958F663-17E4-6B39-86B0-7D61EA69DD3F}"/>
+              </a:ext>
+            </a:extLst>
+          </p:cNvPr>
+          <p:cNvSpPr>
+            <a:spLocks noGrp="1"/>
+          </p:cNvSpPr>
+          <p:nvPr>
+            <p:ph type="sldNum" sz="quarter" idx="12"/>
+          </p:nvPr>
+        </p:nvSpPr>
+        <p:spPr/>
+        <p:txBody>
+          <a:bodyPr/>
+          <a:lstStyle/>
+          <a:p>
+            <a:fld id="{3AB30462-0FD5-604F-8C98-DCC91BE84583}" type="slidenum">
+              <a:rPr lang="en-US" smtClean="0"/>
+              <a:t>32</a:t>
+            </a:fld>
+            <a:endParaRPr lang="en-US"/>
+          </a:p>
+        </p:txBody>
+      </p:sp>
     </p:spTree>
     <p:extLst>
       <p:ext uri="{BB962C8B-B14F-4D97-AF65-F5344CB8AC3E}">
@@ -7089,7 +9201,7 @@
 </p:sld>
 </file>
 
-<file path=ppt/slides/slide3.xml><?xml version="1.0" encoding="utf-8"?>
+<file path=ppt/slides/slide33.xml><?xml version="1.0" encoding="utf-8"?>
 <p:sld xmlns:a="http://schemas.openxmlformats.org/drawingml/2006/main" xmlns:r="http://schemas.openxmlformats.org/officeDocument/2006/relationships" xmlns:p="http://schemas.openxmlformats.org/presentationml/2006/main">
   <p:cSld>
     <p:spTree>
@@ -7111,7 +9223,7 @@
           <p:cNvPr id="2" name="Title 1">
             <a:extLst>
               <a:ext uri="{FF2B5EF4-FFF2-40B4-BE49-F238E27FC236}">
-                <a16:creationId xmlns:a16="http://schemas.microsoft.com/office/drawing/2014/main" id="{445EBD6C-44F7-0777-F1FB-7739794F9869}"/>
+                <a16:creationId xmlns:a16="http://schemas.microsoft.com/office/drawing/2014/main" id="{12F2C704-08E8-7DE8-9EA6-4D8CA2E10937}"/>
               </a:ext>
             </a:extLst>
           </p:cNvPr>
@@ -7129,7 +9241,7 @@
           <a:p>
             <a:r>
               <a:rPr lang="en-US" dirty="0"/>
-              <a:t>Software vs. Program</a:t>
+              <a:t>Main course topics</a:t>
             </a:r>
           </a:p>
         </p:txBody>
@@ -7139,7 +9251,7 @@
           <p:cNvPr id="3" name="Content Placeholder 2">
             <a:extLst>
               <a:ext uri="{FF2B5EF4-FFF2-40B4-BE49-F238E27FC236}">
-                <a16:creationId xmlns:a16="http://schemas.microsoft.com/office/drawing/2014/main" id="{5026420C-A963-FD47-5780-7562F2A5B7FF}"/>
+                <a16:creationId xmlns:a16="http://schemas.microsoft.com/office/drawing/2014/main" id="{3B815FE5-78DD-ED18-7743-B67F38B9E81C}"/>
               </a:ext>
             </a:extLst>
           </p:cNvPr>
@@ -7156,91 +9268,646 @@
           <a:lstStyle/>
           <a:p>
             <a:r>
-              <a:rPr lang="en-US" b="1" dirty="0"/>
-              <a:t>Program:</a:t>
-            </a:r>
-            <a:r>
-              <a:rPr lang="en-US" dirty="0"/>
-              <a:t> a single, stand-alone piece of code that solves a specific problem.</a:t>
-            </a:r>
-          </a:p>
-          <a:p>
-            <a:r>
-              <a:rPr lang="en-US" b="1" dirty="0"/>
-              <a:t>Software:</a:t>
-            </a:r>
-            <a:r>
-              <a:rPr lang="en-US" dirty="0"/>
-              <a:t> computer programs, procedures, and possibly associated documentation and data pertaining to the operation of a computer system.</a:t>
+              <a:rPr lang="en-US" dirty="0"/>
+              <a:t>How to write </a:t>
+            </a:r>
+            <a:r>
+              <a:rPr lang="en-US" u="sng" dirty="0"/>
+              <a:t>quality</a:t>
+            </a:r>
+            <a:r>
+              <a:rPr lang="en-US" dirty="0"/>
+              <a:t> code?</a:t>
             </a:r>
           </a:p>
           <a:p>
             <a:endParaRPr lang="en-US" dirty="0"/>
           </a:p>
           <a:p>
-            <a:pPr marL="0" indent="0">
-              <a:buNone/>
-            </a:pPr>
-            <a:r>
-              <a:rPr lang="en-US" altLang="zh-CN" dirty="0"/>
-              <a:t>Programs</a:t>
-            </a:r>
-            <a:r>
-              <a:rPr lang="zh-CN" altLang="en-US" dirty="0"/>
-              <a:t> </a:t>
-            </a:r>
-            <a:r>
-              <a:rPr lang="en-US" altLang="zh-CN" dirty="0"/>
-              <a:t>(code)</a:t>
-            </a:r>
-            <a:r>
-              <a:rPr lang="zh-CN" altLang="en-US" dirty="0"/>
-              <a:t> </a:t>
-            </a:r>
-            <a:r>
-              <a:rPr lang="en-US" altLang="zh-CN" dirty="0"/>
-              <a:t>are</a:t>
-            </a:r>
-            <a:r>
-              <a:rPr lang="zh-CN" altLang="en-US" dirty="0"/>
-              <a:t> </a:t>
-            </a:r>
-            <a:r>
-              <a:rPr lang="en-US" altLang="zh-CN" dirty="0"/>
-              <a:t>part</a:t>
-            </a:r>
-            <a:r>
-              <a:rPr lang="zh-CN" altLang="en-US" dirty="0"/>
-              <a:t> </a:t>
-            </a:r>
-            <a:r>
-              <a:rPr lang="en-US" altLang="zh-CN" dirty="0"/>
-              <a:t>of</a:t>
-            </a:r>
-            <a:r>
-              <a:rPr lang="zh-CN" altLang="en-US" dirty="0"/>
-              <a:t> </a:t>
-            </a:r>
-            <a:r>
-              <a:rPr lang="en-US" altLang="zh-CN" dirty="0"/>
-              <a:t>a</a:t>
-            </a:r>
-            <a:r>
-              <a:rPr lang="zh-CN" altLang="en-US" dirty="0"/>
-              <a:t> </a:t>
-            </a:r>
-            <a:r>
-              <a:rPr lang="en-US" altLang="zh-CN" dirty="0"/>
-              <a:t>software.</a:t>
-            </a:r>
             <a:endParaRPr lang="en-US" dirty="0"/>
+          </a:p>
+        </p:txBody>
+      </p:sp>
+      <p:sp>
+        <p:nvSpPr>
+          <p:cNvPr id="4" name="Slide Number Placeholder 3">
+            <a:extLst>
+              <a:ext uri="{FF2B5EF4-FFF2-40B4-BE49-F238E27FC236}">
+                <a16:creationId xmlns:a16="http://schemas.microsoft.com/office/drawing/2014/main" id="{D26B2A2A-B152-A024-B999-DFB1BFBBFD40}"/>
+              </a:ext>
+            </a:extLst>
+          </p:cNvPr>
+          <p:cNvSpPr>
+            <a:spLocks noGrp="1"/>
+          </p:cNvSpPr>
+          <p:nvPr>
+            <p:ph type="sldNum" sz="quarter" idx="12"/>
+          </p:nvPr>
+        </p:nvSpPr>
+        <p:spPr/>
+        <p:txBody>
+          <a:bodyPr/>
+          <a:lstStyle/>
+          <a:p>
+            <a:fld id="{3AB30462-0FD5-604F-8C98-DCC91BE84583}" type="slidenum">
+              <a:rPr lang="en-US" smtClean="0"/>
+              <a:t>33</a:t>
+            </a:fld>
+            <a:endParaRPr lang="en-US"/>
           </a:p>
         </p:txBody>
       </p:sp>
     </p:spTree>
     <p:extLst>
       <p:ext uri="{BB962C8B-B14F-4D97-AF65-F5344CB8AC3E}">
-        <p14:creationId xmlns:p14="http://schemas.microsoft.com/office/powerpoint/2010/main" val="396445632"/>
+        <p14:creationId xmlns:p14="http://schemas.microsoft.com/office/powerpoint/2010/main" val="4114217993"/>
+      </p:ext>
+    </p:extLst>
+  </p:cSld>
+  <p:clrMapOvr>
+    <a:masterClrMapping/>
+  </p:clrMapOvr>
+</p:sld>
+</file>
+
+<file path=ppt/slides/slide34.xml><?xml version="1.0" encoding="utf-8"?>
+<p:sld xmlns:a="http://schemas.openxmlformats.org/drawingml/2006/main" xmlns:r="http://schemas.openxmlformats.org/officeDocument/2006/relationships" xmlns:p="http://schemas.openxmlformats.org/presentationml/2006/main">
+  <p:cSld>
+    <p:spTree>
+      <p:nvGrpSpPr>
+        <p:cNvPr id="1" name="">
+          <a:extLst>
+            <a:ext uri="{FF2B5EF4-FFF2-40B4-BE49-F238E27FC236}">
+              <a16:creationId xmlns:a16="http://schemas.microsoft.com/office/drawing/2014/main" id="{A52F73ED-EFBA-F3DF-4D3E-88108C3D1A52}"/>
+            </a:ext>
+          </a:extLst>
+        </p:cNvPr>
+        <p:cNvGrpSpPr/>
+        <p:nvPr/>
+      </p:nvGrpSpPr>
+      <p:grpSpPr>
+        <a:xfrm>
+          <a:off x="0" y="0"/>
+          <a:ext cx="0" cy="0"/>
+          <a:chOff x="0" y="0"/>
+          <a:chExt cx="0" cy="0"/>
+        </a:xfrm>
+      </p:grpSpPr>
+      <p:sp>
+        <p:nvSpPr>
+          <p:cNvPr id="2" name="Title 1">
+            <a:extLst>
+              <a:ext uri="{FF2B5EF4-FFF2-40B4-BE49-F238E27FC236}">
+                <a16:creationId xmlns:a16="http://schemas.microsoft.com/office/drawing/2014/main" id="{6FCD59A0-294B-0A15-110B-4F03E294377F}"/>
+              </a:ext>
+            </a:extLst>
+          </p:cNvPr>
+          <p:cNvSpPr>
+            <a:spLocks noGrp="1"/>
+          </p:cNvSpPr>
+          <p:nvPr>
+            <p:ph type="title"/>
+          </p:nvPr>
+        </p:nvSpPr>
+        <p:spPr/>
+        <p:txBody>
+          <a:bodyPr/>
+          <a:lstStyle/>
+          <a:p>
+            <a:r>
+              <a:rPr lang="en-US" dirty="0"/>
+              <a:t>Main course topics</a:t>
+            </a:r>
+          </a:p>
+        </p:txBody>
+      </p:sp>
+      <p:sp>
+        <p:nvSpPr>
+          <p:cNvPr id="3" name="Content Placeholder 2">
+            <a:extLst>
+              <a:ext uri="{FF2B5EF4-FFF2-40B4-BE49-F238E27FC236}">
+                <a16:creationId xmlns:a16="http://schemas.microsoft.com/office/drawing/2014/main" id="{44070496-D261-9FCC-8B1F-5DF810745D54}"/>
+              </a:ext>
+            </a:extLst>
+          </p:cNvPr>
+          <p:cNvSpPr>
+            <a:spLocks noGrp="1"/>
+          </p:cNvSpPr>
+          <p:nvPr>
+            <p:ph idx="1"/>
+          </p:nvPr>
+        </p:nvSpPr>
+        <p:spPr/>
+        <p:txBody>
+          <a:bodyPr/>
+          <a:lstStyle/>
+          <a:p>
+            <a:r>
+              <a:rPr lang="en-US" dirty="0"/>
+              <a:t>How to write </a:t>
+            </a:r>
+            <a:r>
+              <a:rPr lang="en-US" u="sng" dirty="0"/>
+              <a:t>quality</a:t>
+            </a:r>
+            <a:r>
+              <a:rPr lang="en-US" dirty="0"/>
+              <a:t> code?</a:t>
+            </a:r>
+          </a:p>
+          <a:p>
+            <a:pPr lvl="1"/>
+            <a:r>
+              <a:rPr lang="en-US" altLang="zh-CN" dirty="0"/>
+              <a:t>Usable</a:t>
+            </a:r>
+            <a:endParaRPr lang="en-US" dirty="0"/>
+          </a:p>
+          <a:p>
+            <a:pPr lvl="1"/>
+            <a:r>
+              <a:rPr lang="en-US" dirty="0"/>
+              <a:t>Less error-prone</a:t>
+            </a:r>
+          </a:p>
+          <a:p>
+            <a:pPr lvl="1"/>
+            <a:r>
+              <a:rPr lang="en-US" dirty="0"/>
+              <a:t>Easier to maintain</a:t>
+            </a:r>
+          </a:p>
+          <a:p>
+            <a:pPr lvl="1"/>
+            <a:r>
+              <a:rPr lang="en-US" dirty="0"/>
+              <a:t>Reusable</a:t>
+            </a:r>
+          </a:p>
+          <a:p>
+            <a:pPr lvl="1"/>
+            <a:r>
+              <a:rPr lang="en-US" dirty="0"/>
+              <a:t>…</a:t>
+            </a:r>
+          </a:p>
+          <a:p>
+            <a:endParaRPr lang="en-US" dirty="0"/>
+          </a:p>
+          <a:p>
+            <a:pPr lvl="1"/>
+            <a:endParaRPr lang="en-US" dirty="0"/>
+          </a:p>
+          <a:p>
+            <a:endParaRPr lang="en-US" dirty="0"/>
+          </a:p>
+          <a:p>
+            <a:endParaRPr lang="en-US" dirty="0"/>
+          </a:p>
+        </p:txBody>
+      </p:sp>
+      <p:sp>
+        <p:nvSpPr>
+          <p:cNvPr id="4" name="Slide Number Placeholder 3">
+            <a:extLst>
+              <a:ext uri="{FF2B5EF4-FFF2-40B4-BE49-F238E27FC236}">
+                <a16:creationId xmlns:a16="http://schemas.microsoft.com/office/drawing/2014/main" id="{A3F2E659-F8C4-5B1C-96ED-AA2E86EABE38}"/>
+              </a:ext>
+            </a:extLst>
+          </p:cNvPr>
+          <p:cNvSpPr>
+            <a:spLocks noGrp="1"/>
+          </p:cNvSpPr>
+          <p:nvPr>
+            <p:ph type="sldNum" sz="quarter" idx="12"/>
+          </p:nvPr>
+        </p:nvSpPr>
+        <p:spPr/>
+        <p:txBody>
+          <a:bodyPr/>
+          <a:lstStyle/>
+          <a:p>
+            <a:fld id="{3AB30462-0FD5-604F-8C98-DCC91BE84583}" type="slidenum">
+              <a:rPr lang="en-US" smtClean="0"/>
+              <a:t>34</a:t>
+            </a:fld>
+            <a:endParaRPr lang="en-US"/>
+          </a:p>
+        </p:txBody>
+      </p:sp>
+    </p:spTree>
+    <p:extLst>
+      <p:ext uri="{BB962C8B-B14F-4D97-AF65-F5344CB8AC3E}">
+        <p14:creationId xmlns:p14="http://schemas.microsoft.com/office/powerpoint/2010/main" val="3897885859"/>
+      </p:ext>
+    </p:extLst>
+  </p:cSld>
+  <p:clrMapOvr>
+    <a:masterClrMapping/>
+  </p:clrMapOvr>
+</p:sld>
+</file>
+
+<file path=ppt/slides/slide35.xml><?xml version="1.0" encoding="utf-8"?>
+<p:sld xmlns:a="http://schemas.openxmlformats.org/drawingml/2006/main" xmlns:r="http://schemas.openxmlformats.org/officeDocument/2006/relationships" xmlns:p="http://schemas.openxmlformats.org/presentationml/2006/main">
+  <p:cSld>
+    <p:spTree>
+      <p:nvGrpSpPr>
+        <p:cNvPr id="1" name="">
+          <a:extLst>
+            <a:ext uri="{FF2B5EF4-FFF2-40B4-BE49-F238E27FC236}">
+              <a16:creationId xmlns:a16="http://schemas.microsoft.com/office/drawing/2014/main" id="{BA7C86BA-5877-CC53-4DEA-AE7B11D695B3}"/>
+            </a:ext>
+          </a:extLst>
+        </p:cNvPr>
+        <p:cNvGrpSpPr/>
+        <p:nvPr/>
+      </p:nvGrpSpPr>
+      <p:grpSpPr>
+        <a:xfrm>
+          <a:off x="0" y="0"/>
+          <a:ext cx="0" cy="0"/>
+          <a:chOff x="0" y="0"/>
+          <a:chExt cx="0" cy="0"/>
+        </a:xfrm>
+      </p:grpSpPr>
+      <p:sp>
+        <p:nvSpPr>
+          <p:cNvPr id="2" name="Title 1">
+            <a:extLst>
+              <a:ext uri="{FF2B5EF4-FFF2-40B4-BE49-F238E27FC236}">
+                <a16:creationId xmlns:a16="http://schemas.microsoft.com/office/drawing/2014/main" id="{FA7855FC-A2E8-8DBE-CA4A-68FDAA8A4332}"/>
+              </a:ext>
+            </a:extLst>
+          </p:cNvPr>
+          <p:cNvSpPr>
+            <a:spLocks noGrp="1"/>
+          </p:cNvSpPr>
+          <p:nvPr>
+            <p:ph type="title"/>
+          </p:nvPr>
+        </p:nvSpPr>
+        <p:spPr/>
+        <p:txBody>
+          <a:bodyPr/>
+          <a:lstStyle/>
+          <a:p>
+            <a:r>
+              <a:rPr lang="en-US" dirty="0"/>
+              <a:t>Main course topics</a:t>
+            </a:r>
+          </a:p>
+        </p:txBody>
+      </p:sp>
+      <p:sp>
+        <p:nvSpPr>
+          <p:cNvPr id="3" name="Content Placeholder 2">
+            <a:extLst>
+              <a:ext uri="{FF2B5EF4-FFF2-40B4-BE49-F238E27FC236}">
+                <a16:creationId xmlns:a16="http://schemas.microsoft.com/office/drawing/2014/main" id="{E21D6EEC-074C-6F97-56D2-DCA3DB28292F}"/>
+              </a:ext>
+            </a:extLst>
+          </p:cNvPr>
+          <p:cNvSpPr>
+            <a:spLocks noGrp="1"/>
+          </p:cNvSpPr>
+          <p:nvPr>
+            <p:ph idx="1"/>
+          </p:nvPr>
+        </p:nvSpPr>
+        <p:spPr/>
+        <p:txBody>
+          <a:bodyPr/>
+          <a:lstStyle/>
+          <a:p>
+            <a:r>
+              <a:rPr lang="en-US" dirty="0"/>
+              <a:t>How to write </a:t>
+            </a:r>
+            <a:r>
+              <a:rPr lang="en-US" u="sng" dirty="0"/>
+              <a:t>quality</a:t>
+            </a:r>
+            <a:r>
+              <a:rPr lang="en-US" dirty="0"/>
+              <a:t> code?</a:t>
+            </a:r>
+          </a:p>
+          <a:p>
+            <a:pPr lvl="1"/>
+            <a:r>
+              <a:rPr lang="en-US" altLang="zh-CN" dirty="0"/>
+              <a:t>Usable</a:t>
+            </a:r>
+            <a:endParaRPr lang="en-US" dirty="0"/>
+          </a:p>
+          <a:p>
+            <a:pPr lvl="1"/>
+            <a:r>
+              <a:rPr lang="en-US" dirty="0"/>
+              <a:t>Less error-prone</a:t>
+            </a:r>
+          </a:p>
+          <a:p>
+            <a:pPr lvl="1"/>
+            <a:r>
+              <a:rPr lang="en-US" dirty="0"/>
+              <a:t>Easier to maintain</a:t>
+            </a:r>
+          </a:p>
+          <a:p>
+            <a:pPr lvl="1"/>
+            <a:r>
+              <a:rPr lang="en-US" dirty="0"/>
+              <a:t>Reusable</a:t>
+            </a:r>
+          </a:p>
+          <a:p>
+            <a:pPr lvl="1"/>
+            <a:r>
+              <a:rPr lang="en-US" dirty="0"/>
+              <a:t>…</a:t>
+            </a:r>
+          </a:p>
+          <a:p>
+            <a:r>
+              <a:rPr lang="en-US" dirty="0"/>
+              <a:t>How to </a:t>
+            </a:r>
+            <a:r>
+              <a:rPr lang="en-US" u="sng" dirty="0"/>
+              <a:t>manage</a:t>
+            </a:r>
+            <a:r>
+              <a:rPr lang="en-US" dirty="0"/>
+              <a:t> a software project effectively?</a:t>
+            </a:r>
+          </a:p>
+          <a:p>
+            <a:endParaRPr lang="en-US" dirty="0"/>
+          </a:p>
+          <a:p>
+            <a:pPr lvl="1"/>
+            <a:endParaRPr lang="en-US" dirty="0"/>
+          </a:p>
+          <a:p>
+            <a:endParaRPr lang="en-US" dirty="0"/>
+          </a:p>
+          <a:p>
+            <a:endParaRPr lang="en-US" dirty="0"/>
+          </a:p>
+        </p:txBody>
+      </p:sp>
+      <p:sp>
+        <p:nvSpPr>
+          <p:cNvPr id="4" name="Slide Number Placeholder 3">
+            <a:extLst>
+              <a:ext uri="{FF2B5EF4-FFF2-40B4-BE49-F238E27FC236}">
+                <a16:creationId xmlns:a16="http://schemas.microsoft.com/office/drawing/2014/main" id="{F857987F-894F-663F-291F-2E1A6AE37818}"/>
+              </a:ext>
+            </a:extLst>
+          </p:cNvPr>
+          <p:cNvSpPr>
+            <a:spLocks noGrp="1"/>
+          </p:cNvSpPr>
+          <p:nvPr>
+            <p:ph type="sldNum" sz="quarter" idx="12"/>
+          </p:nvPr>
+        </p:nvSpPr>
+        <p:spPr/>
+        <p:txBody>
+          <a:bodyPr/>
+          <a:lstStyle/>
+          <a:p>
+            <a:fld id="{3AB30462-0FD5-604F-8C98-DCC91BE84583}" type="slidenum">
+              <a:rPr lang="en-US" smtClean="0"/>
+              <a:t>35</a:t>
+            </a:fld>
+            <a:endParaRPr lang="en-US"/>
+          </a:p>
+        </p:txBody>
+      </p:sp>
+    </p:spTree>
+    <p:extLst>
+      <p:ext uri="{BB962C8B-B14F-4D97-AF65-F5344CB8AC3E}">
+        <p14:creationId xmlns:p14="http://schemas.microsoft.com/office/powerpoint/2010/main" val="2107989568"/>
+      </p:ext>
+    </p:extLst>
+  </p:cSld>
+  <p:clrMapOvr>
+    <a:masterClrMapping/>
+  </p:clrMapOvr>
+</p:sld>
+</file>
+
+<file path=ppt/slides/slide36.xml><?xml version="1.0" encoding="utf-8"?>
+<p:sld xmlns:a="http://schemas.openxmlformats.org/drawingml/2006/main" xmlns:r="http://schemas.openxmlformats.org/officeDocument/2006/relationships" xmlns:p="http://schemas.openxmlformats.org/presentationml/2006/main">
+  <p:cSld>
+    <p:spTree>
+      <p:nvGrpSpPr>
+        <p:cNvPr id="1" name="">
+          <a:extLst>
+            <a:ext uri="{FF2B5EF4-FFF2-40B4-BE49-F238E27FC236}">
+              <a16:creationId xmlns:a16="http://schemas.microsoft.com/office/drawing/2014/main" id="{EFC2373B-C16D-DA25-3264-93A826BFA945}"/>
+            </a:ext>
+          </a:extLst>
+        </p:cNvPr>
+        <p:cNvGrpSpPr/>
+        <p:nvPr/>
+      </p:nvGrpSpPr>
+      <p:grpSpPr>
+        <a:xfrm>
+          <a:off x="0" y="0"/>
+          <a:ext cx="0" cy="0"/>
+          <a:chOff x="0" y="0"/>
+          <a:chExt cx="0" cy="0"/>
+        </a:xfrm>
+      </p:grpSpPr>
+      <p:sp>
+        <p:nvSpPr>
+          <p:cNvPr id="2" name="Title 1">
+            <a:extLst>
+              <a:ext uri="{FF2B5EF4-FFF2-40B4-BE49-F238E27FC236}">
+                <a16:creationId xmlns:a16="http://schemas.microsoft.com/office/drawing/2014/main" id="{044E33EA-0C32-D87F-938C-0299354C5A7E}"/>
+              </a:ext>
+            </a:extLst>
+          </p:cNvPr>
+          <p:cNvSpPr>
+            <a:spLocks noGrp="1"/>
+          </p:cNvSpPr>
+          <p:nvPr>
+            <p:ph type="title"/>
+          </p:nvPr>
+        </p:nvSpPr>
+        <p:spPr/>
+        <p:txBody>
+          <a:bodyPr/>
+          <a:lstStyle/>
+          <a:p>
+            <a:r>
+              <a:rPr lang="en-US" dirty="0"/>
+              <a:t>Main course topics</a:t>
+            </a:r>
+          </a:p>
+        </p:txBody>
+      </p:sp>
+      <p:sp>
+        <p:nvSpPr>
+          <p:cNvPr id="3" name="Content Placeholder 2">
+            <a:extLst>
+              <a:ext uri="{FF2B5EF4-FFF2-40B4-BE49-F238E27FC236}">
+                <a16:creationId xmlns:a16="http://schemas.microsoft.com/office/drawing/2014/main" id="{1D5BB1B1-A45B-9016-E837-9E2473C61555}"/>
+              </a:ext>
+            </a:extLst>
+          </p:cNvPr>
+          <p:cNvSpPr>
+            <a:spLocks noGrp="1"/>
+          </p:cNvSpPr>
+          <p:nvPr>
+            <p:ph idx="1"/>
+          </p:nvPr>
+        </p:nvSpPr>
+        <p:spPr/>
+        <p:txBody>
+          <a:bodyPr/>
+          <a:lstStyle/>
+          <a:p>
+            <a:r>
+              <a:rPr lang="en-US" dirty="0"/>
+              <a:t>How to write </a:t>
+            </a:r>
+            <a:r>
+              <a:rPr lang="en-US" u="sng" dirty="0"/>
+              <a:t>quality</a:t>
+            </a:r>
+            <a:r>
+              <a:rPr lang="en-US" dirty="0"/>
+              <a:t> code?</a:t>
+            </a:r>
+          </a:p>
+          <a:p>
+            <a:pPr lvl="1"/>
+            <a:r>
+              <a:rPr lang="en-US" altLang="zh-CN" dirty="0"/>
+              <a:t>Usable</a:t>
+            </a:r>
+            <a:endParaRPr lang="en-US" dirty="0"/>
+          </a:p>
+          <a:p>
+            <a:pPr lvl="1"/>
+            <a:r>
+              <a:rPr lang="en-US" dirty="0"/>
+              <a:t>Less error-prone</a:t>
+            </a:r>
+          </a:p>
+          <a:p>
+            <a:pPr lvl="1"/>
+            <a:r>
+              <a:rPr lang="en-US" dirty="0"/>
+              <a:t>Easier to maintain</a:t>
+            </a:r>
+          </a:p>
+          <a:p>
+            <a:pPr lvl="1"/>
+            <a:r>
+              <a:rPr lang="en-US" dirty="0"/>
+              <a:t>Reusable</a:t>
+            </a:r>
+          </a:p>
+          <a:p>
+            <a:pPr lvl="1"/>
+            <a:r>
+              <a:rPr lang="en-US" dirty="0"/>
+              <a:t>…</a:t>
+            </a:r>
+          </a:p>
+          <a:p>
+            <a:r>
+              <a:rPr lang="en-US" dirty="0"/>
+              <a:t>How to </a:t>
+            </a:r>
+            <a:r>
+              <a:rPr lang="en-US" u="sng" dirty="0"/>
+              <a:t>manage</a:t>
+            </a:r>
+            <a:r>
+              <a:rPr lang="en-US" dirty="0"/>
+              <a:t> a software project effectively?</a:t>
+            </a:r>
+          </a:p>
+          <a:p>
+            <a:pPr lvl="1"/>
+            <a:r>
+              <a:rPr lang="en-US" dirty="0"/>
+              <a:t>Meet the user requirements</a:t>
+            </a:r>
+          </a:p>
+          <a:p>
+            <a:pPr lvl="1"/>
+            <a:r>
+              <a:rPr lang="en-US" dirty="0"/>
+              <a:t>Delivered in a timely manner</a:t>
+            </a:r>
+          </a:p>
+          <a:p>
+            <a:pPr lvl="1"/>
+            <a:r>
+              <a:rPr lang="en-US" dirty="0"/>
+              <a:t>…</a:t>
+            </a:r>
+          </a:p>
+          <a:p>
+            <a:pPr lvl="1"/>
+            <a:endParaRPr lang="en-US" dirty="0"/>
+          </a:p>
+          <a:p>
+            <a:endParaRPr lang="en-US" dirty="0"/>
+          </a:p>
+          <a:p>
+            <a:pPr lvl="1"/>
+            <a:endParaRPr lang="en-US" dirty="0"/>
+          </a:p>
+          <a:p>
+            <a:endParaRPr lang="en-US" dirty="0"/>
+          </a:p>
+          <a:p>
+            <a:endParaRPr lang="en-US" dirty="0"/>
+          </a:p>
+        </p:txBody>
+      </p:sp>
+      <p:sp>
+        <p:nvSpPr>
+          <p:cNvPr id="4" name="Slide Number Placeholder 3">
+            <a:extLst>
+              <a:ext uri="{FF2B5EF4-FFF2-40B4-BE49-F238E27FC236}">
+                <a16:creationId xmlns:a16="http://schemas.microsoft.com/office/drawing/2014/main" id="{3ADB5785-52A1-2D23-11E2-85983AA74D67}"/>
+              </a:ext>
+            </a:extLst>
+          </p:cNvPr>
+          <p:cNvSpPr>
+            <a:spLocks noGrp="1"/>
+          </p:cNvSpPr>
+          <p:nvPr>
+            <p:ph type="sldNum" sz="quarter" idx="12"/>
+          </p:nvPr>
+        </p:nvSpPr>
+        <p:spPr/>
+        <p:txBody>
+          <a:bodyPr/>
+          <a:lstStyle/>
+          <a:p>
+            <a:fld id="{3AB30462-0FD5-604F-8C98-DCC91BE84583}" type="slidenum">
+              <a:rPr lang="en-US" smtClean="0"/>
+              <a:t>36</a:t>
+            </a:fld>
+            <a:endParaRPr lang="en-US"/>
+          </a:p>
+        </p:txBody>
+      </p:sp>
+    </p:spTree>
+    <p:extLst>
+      <p:ext uri="{BB962C8B-B14F-4D97-AF65-F5344CB8AC3E}">
+        <p14:creationId xmlns:p14="http://schemas.microsoft.com/office/powerpoint/2010/main" val="1624227512"/>
       </p:ext>
     </p:extLst>
   </p:cSld>
@@ -7484,6 +10151,35 @@
           </a:prstGeom>
         </p:spPr>
       </p:pic>
+      <p:sp>
+        <p:nvSpPr>
+          <p:cNvPr id="4" name="Slide Number Placeholder 3">
+            <a:extLst>
+              <a:ext uri="{FF2B5EF4-FFF2-40B4-BE49-F238E27FC236}">
+                <a16:creationId xmlns:a16="http://schemas.microsoft.com/office/drawing/2014/main" id="{6ADA9209-5AEB-C965-71EC-AFB92B7D0A4C}"/>
+              </a:ext>
+            </a:extLst>
+          </p:cNvPr>
+          <p:cNvSpPr>
+            <a:spLocks noGrp="1"/>
+          </p:cNvSpPr>
+          <p:nvPr>
+            <p:ph type="sldNum" sz="quarter" idx="12"/>
+          </p:nvPr>
+        </p:nvSpPr>
+        <p:spPr/>
+        <p:txBody>
+          <a:bodyPr/>
+          <a:lstStyle/>
+          <a:p>
+            <a:fld id="{3AB30462-0FD5-604F-8C98-DCC91BE84583}" type="slidenum">
+              <a:rPr lang="en-US" smtClean="0"/>
+              <a:t>4</a:t>
+            </a:fld>
+            <a:endParaRPr lang="en-US"/>
+          </a:p>
+        </p:txBody>
+      </p:sp>
     </p:spTree>
     <p:extLst>
       <p:ext uri="{BB962C8B-B14F-4D97-AF65-F5344CB8AC3E}">
@@ -7928,6 +10624,35 @@
           </a:extLst>
         </p:spPr>
       </p:pic>
+      <p:sp>
+        <p:nvSpPr>
+          <p:cNvPr id="4" name="Slide Number Placeholder 3">
+            <a:extLst>
+              <a:ext uri="{FF2B5EF4-FFF2-40B4-BE49-F238E27FC236}">
+                <a16:creationId xmlns:a16="http://schemas.microsoft.com/office/drawing/2014/main" id="{29312233-511D-3574-C8A9-354B1E908D5D}"/>
+              </a:ext>
+            </a:extLst>
+          </p:cNvPr>
+          <p:cNvSpPr>
+            <a:spLocks noGrp="1"/>
+          </p:cNvSpPr>
+          <p:nvPr>
+            <p:ph type="sldNum" sz="quarter" idx="12"/>
+          </p:nvPr>
+        </p:nvSpPr>
+        <p:spPr/>
+        <p:txBody>
+          <a:bodyPr/>
+          <a:lstStyle/>
+          <a:p>
+            <a:fld id="{3AB30462-0FD5-604F-8C98-DCC91BE84583}" type="slidenum">
+              <a:rPr lang="en-US" smtClean="0"/>
+              <a:t>5</a:t>
+            </a:fld>
+            <a:endParaRPr lang="en-US"/>
+          </a:p>
+        </p:txBody>
+      </p:sp>
     </p:spTree>
     <p:extLst>
       <p:ext uri="{BB962C8B-B14F-4D97-AF65-F5344CB8AC3E}">
@@ -8056,6 +10781,35 @@
           </a:p>
         </p:txBody>
       </p:sp>
+      <p:sp>
+        <p:nvSpPr>
+          <p:cNvPr id="4" name="Slide Number Placeholder 3">
+            <a:extLst>
+              <a:ext uri="{FF2B5EF4-FFF2-40B4-BE49-F238E27FC236}">
+                <a16:creationId xmlns:a16="http://schemas.microsoft.com/office/drawing/2014/main" id="{CDBF71EB-8A73-27D8-6062-55BE432A7618}"/>
+              </a:ext>
+            </a:extLst>
+          </p:cNvPr>
+          <p:cNvSpPr>
+            <a:spLocks noGrp="1"/>
+          </p:cNvSpPr>
+          <p:nvPr>
+            <p:ph type="sldNum" sz="quarter" idx="12"/>
+          </p:nvPr>
+        </p:nvSpPr>
+        <p:spPr/>
+        <p:txBody>
+          <a:bodyPr/>
+          <a:lstStyle/>
+          <a:p>
+            <a:fld id="{3AB30462-0FD5-604F-8C98-DCC91BE84583}" type="slidenum">
+              <a:rPr lang="en-US" smtClean="0"/>
+              <a:t>6</a:t>
+            </a:fld>
+            <a:endParaRPr lang="en-US"/>
+          </a:p>
+        </p:txBody>
+      </p:sp>
     </p:spTree>
     <p:extLst>
       <p:ext uri="{BB962C8B-B14F-4D97-AF65-F5344CB8AC3E}">
@@ -8318,6 +11072,35 @@
           </a:p>
         </p:txBody>
       </p:sp>
+      <p:sp>
+        <p:nvSpPr>
+          <p:cNvPr id="4" name="Slide Number Placeholder 3">
+            <a:extLst>
+              <a:ext uri="{FF2B5EF4-FFF2-40B4-BE49-F238E27FC236}">
+                <a16:creationId xmlns:a16="http://schemas.microsoft.com/office/drawing/2014/main" id="{B18C4E86-0E11-B8F0-0B4F-F551D75A62B0}"/>
+              </a:ext>
+            </a:extLst>
+          </p:cNvPr>
+          <p:cNvSpPr>
+            <a:spLocks noGrp="1"/>
+          </p:cNvSpPr>
+          <p:nvPr>
+            <p:ph type="sldNum" sz="quarter" idx="12"/>
+          </p:nvPr>
+        </p:nvSpPr>
+        <p:spPr/>
+        <p:txBody>
+          <a:bodyPr/>
+          <a:lstStyle/>
+          <a:p>
+            <a:fld id="{3AB30462-0FD5-604F-8C98-DCC91BE84583}" type="slidenum">
+              <a:rPr lang="en-US" smtClean="0"/>
+              <a:t>7</a:t>
+            </a:fld>
+            <a:endParaRPr lang="en-US"/>
+          </a:p>
+        </p:txBody>
+      </p:sp>
     </p:spTree>
     <p:extLst>
       <p:ext uri="{BB962C8B-B14F-4D97-AF65-F5344CB8AC3E}">
@@ -8755,6 +11538,35 @@
           </a:p>
         </p:txBody>
       </p:sp>
+      <p:sp>
+        <p:nvSpPr>
+          <p:cNvPr id="9" name="Slide Number Placeholder 8">
+            <a:extLst>
+              <a:ext uri="{FF2B5EF4-FFF2-40B4-BE49-F238E27FC236}">
+                <a16:creationId xmlns:a16="http://schemas.microsoft.com/office/drawing/2014/main" id="{43B92DE5-EF75-07A5-E85D-DE0815F544B6}"/>
+              </a:ext>
+            </a:extLst>
+          </p:cNvPr>
+          <p:cNvSpPr>
+            <a:spLocks noGrp="1"/>
+          </p:cNvSpPr>
+          <p:nvPr>
+            <p:ph type="sldNum" sz="quarter" idx="12"/>
+          </p:nvPr>
+        </p:nvSpPr>
+        <p:spPr/>
+        <p:txBody>
+          <a:bodyPr/>
+          <a:lstStyle/>
+          <a:p>
+            <a:fld id="{3AB30462-0FD5-604F-8C98-DCC91BE84583}" type="slidenum">
+              <a:rPr lang="en-US" smtClean="0"/>
+              <a:t>8</a:t>
+            </a:fld>
+            <a:endParaRPr lang="en-US"/>
+          </a:p>
+        </p:txBody>
+      </p:sp>
     </p:spTree>
     <p:extLst>
       <p:ext uri="{BB962C8B-B14F-4D97-AF65-F5344CB8AC3E}">
@@ -9036,6 +11848,35 @@
           </a:p>
           <a:p>
             <a:endParaRPr lang="en-US" dirty="0"/>
+          </a:p>
+        </p:txBody>
+      </p:sp>
+      <p:sp>
+        <p:nvSpPr>
+          <p:cNvPr id="4" name="Slide Number Placeholder 3">
+            <a:extLst>
+              <a:ext uri="{FF2B5EF4-FFF2-40B4-BE49-F238E27FC236}">
+                <a16:creationId xmlns:a16="http://schemas.microsoft.com/office/drawing/2014/main" id="{5CB5E7C6-E0E2-2E5F-8985-E19D18DE69AE}"/>
+              </a:ext>
+            </a:extLst>
+          </p:cNvPr>
+          <p:cNvSpPr>
+            <a:spLocks noGrp="1"/>
+          </p:cNvSpPr>
+          <p:nvPr>
+            <p:ph type="sldNum" sz="quarter" idx="12"/>
+          </p:nvPr>
+        </p:nvSpPr>
+        <p:spPr/>
+        <p:txBody>
+          <a:bodyPr/>
+          <a:lstStyle/>
+          <a:p>
+            <a:fld id="{3AB30462-0FD5-604F-8C98-DCC91BE84583}" type="slidenum">
+              <a:rPr lang="en-US" smtClean="0"/>
+              <a:t>9</a:t>
+            </a:fld>
+            <a:endParaRPr lang="en-US"/>
           </a:p>
         </p:txBody>
       </p:sp>
@@ -9345,4 +12186,299 @@
     </a:ext>
   </a:extLst>
 </a:theme>
+</file>
+
+<file path=ppt/theme/theme2.xml><?xml version="1.0" encoding="utf-8"?>
+<a:theme xmlns:a="http://schemas.openxmlformats.org/drawingml/2006/main" name="Office Theme">
+  <a:themeElements>
+    <a:clrScheme name="Office">
+      <a:dk1>
+        <a:sysClr val="windowText" lastClr="000000"/>
+      </a:dk1>
+      <a:lt1>
+        <a:sysClr val="window" lastClr="FFFFFF"/>
+      </a:lt1>
+      <a:dk2>
+        <a:srgbClr val="44546A"/>
+      </a:dk2>
+      <a:lt2>
+        <a:srgbClr val="E7E6E6"/>
+      </a:lt2>
+      <a:accent1>
+        <a:srgbClr val="4472C4"/>
+      </a:accent1>
+      <a:accent2>
+        <a:srgbClr val="ED7D31"/>
+      </a:accent2>
+      <a:accent3>
+        <a:srgbClr val="A5A5A5"/>
+      </a:accent3>
+      <a:accent4>
+        <a:srgbClr val="FFC000"/>
+      </a:accent4>
+      <a:accent5>
+        <a:srgbClr val="5B9BD5"/>
+      </a:accent5>
+      <a:accent6>
+        <a:srgbClr val="70AD47"/>
+      </a:accent6>
+      <a:hlink>
+        <a:srgbClr val="0563C1"/>
+      </a:hlink>
+      <a:folHlink>
+        <a:srgbClr val="954F72"/>
+      </a:folHlink>
+    </a:clrScheme>
+    <a:fontScheme name="Office">
+      <a:majorFont>
+        <a:latin typeface="Calibri Light" panose="020F0302020204030204"/>
+        <a:ea typeface=""/>
+        <a:cs typeface=""/>
+        <a:font script="Jpan" typeface="游ゴシック Light"/>
+        <a:font script="Hang" typeface="맑은 고딕"/>
+        <a:font script="Hans" typeface="等线 Light"/>
+        <a:font script="Hant" typeface="新細明體"/>
+        <a:font script="Arab" typeface="Times New Roman"/>
+        <a:font script="Hebr" typeface="Times New Roman"/>
+        <a:font script="Thai" typeface="Angsana New"/>
+        <a:font script="Ethi" typeface="Nyala"/>
+        <a:font script="Beng" typeface="Vrinda"/>
+        <a:font script="Gujr" typeface="Shruti"/>
+        <a:font script="Khmr" typeface="MoolBoran"/>
+        <a:font script="Knda" typeface="Tunga"/>
+        <a:font script="Guru" typeface="Raavi"/>
+        <a:font script="Cans" typeface="Euphemia"/>
+        <a:font script="Cher" typeface="Plantagenet Cherokee"/>
+        <a:font script="Yiii" typeface="Microsoft Yi Baiti"/>
+        <a:font script="Tibt" typeface="Microsoft Himalaya"/>
+        <a:font script="Thaa" typeface="MV Boli"/>
+        <a:font script="Deva" typeface="Mangal"/>
+        <a:font script="Telu" typeface="Gautami"/>
+        <a:font script="Taml" typeface="Latha"/>
+        <a:font script="Syrc" typeface="Estrangelo Edessa"/>
+        <a:font script="Orya" typeface="Kalinga"/>
+        <a:font script="Mlym" typeface="Kartika"/>
+        <a:font script="Laoo" typeface="DokChampa"/>
+        <a:font script="Sinh" typeface="Iskoola Pota"/>
+        <a:font script="Mong" typeface="Mongolian Baiti"/>
+        <a:font script="Viet" typeface="Times New Roman"/>
+        <a:font script="Uigh" typeface="Microsoft Uighur"/>
+        <a:font script="Geor" typeface="Sylfaen"/>
+        <a:font script="Armn" typeface="Arial"/>
+        <a:font script="Bugi" typeface="Leelawadee UI"/>
+        <a:font script="Bopo" typeface="Microsoft JhengHei"/>
+        <a:font script="Java" typeface="Javanese Text"/>
+        <a:font script="Lisu" typeface="Segoe UI"/>
+        <a:font script="Mymr" typeface="Myanmar Text"/>
+        <a:font script="Nkoo" typeface="Ebrima"/>
+        <a:font script="Olck" typeface="Nirmala UI"/>
+        <a:font script="Osma" typeface="Ebrima"/>
+        <a:font script="Phag" typeface="Phagspa"/>
+        <a:font script="Syrn" typeface="Estrangelo Edessa"/>
+        <a:font script="Syrj" typeface="Estrangelo Edessa"/>
+        <a:font script="Syre" typeface="Estrangelo Edessa"/>
+        <a:font script="Sora" typeface="Nirmala UI"/>
+        <a:font script="Tale" typeface="Microsoft Tai Le"/>
+        <a:font script="Talu" typeface="Microsoft New Tai Lue"/>
+        <a:font script="Tfng" typeface="Ebrima"/>
+      </a:majorFont>
+      <a:minorFont>
+        <a:latin typeface="Calibri" panose="020F0502020204030204"/>
+        <a:ea typeface=""/>
+        <a:cs typeface=""/>
+        <a:font script="Jpan" typeface="游ゴシック"/>
+        <a:font script="Hang" typeface="맑은 고딕"/>
+        <a:font script="Hans" typeface="等线"/>
+        <a:font script="Hant" typeface="新細明體"/>
+        <a:font script="Arab" typeface="Arial"/>
+        <a:font script="Hebr" typeface="Arial"/>
+        <a:font script="Thai" typeface="Cordia New"/>
+        <a:font script="Ethi" typeface="Nyala"/>
+        <a:font script="Beng" typeface="Vrinda"/>
+        <a:font script="Gujr" typeface="Shruti"/>
+        <a:font script="Khmr" typeface="DaunPenh"/>
+        <a:font script="Knda" typeface="Tunga"/>
+        <a:font script="Guru" typeface="Raavi"/>
+        <a:font script="Cans" typeface="Euphemia"/>
+        <a:font script="Cher" typeface="Plantagenet Cherokee"/>
+        <a:font script="Yiii" typeface="Microsoft Yi Baiti"/>
+        <a:font script="Tibt" typeface="Microsoft Himalaya"/>
+        <a:font script="Thaa" typeface="MV Boli"/>
+        <a:font script="Deva" typeface="Mangal"/>
+        <a:font script="Telu" typeface="Gautami"/>
+        <a:font script="Taml" typeface="Latha"/>
+        <a:font script="Syrc" typeface="Estrangelo Edessa"/>
+        <a:font script="Orya" typeface="Kalinga"/>
+        <a:font script="Mlym" typeface="Kartika"/>
+        <a:font script="Laoo" typeface="DokChampa"/>
+        <a:font script="Sinh" typeface="Iskoola Pota"/>
+        <a:font script="Mong" typeface="Mongolian Baiti"/>
+        <a:font script="Viet" typeface="Arial"/>
+        <a:font script="Uigh" typeface="Microsoft Uighur"/>
+        <a:font script="Geor" typeface="Sylfaen"/>
+        <a:font script="Armn" typeface="Arial"/>
+        <a:font script="Bugi" typeface="Leelawadee UI"/>
+        <a:font script="Bopo" typeface="Microsoft JhengHei"/>
+        <a:font script="Java" typeface="Javanese Text"/>
+        <a:font script="Lisu" typeface="Segoe UI"/>
+        <a:font script="Mymr" typeface="Myanmar Text"/>
+        <a:font script="Nkoo" typeface="Ebrima"/>
+        <a:font script="Olck" typeface="Nirmala UI"/>
+        <a:font script="Osma" typeface="Ebrima"/>
+        <a:font script="Phag" typeface="Phagspa"/>
+        <a:font script="Syrn" typeface="Estrangelo Edessa"/>
+        <a:font script="Syrj" typeface="Estrangelo Edessa"/>
+        <a:font script="Syre" typeface="Estrangelo Edessa"/>
+        <a:font script="Sora" typeface="Nirmala UI"/>
+        <a:font script="Tale" typeface="Microsoft Tai Le"/>
+        <a:font script="Talu" typeface="Microsoft New Tai Lue"/>
+        <a:font script="Tfng" typeface="Ebrima"/>
+      </a:minorFont>
+    </a:fontScheme>
+    <a:fmtScheme name="Office">
+      <a:fillStyleLst>
+        <a:solidFill>
+          <a:schemeClr val="phClr"/>
+        </a:solidFill>
+        <a:gradFill rotWithShape="1">
+          <a:gsLst>
+            <a:gs pos="0">
+              <a:schemeClr val="phClr">
+                <a:lumMod val="110000"/>
+                <a:satMod val="105000"/>
+                <a:tint val="67000"/>
+              </a:schemeClr>
+            </a:gs>
+            <a:gs pos="50000">
+              <a:schemeClr val="phClr">
+                <a:lumMod val="105000"/>
+                <a:satMod val="103000"/>
+                <a:tint val="73000"/>
+              </a:schemeClr>
+            </a:gs>
+            <a:gs pos="100000">
+              <a:schemeClr val="phClr">
+                <a:lumMod val="105000"/>
+                <a:satMod val="109000"/>
+                <a:tint val="81000"/>
+              </a:schemeClr>
+            </a:gs>
+          </a:gsLst>
+          <a:lin ang="5400000" scaled="0"/>
+        </a:gradFill>
+        <a:gradFill rotWithShape="1">
+          <a:gsLst>
+            <a:gs pos="0">
+              <a:schemeClr val="phClr">
+                <a:satMod val="103000"/>
+                <a:lumMod val="102000"/>
+                <a:tint val="94000"/>
+              </a:schemeClr>
+            </a:gs>
+            <a:gs pos="50000">
+              <a:schemeClr val="phClr">
+                <a:satMod val="110000"/>
+                <a:lumMod val="100000"/>
+                <a:shade val="100000"/>
+              </a:schemeClr>
+            </a:gs>
+            <a:gs pos="100000">
+              <a:schemeClr val="phClr">
+                <a:lumMod val="99000"/>
+                <a:satMod val="120000"/>
+                <a:shade val="78000"/>
+              </a:schemeClr>
+            </a:gs>
+          </a:gsLst>
+          <a:lin ang="5400000" scaled="0"/>
+        </a:gradFill>
+      </a:fillStyleLst>
+      <a:lnStyleLst>
+        <a:ln w="6350" cap="flat" cmpd="sng" algn="ctr">
+          <a:solidFill>
+            <a:schemeClr val="phClr"/>
+          </a:solidFill>
+          <a:prstDash val="solid"/>
+          <a:miter lim="800000"/>
+        </a:ln>
+        <a:ln w="12700" cap="flat" cmpd="sng" algn="ctr">
+          <a:solidFill>
+            <a:schemeClr val="phClr"/>
+          </a:solidFill>
+          <a:prstDash val="solid"/>
+          <a:miter lim="800000"/>
+        </a:ln>
+        <a:ln w="19050" cap="flat" cmpd="sng" algn="ctr">
+          <a:solidFill>
+            <a:schemeClr val="phClr"/>
+          </a:solidFill>
+          <a:prstDash val="solid"/>
+          <a:miter lim="800000"/>
+        </a:ln>
+      </a:lnStyleLst>
+      <a:effectStyleLst>
+        <a:effectStyle>
+          <a:effectLst/>
+        </a:effectStyle>
+        <a:effectStyle>
+          <a:effectLst/>
+        </a:effectStyle>
+        <a:effectStyle>
+          <a:effectLst>
+            <a:outerShdw blurRad="57150" dist="19050" dir="5400000" algn="ctr" rotWithShape="0">
+              <a:srgbClr val="000000">
+                <a:alpha val="63000"/>
+              </a:srgbClr>
+            </a:outerShdw>
+          </a:effectLst>
+        </a:effectStyle>
+      </a:effectStyleLst>
+      <a:bgFillStyleLst>
+        <a:solidFill>
+          <a:schemeClr val="phClr"/>
+        </a:solidFill>
+        <a:solidFill>
+          <a:schemeClr val="phClr">
+            <a:tint val="95000"/>
+            <a:satMod val="170000"/>
+          </a:schemeClr>
+        </a:solidFill>
+        <a:gradFill rotWithShape="1">
+          <a:gsLst>
+            <a:gs pos="0">
+              <a:schemeClr val="phClr">
+                <a:tint val="93000"/>
+                <a:satMod val="150000"/>
+                <a:shade val="98000"/>
+                <a:lumMod val="102000"/>
+              </a:schemeClr>
+            </a:gs>
+            <a:gs pos="50000">
+              <a:schemeClr val="phClr">
+                <a:tint val="98000"/>
+                <a:satMod val="130000"/>
+                <a:shade val="90000"/>
+                <a:lumMod val="103000"/>
+              </a:schemeClr>
+            </a:gs>
+            <a:gs pos="100000">
+              <a:schemeClr val="phClr">
+                <a:shade val="63000"/>
+                <a:satMod val="120000"/>
+              </a:schemeClr>
+            </a:gs>
+          </a:gsLst>
+          <a:lin ang="5400000" scaled="0"/>
+        </a:gradFill>
+      </a:bgFillStyleLst>
+    </a:fmtScheme>
+  </a:themeElements>
+  <a:objectDefaults/>
+  <a:extraClrSchemeLst/>
+  <a:extLst>
+    <a:ext uri="{05A4C25C-085E-4340-85A3-A5531E510DB2}">
+      <thm15:themeFamily xmlns:thm15="http://schemas.microsoft.com/office/thememl/2012/main" name="Office Theme" id="{62F939B6-93AF-4DB8-9C6B-D6C7DFDC589F}" vid="{4A3C46E8-61CC-4603-A589-7422A47A8E4A}"/>
+    </a:ext>
+  </a:extLst>
+</a:theme>
 </file>